--- a/20180518_AO_design_report/images/images_sketch.pptx
+++ b/20180518_AO_design_report/images/images_sketch.pptx
@@ -5,7 +5,7 @@
     <p:sldMasterId id="2147483648" r:id="rId1"/>
   </p:sldMasterIdLst>
   <p:notesMasterIdLst>
-    <p:notesMasterId r:id="rId8"/>
+    <p:notesMasterId r:id="rId10"/>
   </p:notesMasterIdLst>
   <p:sldIdLst>
     <p:sldId id="256" r:id="rId2"/>
@@ -14,6 +14,8 @@
     <p:sldId id="259" r:id="rId5"/>
     <p:sldId id="260" r:id="rId6"/>
     <p:sldId id="261" r:id="rId7"/>
+    <p:sldId id="262" r:id="rId8"/>
+    <p:sldId id="263" r:id="rId9"/>
   </p:sldIdLst>
   <p:sldSz cx="12192000" cy="6858000"/>
   <p:notesSz cx="6858000" cy="9144000"/>
@@ -202,7 +204,7 @@
           <a:p>
             <a:fld id="{8EDEE2E2-4BE4-41CA-94FC-BC9DC2A64380}" type="datetimeFigureOut">
               <a:rPr lang="en-GB" smtClean="0"/>
-              <a:t>24/05/2018</a:t>
+              <a:t>30/05/2018</a:t>
             </a:fld>
             <a:endParaRPr lang="en-GB"/>
           </a:p>
@@ -601,7 +603,7 @@
           <a:p>
             <a:fld id="{24AF4860-EF53-429F-9816-8C3FCB6EDEF9}" type="datetimeFigureOut">
               <a:rPr lang="en-GB" smtClean="0"/>
-              <a:t>24/05/2018</a:t>
+              <a:t>30/05/2018</a:t>
             </a:fld>
             <a:endParaRPr lang="en-GB"/>
           </a:p>
@@ -771,7 +773,7 @@
           <a:p>
             <a:fld id="{24AF4860-EF53-429F-9816-8C3FCB6EDEF9}" type="datetimeFigureOut">
               <a:rPr lang="en-GB" smtClean="0"/>
-              <a:t>24/05/2018</a:t>
+              <a:t>30/05/2018</a:t>
             </a:fld>
             <a:endParaRPr lang="en-GB"/>
           </a:p>
@@ -951,7 +953,7 @@
           <a:p>
             <a:fld id="{24AF4860-EF53-429F-9816-8C3FCB6EDEF9}" type="datetimeFigureOut">
               <a:rPr lang="en-GB" smtClean="0"/>
-              <a:t>24/05/2018</a:t>
+              <a:t>30/05/2018</a:t>
             </a:fld>
             <a:endParaRPr lang="en-GB"/>
           </a:p>
@@ -1121,7 +1123,7 @@
           <a:p>
             <a:fld id="{24AF4860-EF53-429F-9816-8C3FCB6EDEF9}" type="datetimeFigureOut">
               <a:rPr lang="en-GB" smtClean="0"/>
-              <a:t>24/05/2018</a:t>
+              <a:t>30/05/2018</a:t>
             </a:fld>
             <a:endParaRPr lang="en-GB"/>
           </a:p>
@@ -1367,7 +1369,7 @@
           <a:p>
             <a:fld id="{24AF4860-EF53-429F-9816-8C3FCB6EDEF9}" type="datetimeFigureOut">
               <a:rPr lang="en-GB" smtClean="0"/>
-              <a:t>24/05/2018</a:t>
+              <a:t>30/05/2018</a:t>
             </a:fld>
             <a:endParaRPr lang="en-GB"/>
           </a:p>
@@ -1599,7 +1601,7 @@
           <a:p>
             <a:fld id="{24AF4860-EF53-429F-9816-8C3FCB6EDEF9}" type="datetimeFigureOut">
               <a:rPr lang="en-GB" smtClean="0"/>
-              <a:t>24/05/2018</a:t>
+              <a:t>30/05/2018</a:t>
             </a:fld>
             <a:endParaRPr lang="en-GB"/>
           </a:p>
@@ -1966,7 +1968,7 @@
           <a:p>
             <a:fld id="{24AF4860-EF53-429F-9816-8C3FCB6EDEF9}" type="datetimeFigureOut">
               <a:rPr lang="en-GB" smtClean="0"/>
-              <a:t>24/05/2018</a:t>
+              <a:t>30/05/2018</a:t>
             </a:fld>
             <a:endParaRPr lang="en-GB"/>
           </a:p>
@@ -2084,7 +2086,7 @@
           <a:p>
             <a:fld id="{24AF4860-EF53-429F-9816-8C3FCB6EDEF9}" type="datetimeFigureOut">
               <a:rPr lang="en-GB" smtClean="0"/>
-              <a:t>24/05/2018</a:t>
+              <a:t>30/05/2018</a:t>
             </a:fld>
             <a:endParaRPr lang="en-GB"/>
           </a:p>
@@ -2179,7 +2181,7 @@
           <a:p>
             <a:fld id="{24AF4860-EF53-429F-9816-8C3FCB6EDEF9}" type="datetimeFigureOut">
               <a:rPr lang="en-GB" smtClean="0"/>
-              <a:t>24/05/2018</a:t>
+              <a:t>30/05/2018</a:t>
             </a:fld>
             <a:endParaRPr lang="en-GB"/>
           </a:p>
@@ -2456,7 +2458,7 @@
           <a:p>
             <a:fld id="{24AF4860-EF53-429F-9816-8C3FCB6EDEF9}" type="datetimeFigureOut">
               <a:rPr lang="en-GB" smtClean="0"/>
-              <a:t>24/05/2018</a:t>
+              <a:t>30/05/2018</a:t>
             </a:fld>
             <a:endParaRPr lang="en-GB"/>
           </a:p>
@@ -2709,7 +2711,7 @@
           <a:p>
             <a:fld id="{24AF4860-EF53-429F-9816-8C3FCB6EDEF9}" type="datetimeFigureOut">
               <a:rPr lang="en-GB" smtClean="0"/>
-              <a:t>24/05/2018</a:t>
+              <a:t>30/05/2018</a:t>
             </a:fld>
             <a:endParaRPr lang="en-GB"/>
           </a:p>
@@ -2922,7 +2924,7 @@
           <a:p>
             <a:fld id="{24AF4860-EF53-429F-9816-8C3FCB6EDEF9}" type="datetimeFigureOut">
               <a:rPr lang="en-GB" smtClean="0"/>
-              <a:t>24/05/2018</a:t>
+              <a:t>30/05/2018</a:t>
             </a:fld>
             <a:endParaRPr lang="en-GB"/>
           </a:p>
@@ -6357,8 +6359,8 @@
           </a:p>
         </p:txBody>
       </p:sp>
-      <mc:AlternateContent xmlns:mc="http://schemas.openxmlformats.org/markup-compatibility/2006">
-        <mc:Choice xmlns:a14="http://schemas.microsoft.com/office/drawing/2010/main" Requires="a14">
+      <mc:AlternateContent xmlns:mc="http://schemas.openxmlformats.org/markup-compatibility/2006" xmlns:a14="http://schemas.microsoft.com/office/drawing/2010/main">
+        <mc:Choice Requires="a14">
           <p:sp>
             <p:nvSpPr>
               <p:cNvPr id="10" name="ZoneTexte 9"/>
@@ -6403,7 +6405,7 @@
             </p:txBody>
           </p:sp>
         </mc:Choice>
-        <mc:Fallback>
+        <mc:Fallback xmlns="">
           <p:sp>
             <p:nvSpPr>
               <p:cNvPr id="10" name="ZoneTexte 9"/>
@@ -7185,6 +7187,533 @@
     <p:extLst>
       <p:ext uri="{BB962C8B-B14F-4D97-AF65-F5344CB8AC3E}">
         <p14:creationId xmlns:p14="http://schemas.microsoft.com/office/powerpoint/2010/main" val="679710243"/>
+      </p:ext>
+    </p:extLst>
+  </p:cSld>
+  <p:clrMapOvr>
+    <a:masterClrMapping/>
+  </p:clrMapOvr>
+</p:sld>
+</file>
+
+<file path=ppt/slides/slide7.xml><?xml version="1.0" encoding="utf-8"?>
+<p:sld xmlns:a="http://schemas.openxmlformats.org/drawingml/2006/main" xmlns:r="http://schemas.openxmlformats.org/officeDocument/2006/relationships" xmlns:p="http://schemas.openxmlformats.org/presentationml/2006/main">
+  <p:cSld>
+    <p:spTree>
+      <p:nvGrpSpPr>
+        <p:cNvPr id="1" name=""/>
+        <p:cNvGrpSpPr/>
+        <p:nvPr/>
+      </p:nvGrpSpPr>
+      <p:grpSpPr>
+        <a:xfrm>
+          <a:off x="0" y="0"/>
+          <a:ext cx="0" cy="0"/>
+          <a:chOff x="0" y="0"/>
+          <a:chExt cx="0" cy="0"/>
+        </a:xfrm>
+      </p:grpSpPr>
+      <p:pic>
+        <p:nvPicPr>
+          <p:cNvPr id="13" name="Image 12"/>
+          <p:cNvPicPr>
+            <a:picLocks noChangeAspect="1"/>
+          </p:cNvPicPr>
+          <p:nvPr/>
+        </p:nvPicPr>
+        <p:blipFill>
+          <a:blip r:embed="rId2"/>
+          <a:stretch>
+            <a:fillRect/>
+          </a:stretch>
+        </p:blipFill>
+        <p:spPr>
+          <a:xfrm>
+            <a:off x="-133350" y="-128588"/>
+            <a:ext cx="12458700" cy="7115175"/>
+          </a:xfrm>
+          <a:prstGeom prst="rect">
+            <a:avLst/>
+          </a:prstGeom>
+        </p:spPr>
+      </p:pic>
+      <p:sp>
+        <p:nvSpPr>
+          <p:cNvPr id="5" name="ZoneTexte 4"/>
+          <p:cNvSpPr txBox="1"/>
+          <p:nvPr/>
+        </p:nvSpPr>
+        <p:spPr>
+          <a:xfrm>
+            <a:off x="1462238" y="4577122"/>
+            <a:ext cx="766555" cy="553998"/>
+          </a:xfrm>
+          <a:prstGeom prst="rect">
+            <a:avLst/>
+          </a:prstGeom>
+          <a:noFill/>
+        </p:spPr>
+        <p:txBody>
+          <a:bodyPr wrap="none" rtlCol="0">
+            <a:spAutoFit/>
+          </a:bodyPr>
+          <a:lstStyle/>
+          <a:p>
+            <a:pPr algn="ctr"/>
+            <a:r>
+              <a:rPr lang="en-GB" sz="1000" b="1" dirty="0" smtClean="0"/>
+              <a:t>Telescope</a:t>
+            </a:r>
+          </a:p>
+          <a:p>
+            <a:pPr algn="ctr"/>
+            <a:r>
+              <a:rPr lang="en-GB" sz="1000" b="1" dirty="0"/>
+              <a:t>f</a:t>
+            </a:r>
+            <a:r>
+              <a:rPr lang="en-GB" sz="1000" b="1" dirty="0" smtClean="0"/>
+              <a:t>ocal plane</a:t>
+            </a:r>
+          </a:p>
+          <a:p>
+            <a:pPr algn="ctr"/>
+            <a:r>
+              <a:rPr lang="en-GB" sz="1000" b="1" dirty="0" smtClean="0"/>
+              <a:t>(FoV = 1’)</a:t>
+            </a:r>
+            <a:endParaRPr lang="en-GB" sz="1000" b="1" dirty="0"/>
+          </a:p>
+        </p:txBody>
+      </p:sp>
+      <p:sp>
+        <p:nvSpPr>
+          <p:cNvPr id="6" name="ZoneTexte 5"/>
+          <p:cNvSpPr txBox="1"/>
+          <p:nvPr/>
+        </p:nvSpPr>
+        <p:spPr>
+          <a:xfrm>
+            <a:off x="2726680" y="5091210"/>
+            <a:ext cx="881972" cy="553998"/>
+          </a:xfrm>
+          <a:prstGeom prst="rect">
+            <a:avLst/>
+          </a:prstGeom>
+          <a:noFill/>
+        </p:spPr>
+        <p:txBody>
+          <a:bodyPr wrap="none" rtlCol="0">
+            <a:spAutoFit/>
+          </a:bodyPr>
+          <a:lstStyle/>
+          <a:p>
+            <a:pPr algn="ctr"/>
+            <a:r>
+              <a:rPr lang="en-GB" sz="1000" b="1" dirty="0" smtClean="0"/>
+              <a:t>Intermediate</a:t>
+            </a:r>
+          </a:p>
+          <a:p>
+            <a:pPr algn="ctr"/>
+            <a:r>
+              <a:rPr lang="en-GB" sz="1000" b="1" dirty="0"/>
+              <a:t>f</a:t>
+            </a:r>
+            <a:r>
+              <a:rPr lang="en-GB" sz="1000" b="1" dirty="0" smtClean="0"/>
+              <a:t>ocal plane</a:t>
+            </a:r>
+          </a:p>
+          <a:p>
+            <a:pPr algn="ctr"/>
+            <a:r>
+              <a:rPr lang="en-GB" sz="1000" b="1" dirty="0" smtClean="0"/>
+              <a:t>(FoV = 1’)</a:t>
+            </a:r>
+            <a:endParaRPr lang="en-GB" sz="1000" b="1" dirty="0"/>
+          </a:p>
+        </p:txBody>
+      </p:sp>
+      <p:sp>
+        <p:nvSpPr>
+          <p:cNvPr id="7" name="Rectangle 6"/>
+          <p:cNvSpPr/>
+          <p:nvPr/>
+        </p:nvSpPr>
+        <p:spPr>
+          <a:xfrm>
+            <a:off x="1406315" y="4028167"/>
+            <a:ext cx="1001172" cy="996594"/>
+          </a:xfrm>
+          <a:prstGeom prst="rect">
+            <a:avLst/>
+          </a:prstGeom>
+          <a:solidFill>
+            <a:srgbClr val="5B9BD5">
+              <a:alpha val="21176"/>
+            </a:srgbClr>
+          </a:solidFill>
+          <a:ln>
+            <a:solidFill>
+              <a:schemeClr val="tx1"/>
+            </a:solidFill>
+          </a:ln>
+        </p:spPr>
+        <p:style>
+          <a:lnRef idx="2">
+            <a:schemeClr val="accent1">
+              <a:shade val="50000"/>
+            </a:schemeClr>
+          </a:lnRef>
+          <a:fillRef idx="1">
+            <a:schemeClr val="accent1"/>
+          </a:fillRef>
+          <a:effectRef idx="0">
+            <a:schemeClr val="accent1"/>
+          </a:effectRef>
+          <a:fontRef idx="minor">
+            <a:schemeClr val="lt1"/>
+          </a:fontRef>
+        </p:style>
+        <p:txBody>
+          <a:bodyPr rtlCol="0" anchor="ctr"/>
+          <a:lstStyle/>
+          <a:p>
+            <a:pPr algn="ctr"/>
+            <a:endParaRPr lang="en-GB" dirty="0"/>
+          </a:p>
+        </p:txBody>
+      </p:sp>
+      <p:sp>
+        <p:nvSpPr>
+          <p:cNvPr id="8" name="ZoneTexte 7"/>
+          <p:cNvSpPr txBox="1"/>
+          <p:nvPr/>
+        </p:nvSpPr>
+        <p:spPr>
+          <a:xfrm>
+            <a:off x="1406314" y="4045922"/>
+            <a:ext cx="457731" cy="246221"/>
+          </a:xfrm>
+          <a:prstGeom prst="rect">
+            <a:avLst/>
+          </a:prstGeom>
+          <a:noFill/>
+        </p:spPr>
+        <p:txBody>
+          <a:bodyPr wrap="square" rtlCol="0">
+            <a:spAutoFit/>
+          </a:bodyPr>
+          <a:lstStyle/>
+          <a:p>
+            <a:r>
+              <a:rPr lang="en-GB" sz="1000" b="1" dirty="0"/>
+              <a:t>FCL</a:t>
+            </a:r>
+          </a:p>
+        </p:txBody>
+      </p:sp>
+      <p:sp>
+        <p:nvSpPr>
+          <p:cNvPr id="9" name="ZoneTexte 8"/>
+          <p:cNvSpPr txBox="1"/>
+          <p:nvPr/>
+        </p:nvSpPr>
+        <p:spPr>
+          <a:xfrm>
+            <a:off x="1460385" y="3532758"/>
+            <a:ext cx="377026" cy="246221"/>
+          </a:xfrm>
+          <a:prstGeom prst="rect">
+            <a:avLst/>
+          </a:prstGeom>
+          <a:noFill/>
+        </p:spPr>
+        <p:txBody>
+          <a:bodyPr wrap="none" rtlCol="0">
+            <a:spAutoFit/>
+          </a:bodyPr>
+          <a:lstStyle/>
+          <a:p>
+            <a:r>
+              <a:rPr lang="en-GB" sz="1000" b="1" dirty="0" smtClean="0"/>
+              <a:t>DM</a:t>
+            </a:r>
+            <a:endParaRPr lang="en-GB" sz="1000" b="1" dirty="0"/>
+          </a:p>
+        </p:txBody>
+      </p:sp>
+      <p:sp>
+        <p:nvSpPr>
+          <p:cNvPr id="10" name="ZoneTexte 9"/>
+          <p:cNvSpPr txBox="1"/>
+          <p:nvPr/>
+        </p:nvSpPr>
+        <p:spPr>
+          <a:xfrm>
+            <a:off x="4296889" y="4454011"/>
+            <a:ext cx="482824" cy="246221"/>
+          </a:xfrm>
+          <a:prstGeom prst="rect">
+            <a:avLst/>
+          </a:prstGeom>
+          <a:noFill/>
+        </p:spPr>
+        <p:txBody>
+          <a:bodyPr wrap="none" rtlCol="0">
+            <a:spAutoFit/>
+          </a:bodyPr>
+          <a:lstStyle/>
+          <a:p>
+            <a:r>
+              <a:rPr lang="en-GB" sz="1000" b="1" dirty="0" smtClean="0"/>
+              <a:t>OAP0</a:t>
+            </a:r>
+            <a:endParaRPr lang="en-GB" sz="1000" b="1" dirty="0"/>
+          </a:p>
+        </p:txBody>
+      </p:sp>
+      <p:sp>
+        <p:nvSpPr>
+          <p:cNvPr id="11" name="ZoneTexte 10"/>
+          <p:cNvSpPr txBox="1"/>
+          <p:nvPr/>
+        </p:nvSpPr>
+        <p:spPr>
+          <a:xfrm>
+            <a:off x="2363097" y="2939686"/>
+            <a:ext cx="482824" cy="246221"/>
+          </a:xfrm>
+          <a:prstGeom prst="rect">
+            <a:avLst/>
+          </a:prstGeom>
+          <a:noFill/>
+        </p:spPr>
+        <p:txBody>
+          <a:bodyPr wrap="none" rtlCol="0">
+            <a:spAutoFit/>
+          </a:bodyPr>
+          <a:lstStyle/>
+          <a:p>
+            <a:r>
+              <a:rPr lang="en-GB" sz="1000" b="1" dirty="0" smtClean="0"/>
+              <a:t>OAP1</a:t>
+            </a:r>
+            <a:endParaRPr lang="en-GB" sz="1000" b="1" dirty="0"/>
+          </a:p>
+        </p:txBody>
+      </p:sp>
+      <p:sp>
+        <p:nvSpPr>
+          <p:cNvPr id="12" name="ZoneTexte 11"/>
+          <p:cNvSpPr txBox="1"/>
+          <p:nvPr/>
+        </p:nvSpPr>
+        <p:spPr>
+          <a:xfrm>
+            <a:off x="3677809" y="3620357"/>
+            <a:ext cx="619080" cy="400110"/>
+          </a:xfrm>
+          <a:prstGeom prst="rect">
+            <a:avLst/>
+          </a:prstGeom>
+          <a:noFill/>
+        </p:spPr>
+        <p:txBody>
+          <a:bodyPr wrap="none" rtlCol="0">
+            <a:spAutoFit/>
+          </a:bodyPr>
+          <a:lstStyle/>
+          <a:p>
+            <a:r>
+              <a:rPr lang="en-GB" sz="1000" b="1" dirty="0" smtClean="0"/>
+              <a:t>Folding </a:t>
+            </a:r>
+          </a:p>
+          <a:p>
+            <a:r>
+              <a:rPr lang="en-GB" sz="1000" b="1" dirty="0" smtClean="0"/>
+              <a:t>mirror 1</a:t>
+            </a:r>
+            <a:endParaRPr lang="en-GB" sz="1000" b="1" dirty="0"/>
+          </a:p>
+        </p:txBody>
+      </p:sp>
+      <p:sp>
+        <p:nvSpPr>
+          <p:cNvPr id="14" name="ZoneTexte 13"/>
+          <p:cNvSpPr txBox="1"/>
+          <p:nvPr/>
+        </p:nvSpPr>
+        <p:spPr>
+          <a:xfrm>
+            <a:off x="4296889" y="5817531"/>
+            <a:ext cx="883575" cy="246221"/>
+          </a:xfrm>
+          <a:prstGeom prst="rect">
+            <a:avLst/>
+          </a:prstGeom>
+          <a:noFill/>
+        </p:spPr>
+        <p:txBody>
+          <a:bodyPr wrap="none" rtlCol="0">
+            <a:spAutoFit/>
+          </a:bodyPr>
+          <a:lstStyle/>
+          <a:p>
+            <a:r>
+              <a:rPr lang="en-GB" sz="1000" b="1" dirty="0" smtClean="0"/>
+              <a:t>Paraxial lens</a:t>
+            </a:r>
+            <a:endParaRPr lang="en-GB" sz="1000" b="1" dirty="0"/>
+          </a:p>
+        </p:txBody>
+      </p:sp>
+      <p:sp>
+        <p:nvSpPr>
+          <p:cNvPr id="15" name="ZoneTexte 14"/>
+          <p:cNvSpPr txBox="1"/>
+          <p:nvPr/>
+        </p:nvSpPr>
+        <p:spPr>
+          <a:xfrm>
+            <a:off x="3428357" y="6457890"/>
+            <a:ext cx="962123" cy="400110"/>
+          </a:xfrm>
+          <a:prstGeom prst="rect">
+            <a:avLst/>
+          </a:prstGeom>
+          <a:noFill/>
+        </p:spPr>
+        <p:txBody>
+          <a:bodyPr wrap="none" rtlCol="0">
+            <a:spAutoFit/>
+          </a:bodyPr>
+          <a:lstStyle/>
+          <a:p>
+            <a:pPr algn="ctr"/>
+            <a:r>
+              <a:rPr lang="en-GB" sz="1000" b="1" dirty="0" smtClean="0"/>
+              <a:t>TT modulation</a:t>
+            </a:r>
+          </a:p>
+          <a:p>
+            <a:pPr algn="ctr"/>
+            <a:r>
+              <a:rPr lang="en-GB" sz="1000" b="1" dirty="0" smtClean="0"/>
+              <a:t>mirror</a:t>
+            </a:r>
+            <a:endParaRPr lang="en-GB" sz="1000" b="1" dirty="0"/>
+          </a:p>
+        </p:txBody>
+      </p:sp>
+    </p:spTree>
+    <p:extLst>
+      <p:ext uri="{BB962C8B-B14F-4D97-AF65-F5344CB8AC3E}">
+        <p14:creationId xmlns:p14="http://schemas.microsoft.com/office/powerpoint/2010/main" val="1211330501"/>
+      </p:ext>
+    </p:extLst>
+  </p:cSld>
+  <p:clrMapOvr>
+    <a:masterClrMapping/>
+  </p:clrMapOvr>
+</p:sld>
+</file>
+
+<file path=ppt/slides/slide8.xml><?xml version="1.0" encoding="utf-8"?>
+<p:sld xmlns:a="http://schemas.openxmlformats.org/drawingml/2006/main" xmlns:r="http://schemas.openxmlformats.org/officeDocument/2006/relationships" xmlns:p="http://schemas.openxmlformats.org/presentationml/2006/main">
+  <p:cSld>
+    <p:spTree>
+      <p:nvGrpSpPr>
+        <p:cNvPr id="1" name=""/>
+        <p:cNvGrpSpPr/>
+        <p:nvPr/>
+      </p:nvGrpSpPr>
+      <p:grpSpPr>
+        <a:xfrm>
+          <a:off x="0" y="0"/>
+          <a:ext cx="0" cy="0"/>
+          <a:chOff x="0" y="0"/>
+          <a:chExt cx="0" cy="0"/>
+        </a:xfrm>
+      </p:grpSpPr>
+      <p:pic>
+        <p:nvPicPr>
+          <p:cNvPr id="4" name="Image 3"/>
+          <p:cNvPicPr>
+            <a:picLocks noChangeAspect="1"/>
+          </p:cNvPicPr>
+          <p:nvPr/>
+        </p:nvPicPr>
+        <p:blipFill>
+          <a:blip r:embed="rId2"/>
+          <a:stretch>
+            <a:fillRect/>
+          </a:stretch>
+        </p:blipFill>
+        <p:spPr>
+          <a:xfrm>
+            <a:off x="-868680" y="-100584"/>
+            <a:ext cx="13952314" cy="6281928"/>
+          </a:xfrm>
+          <a:prstGeom prst="rect">
+            <a:avLst/>
+          </a:prstGeom>
+        </p:spPr>
+      </p:pic>
+      <p:pic>
+        <p:nvPicPr>
+          <p:cNvPr id="5" name="Image 4"/>
+          <p:cNvPicPr>
+            <a:picLocks noChangeAspect="1"/>
+          </p:cNvPicPr>
+          <p:nvPr/>
+        </p:nvPicPr>
+        <p:blipFill>
+          <a:blip r:embed="rId3"/>
+          <a:stretch>
+            <a:fillRect/>
+          </a:stretch>
+        </p:blipFill>
+        <p:spPr>
+          <a:xfrm>
+            <a:off x="5141214" y="5840659"/>
+            <a:ext cx="3902202" cy="258389"/>
+          </a:xfrm>
+          <a:prstGeom prst="rect">
+            <a:avLst/>
+          </a:prstGeom>
+        </p:spPr>
+      </p:pic>
+      <p:pic>
+        <p:nvPicPr>
+          <p:cNvPr id="6" name="Image 5"/>
+          <p:cNvPicPr>
+            <a:picLocks noChangeAspect="1"/>
+          </p:cNvPicPr>
+          <p:nvPr/>
+        </p:nvPicPr>
+        <p:blipFill>
+          <a:blip r:embed="rId4"/>
+          <a:stretch>
+            <a:fillRect/>
+          </a:stretch>
+        </p:blipFill>
+        <p:spPr>
+          <a:xfrm>
+            <a:off x="9202033" y="5635288"/>
+            <a:ext cx="2575439" cy="518624"/>
+          </a:xfrm>
+          <a:prstGeom prst="rect">
+            <a:avLst/>
+          </a:prstGeom>
+        </p:spPr>
+      </p:pic>
+    </p:spTree>
+    <p:extLst>
+      <p:ext uri="{BB962C8B-B14F-4D97-AF65-F5344CB8AC3E}">
+        <p14:creationId xmlns:p14="http://schemas.microsoft.com/office/powerpoint/2010/main" val="2562911443"/>
       </p:ext>
     </p:extLst>
   </p:cSld>

--- a/20180518_AO_design_report/images/images_sketch.pptx
+++ b/20180518_AO_design_report/images/images_sketch.pptx
@@ -5,7 +5,7 @@
     <p:sldMasterId id="2147483648" r:id="rId1"/>
   </p:sldMasterIdLst>
   <p:notesMasterIdLst>
-    <p:notesMasterId r:id="rId10"/>
+    <p:notesMasterId r:id="rId12"/>
   </p:notesMasterIdLst>
   <p:sldIdLst>
     <p:sldId id="256" r:id="rId2"/>
@@ -16,6 +16,8 @@
     <p:sldId id="261" r:id="rId7"/>
     <p:sldId id="262" r:id="rId8"/>
     <p:sldId id="263" r:id="rId9"/>
+    <p:sldId id="264" r:id="rId10"/>
+    <p:sldId id="265" r:id="rId11"/>
   </p:sldIdLst>
   <p:sldSz cx="12192000" cy="6858000"/>
   <p:notesSz cx="6858000" cy="9144000"/>
@@ -115,6 +117,24 @@
     </a:lvl9pPr>
   </p:defaultTextStyle>
   <p:extLst>
+    <p:ext uri="{521415D9-36F7-43E2-AB2F-B90AF26B5E84}">
+      <p14:sectionLst xmlns:p14="http://schemas.microsoft.com/office/powerpoint/2010/main">
+        <p14:section name="Section par défaut" id="{D40955F2-4310-4598-9AE6-957DCF6AAC6B}">
+          <p14:sldIdLst>
+            <p14:sldId id="256"/>
+            <p14:sldId id="257"/>
+            <p14:sldId id="258"/>
+            <p14:sldId id="259"/>
+            <p14:sldId id="260"/>
+            <p14:sldId id="261"/>
+            <p14:sldId id="262"/>
+            <p14:sldId id="263"/>
+            <p14:sldId id="264"/>
+            <p14:sldId id="265"/>
+          </p14:sldIdLst>
+        </p14:section>
+      </p14:sectionLst>
+    </p:ext>
     <p:ext uri="{EFAFB233-063F-42B5-8137-9DF3F51BA10A}">
       <p15:sldGuideLst xmlns:p15="http://schemas.microsoft.com/office/powerpoint/2012/main"/>
     </p:ext>
@@ -204,7 +224,7 @@
           <a:p>
             <a:fld id="{8EDEE2E2-4BE4-41CA-94FC-BC9DC2A64380}" type="datetimeFigureOut">
               <a:rPr lang="en-GB" smtClean="0"/>
-              <a:t>30/05/2018</a:t>
+              <a:t>01/06/2018</a:t>
             </a:fld>
             <a:endParaRPr lang="en-GB"/>
           </a:p>
@@ -603,7 +623,7 @@
           <a:p>
             <a:fld id="{24AF4860-EF53-429F-9816-8C3FCB6EDEF9}" type="datetimeFigureOut">
               <a:rPr lang="en-GB" smtClean="0"/>
-              <a:t>30/05/2018</a:t>
+              <a:t>01/06/2018</a:t>
             </a:fld>
             <a:endParaRPr lang="en-GB"/>
           </a:p>
@@ -773,7 +793,7 @@
           <a:p>
             <a:fld id="{24AF4860-EF53-429F-9816-8C3FCB6EDEF9}" type="datetimeFigureOut">
               <a:rPr lang="en-GB" smtClean="0"/>
-              <a:t>30/05/2018</a:t>
+              <a:t>01/06/2018</a:t>
             </a:fld>
             <a:endParaRPr lang="en-GB"/>
           </a:p>
@@ -953,7 +973,7 @@
           <a:p>
             <a:fld id="{24AF4860-EF53-429F-9816-8C3FCB6EDEF9}" type="datetimeFigureOut">
               <a:rPr lang="en-GB" smtClean="0"/>
-              <a:t>30/05/2018</a:t>
+              <a:t>01/06/2018</a:t>
             </a:fld>
             <a:endParaRPr lang="en-GB"/>
           </a:p>
@@ -1123,7 +1143,7 @@
           <a:p>
             <a:fld id="{24AF4860-EF53-429F-9816-8C3FCB6EDEF9}" type="datetimeFigureOut">
               <a:rPr lang="en-GB" smtClean="0"/>
-              <a:t>30/05/2018</a:t>
+              <a:t>01/06/2018</a:t>
             </a:fld>
             <a:endParaRPr lang="en-GB"/>
           </a:p>
@@ -1369,7 +1389,7 @@
           <a:p>
             <a:fld id="{24AF4860-EF53-429F-9816-8C3FCB6EDEF9}" type="datetimeFigureOut">
               <a:rPr lang="en-GB" smtClean="0"/>
-              <a:t>30/05/2018</a:t>
+              <a:t>01/06/2018</a:t>
             </a:fld>
             <a:endParaRPr lang="en-GB"/>
           </a:p>
@@ -1601,7 +1621,7 @@
           <a:p>
             <a:fld id="{24AF4860-EF53-429F-9816-8C3FCB6EDEF9}" type="datetimeFigureOut">
               <a:rPr lang="en-GB" smtClean="0"/>
-              <a:t>30/05/2018</a:t>
+              <a:t>01/06/2018</a:t>
             </a:fld>
             <a:endParaRPr lang="en-GB"/>
           </a:p>
@@ -1968,7 +1988,7 @@
           <a:p>
             <a:fld id="{24AF4860-EF53-429F-9816-8C3FCB6EDEF9}" type="datetimeFigureOut">
               <a:rPr lang="en-GB" smtClean="0"/>
-              <a:t>30/05/2018</a:t>
+              <a:t>01/06/2018</a:t>
             </a:fld>
             <a:endParaRPr lang="en-GB"/>
           </a:p>
@@ -2086,7 +2106,7 @@
           <a:p>
             <a:fld id="{24AF4860-EF53-429F-9816-8C3FCB6EDEF9}" type="datetimeFigureOut">
               <a:rPr lang="en-GB" smtClean="0"/>
-              <a:t>30/05/2018</a:t>
+              <a:t>01/06/2018</a:t>
             </a:fld>
             <a:endParaRPr lang="en-GB"/>
           </a:p>
@@ -2181,7 +2201,7 @@
           <a:p>
             <a:fld id="{24AF4860-EF53-429F-9816-8C3FCB6EDEF9}" type="datetimeFigureOut">
               <a:rPr lang="en-GB" smtClean="0"/>
-              <a:t>30/05/2018</a:t>
+              <a:t>01/06/2018</a:t>
             </a:fld>
             <a:endParaRPr lang="en-GB"/>
           </a:p>
@@ -2458,7 +2478,7 @@
           <a:p>
             <a:fld id="{24AF4860-EF53-429F-9816-8C3FCB6EDEF9}" type="datetimeFigureOut">
               <a:rPr lang="en-GB" smtClean="0"/>
-              <a:t>30/05/2018</a:t>
+              <a:t>01/06/2018</a:t>
             </a:fld>
             <a:endParaRPr lang="en-GB"/>
           </a:p>
@@ -2711,7 +2731,7 @@
           <a:p>
             <a:fld id="{24AF4860-EF53-429F-9816-8C3FCB6EDEF9}" type="datetimeFigureOut">
               <a:rPr lang="en-GB" smtClean="0"/>
-              <a:t>30/05/2018</a:t>
+              <a:t>01/06/2018</a:t>
             </a:fld>
             <a:endParaRPr lang="en-GB"/>
           </a:p>
@@ -2924,7 +2944,7 @@
           <a:p>
             <a:fld id="{24AF4860-EF53-429F-9816-8C3FCB6EDEF9}" type="datetimeFigureOut">
               <a:rPr lang="en-GB" smtClean="0"/>
-              <a:t>30/05/2018</a:t>
+              <a:t>01/06/2018</a:t>
             </a:fld>
             <a:endParaRPr lang="en-GB"/>
           </a:p>
@@ -4329,6 +4349,564 @@
 </p:sld>
 </file>
 
+<file path=ppt/slides/slide10.xml><?xml version="1.0" encoding="utf-8"?>
+<p:sld xmlns:a="http://schemas.openxmlformats.org/drawingml/2006/main" xmlns:r="http://schemas.openxmlformats.org/officeDocument/2006/relationships" xmlns:p="http://schemas.openxmlformats.org/presentationml/2006/main">
+  <p:cSld>
+    <p:spTree>
+      <p:nvGrpSpPr>
+        <p:cNvPr id="1" name=""/>
+        <p:cNvGrpSpPr/>
+        <p:nvPr/>
+      </p:nvGrpSpPr>
+      <p:grpSpPr>
+        <a:xfrm>
+          <a:off x="0" y="0"/>
+          <a:ext cx="0" cy="0"/>
+          <a:chOff x="0" y="0"/>
+          <a:chExt cx="0" cy="0"/>
+        </a:xfrm>
+      </p:grpSpPr>
+      <p:pic>
+        <p:nvPicPr>
+          <p:cNvPr id="4" name="Image 3"/>
+          <p:cNvPicPr>
+            <a:picLocks noChangeAspect="1"/>
+          </p:cNvPicPr>
+          <p:nvPr/>
+        </p:nvPicPr>
+        <p:blipFill>
+          <a:blip r:embed="rId2"/>
+          <a:stretch>
+            <a:fillRect/>
+          </a:stretch>
+        </p:blipFill>
+        <p:spPr>
+          <a:xfrm>
+            <a:off x="-661833" y="133164"/>
+            <a:ext cx="13534649" cy="6374167"/>
+          </a:xfrm>
+          <a:prstGeom prst="rect">
+            <a:avLst/>
+          </a:prstGeom>
+        </p:spPr>
+      </p:pic>
+      <p:sp>
+        <p:nvSpPr>
+          <p:cNvPr id="5" name="ZoneTexte 4"/>
+          <p:cNvSpPr txBox="1"/>
+          <p:nvPr/>
+        </p:nvSpPr>
+        <p:spPr>
+          <a:xfrm>
+            <a:off x="1169630" y="4291753"/>
+            <a:ext cx="766555" cy="553998"/>
+          </a:xfrm>
+          <a:prstGeom prst="rect">
+            <a:avLst/>
+          </a:prstGeom>
+          <a:noFill/>
+        </p:spPr>
+        <p:txBody>
+          <a:bodyPr wrap="none" rtlCol="0">
+            <a:spAutoFit/>
+          </a:bodyPr>
+          <a:lstStyle/>
+          <a:p>
+            <a:pPr algn="ctr"/>
+            <a:r>
+              <a:rPr lang="en-GB" sz="1000" b="1" dirty="0" smtClean="0"/>
+              <a:t>Telescope</a:t>
+            </a:r>
+          </a:p>
+          <a:p>
+            <a:pPr algn="ctr"/>
+            <a:r>
+              <a:rPr lang="en-GB" sz="1000" b="1" dirty="0"/>
+              <a:t>f</a:t>
+            </a:r>
+            <a:r>
+              <a:rPr lang="en-GB" sz="1000" b="1" dirty="0" smtClean="0"/>
+              <a:t>ocal plane</a:t>
+            </a:r>
+          </a:p>
+          <a:p>
+            <a:pPr algn="ctr"/>
+            <a:r>
+              <a:rPr lang="en-GB" sz="1000" b="1" dirty="0" smtClean="0"/>
+              <a:t>(FoV = 1’)</a:t>
+            </a:r>
+            <a:endParaRPr lang="en-GB" sz="1000" b="1" dirty="0"/>
+          </a:p>
+        </p:txBody>
+      </p:sp>
+      <p:sp>
+        <p:nvSpPr>
+          <p:cNvPr id="6" name="ZoneTexte 5"/>
+          <p:cNvSpPr txBox="1"/>
+          <p:nvPr/>
+        </p:nvSpPr>
+        <p:spPr>
+          <a:xfrm>
+            <a:off x="2234863" y="4679820"/>
+            <a:ext cx="881972" cy="553998"/>
+          </a:xfrm>
+          <a:prstGeom prst="rect">
+            <a:avLst/>
+          </a:prstGeom>
+          <a:noFill/>
+        </p:spPr>
+        <p:txBody>
+          <a:bodyPr wrap="none" rtlCol="0">
+            <a:spAutoFit/>
+          </a:bodyPr>
+          <a:lstStyle/>
+          <a:p>
+            <a:pPr algn="ctr"/>
+            <a:r>
+              <a:rPr lang="en-GB" sz="1000" b="1" dirty="0" smtClean="0"/>
+              <a:t>Intermediate</a:t>
+            </a:r>
+          </a:p>
+          <a:p>
+            <a:pPr algn="ctr"/>
+            <a:r>
+              <a:rPr lang="en-GB" sz="1000" b="1" dirty="0"/>
+              <a:t>f</a:t>
+            </a:r>
+            <a:r>
+              <a:rPr lang="en-GB" sz="1000" b="1" dirty="0" smtClean="0"/>
+              <a:t>ocal plane</a:t>
+            </a:r>
+          </a:p>
+          <a:p>
+            <a:pPr algn="ctr"/>
+            <a:r>
+              <a:rPr lang="en-GB" sz="1000" b="1" dirty="0" smtClean="0"/>
+              <a:t>(FoV = 1’)</a:t>
+            </a:r>
+            <a:endParaRPr lang="en-GB" sz="1000" b="1" dirty="0"/>
+          </a:p>
+        </p:txBody>
+      </p:sp>
+      <p:sp>
+        <p:nvSpPr>
+          <p:cNvPr id="7" name="Rectangle 6"/>
+          <p:cNvSpPr/>
+          <p:nvPr/>
+        </p:nvSpPr>
+        <p:spPr>
+          <a:xfrm>
+            <a:off x="1113707" y="3790423"/>
+            <a:ext cx="850824" cy="857777"/>
+          </a:xfrm>
+          <a:prstGeom prst="rect">
+            <a:avLst/>
+          </a:prstGeom>
+          <a:solidFill>
+            <a:srgbClr val="5B9BD5">
+              <a:alpha val="21176"/>
+            </a:srgbClr>
+          </a:solidFill>
+          <a:ln>
+            <a:solidFill>
+              <a:schemeClr val="tx1"/>
+            </a:solidFill>
+          </a:ln>
+        </p:spPr>
+        <p:style>
+          <a:lnRef idx="2">
+            <a:schemeClr val="accent1">
+              <a:shade val="50000"/>
+            </a:schemeClr>
+          </a:lnRef>
+          <a:fillRef idx="1">
+            <a:schemeClr val="accent1"/>
+          </a:fillRef>
+          <a:effectRef idx="0">
+            <a:schemeClr val="accent1"/>
+          </a:effectRef>
+          <a:fontRef idx="minor">
+            <a:schemeClr val="lt1"/>
+          </a:fontRef>
+        </p:style>
+        <p:txBody>
+          <a:bodyPr rtlCol="0" anchor="ctr"/>
+          <a:lstStyle/>
+          <a:p>
+            <a:pPr algn="ctr"/>
+            <a:endParaRPr lang="en-GB" dirty="0"/>
+          </a:p>
+        </p:txBody>
+      </p:sp>
+      <p:sp>
+        <p:nvSpPr>
+          <p:cNvPr id="8" name="ZoneTexte 7"/>
+          <p:cNvSpPr txBox="1"/>
+          <p:nvPr/>
+        </p:nvSpPr>
+        <p:spPr>
+          <a:xfrm>
+            <a:off x="1113706" y="3808178"/>
+            <a:ext cx="457731" cy="246221"/>
+          </a:xfrm>
+          <a:prstGeom prst="rect">
+            <a:avLst/>
+          </a:prstGeom>
+          <a:noFill/>
+        </p:spPr>
+        <p:txBody>
+          <a:bodyPr wrap="square" rtlCol="0">
+            <a:spAutoFit/>
+          </a:bodyPr>
+          <a:lstStyle/>
+          <a:p>
+            <a:r>
+              <a:rPr lang="en-GB" sz="1000" b="1" dirty="0"/>
+              <a:t>FCL</a:t>
+            </a:r>
+          </a:p>
+        </p:txBody>
+      </p:sp>
+      <p:sp>
+        <p:nvSpPr>
+          <p:cNvPr id="9" name="ZoneTexte 8"/>
+          <p:cNvSpPr txBox="1"/>
+          <p:nvPr/>
+        </p:nvSpPr>
+        <p:spPr>
+          <a:xfrm>
+            <a:off x="1143965" y="3346651"/>
+            <a:ext cx="377026" cy="246221"/>
+          </a:xfrm>
+          <a:prstGeom prst="rect">
+            <a:avLst/>
+          </a:prstGeom>
+          <a:noFill/>
+        </p:spPr>
+        <p:txBody>
+          <a:bodyPr wrap="none" rtlCol="0">
+            <a:spAutoFit/>
+          </a:bodyPr>
+          <a:lstStyle/>
+          <a:p>
+            <a:r>
+              <a:rPr lang="en-GB" sz="1000" b="1" dirty="0" smtClean="0"/>
+              <a:t>DM</a:t>
+            </a:r>
+            <a:endParaRPr lang="en-GB" sz="1000" b="1" dirty="0"/>
+          </a:p>
+        </p:txBody>
+      </p:sp>
+      <p:sp>
+        <p:nvSpPr>
+          <p:cNvPr id="10" name="ZoneTexte 9"/>
+          <p:cNvSpPr txBox="1"/>
+          <p:nvPr/>
+        </p:nvSpPr>
+        <p:spPr>
+          <a:xfrm>
+            <a:off x="3498659" y="3915443"/>
+            <a:ext cx="482824" cy="246221"/>
+          </a:xfrm>
+          <a:prstGeom prst="rect">
+            <a:avLst/>
+          </a:prstGeom>
+          <a:noFill/>
+        </p:spPr>
+        <p:txBody>
+          <a:bodyPr wrap="none" rtlCol="0">
+            <a:spAutoFit/>
+          </a:bodyPr>
+          <a:lstStyle/>
+          <a:p>
+            <a:r>
+              <a:rPr lang="en-GB" sz="1000" b="1" dirty="0" smtClean="0"/>
+              <a:t>OAP0</a:t>
+            </a:r>
+            <a:endParaRPr lang="en-GB" sz="1000" b="1" dirty="0"/>
+          </a:p>
+        </p:txBody>
+      </p:sp>
+      <p:sp>
+        <p:nvSpPr>
+          <p:cNvPr id="11" name="ZoneTexte 10"/>
+          <p:cNvSpPr txBox="1"/>
+          <p:nvPr/>
+        </p:nvSpPr>
+        <p:spPr>
+          <a:xfrm>
+            <a:off x="1857425" y="2843985"/>
+            <a:ext cx="482824" cy="246221"/>
+          </a:xfrm>
+          <a:prstGeom prst="rect">
+            <a:avLst/>
+          </a:prstGeom>
+          <a:noFill/>
+        </p:spPr>
+        <p:txBody>
+          <a:bodyPr wrap="none" rtlCol="0">
+            <a:spAutoFit/>
+          </a:bodyPr>
+          <a:lstStyle/>
+          <a:p>
+            <a:r>
+              <a:rPr lang="en-GB" sz="1000" b="1" dirty="0" smtClean="0"/>
+              <a:t>OAP1</a:t>
+            </a:r>
+            <a:endParaRPr lang="en-GB" sz="1000" b="1" dirty="0"/>
+          </a:p>
+        </p:txBody>
+      </p:sp>
+      <p:sp>
+        <p:nvSpPr>
+          <p:cNvPr id="12" name="ZoneTexte 11"/>
+          <p:cNvSpPr txBox="1"/>
+          <p:nvPr/>
+        </p:nvSpPr>
+        <p:spPr>
+          <a:xfrm>
+            <a:off x="3017249" y="3293383"/>
+            <a:ext cx="619080" cy="400110"/>
+          </a:xfrm>
+          <a:prstGeom prst="rect">
+            <a:avLst/>
+          </a:prstGeom>
+          <a:noFill/>
+        </p:spPr>
+        <p:txBody>
+          <a:bodyPr wrap="none" rtlCol="0">
+            <a:spAutoFit/>
+          </a:bodyPr>
+          <a:lstStyle/>
+          <a:p>
+            <a:r>
+              <a:rPr lang="en-GB" sz="1000" b="1" dirty="0" smtClean="0"/>
+              <a:t>Folding </a:t>
+            </a:r>
+          </a:p>
+          <a:p>
+            <a:r>
+              <a:rPr lang="en-GB" sz="1000" b="1" dirty="0" smtClean="0"/>
+              <a:t>mirror 1</a:t>
+            </a:r>
+            <a:endParaRPr lang="en-GB" sz="1000" b="1" dirty="0"/>
+          </a:p>
+        </p:txBody>
+      </p:sp>
+      <p:sp>
+        <p:nvSpPr>
+          <p:cNvPr id="13" name="ZoneTexte 12"/>
+          <p:cNvSpPr txBox="1"/>
+          <p:nvPr/>
+        </p:nvSpPr>
+        <p:spPr>
+          <a:xfrm>
+            <a:off x="2575461" y="5501243"/>
+            <a:ext cx="883575" cy="246221"/>
+          </a:xfrm>
+          <a:prstGeom prst="rect">
+            <a:avLst/>
+          </a:prstGeom>
+          <a:noFill/>
+        </p:spPr>
+        <p:txBody>
+          <a:bodyPr wrap="none" rtlCol="0">
+            <a:spAutoFit/>
+          </a:bodyPr>
+          <a:lstStyle/>
+          <a:p>
+            <a:r>
+              <a:rPr lang="en-GB" sz="1000" b="1" dirty="0" smtClean="0"/>
+              <a:t>Paraxial lens</a:t>
+            </a:r>
+            <a:endParaRPr lang="en-GB" sz="1000" b="1" dirty="0"/>
+          </a:p>
+        </p:txBody>
+      </p:sp>
+      <p:sp>
+        <p:nvSpPr>
+          <p:cNvPr id="14" name="ZoneTexte 13"/>
+          <p:cNvSpPr txBox="1"/>
+          <p:nvPr/>
+        </p:nvSpPr>
+        <p:spPr>
+          <a:xfrm>
+            <a:off x="2757855" y="6014889"/>
+            <a:ext cx="962123" cy="400110"/>
+          </a:xfrm>
+          <a:prstGeom prst="rect">
+            <a:avLst/>
+          </a:prstGeom>
+          <a:noFill/>
+        </p:spPr>
+        <p:txBody>
+          <a:bodyPr wrap="none" rtlCol="0">
+            <a:spAutoFit/>
+          </a:bodyPr>
+          <a:lstStyle/>
+          <a:p>
+            <a:pPr algn="ctr"/>
+            <a:r>
+              <a:rPr lang="en-GB" sz="1000" b="1" dirty="0" smtClean="0"/>
+              <a:t>TT modulation</a:t>
+            </a:r>
+          </a:p>
+          <a:p>
+            <a:pPr algn="ctr"/>
+            <a:r>
+              <a:rPr lang="en-GB" sz="1000" b="1" dirty="0" smtClean="0"/>
+              <a:t>mirror</a:t>
+            </a:r>
+            <a:endParaRPr lang="en-GB" sz="1000" b="1" dirty="0"/>
+          </a:p>
+        </p:txBody>
+      </p:sp>
+      <p:sp>
+        <p:nvSpPr>
+          <p:cNvPr id="15" name="ZoneTexte 14"/>
+          <p:cNvSpPr txBox="1"/>
+          <p:nvPr/>
+        </p:nvSpPr>
+        <p:spPr>
+          <a:xfrm>
+            <a:off x="4338577" y="5101133"/>
+            <a:ext cx="910827" cy="246221"/>
+          </a:xfrm>
+          <a:prstGeom prst="rect">
+            <a:avLst/>
+          </a:prstGeom>
+          <a:noFill/>
+        </p:spPr>
+        <p:txBody>
+          <a:bodyPr wrap="none" rtlCol="0">
+            <a:spAutoFit/>
+          </a:bodyPr>
+          <a:lstStyle/>
+          <a:p>
+            <a:pPr algn="ctr"/>
+            <a:r>
+              <a:rPr lang="en-GB" sz="1000" b="1" dirty="0" smtClean="0"/>
+              <a:t>Pyramid apex</a:t>
+            </a:r>
+            <a:endParaRPr lang="en-GB" sz="1000" b="1" dirty="0"/>
+          </a:p>
+        </p:txBody>
+      </p:sp>
+      <p:sp>
+        <p:nvSpPr>
+          <p:cNvPr id="16" name="ZoneTexte 15"/>
+          <p:cNvSpPr txBox="1"/>
+          <p:nvPr/>
+        </p:nvSpPr>
+        <p:spPr>
+          <a:xfrm>
+            <a:off x="4338577" y="6014889"/>
+            <a:ext cx="721672" cy="246221"/>
+          </a:xfrm>
+          <a:prstGeom prst="rect">
+            <a:avLst/>
+          </a:prstGeom>
+          <a:noFill/>
+        </p:spPr>
+        <p:txBody>
+          <a:bodyPr wrap="none" rtlCol="0">
+            <a:spAutoFit/>
+          </a:bodyPr>
+          <a:lstStyle/>
+          <a:p>
+            <a:pPr algn="ctr"/>
+            <a:r>
+              <a:rPr lang="en-GB" sz="1000" b="1" dirty="0" smtClean="0"/>
+              <a:t>Relay lens</a:t>
+            </a:r>
+            <a:endParaRPr lang="en-GB" sz="1000" b="1" dirty="0"/>
+          </a:p>
+        </p:txBody>
+      </p:sp>
+      <p:sp>
+        <p:nvSpPr>
+          <p:cNvPr id="17" name="ZoneTexte 16"/>
+          <p:cNvSpPr txBox="1"/>
+          <p:nvPr/>
+        </p:nvSpPr>
+        <p:spPr>
+          <a:xfrm>
+            <a:off x="4150297" y="6264981"/>
+            <a:ext cx="881973" cy="246221"/>
+          </a:xfrm>
+          <a:prstGeom prst="rect">
+            <a:avLst/>
+          </a:prstGeom>
+          <a:noFill/>
+        </p:spPr>
+        <p:txBody>
+          <a:bodyPr wrap="none" rtlCol="0">
+            <a:spAutoFit/>
+          </a:bodyPr>
+          <a:lstStyle/>
+          <a:p>
+            <a:pPr algn="ctr"/>
+            <a:r>
+              <a:rPr lang="en-GB" sz="1000" b="1" dirty="0" smtClean="0"/>
+              <a:t>CCD detector</a:t>
+            </a:r>
+            <a:endParaRPr lang="en-GB" sz="1000" b="1" dirty="0"/>
+          </a:p>
+        </p:txBody>
+      </p:sp>
+      <p:sp>
+        <p:nvSpPr>
+          <p:cNvPr id="18" name="ZoneTexte 17"/>
+          <p:cNvSpPr txBox="1"/>
+          <p:nvPr/>
+        </p:nvSpPr>
+        <p:spPr>
+          <a:xfrm>
+            <a:off x="4029037" y="4019256"/>
+            <a:ext cx="619080" cy="400110"/>
+          </a:xfrm>
+          <a:prstGeom prst="rect">
+            <a:avLst/>
+          </a:prstGeom>
+          <a:noFill/>
+        </p:spPr>
+        <p:txBody>
+          <a:bodyPr wrap="none" rtlCol="0">
+            <a:spAutoFit/>
+          </a:bodyPr>
+          <a:lstStyle/>
+          <a:p>
+            <a:r>
+              <a:rPr lang="en-GB" sz="1000" b="1" dirty="0" smtClean="0"/>
+              <a:t>Folding </a:t>
+            </a:r>
+          </a:p>
+          <a:p>
+            <a:r>
+              <a:rPr lang="en-GB" sz="1000" b="1" dirty="0" smtClean="0"/>
+              <a:t>mirror </a:t>
+            </a:r>
+            <a:r>
+              <a:rPr lang="en-GB" sz="1000" b="1" dirty="0" smtClean="0"/>
+              <a:t>2</a:t>
+            </a:r>
+            <a:endParaRPr lang="en-GB" sz="1000" b="1" dirty="0"/>
+          </a:p>
+        </p:txBody>
+      </p:sp>
+    </p:spTree>
+    <p:extLst>
+      <p:ext uri="{BB962C8B-B14F-4D97-AF65-F5344CB8AC3E}">
+        <p14:creationId xmlns:p14="http://schemas.microsoft.com/office/powerpoint/2010/main" val="665358164"/>
+      </p:ext>
+    </p:extLst>
+  </p:cSld>
+  <p:clrMapOvr>
+    <a:masterClrMapping/>
+  </p:clrMapOvr>
+</p:sld>
+</file>
+
 <file path=ppt/slides/slide2.xml><?xml version="1.0" encoding="utf-8"?>
 <p:sld xmlns:a="http://schemas.openxmlformats.org/drawingml/2006/main" xmlns:r="http://schemas.openxmlformats.org/officeDocument/2006/relationships" xmlns:p="http://schemas.openxmlformats.org/presentationml/2006/main">
   <p:cSld>
@@ -7714,6 +8292,546 @@
     <p:extLst>
       <p:ext uri="{BB962C8B-B14F-4D97-AF65-F5344CB8AC3E}">
         <p14:creationId xmlns:p14="http://schemas.microsoft.com/office/powerpoint/2010/main" val="2562911443"/>
+      </p:ext>
+    </p:extLst>
+  </p:cSld>
+  <p:clrMapOvr>
+    <a:masterClrMapping/>
+  </p:clrMapOvr>
+</p:sld>
+</file>
+
+<file path=ppt/slides/slide9.xml><?xml version="1.0" encoding="utf-8"?>
+<p:sld xmlns:a="http://schemas.openxmlformats.org/drawingml/2006/main" xmlns:r="http://schemas.openxmlformats.org/officeDocument/2006/relationships" xmlns:p="http://schemas.openxmlformats.org/presentationml/2006/main">
+  <p:cSld>
+    <p:spTree>
+      <p:nvGrpSpPr>
+        <p:cNvPr id="1" name=""/>
+        <p:cNvGrpSpPr/>
+        <p:nvPr/>
+      </p:nvGrpSpPr>
+      <p:grpSpPr>
+        <a:xfrm>
+          <a:off x="0" y="0"/>
+          <a:ext cx="0" cy="0"/>
+          <a:chOff x="0" y="0"/>
+          <a:chExt cx="0" cy="0"/>
+        </a:xfrm>
+      </p:grpSpPr>
+      <p:pic>
+        <p:nvPicPr>
+          <p:cNvPr id="19" name="Image 18"/>
+          <p:cNvPicPr>
+            <a:picLocks noChangeAspect="1"/>
+          </p:cNvPicPr>
+          <p:nvPr/>
+        </p:nvPicPr>
+        <p:blipFill>
+          <a:blip r:embed="rId2"/>
+          <a:stretch>
+            <a:fillRect/>
+          </a:stretch>
+        </p:blipFill>
+        <p:spPr>
+          <a:xfrm>
+            <a:off x="-657313" y="0"/>
+            <a:ext cx="13628214" cy="6090082"/>
+          </a:xfrm>
+          <a:prstGeom prst="rect">
+            <a:avLst/>
+          </a:prstGeom>
+        </p:spPr>
+      </p:pic>
+      <p:sp>
+        <p:nvSpPr>
+          <p:cNvPr id="20" name="ZoneTexte 19"/>
+          <p:cNvSpPr txBox="1"/>
+          <p:nvPr/>
+        </p:nvSpPr>
+        <p:spPr>
+          <a:xfrm>
+            <a:off x="-435561" y="4132278"/>
+            <a:ext cx="766555" cy="553998"/>
+          </a:xfrm>
+          <a:prstGeom prst="rect">
+            <a:avLst/>
+          </a:prstGeom>
+          <a:noFill/>
+        </p:spPr>
+        <p:txBody>
+          <a:bodyPr wrap="none" rtlCol="0">
+            <a:spAutoFit/>
+          </a:bodyPr>
+          <a:lstStyle/>
+          <a:p>
+            <a:pPr algn="ctr"/>
+            <a:r>
+              <a:rPr lang="en-GB" sz="1000" b="1" dirty="0" smtClean="0"/>
+              <a:t>Telescope</a:t>
+            </a:r>
+          </a:p>
+          <a:p>
+            <a:pPr algn="ctr"/>
+            <a:r>
+              <a:rPr lang="en-GB" sz="1000" b="1" dirty="0"/>
+              <a:t>f</a:t>
+            </a:r>
+            <a:r>
+              <a:rPr lang="en-GB" sz="1000" b="1" dirty="0" smtClean="0"/>
+              <a:t>ocal plane</a:t>
+            </a:r>
+          </a:p>
+          <a:p>
+            <a:pPr algn="ctr"/>
+            <a:r>
+              <a:rPr lang="en-GB" sz="1000" b="1" dirty="0" smtClean="0"/>
+              <a:t>(FoV = 1’)</a:t>
+            </a:r>
+            <a:endParaRPr lang="en-GB" sz="1000" b="1" dirty="0"/>
+          </a:p>
+        </p:txBody>
+      </p:sp>
+      <p:sp>
+        <p:nvSpPr>
+          <p:cNvPr id="21" name="ZoneTexte 20"/>
+          <p:cNvSpPr txBox="1"/>
+          <p:nvPr/>
+        </p:nvSpPr>
+        <p:spPr>
+          <a:xfrm>
+            <a:off x="551086" y="4510088"/>
+            <a:ext cx="881972" cy="553998"/>
+          </a:xfrm>
+          <a:prstGeom prst="rect">
+            <a:avLst/>
+          </a:prstGeom>
+          <a:noFill/>
+        </p:spPr>
+        <p:txBody>
+          <a:bodyPr wrap="none" rtlCol="0">
+            <a:spAutoFit/>
+          </a:bodyPr>
+          <a:lstStyle/>
+          <a:p>
+            <a:pPr algn="ctr"/>
+            <a:r>
+              <a:rPr lang="en-GB" sz="1000" b="1" dirty="0" smtClean="0"/>
+              <a:t>Intermediate</a:t>
+            </a:r>
+          </a:p>
+          <a:p>
+            <a:pPr algn="ctr"/>
+            <a:r>
+              <a:rPr lang="en-GB" sz="1000" b="1" dirty="0"/>
+              <a:t>f</a:t>
+            </a:r>
+            <a:r>
+              <a:rPr lang="en-GB" sz="1000" b="1" dirty="0" smtClean="0"/>
+              <a:t>ocal plane</a:t>
+            </a:r>
+          </a:p>
+          <a:p>
+            <a:pPr algn="ctr"/>
+            <a:r>
+              <a:rPr lang="en-GB" sz="1000" b="1" dirty="0" smtClean="0"/>
+              <a:t>(FoV = 1’)</a:t>
+            </a:r>
+            <a:endParaRPr lang="en-GB" sz="1000" b="1" dirty="0"/>
+          </a:p>
+        </p:txBody>
+      </p:sp>
+      <p:sp>
+        <p:nvSpPr>
+          <p:cNvPr id="22" name="Rectangle 21"/>
+          <p:cNvSpPr/>
+          <p:nvPr/>
+        </p:nvSpPr>
+        <p:spPr>
+          <a:xfrm>
+            <a:off x="-467997" y="3702978"/>
+            <a:ext cx="798991" cy="807110"/>
+          </a:xfrm>
+          <a:prstGeom prst="rect">
+            <a:avLst/>
+          </a:prstGeom>
+          <a:solidFill>
+            <a:srgbClr val="5B9BD5">
+              <a:alpha val="21176"/>
+            </a:srgbClr>
+          </a:solidFill>
+          <a:ln>
+            <a:solidFill>
+              <a:schemeClr val="tx1"/>
+            </a:solidFill>
+          </a:ln>
+        </p:spPr>
+        <p:style>
+          <a:lnRef idx="2">
+            <a:schemeClr val="accent1">
+              <a:shade val="50000"/>
+            </a:schemeClr>
+          </a:lnRef>
+          <a:fillRef idx="1">
+            <a:schemeClr val="accent1"/>
+          </a:fillRef>
+          <a:effectRef idx="0">
+            <a:schemeClr val="accent1"/>
+          </a:effectRef>
+          <a:fontRef idx="minor">
+            <a:schemeClr val="lt1"/>
+          </a:fontRef>
+        </p:style>
+        <p:txBody>
+          <a:bodyPr rtlCol="0" anchor="ctr"/>
+          <a:lstStyle/>
+          <a:p>
+            <a:pPr algn="ctr"/>
+            <a:endParaRPr lang="en-GB" dirty="0"/>
+          </a:p>
+        </p:txBody>
+      </p:sp>
+      <p:sp>
+        <p:nvSpPr>
+          <p:cNvPr id="23" name="ZoneTexte 22"/>
+          <p:cNvSpPr txBox="1"/>
+          <p:nvPr/>
+        </p:nvSpPr>
+        <p:spPr>
+          <a:xfrm>
+            <a:off x="-467998" y="3720733"/>
+            <a:ext cx="457731" cy="246221"/>
+          </a:xfrm>
+          <a:prstGeom prst="rect">
+            <a:avLst/>
+          </a:prstGeom>
+          <a:noFill/>
+        </p:spPr>
+        <p:txBody>
+          <a:bodyPr wrap="square" rtlCol="0">
+            <a:spAutoFit/>
+          </a:bodyPr>
+          <a:lstStyle/>
+          <a:p>
+            <a:r>
+              <a:rPr lang="en-GB" sz="1000" b="1" dirty="0"/>
+              <a:t>FCL</a:t>
+            </a:r>
+          </a:p>
+        </p:txBody>
+      </p:sp>
+      <p:sp>
+        <p:nvSpPr>
+          <p:cNvPr id="24" name="ZoneTexte 23"/>
+          <p:cNvSpPr txBox="1"/>
+          <p:nvPr/>
+        </p:nvSpPr>
+        <p:spPr>
+          <a:xfrm>
+            <a:off x="-467998" y="3280569"/>
+            <a:ext cx="377026" cy="246221"/>
+          </a:xfrm>
+          <a:prstGeom prst="rect">
+            <a:avLst/>
+          </a:prstGeom>
+          <a:noFill/>
+        </p:spPr>
+        <p:txBody>
+          <a:bodyPr wrap="none" rtlCol="0">
+            <a:spAutoFit/>
+          </a:bodyPr>
+          <a:lstStyle/>
+          <a:p>
+            <a:r>
+              <a:rPr lang="en-GB" sz="1000" b="1" dirty="0" smtClean="0"/>
+              <a:t>DM</a:t>
+            </a:r>
+            <a:endParaRPr lang="en-GB" sz="1000" b="1" dirty="0"/>
+          </a:p>
+        </p:txBody>
+      </p:sp>
+      <p:sp>
+        <p:nvSpPr>
+          <p:cNvPr id="25" name="ZoneTexte 24"/>
+          <p:cNvSpPr txBox="1"/>
+          <p:nvPr/>
+        </p:nvSpPr>
+        <p:spPr>
+          <a:xfrm>
+            <a:off x="1653151" y="3817210"/>
+            <a:ext cx="482824" cy="246221"/>
+          </a:xfrm>
+          <a:prstGeom prst="rect">
+            <a:avLst/>
+          </a:prstGeom>
+          <a:noFill/>
+        </p:spPr>
+        <p:txBody>
+          <a:bodyPr wrap="none" rtlCol="0">
+            <a:spAutoFit/>
+          </a:bodyPr>
+          <a:lstStyle/>
+          <a:p>
+            <a:r>
+              <a:rPr lang="en-GB" sz="1000" b="1" dirty="0" smtClean="0"/>
+              <a:t>OAP0</a:t>
+            </a:r>
+            <a:endParaRPr lang="en-GB" sz="1000" b="1" dirty="0"/>
+          </a:p>
+        </p:txBody>
+      </p:sp>
+      <p:sp>
+        <p:nvSpPr>
+          <p:cNvPr id="26" name="ZoneTexte 25"/>
+          <p:cNvSpPr txBox="1"/>
+          <p:nvPr/>
+        </p:nvSpPr>
+        <p:spPr>
+          <a:xfrm>
+            <a:off x="211062" y="2728472"/>
+            <a:ext cx="482824" cy="246221"/>
+          </a:xfrm>
+          <a:prstGeom prst="rect">
+            <a:avLst/>
+          </a:prstGeom>
+          <a:noFill/>
+        </p:spPr>
+        <p:txBody>
+          <a:bodyPr wrap="none" rtlCol="0">
+            <a:spAutoFit/>
+          </a:bodyPr>
+          <a:lstStyle/>
+          <a:p>
+            <a:r>
+              <a:rPr lang="en-GB" sz="1000" b="1" dirty="0" smtClean="0"/>
+              <a:t>OAP1</a:t>
+            </a:r>
+            <a:endParaRPr lang="en-GB" sz="1000" b="1" dirty="0"/>
+          </a:p>
+        </p:txBody>
+      </p:sp>
+      <p:sp>
+        <p:nvSpPr>
+          <p:cNvPr id="27" name="ZoneTexte 26"/>
+          <p:cNvSpPr txBox="1"/>
+          <p:nvPr/>
+        </p:nvSpPr>
+        <p:spPr>
+          <a:xfrm>
+            <a:off x="1343611" y="3259960"/>
+            <a:ext cx="619080" cy="400110"/>
+          </a:xfrm>
+          <a:prstGeom prst="rect">
+            <a:avLst/>
+          </a:prstGeom>
+          <a:noFill/>
+        </p:spPr>
+        <p:txBody>
+          <a:bodyPr wrap="none" rtlCol="0">
+            <a:spAutoFit/>
+          </a:bodyPr>
+          <a:lstStyle/>
+          <a:p>
+            <a:r>
+              <a:rPr lang="en-GB" sz="1000" b="1" dirty="0" smtClean="0"/>
+              <a:t>Folding </a:t>
+            </a:r>
+          </a:p>
+          <a:p>
+            <a:r>
+              <a:rPr lang="en-GB" sz="1000" b="1" dirty="0" smtClean="0"/>
+              <a:t>mirror 1</a:t>
+            </a:r>
+            <a:endParaRPr lang="en-GB" sz="1000" b="1" dirty="0"/>
+          </a:p>
+        </p:txBody>
+      </p:sp>
+      <p:sp>
+        <p:nvSpPr>
+          <p:cNvPr id="28" name="ZoneTexte 27"/>
+          <p:cNvSpPr txBox="1"/>
+          <p:nvPr/>
+        </p:nvSpPr>
+        <p:spPr>
+          <a:xfrm>
+            <a:off x="901823" y="5330862"/>
+            <a:ext cx="883575" cy="246221"/>
+          </a:xfrm>
+          <a:prstGeom prst="rect">
+            <a:avLst/>
+          </a:prstGeom>
+          <a:noFill/>
+        </p:spPr>
+        <p:txBody>
+          <a:bodyPr wrap="none" rtlCol="0">
+            <a:spAutoFit/>
+          </a:bodyPr>
+          <a:lstStyle/>
+          <a:p>
+            <a:r>
+              <a:rPr lang="en-GB" sz="1000" b="1" dirty="0" smtClean="0"/>
+              <a:t>Paraxial lens</a:t>
+            </a:r>
+            <a:endParaRPr lang="en-GB" sz="1000" b="1" dirty="0"/>
+          </a:p>
+        </p:txBody>
+      </p:sp>
+      <p:sp>
+        <p:nvSpPr>
+          <p:cNvPr id="29" name="ZoneTexte 28"/>
+          <p:cNvSpPr txBox="1"/>
+          <p:nvPr/>
+        </p:nvSpPr>
+        <p:spPr>
+          <a:xfrm>
+            <a:off x="1962691" y="5704445"/>
+            <a:ext cx="962123" cy="400110"/>
+          </a:xfrm>
+          <a:prstGeom prst="rect">
+            <a:avLst/>
+          </a:prstGeom>
+          <a:noFill/>
+        </p:spPr>
+        <p:txBody>
+          <a:bodyPr wrap="none" rtlCol="0">
+            <a:spAutoFit/>
+          </a:bodyPr>
+          <a:lstStyle/>
+          <a:p>
+            <a:pPr algn="ctr"/>
+            <a:r>
+              <a:rPr lang="en-GB" sz="1000" b="1" dirty="0" smtClean="0"/>
+              <a:t>TT modulation</a:t>
+            </a:r>
+          </a:p>
+          <a:p>
+            <a:pPr algn="ctr"/>
+            <a:r>
+              <a:rPr lang="en-GB" sz="1000" b="1" dirty="0" smtClean="0"/>
+              <a:t>mirror</a:t>
+            </a:r>
+            <a:endParaRPr lang="en-GB" sz="1000" b="1" dirty="0"/>
+          </a:p>
+        </p:txBody>
+      </p:sp>
+      <p:sp>
+        <p:nvSpPr>
+          <p:cNvPr id="30" name="ZoneTexte 29"/>
+          <p:cNvSpPr txBox="1"/>
+          <p:nvPr/>
+        </p:nvSpPr>
+        <p:spPr>
+          <a:xfrm>
+            <a:off x="2041239" y="2623852"/>
+            <a:ext cx="721672" cy="246221"/>
+          </a:xfrm>
+          <a:prstGeom prst="rect">
+            <a:avLst/>
+          </a:prstGeom>
+          <a:noFill/>
+        </p:spPr>
+        <p:txBody>
+          <a:bodyPr wrap="none" rtlCol="0">
+            <a:spAutoFit/>
+          </a:bodyPr>
+          <a:lstStyle/>
+          <a:p>
+            <a:r>
+              <a:rPr lang="en-GB" sz="1000" b="1" dirty="0" smtClean="0"/>
+              <a:t>Relay lens</a:t>
+            </a:r>
+            <a:endParaRPr lang="en-GB" sz="1000" b="1" dirty="0"/>
+          </a:p>
+        </p:txBody>
+      </p:sp>
+      <p:sp>
+        <p:nvSpPr>
+          <p:cNvPr id="31" name="ZoneTexte 30"/>
+          <p:cNvSpPr txBox="1"/>
+          <p:nvPr/>
+        </p:nvSpPr>
+        <p:spPr>
+          <a:xfrm>
+            <a:off x="2041239" y="2303558"/>
+            <a:ext cx="881973" cy="246221"/>
+          </a:xfrm>
+          <a:prstGeom prst="rect">
+            <a:avLst/>
+          </a:prstGeom>
+          <a:noFill/>
+        </p:spPr>
+        <p:txBody>
+          <a:bodyPr wrap="none" rtlCol="0">
+            <a:spAutoFit/>
+          </a:bodyPr>
+          <a:lstStyle/>
+          <a:p>
+            <a:r>
+              <a:rPr lang="en-GB" sz="1000" b="1" dirty="0" smtClean="0"/>
+              <a:t>CCD detector</a:t>
+            </a:r>
+            <a:endParaRPr lang="en-GB" sz="1000" b="1" dirty="0"/>
+          </a:p>
+        </p:txBody>
+      </p:sp>
+      <p:pic>
+        <p:nvPicPr>
+          <p:cNvPr id="32" name="Image 31"/>
+          <p:cNvPicPr>
+            <a:picLocks noChangeAspect="1"/>
+          </p:cNvPicPr>
+          <p:nvPr/>
+        </p:nvPicPr>
+        <p:blipFill>
+          <a:blip r:embed="rId3"/>
+          <a:stretch>
+            <a:fillRect/>
+          </a:stretch>
+        </p:blipFill>
+        <p:spPr>
+          <a:xfrm>
+            <a:off x="3506237" y="5330862"/>
+            <a:ext cx="4647060" cy="548730"/>
+          </a:xfrm>
+          <a:prstGeom prst="rect">
+            <a:avLst/>
+          </a:prstGeom>
+        </p:spPr>
+      </p:pic>
+      <p:sp>
+        <p:nvSpPr>
+          <p:cNvPr id="33" name="ZoneTexte 32"/>
+          <p:cNvSpPr txBox="1"/>
+          <p:nvPr/>
+        </p:nvSpPr>
+        <p:spPr>
+          <a:xfrm>
+            <a:off x="2513081" y="3539928"/>
+            <a:ext cx="910827" cy="246221"/>
+          </a:xfrm>
+          <a:prstGeom prst="rect">
+            <a:avLst/>
+          </a:prstGeom>
+          <a:noFill/>
+        </p:spPr>
+        <p:txBody>
+          <a:bodyPr wrap="none" rtlCol="0">
+            <a:spAutoFit/>
+          </a:bodyPr>
+          <a:lstStyle/>
+          <a:p>
+            <a:pPr algn="ctr"/>
+            <a:r>
+              <a:rPr lang="en-GB" sz="1000" b="1" dirty="0" smtClean="0"/>
+              <a:t>Pyramid apex</a:t>
+            </a:r>
+            <a:endParaRPr lang="en-GB" sz="1000" b="1" dirty="0"/>
+          </a:p>
+        </p:txBody>
+      </p:sp>
+    </p:spTree>
+    <p:extLst>
+      <p:ext uri="{BB962C8B-B14F-4D97-AF65-F5344CB8AC3E}">
+        <p14:creationId xmlns:p14="http://schemas.microsoft.com/office/powerpoint/2010/main" val="2515465048"/>
       </p:ext>
     </p:extLst>
   </p:cSld>

--- a/20180518_AO_design_report/images/images_sketch.pptx
+++ b/20180518_AO_design_report/images/images_sketch.pptx
@@ -5,7 +5,7 @@
     <p:sldMasterId id="2147483648" r:id="rId1"/>
   </p:sldMasterIdLst>
   <p:notesMasterIdLst>
-    <p:notesMasterId r:id="rId12"/>
+    <p:notesMasterId r:id="rId15"/>
   </p:notesMasterIdLst>
   <p:sldIdLst>
     <p:sldId id="256" r:id="rId2"/>
@@ -18,6 +18,9 @@
     <p:sldId id="263" r:id="rId9"/>
     <p:sldId id="264" r:id="rId10"/>
     <p:sldId id="265" r:id="rId11"/>
+    <p:sldId id="266" r:id="rId12"/>
+    <p:sldId id="267" r:id="rId13"/>
+    <p:sldId id="268" r:id="rId14"/>
   </p:sldIdLst>
   <p:sldSz cx="12192000" cy="6858000"/>
   <p:notesSz cx="6858000" cy="9144000"/>
@@ -131,6 +134,9 @@
             <p14:sldId id="263"/>
             <p14:sldId id="264"/>
             <p14:sldId id="265"/>
+            <p14:sldId id="266"/>
+            <p14:sldId id="267"/>
+            <p14:sldId id="268"/>
           </p14:sldIdLst>
         </p14:section>
       </p14:sectionLst>
@@ -224,7 +230,7 @@
           <a:p>
             <a:fld id="{8EDEE2E2-4BE4-41CA-94FC-BC9DC2A64380}" type="datetimeFigureOut">
               <a:rPr lang="en-GB" smtClean="0"/>
-              <a:t>01/06/2018</a:t>
+              <a:t>05/06/2018</a:t>
             </a:fld>
             <a:endParaRPr lang="en-GB"/>
           </a:p>
@@ -623,7 +629,7 @@
           <a:p>
             <a:fld id="{24AF4860-EF53-429F-9816-8C3FCB6EDEF9}" type="datetimeFigureOut">
               <a:rPr lang="en-GB" smtClean="0"/>
-              <a:t>01/06/2018</a:t>
+              <a:t>05/06/2018</a:t>
             </a:fld>
             <a:endParaRPr lang="en-GB"/>
           </a:p>
@@ -793,7 +799,7 @@
           <a:p>
             <a:fld id="{24AF4860-EF53-429F-9816-8C3FCB6EDEF9}" type="datetimeFigureOut">
               <a:rPr lang="en-GB" smtClean="0"/>
-              <a:t>01/06/2018</a:t>
+              <a:t>05/06/2018</a:t>
             </a:fld>
             <a:endParaRPr lang="en-GB"/>
           </a:p>
@@ -973,7 +979,7 @@
           <a:p>
             <a:fld id="{24AF4860-EF53-429F-9816-8C3FCB6EDEF9}" type="datetimeFigureOut">
               <a:rPr lang="en-GB" smtClean="0"/>
-              <a:t>01/06/2018</a:t>
+              <a:t>05/06/2018</a:t>
             </a:fld>
             <a:endParaRPr lang="en-GB"/>
           </a:p>
@@ -1143,7 +1149,7 @@
           <a:p>
             <a:fld id="{24AF4860-EF53-429F-9816-8C3FCB6EDEF9}" type="datetimeFigureOut">
               <a:rPr lang="en-GB" smtClean="0"/>
-              <a:t>01/06/2018</a:t>
+              <a:t>05/06/2018</a:t>
             </a:fld>
             <a:endParaRPr lang="en-GB"/>
           </a:p>
@@ -1389,7 +1395,7 @@
           <a:p>
             <a:fld id="{24AF4860-EF53-429F-9816-8C3FCB6EDEF9}" type="datetimeFigureOut">
               <a:rPr lang="en-GB" smtClean="0"/>
-              <a:t>01/06/2018</a:t>
+              <a:t>05/06/2018</a:t>
             </a:fld>
             <a:endParaRPr lang="en-GB"/>
           </a:p>
@@ -1621,7 +1627,7 @@
           <a:p>
             <a:fld id="{24AF4860-EF53-429F-9816-8C3FCB6EDEF9}" type="datetimeFigureOut">
               <a:rPr lang="en-GB" smtClean="0"/>
-              <a:t>01/06/2018</a:t>
+              <a:t>05/06/2018</a:t>
             </a:fld>
             <a:endParaRPr lang="en-GB"/>
           </a:p>
@@ -1988,7 +1994,7 @@
           <a:p>
             <a:fld id="{24AF4860-EF53-429F-9816-8C3FCB6EDEF9}" type="datetimeFigureOut">
               <a:rPr lang="en-GB" smtClean="0"/>
-              <a:t>01/06/2018</a:t>
+              <a:t>05/06/2018</a:t>
             </a:fld>
             <a:endParaRPr lang="en-GB"/>
           </a:p>
@@ -2106,7 +2112,7 @@
           <a:p>
             <a:fld id="{24AF4860-EF53-429F-9816-8C3FCB6EDEF9}" type="datetimeFigureOut">
               <a:rPr lang="en-GB" smtClean="0"/>
-              <a:t>01/06/2018</a:t>
+              <a:t>05/06/2018</a:t>
             </a:fld>
             <a:endParaRPr lang="en-GB"/>
           </a:p>
@@ -2201,7 +2207,7 @@
           <a:p>
             <a:fld id="{24AF4860-EF53-429F-9816-8C3FCB6EDEF9}" type="datetimeFigureOut">
               <a:rPr lang="en-GB" smtClean="0"/>
-              <a:t>01/06/2018</a:t>
+              <a:t>05/06/2018</a:t>
             </a:fld>
             <a:endParaRPr lang="en-GB"/>
           </a:p>
@@ -2478,7 +2484,7 @@
           <a:p>
             <a:fld id="{24AF4860-EF53-429F-9816-8C3FCB6EDEF9}" type="datetimeFigureOut">
               <a:rPr lang="en-GB" smtClean="0"/>
-              <a:t>01/06/2018</a:t>
+              <a:t>05/06/2018</a:t>
             </a:fld>
             <a:endParaRPr lang="en-GB"/>
           </a:p>
@@ -2731,7 +2737,7 @@
           <a:p>
             <a:fld id="{24AF4860-EF53-429F-9816-8C3FCB6EDEF9}" type="datetimeFigureOut">
               <a:rPr lang="en-GB" smtClean="0"/>
-              <a:t>01/06/2018</a:t>
+              <a:t>05/06/2018</a:t>
             </a:fld>
             <a:endParaRPr lang="en-GB"/>
           </a:p>
@@ -2944,7 +2950,7 @@
           <a:p>
             <a:fld id="{24AF4860-EF53-429F-9816-8C3FCB6EDEF9}" type="datetimeFigureOut">
               <a:rPr lang="en-GB" smtClean="0"/>
-              <a:t>01/06/2018</a:t>
+              <a:t>05/06/2018</a:t>
             </a:fld>
             <a:endParaRPr lang="en-GB"/>
           </a:p>
@@ -4884,11 +4890,7 @@
           <a:p>
             <a:r>
               <a:rPr lang="en-GB" sz="1000" b="1" dirty="0" smtClean="0"/>
-              <a:t>mirror </a:t>
-            </a:r>
-            <a:r>
-              <a:rPr lang="en-GB" sz="1000" b="1" dirty="0" smtClean="0"/>
-              <a:t>2</a:t>
+              <a:t>mirror 2</a:t>
             </a:r>
             <a:endParaRPr lang="en-GB" sz="1000" b="1" dirty="0"/>
           </a:p>
@@ -4898,6 +4900,2616 @@
     <p:extLst>
       <p:ext uri="{BB962C8B-B14F-4D97-AF65-F5344CB8AC3E}">
         <p14:creationId xmlns:p14="http://schemas.microsoft.com/office/powerpoint/2010/main" val="665358164"/>
+      </p:ext>
+    </p:extLst>
+  </p:cSld>
+  <p:clrMapOvr>
+    <a:masterClrMapping/>
+  </p:clrMapOvr>
+</p:sld>
+</file>
+
+<file path=ppt/slides/slide11.xml><?xml version="1.0" encoding="utf-8"?>
+<p:sld xmlns:a="http://schemas.openxmlformats.org/drawingml/2006/main" xmlns:r="http://schemas.openxmlformats.org/officeDocument/2006/relationships" xmlns:p="http://schemas.openxmlformats.org/presentationml/2006/main">
+  <p:cSld>
+    <p:spTree>
+      <p:nvGrpSpPr>
+        <p:cNvPr id="1" name=""/>
+        <p:cNvGrpSpPr/>
+        <p:nvPr/>
+      </p:nvGrpSpPr>
+      <p:grpSpPr>
+        <a:xfrm>
+          <a:off x="0" y="0"/>
+          <a:ext cx="0" cy="0"/>
+          <a:chOff x="0" y="0"/>
+          <a:chExt cx="0" cy="0"/>
+        </a:xfrm>
+      </p:grpSpPr>
+      <p:sp>
+        <p:nvSpPr>
+          <p:cNvPr id="51" name="Rectangle 50"/>
+          <p:cNvSpPr/>
+          <p:nvPr/>
+        </p:nvSpPr>
+        <p:spPr>
+          <a:xfrm>
+            <a:off x="6847654" y="-561958"/>
+            <a:ext cx="5362575" cy="1097520"/>
+          </a:xfrm>
+          <a:prstGeom prst="rect">
+            <a:avLst/>
+          </a:prstGeom>
+          <a:solidFill>
+            <a:schemeClr val="bg1"/>
+          </a:solidFill>
+          <a:ln>
+            <a:noFill/>
+          </a:ln>
+        </p:spPr>
+        <p:style>
+          <a:lnRef idx="2">
+            <a:schemeClr val="accent1">
+              <a:shade val="50000"/>
+            </a:schemeClr>
+          </a:lnRef>
+          <a:fillRef idx="1">
+            <a:schemeClr val="accent1"/>
+          </a:fillRef>
+          <a:effectRef idx="0">
+            <a:schemeClr val="accent1"/>
+          </a:effectRef>
+          <a:fontRef idx="minor">
+            <a:schemeClr val="lt1"/>
+          </a:fontRef>
+        </p:style>
+        <p:txBody>
+          <a:bodyPr rtlCol="0" anchor="ctr"/>
+          <a:lstStyle/>
+          <a:p>
+            <a:pPr algn="ctr"/>
+            <a:endParaRPr lang="en-GB"/>
+          </a:p>
+        </p:txBody>
+      </p:sp>
+      <p:sp>
+        <p:nvSpPr>
+          <p:cNvPr id="27" name="Rectangle 26"/>
+          <p:cNvSpPr/>
+          <p:nvPr/>
+        </p:nvSpPr>
+        <p:spPr>
+          <a:xfrm>
+            <a:off x="1103540" y="6382016"/>
+            <a:ext cx="10629900" cy="1304925"/>
+          </a:xfrm>
+          <a:prstGeom prst="rect">
+            <a:avLst/>
+          </a:prstGeom>
+          <a:solidFill>
+            <a:schemeClr val="bg1"/>
+          </a:solidFill>
+          <a:ln>
+            <a:noFill/>
+          </a:ln>
+        </p:spPr>
+        <p:style>
+          <a:lnRef idx="2">
+            <a:schemeClr val="accent1">
+              <a:shade val="50000"/>
+            </a:schemeClr>
+          </a:lnRef>
+          <a:fillRef idx="1">
+            <a:schemeClr val="accent1"/>
+          </a:fillRef>
+          <a:effectRef idx="0">
+            <a:schemeClr val="accent1"/>
+          </a:effectRef>
+          <a:fontRef idx="minor">
+            <a:schemeClr val="lt1"/>
+          </a:fontRef>
+        </p:style>
+        <p:txBody>
+          <a:bodyPr rtlCol="0" anchor="ctr"/>
+          <a:lstStyle/>
+          <a:p>
+            <a:pPr algn="ctr"/>
+            <a:endParaRPr lang="en-GB"/>
+          </a:p>
+        </p:txBody>
+      </p:sp>
+      <p:pic>
+        <p:nvPicPr>
+          <p:cNvPr id="39" name="Image 38"/>
+          <p:cNvPicPr>
+            <a:picLocks noChangeAspect="1"/>
+          </p:cNvPicPr>
+          <p:nvPr/>
+        </p:nvPicPr>
+        <p:blipFill>
+          <a:blip r:embed="rId2"/>
+          <a:stretch>
+            <a:fillRect/>
+          </a:stretch>
+        </p:blipFill>
+        <p:spPr>
+          <a:xfrm>
+            <a:off x="2475816" y="-148570"/>
+            <a:ext cx="11026708" cy="7099086"/>
+          </a:xfrm>
+          <a:prstGeom prst="rect">
+            <a:avLst/>
+          </a:prstGeom>
+        </p:spPr>
+      </p:pic>
+      <p:sp>
+        <p:nvSpPr>
+          <p:cNvPr id="5" name="ZoneTexte 4"/>
+          <p:cNvSpPr txBox="1"/>
+          <p:nvPr/>
+        </p:nvSpPr>
+        <p:spPr>
+          <a:xfrm>
+            <a:off x="2841662" y="3866848"/>
+            <a:ext cx="996876" cy="738664"/>
+          </a:xfrm>
+          <a:prstGeom prst="rect">
+            <a:avLst/>
+          </a:prstGeom>
+          <a:noFill/>
+        </p:spPr>
+        <p:txBody>
+          <a:bodyPr wrap="none" rtlCol="0">
+            <a:spAutoFit/>
+          </a:bodyPr>
+          <a:lstStyle/>
+          <a:p>
+            <a:pPr algn="ctr"/>
+            <a:r>
+              <a:rPr lang="en-GB" sz="1400" b="1" dirty="0" smtClean="0"/>
+              <a:t>Telescope</a:t>
+            </a:r>
+          </a:p>
+          <a:p>
+            <a:pPr algn="ctr"/>
+            <a:r>
+              <a:rPr lang="en-GB" sz="1400" b="1" dirty="0"/>
+              <a:t>f</a:t>
+            </a:r>
+            <a:r>
+              <a:rPr lang="en-GB" sz="1400" b="1" dirty="0" smtClean="0"/>
+              <a:t>ocal plane</a:t>
+            </a:r>
+          </a:p>
+          <a:p>
+            <a:pPr algn="ctr"/>
+            <a:r>
+              <a:rPr lang="en-GB" sz="1400" b="1" dirty="0" smtClean="0"/>
+              <a:t>(FoV = 1’)</a:t>
+            </a:r>
+            <a:endParaRPr lang="en-GB" sz="1400" b="1" dirty="0"/>
+          </a:p>
+        </p:txBody>
+      </p:sp>
+      <p:sp>
+        <p:nvSpPr>
+          <p:cNvPr id="6" name="ZoneTexte 5"/>
+          <p:cNvSpPr txBox="1"/>
+          <p:nvPr/>
+        </p:nvSpPr>
+        <p:spPr>
+          <a:xfrm>
+            <a:off x="4621495" y="4838277"/>
+            <a:ext cx="1310423" cy="815608"/>
+          </a:xfrm>
+          <a:prstGeom prst="rect">
+            <a:avLst/>
+          </a:prstGeom>
+          <a:noFill/>
+        </p:spPr>
+        <p:txBody>
+          <a:bodyPr wrap="none" rtlCol="0">
+            <a:spAutoFit/>
+          </a:bodyPr>
+          <a:lstStyle/>
+          <a:p>
+            <a:pPr algn="ctr"/>
+            <a:r>
+              <a:rPr lang="en-GB" sz="1400" b="1" dirty="0" smtClean="0"/>
+              <a:t>Dichroic mirror</a:t>
+            </a:r>
+          </a:p>
+          <a:p>
+            <a:pPr algn="ctr"/>
+            <a:r>
+              <a:rPr lang="en-GB" sz="1050" b="1" dirty="0" smtClean="0"/>
+              <a:t>@Intermediate</a:t>
+            </a:r>
+          </a:p>
+          <a:p>
+            <a:pPr algn="ctr"/>
+            <a:r>
+              <a:rPr lang="en-GB" sz="1050" b="1" dirty="0"/>
+              <a:t>f</a:t>
+            </a:r>
+            <a:r>
+              <a:rPr lang="en-GB" sz="1050" b="1" dirty="0" smtClean="0"/>
+              <a:t>ocal plane</a:t>
+            </a:r>
+          </a:p>
+          <a:p>
+            <a:pPr algn="ctr"/>
+            <a:r>
+              <a:rPr lang="en-GB" sz="1050" b="1" dirty="0" smtClean="0"/>
+              <a:t>(FoV = 1’)</a:t>
+            </a:r>
+            <a:endParaRPr lang="en-GB" sz="1050" b="1" dirty="0"/>
+          </a:p>
+        </p:txBody>
+      </p:sp>
+      <p:sp>
+        <p:nvSpPr>
+          <p:cNvPr id="9" name="ZoneTexte 8"/>
+          <p:cNvSpPr txBox="1"/>
+          <p:nvPr/>
+        </p:nvSpPr>
+        <p:spPr>
+          <a:xfrm>
+            <a:off x="2812250" y="2564857"/>
+            <a:ext cx="455574" cy="307777"/>
+          </a:xfrm>
+          <a:prstGeom prst="rect">
+            <a:avLst/>
+          </a:prstGeom>
+          <a:noFill/>
+        </p:spPr>
+        <p:txBody>
+          <a:bodyPr wrap="none" rtlCol="0">
+            <a:spAutoFit/>
+          </a:bodyPr>
+          <a:lstStyle/>
+          <a:p>
+            <a:r>
+              <a:rPr lang="en-GB" sz="1400" b="1" dirty="0" smtClean="0"/>
+              <a:t>DM</a:t>
+            </a:r>
+            <a:endParaRPr lang="en-GB" sz="1400" b="1" dirty="0"/>
+          </a:p>
+        </p:txBody>
+      </p:sp>
+      <p:sp>
+        <p:nvSpPr>
+          <p:cNvPr id="10" name="ZoneTexte 9"/>
+          <p:cNvSpPr txBox="1"/>
+          <p:nvPr/>
+        </p:nvSpPr>
+        <p:spPr>
+          <a:xfrm>
+            <a:off x="6418490" y="3740979"/>
+            <a:ext cx="600614" cy="307777"/>
+          </a:xfrm>
+          <a:prstGeom prst="rect">
+            <a:avLst/>
+          </a:prstGeom>
+          <a:noFill/>
+        </p:spPr>
+        <p:txBody>
+          <a:bodyPr wrap="none" rtlCol="0">
+            <a:spAutoFit/>
+          </a:bodyPr>
+          <a:lstStyle/>
+          <a:p>
+            <a:r>
+              <a:rPr lang="en-GB" sz="1400" b="1" dirty="0" smtClean="0"/>
+              <a:t>OAP0</a:t>
+            </a:r>
+            <a:endParaRPr lang="en-GB" sz="1400" b="1" dirty="0"/>
+          </a:p>
+        </p:txBody>
+      </p:sp>
+      <p:sp>
+        <p:nvSpPr>
+          <p:cNvPr id="11" name="ZoneTexte 10"/>
+          <p:cNvSpPr txBox="1"/>
+          <p:nvPr/>
+        </p:nvSpPr>
+        <p:spPr>
+          <a:xfrm>
+            <a:off x="3829594" y="1755873"/>
+            <a:ext cx="600614" cy="307777"/>
+          </a:xfrm>
+          <a:prstGeom prst="rect">
+            <a:avLst/>
+          </a:prstGeom>
+          <a:noFill/>
+        </p:spPr>
+        <p:txBody>
+          <a:bodyPr wrap="none" rtlCol="0">
+            <a:spAutoFit/>
+          </a:bodyPr>
+          <a:lstStyle/>
+          <a:p>
+            <a:r>
+              <a:rPr lang="en-GB" sz="1400" b="1" dirty="0" smtClean="0"/>
+              <a:t>OAP1</a:t>
+            </a:r>
+            <a:endParaRPr lang="en-GB" sz="1400" b="1" dirty="0"/>
+          </a:p>
+        </p:txBody>
+      </p:sp>
+      <p:sp>
+        <p:nvSpPr>
+          <p:cNvPr id="12" name="ZoneTexte 11"/>
+          <p:cNvSpPr txBox="1"/>
+          <p:nvPr/>
+        </p:nvSpPr>
+        <p:spPr>
+          <a:xfrm>
+            <a:off x="5637330" y="2628780"/>
+            <a:ext cx="793230" cy="523220"/>
+          </a:xfrm>
+          <a:prstGeom prst="rect">
+            <a:avLst/>
+          </a:prstGeom>
+          <a:noFill/>
+        </p:spPr>
+        <p:txBody>
+          <a:bodyPr wrap="none" rtlCol="0">
+            <a:spAutoFit/>
+          </a:bodyPr>
+          <a:lstStyle/>
+          <a:p>
+            <a:r>
+              <a:rPr lang="en-GB" sz="1400" b="1" dirty="0" smtClean="0"/>
+              <a:t>Folding </a:t>
+            </a:r>
+          </a:p>
+          <a:p>
+            <a:r>
+              <a:rPr lang="en-GB" sz="1400" b="1" dirty="0" smtClean="0"/>
+              <a:t>mirror 1</a:t>
+            </a:r>
+            <a:endParaRPr lang="en-GB" sz="1400" b="1" dirty="0"/>
+          </a:p>
+        </p:txBody>
+      </p:sp>
+      <p:sp>
+        <p:nvSpPr>
+          <p:cNvPr id="13" name="ZoneTexte 12"/>
+          <p:cNvSpPr txBox="1"/>
+          <p:nvPr/>
+        </p:nvSpPr>
+        <p:spPr>
+          <a:xfrm>
+            <a:off x="5178574" y="5702632"/>
+            <a:ext cx="1120820" cy="307777"/>
+          </a:xfrm>
+          <a:prstGeom prst="rect">
+            <a:avLst/>
+          </a:prstGeom>
+          <a:noFill/>
+        </p:spPr>
+        <p:txBody>
+          <a:bodyPr wrap="none" rtlCol="0">
+            <a:spAutoFit/>
+          </a:bodyPr>
+          <a:lstStyle/>
+          <a:p>
+            <a:r>
+              <a:rPr lang="en-GB" sz="1400" b="1" dirty="0" smtClean="0"/>
+              <a:t>Imaging lens</a:t>
+            </a:r>
+            <a:endParaRPr lang="en-GB" sz="1400" b="1" dirty="0"/>
+          </a:p>
+        </p:txBody>
+      </p:sp>
+      <p:sp>
+        <p:nvSpPr>
+          <p:cNvPr id="14" name="ZoneTexte 13"/>
+          <p:cNvSpPr txBox="1"/>
+          <p:nvPr/>
+        </p:nvSpPr>
+        <p:spPr>
+          <a:xfrm>
+            <a:off x="6775433" y="6337778"/>
+            <a:ext cx="1268809" cy="523220"/>
+          </a:xfrm>
+          <a:prstGeom prst="rect">
+            <a:avLst/>
+          </a:prstGeom>
+          <a:noFill/>
+        </p:spPr>
+        <p:txBody>
+          <a:bodyPr wrap="none" rtlCol="0">
+            <a:spAutoFit/>
+          </a:bodyPr>
+          <a:lstStyle/>
+          <a:p>
+            <a:pPr algn="ctr"/>
+            <a:r>
+              <a:rPr lang="en-GB" sz="1400" b="1" dirty="0" smtClean="0"/>
+              <a:t>TT modulation</a:t>
+            </a:r>
+          </a:p>
+          <a:p>
+            <a:pPr algn="ctr"/>
+            <a:r>
+              <a:rPr lang="en-GB" sz="1400" b="1" dirty="0" smtClean="0"/>
+              <a:t>mirror</a:t>
+            </a:r>
+            <a:endParaRPr lang="en-GB" sz="1400" b="1" dirty="0"/>
+          </a:p>
+        </p:txBody>
+      </p:sp>
+      <p:sp>
+        <p:nvSpPr>
+          <p:cNvPr id="15" name="ZoneTexte 14"/>
+          <p:cNvSpPr txBox="1"/>
+          <p:nvPr/>
+        </p:nvSpPr>
+        <p:spPr>
+          <a:xfrm>
+            <a:off x="7791055" y="2698856"/>
+            <a:ext cx="1337803" cy="307777"/>
+          </a:xfrm>
+          <a:prstGeom prst="rect">
+            <a:avLst/>
+          </a:prstGeom>
+          <a:noFill/>
+        </p:spPr>
+        <p:txBody>
+          <a:bodyPr wrap="none" rtlCol="0">
+            <a:spAutoFit/>
+          </a:bodyPr>
+          <a:lstStyle/>
+          <a:p>
+            <a:pPr algn="ctr"/>
+            <a:r>
+              <a:rPr lang="en-GB" sz="1400" b="1" dirty="0" smtClean="0"/>
+              <a:t>Pyramid prisms</a:t>
+            </a:r>
+            <a:endParaRPr lang="en-GB" sz="1400" b="1" dirty="0"/>
+          </a:p>
+        </p:txBody>
+      </p:sp>
+      <p:sp>
+        <p:nvSpPr>
+          <p:cNvPr id="16" name="ZoneTexte 15"/>
+          <p:cNvSpPr txBox="1"/>
+          <p:nvPr/>
+        </p:nvSpPr>
+        <p:spPr>
+          <a:xfrm>
+            <a:off x="8308977" y="1531665"/>
+            <a:ext cx="930576" cy="307777"/>
+          </a:xfrm>
+          <a:prstGeom prst="rect">
+            <a:avLst/>
+          </a:prstGeom>
+          <a:noFill/>
+        </p:spPr>
+        <p:txBody>
+          <a:bodyPr wrap="none" rtlCol="0">
+            <a:spAutoFit/>
+          </a:bodyPr>
+          <a:lstStyle/>
+          <a:p>
+            <a:pPr algn="ctr"/>
+            <a:r>
+              <a:rPr lang="en-GB" sz="1400" b="1" dirty="0" smtClean="0"/>
+              <a:t>Relay lens</a:t>
+            </a:r>
+            <a:endParaRPr lang="en-GB" sz="1400" b="1" dirty="0"/>
+          </a:p>
+        </p:txBody>
+      </p:sp>
+      <p:sp>
+        <p:nvSpPr>
+          <p:cNvPr id="17" name="ZoneTexte 16"/>
+          <p:cNvSpPr txBox="1"/>
+          <p:nvPr/>
+        </p:nvSpPr>
+        <p:spPr>
+          <a:xfrm>
+            <a:off x="7855775" y="314552"/>
+            <a:ext cx="815929" cy="523220"/>
+          </a:xfrm>
+          <a:prstGeom prst="rect">
+            <a:avLst/>
+          </a:prstGeom>
+          <a:noFill/>
+        </p:spPr>
+        <p:txBody>
+          <a:bodyPr wrap="none" rtlCol="0">
+            <a:spAutoFit/>
+          </a:bodyPr>
+          <a:lstStyle/>
+          <a:p>
+            <a:pPr algn="ctr"/>
+            <a:r>
+              <a:rPr lang="en-GB" sz="1400" b="1" dirty="0" smtClean="0"/>
+              <a:t>CCD</a:t>
+            </a:r>
+          </a:p>
+          <a:p>
+            <a:pPr algn="ctr"/>
+            <a:r>
+              <a:rPr lang="en-GB" sz="1400" b="1" dirty="0" smtClean="0"/>
+              <a:t>detector</a:t>
+            </a:r>
+            <a:endParaRPr lang="en-GB" sz="1400" b="1" dirty="0"/>
+          </a:p>
+        </p:txBody>
+      </p:sp>
+      <p:sp>
+        <p:nvSpPr>
+          <p:cNvPr id="18" name="ZoneTexte 17"/>
+          <p:cNvSpPr txBox="1"/>
+          <p:nvPr/>
+        </p:nvSpPr>
+        <p:spPr>
+          <a:xfrm>
+            <a:off x="3967736" y="4050642"/>
+            <a:ext cx="793230" cy="523220"/>
+          </a:xfrm>
+          <a:prstGeom prst="rect">
+            <a:avLst/>
+          </a:prstGeom>
+          <a:noFill/>
+        </p:spPr>
+        <p:txBody>
+          <a:bodyPr wrap="none" rtlCol="0">
+            <a:spAutoFit/>
+          </a:bodyPr>
+          <a:lstStyle/>
+          <a:p>
+            <a:r>
+              <a:rPr lang="en-GB" sz="1400" b="1" dirty="0" smtClean="0"/>
+              <a:t>Folding </a:t>
+            </a:r>
+          </a:p>
+          <a:p>
+            <a:r>
+              <a:rPr lang="en-GB" sz="1400" b="1" dirty="0" smtClean="0"/>
+              <a:t>mirror 2</a:t>
+            </a:r>
+            <a:endParaRPr lang="en-GB" sz="1400" b="1" dirty="0"/>
+          </a:p>
+        </p:txBody>
+      </p:sp>
+      <p:sp>
+        <p:nvSpPr>
+          <p:cNvPr id="20" name="ZoneTexte 19"/>
+          <p:cNvSpPr txBox="1"/>
+          <p:nvPr/>
+        </p:nvSpPr>
+        <p:spPr>
+          <a:xfrm>
+            <a:off x="5443880" y="6137723"/>
+            <a:ext cx="1180130" cy="461665"/>
+          </a:xfrm>
+          <a:prstGeom prst="rect">
+            <a:avLst/>
+          </a:prstGeom>
+          <a:noFill/>
+        </p:spPr>
+        <p:txBody>
+          <a:bodyPr wrap="none" rtlCol="0">
+            <a:spAutoFit/>
+          </a:bodyPr>
+          <a:lstStyle/>
+          <a:p>
+            <a:pPr algn="ctr"/>
+            <a:r>
+              <a:rPr lang="en-GB" sz="1400" b="1" dirty="0" smtClean="0"/>
+              <a:t>ADC</a:t>
+            </a:r>
+          </a:p>
+          <a:p>
+            <a:pPr algn="ctr"/>
+            <a:r>
+              <a:rPr lang="en-GB" sz="1000" b="1" dirty="0" smtClean="0"/>
+              <a:t>compound prism 1</a:t>
+            </a:r>
+            <a:endParaRPr lang="en-GB" sz="1000" b="1" dirty="0"/>
+          </a:p>
+        </p:txBody>
+      </p:sp>
+      <p:sp>
+        <p:nvSpPr>
+          <p:cNvPr id="21" name="ZoneTexte 20"/>
+          <p:cNvSpPr txBox="1"/>
+          <p:nvPr/>
+        </p:nvSpPr>
+        <p:spPr>
+          <a:xfrm>
+            <a:off x="6918646" y="5838003"/>
+            <a:ext cx="1180130" cy="461665"/>
+          </a:xfrm>
+          <a:prstGeom prst="rect">
+            <a:avLst/>
+          </a:prstGeom>
+          <a:noFill/>
+        </p:spPr>
+        <p:txBody>
+          <a:bodyPr wrap="none" rtlCol="0">
+            <a:spAutoFit/>
+          </a:bodyPr>
+          <a:lstStyle/>
+          <a:p>
+            <a:pPr algn="ctr"/>
+            <a:r>
+              <a:rPr lang="en-GB" sz="1400" b="1" dirty="0" smtClean="0"/>
+              <a:t>ADC</a:t>
+            </a:r>
+          </a:p>
+          <a:p>
+            <a:pPr algn="ctr"/>
+            <a:r>
+              <a:rPr lang="en-GB" sz="1000" b="1" dirty="0" smtClean="0"/>
+              <a:t>compound prism 2</a:t>
+            </a:r>
+            <a:endParaRPr lang="en-GB" sz="1000" b="1" dirty="0"/>
+          </a:p>
+        </p:txBody>
+      </p:sp>
+      <p:grpSp>
+        <p:nvGrpSpPr>
+          <p:cNvPr id="26" name="Groupe 25"/>
+          <p:cNvGrpSpPr/>
+          <p:nvPr/>
+        </p:nvGrpSpPr>
+        <p:grpSpPr>
+          <a:xfrm>
+            <a:off x="7536986" y="2715526"/>
+            <a:ext cx="290214" cy="191292"/>
+            <a:chOff x="9574923" y="2683345"/>
+            <a:chExt cx="290214" cy="191292"/>
+          </a:xfrm>
+        </p:grpSpPr>
+        <p:sp>
+          <p:nvSpPr>
+            <p:cNvPr id="22" name="Triangle isocèle 21"/>
+            <p:cNvSpPr/>
+            <p:nvPr/>
+          </p:nvSpPr>
+          <p:spPr>
+            <a:xfrm rot="1013070" flipV="1">
+              <a:off x="9574923" y="2810026"/>
+              <a:ext cx="248575" cy="64611"/>
+            </a:xfrm>
+            <a:prstGeom prst="triangle">
+              <a:avLst/>
+            </a:prstGeom>
+            <a:noFill/>
+            <a:ln>
+              <a:solidFill>
+                <a:schemeClr val="tx1"/>
+              </a:solidFill>
+            </a:ln>
+          </p:spPr>
+          <p:style>
+            <a:lnRef idx="2">
+              <a:schemeClr val="accent1">
+                <a:shade val="50000"/>
+              </a:schemeClr>
+            </a:lnRef>
+            <a:fillRef idx="1">
+              <a:schemeClr val="accent1"/>
+            </a:fillRef>
+            <a:effectRef idx="0">
+              <a:schemeClr val="accent1"/>
+            </a:effectRef>
+            <a:fontRef idx="minor">
+              <a:schemeClr val="lt1"/>
+            </a:fontRef>
+          </p:style>
+          <p:txBody>
+            <a:bodyPr rtlCol="0" anchor="ctr"/>
+            <a:lstStyle/>
+            <a:p>
+              <a:pPr algn="ctr"/>
+              <a:endParaRPr lang="en-GB"/>
+            </a:p>
+          </p:txBody>
+        </p:sp>
+        <p:sp>
+          <p:nvSpPr>
+            <p:cNvPr id="23" name="Triangle isocèle 22"/>
+            <p:cNvSpPr/>
+            <p:nvPr/>
+          </p:nvSpPr>
+          <p:spPr>
+            <a:xfrm rot="1013070">
+              <a:off x="9616562" y="2683345"/>
+              <a:ext cx="248575" cy="64398"/>
+            </a:xfrm>
+            <a:prstGeom prst="triangle">
+              <a:avLst/>
+            </a:prstGeom>
+            <a:noFill/>
+            <a:ln>
+              <a:solidFill>
+                <a:schemeClr val="tx1"/>
+              </a:solidFill>
+            </a:ln>
+          </p:spPr>
+          <p:style>
+            <a:lnRef idx="2">
+              <a:schemeClr val="accent1">
+                <a:shade val="50000"/>
+              </a:schemeClr>
+            </a:lnRef>
+            <a:fillRef idx="1">
+              <a:schemeClr val="accent1"/>
+            </a:fillRef>
+            <a:effectRef idx="0">
+              <a:schemeClr val="accent1"/>
+            </a:effectRef>
+            <a:fontRef idx="minor">
+              <a:schemeClr val="lt1"/>
+            </a:fontRef>
+          </p:style>
+          <p:txBody>
+            <a:bodyPr rtlCol="0" anchor="ctr"/>
+            <a:lstStyle/>
+            <a:p>
+              <a:pPr algn="ctr"/>
+              <a:endParaRPr lang="en-GB"/>
+            </a:p>
+          </p:txBody>
+        </p:sp>
+        <p:sp>
+          <p:nvSpPr>
+            <p:cNvPr id="24" name="Rectangle 23"/>
+            <p:cNvSpPr/>
+            <p:nvPr/>
+          </p:nvSpPr>
+          <p:spPr>
+            <a:xfrm rot="1002748">
+              <a:off x="9580954" y="2744206"/>
+              <a:ext cx="278119" cy="69121"/>
+            </a:xfrm>
+            <a:prstGeom prst="rect">
+              <a:avLst/>
+            </a:prstGeom>
+            <a:noFill/>
+            <a:ln>
+              <a:solidFill>
+                <a:schemeClr val="tx1"/>
+              </a:solidFill>
+            </a:ln>
+          </p:spPr>
+          <p:style>
+            <a:lnRef idx="2">
+              <a:schemeClr val="accent1">
+                <a:shade val="50000"/>
+              </a:schemeClr>
+            </a:lnRef>
+            <a:fillRef idx="1">
+              <a:schemeClr val="accent1"/>
+            </a:fillRef>
+            <a:effectRef idx="0">
+              <a:schemeClr val="accent1"/>
+            </a:effectRef>
+            <a:fontRef idx="minor">
+              <a:schemeClr val="lt1"/>
+            </a:fontRef>
+          </p:style>
+          <p:txBody>
+            <a:bodyPr rtlCol="0" anchor="ctr"/>
+            <a:lstStyle/>
+            <a:p>
+              <a:pPr algn="ctr"/>
+              <a:endParaRPr lang="en-GB"/>
+            </a:p>
+          </p:txBody>
+        </p:sp>
+      </p:grpSp>
+      <p:cxnSp>
+        <p:nvCxnSpPr>
+          <p:cNvPr id="29" name="Connecteur droit 28"/>
+          <p:cNvCxnSpPr/>
+          <p:nvPr/>
+        </p:nvCxnSpPr>
+        <p:spPr>
+          <a:xfrm>
+            <a:off x="6437703" y="6223581"/>
+            <a:ext cx="46440" cy="80849"/>
+          </a:xfrm>
+          <a:prstGeom prst="line">
+            <a:avLst/>
+          </a:prstGeom>
+          <a:ln>
+            <a:solidFill>
+              <a:schemeClr val="tx1"/>
+            </a:solidFill>
+          </a:ln>
+        </p:spPr>
+        <p:style>
+          <a:lnRef idx="1">
+            <a:schemeClr val="accent1"/>
+          </a:lnRef>
+          <a:fillRef idx="0">
+            <a:schemeClr val="accent1"/>
+          </a:fillRef>
+          <a:effectRef idx="0">
+            <a:schemeClr val="accent1"/>
+          </a:effectRef>
+          <a:fontRef idx="minor">
+            <a:schemeClr val="tx1"/>
+          </a:fontRef>
+        </p:style>
+      </p:cxnSp>
+      <p:cxnSp>
+        <p:nvCxnSpPr>
+          <p:cNvPr id="32" name="Connecteur droit 31"/>
+          <p:cNvCxnSpPr/>
+          <p:nvPr/>
+        </p:nvCxnSpPr>
+        <p:spPr>
+          <a:xfrm>
+            <a:off x="6577570" y="6155788"/>
+            <a:ext cx="46440" cy="80849"/>
+          </a:xfrm>
+          <a:prstGeom prst="line">
+            <a:avLst/>
+          </a:prstGeom>
+          <a:ln>
+            <a:solidFill>
+              <a:schemeClr val="tx1"/>
+            </a:solidFill>
+          </a:ln>
+        </p:spPr>
+        <p:style>
+          <a:lnRef idx="1">
+            <a:schemeClr val="accent1"/>
+          </a:lnRef>
+          <a:fillRef idx="0">
+            <a:schemeClr val="accent1"/>
+          </a:fillRef>
+          <a:effectRef idx="0">
+            <a:schemeClr val="accent1"/>
+          </a:effectRef>
+          <a:fontRef idx="minor">
+            <a:schemeClr val="tx1"/>
+          </a:fontRef>
+        </p:style>
+      </p:cxnSp>
+      <p:cxnSp>
+        <p:nvCxnSpPr>
+          <p:cNvPr id="33" name="Connecteur droit 32"/>
+          <p:cNvCxnSpPr/>
+          <p:nvPr/>
+        </p:nvCxnSpPr>
+        <p:spPr>
+          <a:xfrm flipH="1">
+            <a:off x="6858000" y="6124909"/>
+            <a:ext cx="28575" cy="102182"/>
+          </a:xfrm>
+          <a:prstGeom prst="line">
+            <a:avLst/>
+          </a:prstGeom>
+          <a:ln>
+            <a:solidFill>
+              <a:schemeClr val="tx1"/>
+            </a:solidFill>
+          </a:ln>
+        </p:spPr>
+        <p:style>
+          <a:lnRef idx="1">
+            <a:schemeClr val="accent1"/>
+          </a:lnRef>
+          <a:fillRef idx="0">
+            <a:schemeClr val="accent1"/>
+          </a:fillRef>
+          <a:effectRef idx="0">
+            <a:schemeClr val="accent1"/>
+          </a:effectRef>
+          <a:fontRef idx="minor">
+            <a:schemeClr val="tx1"/>
+          </a:fontRef>
+        </p:style>
+      </p:cxnSp>
+      <p:cxnSp>
+        <p:nvCxnSpPr>
+          <p:cNvPr id="36" name="Connecteur droit 35"/>
+          <p:cNvCxnSpPr/>
+          <p:nvPr/>
+        </p:nvCxnSpPr>
+        <p:spPr>
+          <a:xfrm flipH="1">
+            <a:off x="6712429" y="6082013"/>
+            <a:ext cx="28575" cy="102182"/>
+          </a:xfrm>
+          <a:prstGeom prst="line">
+            <a:avLst/>
+          </a:prstGeom>
+          <a:ln>
+            <a:solidFill>
+              <a:schemeClr val="tx1"/>
+            </a:solidFill>
+          </a:ln>
+        </p:spPr>
+        <p:style>
+          <a:lnRef idx="1">
+            <a:schemeClr val="accent1"/>
+          </a:lnRef>
+          <a:fillRef idx="0">
+            <a:schemeClr val="accent1"/>
+          </a:fillRef>
+          <a:effectRef idx="0">
+            <a:schemeClr val="accent1"/>
+          </a:effectRef>
+          <a:fontRef idx="minor">
+            <a:schemeClr val="tx1"/>
+          </a:fontRef>
+        </p:style>
+      </p:cxnSp>
+      <p:cxnSp>
+        <p:nvCxnSpPr>
+          <p:cNvPr id="38" name="Connecteur droit avec flèche 37"/>
+          <p:cNvCxnSpPr/>
+          <p:nvPr/>
+        </p:nvCxnSpPr>
+        <p:spPr>
+          <a:xfrm flipV="1">
+            <a:off x="2475816" y="7475851"/>
+            <a:ext cx="6431296" cy="1442"/>
+          </a:xfrm>
+          <a:prstGeom prst="straightConnector1">
+            <a:avLst/>
+          </a:prstGeom>
+          <a:ln>
+            <a:solidFill>
+              <a:schemeClr val="tx1"/>
+            </a:solidFill>
+            <a:headEnd type="triangle"/>
+            <a:tailEnd type="triangle"/>
+          </a:ln>
+        </p:spPr>
+        <p:style>
+          <a:lnRef idx="1">
+            <a:schemeClr val="accent1"/>
+          </a:lnRef>
+          <a:fillRef idx="0">
+            <a:schemeClr val="accent1"/>
+          </a:fillRef>
+          <a:effectRef idx="0">
+            <a:schemeClr val="accent1"/>
+          </a:effectRef>
+          <a:fontRef idx="minor">
+            <a:schemeClr val="tx1"/>
+          </a:fontRef>
+        </p:style>
+      </p:cxnSp>
+      <p:sp>
+        <p:nvSpPr>
+          <p:cNvPr id="40" name="Rectangle 39"/>
+          <p:cNvSpPr/>
+          <p:nvPr/>
+        </p:nvSpPr>
+        <p:spPr>
+          <a:xfrm>
+            <a:off x="1981654" y="-706767"/>
+            <a:ext cx="5362575" cy="1097520"/>
+          </a:xfrm>
+          <a:prstGeom prst="rect">
+            <a:avLst/>
+          </a:prstGeom>
+          <a:solidFill>
+            <a:schemeClr val="bg1"/>
+          </a:solidFill>
+          <a:ln>
+            <a:noFill/>
+          </a:ln>
+        </p:spPr>
+        <p:style>
+          <a:lnRef idx="2">
+            <a:schemeClr val="accent1">
+              <a:shade val="50000"/>
+            </a:schemeClr>
+          </a:lnRef>
+          <a:fillRef idx="1">
+            <a:schemeClr val="accent1"/>
+          </a:fillRef>
+          <a:effectRef idx="0">
+            <a:schemeClr val="accent1"/>
+          </a:effectRef>
+          <a:fontRef idx="minor">
+            <a:schemeClr val="lt1"/>
+          </a:fontRef>
+        </p:style>
+        <p:txBody>
+          <a:bodyPr rtlCol="0" anchor="ctr"/>
+          <a:lstStyle/>
+          <a:p>
+            <a:pPr algn="ctr"/>
+            <a:endParaRPr lang="en-GB"/>
+          </a:p>
+        </p:txBody>
+      </p:sp>
+      <p:sp>
+        <p:nvSpPr>
+          <p:cNvPr id="43" name="ZoneTexte 42"/>
+          <p:cNvSpPr txBox="1"/>
+          <p:nvPr/>
+        </p:nvSpPr>
+        <p:spPr>
+          <a:xfrm>
+            <a:off x="5282239" y="7194469"/>
+            <a:ext cx="461986" cy="307777"/>
+          </a:xfrm>
+          <a:prstGeom prst="rect">
+            <a:avLst/>
+          </a:prstGeom>
+          <a:noFill/>
+        </p:spPr>
+        <p:txBody>
+          <a:bodyPr wrap="none" rtlCol="0">
+            <a:spAutoFit/>
+          </a:bodyPr>
+          <a:lstStyle/>
+          <a:p>
+            <a:r>
+              <a:rPr lang="en-GB" sz="1400" b="1" dirty="0" smtClean="0"/>
+              <a:t>1 m</a:t>
+            </a:r>
+            <a:endParaRPr lang="en-GB" sz="1400" b="1" dirty="0"/>
+          </a:p>
+        </p:txBody>
+      </p:sp>
+      <p:sp>
+        <p:nvSpPr>
+          <p:cNvPr id="48" name="ZoneTexte 47"/>
+          <p:cNvSpPr txBox="1"/>
+          <p:nvPr/>
+        </p:nvSpPr>
+        <p:spPr>
+          <a:xfrm>
+            <a:off x="7970124" y="3751164"/>
+            <a:ext cx="936988" cy="307777"/>
+          </a:xfrm>
+          <a:prstGeom prst="rect">
+            <a:avLst/>
+          </a:prstGeom>
+          <a:noFill/>
+        </p:spPr>
+        <p:txBody>
+          <a:bodyPr wrap="none" rtlCol="0">
+            <a:spAutoFit/>
+          </a:bodyPr>
+          <a:lstStyle/>
+          <a:p>
+            <a:pPr algn="ctr"/>
+            <a:r>
+              <a:rPr lang="en-GB" sz="1400" b="1" i="1" dirty="0" smtClean="0">
+                <a:solidFill>
+                  <a:srgbClr val="FF0000"/>
+                </a:solidFill>
+              </a:rPr>
+              <a:t>To science</a:t>
+            </a:r>
+            <a:endParaRPr lang="en-GB" sz="1400" b="1" i="1" dirty="0">
+              <a:solidFill>
+                <a:srgbClr val="FF0000"/>
+              </a:solidFill>
+            </a:endParaRPr>
+          </a:p>
+        </p:txBody>
+      </p:sp>
+      <p:cxnSp>
+        <p:nvCxnSpPr>
+          <p:cNvPr id="50" name="Connecteur droit avec flèche 49"/>
+          <p:cNvCxnSpPr/>
+          <p:nvPr/>
+        </p:nvCxnSpPr>
+        <p:spPr>
+          <a:xfrm>
+            <a:off x="8263739" y="4032574"/>
+            <a:ext cx="865119" cy="0"/>
+          </a:xfrm>
+          <a:prstGeom prst="straightConnector1">
+            <a:avLst/>
+          </a:prstGeom>
+          <a:ln>
+            <a:solidFill>
+              <a:srgbClr val="FF0000"/>
+            </a:solidFill>
+            <a:tailEnd type="triangle"/>
+          </a:ln>
+        </p:spPr>
+        <p:style>
+          <a:lnRef idx="1">
+            <a:schemeClr val="accent1"/>
+          </a:lnRef>
+          <a:fillRef idx="0">
+            <a:schemeClr val="accent1"/>
+          </a:fillRef>
+          <a:effectRef idx="0">
+            <a:schemeClr val="accent1"/>
+          </a:effectRef>
+          <a:fontRef idx="minor">
+            <a:schemeClr val="tx1"/>
+          </a:fontRef>
+        </p:style>
+      </p:cxnSp>
+    </p:spTree>
+    <p:extLst>
+      <p:ext uri="{BB962C8B-B14F-4D97-AF65-F5344CB8AC3E}">
+        <p14:creationId xmlns:p14="http://schemas.microsoft.com/office/powerpoint/2010/main" val="2373580723"/>
+      </p:ext>
+    </p:extLst>
+  </p:cSld>
+  <p:clrMapOvr>
+    <a:masterClrMapping/>
+  </p:clrMapOvr>
+</p:sld>
+</file>
+
+<file path=ppt/slides/slide12.xml><?xml version="1.0" encoding="utf-8"?>
+<p:sld xmlns:a="http://schemas.openxmlformats.org/drawingml/2006/main" xmlns:r="http://schemas.openxmlformats.org/officeDocument/2006/relationships" xmlns:p="http://schemas.openxmlformats.org/presentationml/2006/main">
+  <p:cSld>
+    <p:spTree>
+      <p:nvGrpSpPr>
+        <p:cNvPr id="1" name=""/>
+        <p:cNvGrpSpPr/>
+        <p:nvPr/>
+      </p:nvGrpSpPr>
+      <p:grpSpPr>
+        <a:xfrm>
+          <a:off x="0" y="0"/>
+          <a:ext cx="0" cy="0"/>
+          <a:chOff x="0" y="0"/>
+          <a:chExt cx="0" cy="0"/>
+        </a:xfrm>
+      </p:grpSpPr>
+      <p:sp>
+        <p:nvSpPr>
+          <p:cNvPr id="51" name="Rectangle 50"/>
+          <p:cNvSpPr/>
+          <p:nvPr/>
+        </p:nvSpPr>
+        <p:spPr>
+          <a:xfrm>
+            <a:off x="6847654" y="-561958"/>
+            <a:ext cx="5362575" cy="1097520"/>
+          </a:xfrm>
+          <a:prstGeom prst="rect">
+            <a:avLst/>
+          </a:prstGeom>
+          <a:solidFill>
+            <a:schemeClr val="bg1"/>
+          </a:solidFill>
+          <a:ln>
+            <a:noFill/>
+          </a:ln>
+        </p:spPr>
+        <p:style>
+          <a:lnRef idx="2">
+            <a:schemeClr val="accent1">
+              <a:shade val="50000"/>
+            </a:schemeClr>
+          </a:lnRef>
+          <a:fillRef idx="1">
+            <a:schemeClr val="accent1"/>
+          </a:fillRef>
+          <a:effectRef idx="0">
+            <a:schemeClr val="accent1"/>
+          </a:effectRef>
+          <a:fontRef idx="minor">
+            <a:schemeClr val="lt1"/>
+          </a:fontRef>
+        </p:style>
+        <p:txBody>
+          <a:bodyPr rtlCol="0" anchor="ctr"/>
+          <a:lstStyle/>
+          <a:p>
+            <a:pPr algn="ctr"/>
+            <a:endParaRPr lang="en-GB"/>
+          </a:p>
+        </p:txBody>
+      </p:sp>
+      <p:sp>
+        <p:nvSpPr>
+          <p:cNvPr id="27" name="Rectangle 26"/>
+          <p:cNvSpPr/>
+          <p:nvPr/>
+        </p:nvSpPr>
+        <p:spPr>
+          <a:xfrm>
+            <a:off x="1103540" y="6382016"/>
+            <a:ext cx="10629900" cy="1304925"/>
+          </a:xfrm>
+          <a:prstGeom prst="rect">
+            <a:avLst/>
+          </a:prstGeom>
+          <a:solidFill>
+            <a:schemeClr val="bg1"/>
+          </a:solidFill>
+          <a:ln>
+            <a:noFill/>
+          </a:ln>
+        </p:spPr>
+        <p:style>
+          <a:lnRef idx="2">
+            <a:schemeClr val="accent1">
+              <a:shade val="50000"/>
+            </a:schemeClr>
+          </a:lnRef>
+          <a:fillRef idx="1">
+            <a:schemeClr val="accent1"/>
+          </a:fillRef>
+          <a:effectRef idx="0">
+            <a:schemeClr val="accent1"/>
+          </a:effectRef>
+          <a:fontRef idx="minor">
+            <a:schemeClr val="lt1"/>
+          </a:fontRef>
+        </p:style>
+        <p:txBody>
+          <a:bodyPr rtlCol="0" anchor="ctr"/>
+          <a:lstStyle/>
+          <a:p>
+            <a:pPr algn="ctr"/>
+            <a:endParaRPr lang="en-GB"/>
+          </a:p>
+        </p:txBody>
+      </p:sp>
+      <p:pic>
+        <p:nvPicPr>
+          <p:cNvPr id="39" name="Image 38"/>
+          <p:cNvPicPr>
+            <a:picLocks noChangeAspect="1"/>
+          </p:cNvPicPr>
+          <p:nvPr/>
+        </p:nvPicPr>
+        <p:blipFill>
+          <a:blip r:embed="rId2"/>
+          <a:stretch>
+            <a:fillRect/>
+          </a:stretch>
+        </p:blipFill>
+        <p:spPr>
+          <a:xfrm>
+            <a:off x="2475816" y="-148570"/>
+            <a:ext cx="11026708" cy="7099086"/>
+          </a:xfrm>
+          <a:prstGeom prst="rect">
+            <a:avLst/>
+          </a:prstGeom>
+        </p:spPr>
+      </p:pic>
+      <p:sp>
+        <p:nvSpPr>
+          <p:cNvPr id="5" name="ZoneTexte 4"/>
+          <p:cNvSpPr txBox="1"/>
+          <p:nvPr/>
+        </p:nvSpPr>
+        <p:spPr>
+          <a:xfrm>
+            <a:off x="2841662" y="3866848"/>
+            <a:ext cx="996876" cy="738664"/>
+          </a:xfrm>
+          <a:prstGeom prst="rect">
+            <a:avLst/>
+          </a:prstGeom>
+          <a:noFill/>
+        </p:spPr>
+        <p:txBody>
+          <a:bodyPr wrap="none" rtlCol="0">
+            <a:spAutoFit/>
+          </a:bodyPr>
+          <a:lstStyle/>
+          <a:p>
+            <a:pPr algn="ctr"/>
+            <a:r>
+              <a:rPr lang="en-GB" sz="1400" b="1" dirty="0" smtClean="0"/>
+              <a:t>Telescope</a:t>
+            </a:r>
+          </a:p>
+          <a:p>
+            <a:pPr algn="ctr"/>
+            <a:r>
+              <a:rPr lang="en-GB" sz="1400" b="1" dirty="0"/>
+              <a:t>f</a:t>
+            </a:r>
+            <a:r>
+              <a:rPr lang="en-GB" sz="1400" b="1" dirty="0" smtClean="0"/>
+              <a:t>ocal plane</a:t>
+            </a:r>
+          </a:p>
+          <a:p>
+            <a:pPr algn="ctr"/>
+            <a:r>
+              <a:rPr lang="en-GB" sz="1400" b="1" dirty="0" smtClean="0"/>
+              <a:t>(FoV = 1’)</a:t>
+            </a:r>
+            <a:endParaRPr lang="en-GB" sz="1400" b="1" dirty="0"/>
+          </a:p>
+        </p:txBody>
+      </p:sp>
+      <p:sp>
+        <p:nvSpPr>
+          <p:cNvPr id="6" name="ZoneTexte 5"/>
+          <p:cNvSpPr txBox="1"/>
+          <p:nvPr/>
+        </p:nvSpPr>
+        <p:spPr>
+          <a:xfrm>
+            <a:off x="4621495" y="4838277"/>
+            <a:ext cx="1310423" cy="815608"/>
+          </a:xfrm>
+          <a:prstGeom prst="rect">
+            <a:avLst/>
+          </a:prstGeom>
+          <a:noFill/>
+        </p:spPr>
+        <p:txBody>
+          <a:bodyPr wrap="none" rtlCol="0">
+            <a:spAutoFit/>
+          </a:bodyPr>
+          <a:lstStyle/>
+          <a:p>
+            <a:pPr algn="ctr"/>
+            <a:r>
+              <a:rPr lang="en-GB" sz="1400" b="1" dirty="0" smtClean="0"/>
+              <a:t>Dichroic mirror</a:t>
+            </a:r>
+          </a:p>
+          <a:p>
+            <a:pPr algn="ctr"/>
+            <a:r>
+              <a:rPr lang="en-GB" sz="1050" b="1" dirty="0" smtClean="0"/>
+              <a:t>@Intermediate</a:t>
+            </a:r>
+          </a:p>
+          <a:p>
+            <a:pPr algn="ctr"/>
+            <a:r>
+              <a:rPr lang="en-GB" sz="1050" b="1" dirty="0"/>
+              <a:t>f</a:t>
+            </a:r>
+            <a:r>
+              <a:rPr lang="en-GB" sz="1050" b="1" dirty="0" smtClean="0"/>
+              <a:t>ocal plane</a:t>
+            </a:r>
+          </a:p>
+          <a:p>
+            <a:pPr algn="ctr"/>
+            <a:r>
+              <a:rPr lang="en-GB" sz="1050" b="1" dirty="0" smtClean="0"/>
+              <a:t>(FoV = 1’)</a:t>
+            </a:r>
+            <a:endParaRPr lang="en-GB" sz="1050" b="1" dirty="0"/>
+          </a:p>
+        </p:txBody>
+      </p:sp>
+      <p:sp>
+        <p:nvSpPr>
+          <p:cNvPr id="9" name="ZoneTexte 8"/>
+          <p:cNvSpPr txBox="1"/>
+          <p:nvPr/>
+        </p:nvSpPr>
+        <p:spPr>
+          <a:xfrm>
+            <a:off x="2812250" y="2564857"/>
+            <a:ext cx="455574" cy="307777"/>
+          </a:xfrm>
+          <a:prstGeom prst="rect">
+            <a:avLst/>
+          </a:prstGeom>
+          <a:noFill/>
+        </p:spPr>
+        <p:txBody>
+          <a:bodyPr wrap="none" rtlCol="0">
+            <a:spAutoFit/>
+          </a:bodyPr>
+          <a:lstStyle/>
+          <a:p>
+            <a:r>
+              <a:rPr lang="en-GB" sz="1400" b="1" dirty="0" smtClean="0"/>
+              <a:t>DM</a:t>
+            </a:r>
+            <a:endParaRPr lang="en-GB" sz="1400" b="1" dirty="0"/>
+          </a:p>
+        </p:txBody>
+      </p:sp>
+      <p:sp>
+        <p:nvSpPr>
+          <p:cNvPr id="10" name="ZoneTexte 9"/>
+          <p:cNvSpPr txBox="1"/>
+          <p:nvPr/>
+        </p:nvSpPr>
+        <p:spPr>
+          <a:xfrm>
+            <a:off x="6418490" y="3740979"/>
+            <a:ext cx="600614" cy="307777"/>
+          </a:xfrm>
+          <a:prstGeom prst="rect">
+            <a:avLst/>
+          </a:prstGeom>
+          <a:noFill/>
+        </p:spPr>
+        <p:txBody>
+          <a:bodyPr wrap="none" rtlCol="0">
+            <a:spAutoFit/>
+          </a:bodyPr>
+          <a:lstStyle/>
+          <a:p>
+            <a:r>
+              <a:rPr lang="en-GB" sz="1400" b="1" dirty="0" smtClean="0"/>
+              <a:t>OAP0</a:t>
+            </a:r>
+            <a:endParaRPr lang="en-GB" sz="1400" b="1" dirty="0"/>
+          </a:p>
+        </p:txBody>
+      </p:sp>
+      <p:sp>
+        <p:nvSpPr>
+          <p:cNvPr id="11" name="ZoneTexte 10"/>
+          <p:cNvSpPr txBox="1"/>
+          <p:nvPr/>
+        </p:nvSpPr>
+        <p:spPr>
+          <a:xfrm>
+            <a:off x="3829594" y="1755873"/>
+            <a:ext cx="600614" cy="307777"/>
+          </a:xfrm>
+          <a:prstGeom prst="rect">
+            <a:avLst/>
+          </a:prstGeom>
+          <a:noFill/>
+        </p:spPr>
+        <p:txBody>
+          <a:bodyPr wrap="none" rtlCol="0">
+            <a:spAutoFit/>
+          </a:bodyPr>
+          <a:lstStyle/>
+          <a:p>
+            <a:r>
+              <a:rPr lang="en-GB" sz="1400" b="1" dirty="0" smtClean="0"/>
+              <a:t>OAP1</a:t>
+            </a:r>
+            <a:endParaRPr lang="en-GB" sz="1400" b="1" dirty="0"/>
+          </a:p>
+        </p:txBody>
+      </p:sp>
+      <p:sp>
+        <p:nvSpPr>
+          <p:cNvPr id="12" name="ZoneTexte 11"/>
+          <p:cNvSpPr txBox="1"/>
+          <p:nvPr/>
+        </p:nvSpPr>
+        <p:spPr>
+          <a:xfrm>
+            <a:off x="5637330" y="2628780"/>
+            <a:ext cx="793230" cy="523220"/>
+          </a:xfrm>
+          <a:prstGeom prst="rect">
+            <a:avLst/>
+          </a:prstGeom>
+          <a:noFill/>
+        </p:spPr>
+        <p:txBody>
+          <a:bodyPr wrap="none" rtlCol="0">
+            <a:spAutoFit/>
+          </a:bodyPr>
+          <a:lstStyle/>
+          <a:p>
+            <a:r>
+              <a:rPr lang="en-GB" sz="1400" b="1" dirty="0" smtClean="0"/>
+              <a:t>Folding </a:t>
+            </a:r>
+          </a:p>
+          <a:p>
+            <a:r>
+              <a:rPr lang="en-GB" sz="1400" b="1" dirty="0" smtClean="0"/>
+              <a:t>mirror 1</a:t>
+            </a:r>
+            <a:endParaRPr lang="en-GB" sz="1400" b="1" dirty="0"/>
+          </a:p>
+        </p:txBody>
+      </p:sp>
+      <p:sp>
+        <p:nvSpPr>
+          <p:cNvPr id="13" name="ZoneTexte 12"/>
+          <p:cNvSpPr txBox="1"/>
+          <p:nvPr/>
+        </p:nvSpPr>
+        <p:spPr>
+          <a:xfrm>
+            <a:off x="5178574" y="5702632"/>
+            <a:ext cx="1120820" cy="307777"/>
+          </a:xfrm>
+          <a:prstGeom prst="rect">
+            <a:avLst/>
+          </a:prstGeom>
+          <a:noFill/>
+        </p:spPr>
+        <p:txBody>
+          <a:bodyPr wrap="none" rtlCol="0">
+            <a:spAutoFit/>
+          </a:bodyPr>
+          <a:lstStyle/>
+          <a:p>
+            <a:r>
+              <a:rPr lang="en-GB" sz="1400" b="1" dirty="0" smtClean="0"/>
+              <a:t>Imaging lens</a:t>
+            </a:r>
+            <a:endParaRPr lang="en-GB" sz="1400" b="1" dirty="0"/>
+          </a:p>
+        </p:txBody>
+      </p:sp>
+      <p:sp>
+        <p:nvSpPr>
+          <p:cNvPr id="14" name="ZoneTexte 13"/>
+          <p:cNvSpPr txBox="1"/>
+          <p:nvPr/>
+        </p:nvSpPr>
+        <p:spPr>
+          <a:xfrm>
+            <a:off x="6775433" y="6337778"/>
+            <a:ext cx="1268809" cy="523220"/>
+          </a:xfrm>
+          <a:prstGeom prst="rect">
+            <a:avLst/>
+          </a:prstGeom>
+          <a:noFill/>
+        </p:spPr>
+        <p:txBody>
+          <a:bodyPr wrap="none" rtlCol="0">
+            <a:spAutoFit/>
+          </a:bodyPr>
+          <a:lstStyle/>
+          <a:p>
+            <a:pPr algn="ctr"/>
+            <a:r>
+              <a:rPr lang="en-GB" sz="1400" b="1" dirty="0" smtClean="0"/>
+              <a:t>TT modulation</a:t>
+            </a:r>
+          </a:p>
+          <a:p>
+            <a:pPr algn="ctr"/>
+            <a:r>
+              <a:rPr lang="en-GB" sz="1400" b="1" dirty="0" smtClean="0"/>
+              <a:t>mirror</a:t>
+            </a:r>
+            <a:endParaRPr lang="en-GB" sz="1400" b="1" dirty="0"/>
+          </a:p>
+        </p:txBody>
+      </p:sp>
+      <p:sp>
+        <p:nvSpPr>
+          <p:cNvPr id="15" name="ZoneTexte 14"/>
+          <p:cNvSpPr txBox="1"/>
+          <p:nvPr/>
+        </p:nvSpPr>
+        <p:spPr>
+          <a:xfrm>
+            <a:off x="7791055" y="2698856"/>
+            <a:ext cx="1337803" cy="307777"/>
+          </a:xfrm>
+          <a:prstGeom prst="rect">
+            <a:avLst/>
+          </a:prstGeom>
+          <a:noFill/>
+        </p:spPr>
+        <p:txBody>
+          <a:bodyPr wrap="none" rtlCol="0">
+            <a:spAutoFit/>
+          </a:bodyPr>
+          <a:lstStyle/>
+          <a:p>
+            <a:pPr algn="ctr"/>
+            <a:r>
+              <a:rPr lang="en-GB" sz="1400" b="1" dirty="0" smtClean="0"/>
+              <a:t>Pyramid prisms</a:t>
+            </a:r>
+            <a:endParaRPr lang="en-GB" sz="1400" b="1" dirty="0"/>
+          </a:p>
+        </p:txBody>
+      </p:sp>
+      <p:sp>
+        <p:nvSpPr>
+          <p:cNvPr id="16" name="ZoneTexte 15"/>
+          <p:cNvSpPr txBox="1"/>
+          <p:nvPr/>
+        </p:nvSpPr>
+        <p:spPr>
+          <a:xfrm>
+            <a:off x="8308977" y="1531665"/>
+            <a:ext cx="930576" cy="307777"/>
+          </a:xfrm>
+          <a:prstGeom prst="rect">
+            <a:avLst/>
+          </a:prstGeom>
+          <a:noFill/>
+        </p:spPr>
+        <p:txBody>
+          <a:bodyPr wrap="none" rtlCol="0">
+            <a:spAutoFit/>
+          </a:bodyPr>
+          <a:lstStyle/>
+          <a:p>
+            <a:pPr algn="ctr"/>
+            <a:r>
+              <a:rPr lang="en-GB" sz="1400" b="1" dirty="0" smtClean="0"/>
+              <a:t>Relay lens</a:t>
+            </a:r>
+            <a:endParaRPr lang="en-GB" sz="1400" b="1" dirty="0"/>
+          </a:p>
+        </p:txBody>
+      </p:sp>
+      <p:sp>
+        <p:nvSpPr>
+          <p:cNvPr id="17" name="ZoneTexte 16"/>
+          <p:cNvSpPr txBox="1"/>
+          <p:nvPr/>
+        </p:nvSpPr>
+        <p:spPr>
+          <a:xfrm>
+            <a:off x="7855775" y="314552"/>
+            <a:ext cx="815929" cy="523220"/>
+          </a:xfrm>
+          <a:prstGeom prst="rect">
+            <a:avLst/>
+          </a:prstGeom>
+          <a:noFill/>
+        </p:spPr>
+        <p:txBody>
+          <a:bodyPr wrap="none" rtlCol="0">
+            <a:spAutoFit/>
+          </a:bodyPr>
+          <a:lstStyle/>
+          <a:p>
+            <a:pPr algn="ctr"/>
+            <a:r>
+              <a:rPr lang="en-GB" sz="1400" b="1" dirty="0" smtClean="0"/>
+              <a:t>CCD</a:t>
+            </a:r>
+          </a:p>
+          <a:p>
+            <a:pPr algn="ctr"/>
+            <a:r>
+              <a:rPr lang="en-GB" sz="1400" b="1" dirty="0" smtClean="0"/>
+              <a:t>detector</a:t>
+            </a:r>
+            <a:endParaRPr lang="en-GB" sz="1400" b="1" dirty="0"/>
+          </a:p>
+        </p:txBody>
+      </p:sp>
+      <p:sp>
+        <p:nvSpPr>
+          <p:cNvPr id="18" name="ZoneTexte 17"/>
+          <p:cNvSpPr txBox="1"/>
+          <p:nvPr/>
+        </p:nvSpPr>
+        <p:spPr>
+          <a:xfrm>
+            <a:off x="3967736" y="4050642"/>
+            <a:ext cx="793230" cy="523220"/>
+          </a:xfrm>
+          <a:prstGeom prst="rect">
+            <a:avLst/>
+          </a:prstGeom>
+          <a:noFill/>
+        </p:spPr>
+        <p:txBody>
+          <a:bodyPr wrap="none" rtlCol="0">
+            <a:spAutoFit/>
+          </a:bodyPr>
+          <a:lstStyle/>
+          <a:p>
+            <a:r>
+              <a:rPr lang="en-GB" sz="1400" b="1" dirty="0" smtClean="0"/>
+              <a:t>Folding </a:t>
+            </a:r>
+          </a:p>
+          <a:p>
+            <a:r>
+              <a:rPr lang="en-GB" sz="1400" b="1" dirty="0" smtClean="0"/>
+              <a:t>mirror 2</a:t>
+            </a:r>
+            <a:endParaRPr lang="en-GB" sz="1400" b="1" dirty="0"/>
+          </a:p>
+        </p:txBody>
+      </p:sp>
+      <p:sp>
+        <p:nvSpPr>
+          <p:cNvPr id="20" name="ZoneTexte 19"/>
+          <p:cNvSpPr txBox="1"/>
+          <p:nvPr/>
+        </p:nvSpPr>
+        <p:spPr>
+          <a:xfrm>
+            <a:off x="5443880" y="6137723"/>
+            <a:ext cx="1180130" cy="461665"/>
+          </a:xfrm>
+          <a:prstGeom prst="rect">
+            <a:avLst/>
+          </a:prstGeom>
+          <a:noFill/>
+        </p:spPr>
+        <p:txBody>
+          <a:bodyPr wrap="none" rtlCol="0">
+            <a:spAutoFit/>
+          </a:bodyPr>
+          <a:lstStyle/>
+          <a:p>
+            <a:pPr algn="ctr"/>
+            <a:r>
+              <a:rPr lang="en-GB" sz="1400" b="1" dirty="0" smtClean="0"/>
+              <a:t>ADC</a:t>
+            </a:r>
+          </a:p>
+          <a:p>
+            <a:pPr algn="ctr"/>
+            <a:r>
+              <a:rPr lang="en-GB" sz="1000" b="1" dirty="0" smtClean="0"/>
+              <a:t>compound prism 1</a:t>
+            </a:r>
+            <a:endParaRPr lang="en-GB" sz="1000" b="1" dirty="0"/>
+          </a:p>
+        </p:txBody>
+      </p:sp>
+      <p:sp>
+        <p:nvSpPr>
+          <p:cNvPr id="21" name="ZoneTexte 20"/>
+          <p:cNvSpPr txBox="1"/>
+          <p:nvPr/>
+        </p:nvSpPr>
+        <p:spPr>
+          <a:xfrm>
+            <a:off x="6918646" y="5838003"/>
+            <a:ext cx="1180130" cy="461665"/>
+          </a:xfrm>
+          <a:prstGeom prst="rect">
+            <a:avLst/>
+          </a:prstGeom>
+          <a:noFill/>
+        </p:spPr>
+        <p:txBody>
+          <a:bodyPr wrap="none" rtlCol="0">
+            <a:spAutoFit/>
+          </a:bodyPr>
+          <a:lstStyle/>
+          <a:p>
+            <a:pPr algn="ctr"/>
+            <a:r>
+              <a:rPr lang="en-GB" sz="1400" b="1" dirty="0" smtClean="0"/>
+              <a:t>ADC</a:t>
+            </a:r>
+          </a:p>
+          <a:p>
+            <a:pPr algn="ctr"/>
+            <a:r>
+              <a:rPr lang="en-GB" sz="1000" b="1" dirty="0" smtClean="0"/>
+              <a:t>compound prism 2</a:t>
+            </a:r>
+            <a:endParaRPr lang="en-GB" sz="1000" b="1" dirty="0"/>
+          </a:p>
+        </p:txBody>
+      </p:sp>
+      <p:grpSp>
+        <p:nvGrpSpPr>
+          <p:cNvPr id="26" name="Groupe 25"/>
+          <p:cNvGrpSpPr/>
+          <p:nvPr/>
+        </p:nvGrpSpPr>
+        <p:grpSpPr>
+          <a:xfrm>
+            <a:off x="7536986" y="2715526"/>
+            <a:ext cx="290214" cy="191292"/>
+            <a:chOff x="9574923" y="2683345"/>
+            <a:chExt cx="290214" cy="191292"/>
+          </a:xfrm>
+        </p:grpSpPr>
+        <p:sp>
+          <p:nvSpPr>
+            <p:cNvPr id="22" name="Triangle isocèle 21"/>
+            <p:cNvSpPr/>
+            <p:nvPr/>
+          </p:nvSpPr>
+          <p:spPr>
+            <a:xfrm rot="1013070" flipV="1">
+              <a:off x="9574923" y="2810026"/>
+              <a:ext cx="248575" cy="64611"/>
+            </a:xfrm>
+            <a:prstGeom prst="triangle">
+              <a:avLst/>
+            </a:prstGeom>
+            <a:noFill/>
+            <a:ln>
+              <a:solidFill>
+                <a:schemeClr val="tx1"/>
+              </a:solidFill>
+            </a:ln>
+          </p:spPr>
+          <p:style>
+            <a:lnRef idx="2">
+              <a:schemeClr val="accent1">
+                <a:shade val="50000"/>
+              </a:schemeClr>
+            </a:lnRef>
+            <a:fillRef idx="1">
+              <a:schemeClr val="accent1"/>
+            </a:fillRef>
+            <a:effectRef idx="0">
+              <a:schemeClr val="accent1"/>
+            </a:effectRef>
+            <a:fontRef idx="minor">
+              <a:schemeClr val="lt1"/>
+            </a:fontRef>
+          </p:style>
+          <p:txBody>
+            <a:bodyPr rtlCol="0" anchor="ctr"/>
+            <a:lstStyle/>
+            <a:p>
+              <a:pPr algn="ctr"/>
+              <a:endParaRPr lang="en-GB"/>
+            </a:p>
+          </p:txBody>
+        </p:sp>
+        <p:sp>
+          <p:nvSpPr>
+            <p:cNvPr id="23" name="Triangle isocèle 22"/>
+            <p:cNvSpPr/>
+            <p:nvPr/>
+          </p:nvSpPr>
+          <p:spPr>
+            <a:xfrm rot="1013070">
+              <a:off x="9616562" y="2683345"/>
+              <a:ext cx="248575" cy="64398"/>
+            </a:xfrm>
+            <a:prstGeom prst="triangle">
+              <a:avLst/>
+            </a:prstGeom>
+            <a:noFill/>
+            <a:ln>
+              <a:solidFill>
+                <a:schemeClr val="tx1"/>
+              </a:solidFill>
+            </a:ln>
+          </p:spPr>
+          <p:style>
+            <a:lnRef idx="2">
+              <a:schemeClr val="accent1">
+                <a:shade val="50000"/>
+              </a:schemeClr>
+            </a:lnRef>
+            <a:fillRef idx="1">
+              <a:schemeClr val="accent1"/>
+            </a:fillRef>
+            <a:effectRef idx="0">
+              <a:schemeClr val="accent1"/>
+            </a:effectRef>
+            <a:fontRef idx="minor">
+              <a:schemeClr val="lt1"/>
+            </a:fontRef>
+          </p:style>
+          <p:txBody>
+            <a:bodyPr rtlCol="0" anchor="ctr"/>
+            <a:lstStyle/>
+            <a:p>
+              <a:pPr algn="ctr"/>
+              <a:endParaRPr lang="en-GB"/>
+            </a:p>
+          </p:txBody>
+        </p:sp>
+        <p:sp>
+          <p:nvSpPr>
+            <p:cNvPr id="24" name="Rectangle 23"/>
+            <p:cNvSpPr/>
+            <p:nvPr/>
+          </p:nvSpPr>
+          <p:spPr>
+            <a:xfrm rot="1002748">
+              <a:off x="9580954" y="2744206"/>
+              <a:ext cx="278119" cy="69121"/>
+            </a:xfrm>
+            <a:prstGeom prst="rect">
+              <a:avLst/>
+            </a:prstGeom>
+            <a:noFill/>
+            <a:ln>
+              <a:solidFill>
+                <a:schemeClr val="tx1"/>
+              </a:solidFill>
+            </a:ln>
+          </p:spPr>
+          <p:style>
+            <a:lnRef idx="2">
+              <a:schemeClr val="accent1">
+                <a:shade val="50000"/>
+              </a:schemeClr>
+            </a:lnRef>
+            <a:fillRef idx="1">
+              <a:schemeClr val="accent1"/>
+            </a:fillRef>
+            <a:effectRef idx="0">
+              <a:schemeClr val="accent1"/>
+            </a:effectRef>
+            <a:fontRef idx="minor">
+              <a:schemeClr val="lt1"/>
+            </a:fontRef>
+          </p:style>
+          <p:txBody>
+            <a:bodyPr rtlCol="0" anchor="ctr"/>
+            <a:lstStyle/>
+            <a:p>
+              <a:pPr algn="ctr"/>
+              <a:endParaRPr lang="en-GB"/>
+            </a:p>
+          </p:txBody>
+        </p:sp>
+      </p:grpSp>
+      <p:cxnSp>
+        <p:nvCxnSpPr>
+          <p:cNvPr id="29" name="Connecteur droit 28"/>
+          <p:cNvCxnSpPr/>
+          <p:nvPr/>
+        </p:nvCxnSpPr>
+        <p:spPr>
+          <a:xfrm>
+            <a:off x="6437703" y="6223581"/>
+            <a:ext cx="46440" cy="80849"/>
+          </a:xfrm>
+          <a:prstGeom prst="line">
+            <a:avLst/>
+          </a:prstGeom>
+          <a:ln>
+            <a:solidFill>
+              <a:schemeClr val="tx1"/>
+            </a:solidFill>
+          </a:ln>
+        </p:spPr>
+        <p:style>
+          <a:lnRef idx="1">
+            <a:schemeClr val="accent1"/>
+          </a:lnRef>
+          <a:fillRef idx="0">
+            <a:schemeClr val="accent1"/>
+          </a:fillRef>
+          <a:effectRef idx="0">
+            <a:schemeClr val="accent1"/>
+          </a:effectRef>
+          <a:fontRef idx="minor">
+            <a:schemeClr val="tx1"/>
+          </a:fontRef>
+        </p:style>
+      </p:cxnSp>
+      <p:cxnSp>
+        <p:nvCxnSpPr>
+          <p:cNvPr id="32" name="Connecteur droit 31"/>
+          <p:cNvCxnSpPr/>
+          <p:nvPr/>
+        </p:nvCxnSpPr>
+        <p:spPr>
+          <a:xfrm>
+            <a:off x="6577570" y="6155788"/>
+            <a:ext cx="46440" cy="80849"/>
+          </a:xfrm>
+          <a:prstGeom prst="line">
+            <a:avLst/>
+          </a:prstGeom>
+          <a:ln>
+            <a:solidFill>
+              <a:schemeClr val="tx1"/>
+            </a:solidFill>
+          </a:ln>
+        </p:spPr>
+        <p:style>
+          <a:lnRef idx="1">
+            <a:schemeClr val="accent1"/>
+          </a:lnRef>
+          <a:fillRef idx="0">
+            <a:schemeClr val="accent1"/>
+          </a:fillRef>
+          <a:effectRef idx="0">
+            <a:schemeClr val="accent1"/>
+          </a:effectRef>
+          <a:fontRef idx="minor">
+            <a:schemeClr val="tx1"/>
+          </a:fontRef>
+        </p:style>
+      </p:cxnSp>
+      <p:cxnSp>
+        <p:nvCxnSpPr>
+          <p:cNvPr id="33" name="Connecteur droit 32"/>
+          <p:cNvCxnSpPr/>
+          <p:nvPr/>
+        </p:nvCxnSpPr>
+        <p:spPr>
+          <a:xfrm flipH="1">
+            <a:off x="6858000" y="6124909"/>
+            <a:ext cx="28575" cy="102182"/>
+          </a:xfrm>
+          <a:prstGeom prst="line">
+            <a:avLst/>
+          </a:prstGeom>
+          <a:ln>
+            <a:solidFill>
+              <a:schemeClr val="tx1"/>
+            </a:solidFill>
+          </a:ln>
+        </p:spPr>
+        <p:style>
+          <a:lnRef idx="1">
+            <a:schemeClr val="accent1"/>
+          </a:lnRef>
+          <a:fillRef idx="0">
+            <a:schemeClr val="accent1"/>
+          </a:fillRef>
+          <a:effectRef idx="0">
+            <a:schemeClr val="accent1"/>
+          </a:effectRef>
+          <a:fontRef idx="minor">
+            <a:schemeClr val="tx1"/>
+          </a:fontRef>
+        </p:style>
+      </p:cxnSp>
+      <p:cxnSp>
+        <p:nvCxnSpPr>
+          <p:cNvPr id="36" name="Connecteur droit 35"/>
+          <p:cNvCxnSpPr/>
+          <p:nvPr/>
+        </p:nvCxnSpPr>
+        <p:spPr>
+          <a:xfrm flipH="1">
+            <a:off x="6712429" y="6082013"/>
+            <a:ext cx="28575" cy="102182"/>
+          </a:xfrm>
+          <a:prstGeom prst="line">
+            <a:avLst/>
+          </a:prstGeom>
+          <a:ln>
+            <a:solidFill>
+              <a:schemeClr val="tx1"/>
+            </a:solidFill>
+          </a:ln>
+        </p:spPr>
+        <p:style>
+          <a:lnRef idx="1">
+            <a:schemeClr val="accent1"/>
+          </a:lnRef>
+          <a:fillRef idx="0">
+            <a:schemeClr val="accent1"/>
+          </a:fillRef>
+          <a:effectRef idx="0">
+            <a:schemeClr val="accent1"/>
+          </a:effectRef>
+          <a:fontRef idx="minor">
+            <a:schemeClr val="tx1"/>
+          </a:fontRef>
+        </p:style>
+      </p:cxnSp>
+      <p:cxnSp>
+        <p:nvCxnSpPr>
+          <p:cNvPr id="38" name="Connecteur droit avec flèche 37"/>
+          <p:cNvCxnSpPr/>
+          <p:nvPr/>
+        </p:nvCxnSpPr>
+        <p:spPr>
+          <a:xfrm flipV="1">
+            <a:off x="2475816" y="7475851"/>
+            <a:ext cx="6431296" cy="1442"/>
+          </a:xfrm>
+          <a:prstGeom prst="straightConnector1">
+            <a:avLst/>
+          </a:prstGeom>
+          <a:ln>
+            <a:solidFill>
+              <a:schemeClr val="tx1"/>
+            </a:solidFill>
+            <a:headEnd type="triangle"/>
+            <a:tailEnd type="triangle"/>
+          </a:ln>
+        </p:spPr>
+        <p:style>
+          <a:lnRef idx="1">
+            <a:schemeClr val="accent1"/>
+          </a:lnRef>
+          <a:fillRef idx="0">
+            <a:schemeClr val="accent1"/>
+          </a:fillRef>
+          <a:effectRef idx="0">
+            <a:schemeClr val="accent1"/>
+          </a:effectRef>
+          <a:fontRef idx="minor">
+            <a:schemeClr val="tx1"/>
+          </a:fontRef>
+        </p:style>
+      </p:cxnSp>
+      <p:sp>
+        <p:nvSpPr>
+          <p:cNvPr id="40" name="Rectangle 39"/>
+          <p:cNvSpPr/>
+          <p:nvPr/>
+        </p:nvSpPr>
+        <p:spPr>
+          <a:xfrm>
+            <a:off x="1981654" y="-706767"/>
+            <a:ext cx="5362575" cy="1097520"/>
+          </a:xfrm>
+          <a:prstGeom prst="rect">
+            <a:avLst/>
+          </a:prstGeom>
+          <a:solidFill>
+            <a:schemeClr val="bg1"/>
+          </a:solidFill>
+          <a:ln>
+            <a:noFill/>
+          </a:ln>
+        </p:spPr>
+        <p:style>
+          <a:lnRef idx="2">
+            <a:schemeClr val="accent1">
+              <a:shade val="50000"/>
+            </a:schemeClr>
+          </a:lnRef>
+          <a:fillRef idx="1">
+            <a:schemeClr val="accent1"/>
+          </a:fillRef>
+          <a:effectRef idx="0">
+            <a:schemeClr val="accent1"/>
+          </a:effectRef>
+          <a:fontRef idx="minor">
+            <a:schemeClr val="lt1"/>
+          </a:fontRef>
+        </p:style>
+        <p:txBody>
+          <a:bodyPr rtlCol="0" anchor="ctr"/>
+          <a:lstStyle/>
+          <a:p>
+            <a:pPr algn="ctr"/>
+            <a:endParaRPr lang="en-GB"/>
+          </a:p>
+        </p:txBody>
+      </p:sp>
+      <p:sp>
+        <p:nvSpPr>
+          <p:cNvPr id="43" name="ZoneTexte 42"/>
+          <p:cNvSpPr txBox="1"/>
+          <p:nvPr/>
+        </p:nvSpPr>
+        <p:spPr>
+          <a:xfrm>
+            <a:off x="5282239" y="7194469"/>
+            <a:ext cx="461986" cy="307777"/>
+          </a:xfrm>
+          <a:prstGeom prst="rect">
+            <a:avLst/>
+          </a:prstGeom>
+          <a:noFill/>
+        </p:spPr>
+        <p:txBody>
+          <a:bodyPr wrap="none" rtlCol="0">
+            <a:spAutoFit/>
+          </a:bodyPr>
+          <a:lstStyle/>
+          <a:p>
+            <a:r>
+              <a:rPr lang="en-GB" sz="1400" b="1" dirty="0" smtClean="0"/>
+              <a:t>1 m</a:t>
+            </a:r>
+            <a:endParaRPr lang="en-GB" sz="1400" b="1" dirty="0"/>
+          </a:p>
+        </p:txBody>
+      </p:sp>
+      <p:sp>
+        <p:nvSpPr>
+          <p:cNvPr id="48" name="ZoneTexte 47"/>
+          <p:cNvSpPr txBox="1"/>
+          <p:nvPr/>
+        </p:nvSpPr>
+        <p:spPr>
+          <a:xfrm>
+            <a:off x="7970124" y="3751164"/>
+            <a:ext cx="936988" cy="307777"/>
+          </a:xfrm>
+          <a:prstGeom prst="rect">
+            <a:avLst/>
+          </a:prstGeom>
+          <a:noFill/>
+        </p:spPr>
+        <p:txBody>
+          <a:bodyPr wrap="none" rtlCol="0">
+            <a:spAutoFit/>
+          </a:bodyPr>
+          <a:lstStyle/>
+          <a:p>
+            <a:pPr algn="ctr"/>
+            <a:r>
+              <a:rPr lang="en-GB" sz="1400" b="1" i="1" dirty="0" smtClean="0">
+                <a:solidFill>
+                  <a:srgbClr val="FF0000"/>
+                </a:solidFill>
+              </a:rPr>
+              <a:t>To science</a:t>
+            </a:r>
+            <a:endParaRPr lang="en-GB" sz="1400" b="1" i="1" dirty="0">
+              <a:solidFill>
+                <a:srgbClr val="FF0000"/>
+              </a:solidFill>
+            </a:endParaRPr>
+          </a:p>
+        </p:txBody>
+      </p:sp>
+      <p:cxnSp>
+        <p:nvCxnSpPr>
+          <p:cNvPr id="50" name="Connecteur droit avec flèche 49"/>
+          <p:cNvCxnSpPr/>
+          <p:nvPr/>
+        </p:nvCxnSpPr>
+        <p:spPr>
+          <a:xfrm>
+            <a:off x="8263739" y="4032574"/>
+            <a:ext cx="865119" cy="0"/>
+          </a:xfrm>
+          <a:prstGeom prst="straightConnector1">
+            <a:avLst/>
+          </a:prstGeom>
+          <a:ln>
+            <a:solidFill>
+              <a:srgbClr val="FF0000"/>
+            </a:solidFill>
+            <a:tailEnd type="triangle"/>
+          </a:ln>
+        </p:spPr>
+        <p:style>
+          <a:lnRef idx="1">
+            <a:schemeClr val="accent1"/>
+          </a:lnRef>
+          <a:fillRef idx="0">
+            <a:schemeClr val="accent1"/>
+          </a:fillRef>
+          <a:effectRef idx="0">
+            <a:schemeClr val="accent1"/>
+          </a:effectRef>
+          <a:fontRef idx="minor">
+            <a:schemeClr val="tx1"/>
+          </a:fontRef>
+        </p:style>
+      </p:cxnSp>
+      <p:sp>
+        <p:nvSpPr>
+          <p:cNvPr id="2" name="Rectangle 1"/>
+          <p:cNvSpPr/>
+          <p:nvPr/>
+        </p:nvSpPr>
+        <p:spPr>
+          <a:xfrm rot="898269">
+            <a:off x="7320883" y="-147178"/>
+            <a:ext cx="1345911" cy="3217555"/>
+          </a:xfrm>
+          <a:prstGeom prst="rect">
+            <a:avLst/>
+          </a:prstGeom>
+          <a:noFill/>
+          <a:ln>
+            <a:solidFill>
+              <a:schemeClr val="accent1"/>
+            </a:solidFill>
+          </a:ln>
+        </p:spPr>
+        <p:style>
+          <a:lnRef idx="2">
+            <a:schemeClr val="accent1">
+              <a:shade val="50000"/>
+            </a:schemeClr>
+          </a:lnRef>
+          <a:fillRef idx="1">
+            <a:schemeClr val="accent1"/>
+          </a:fillRef>
+          <a:effectRef idx="0">
+            <a:schemeClr val="accent1"/>
+          </a:effectRef>
+          <a:fontRef idx="minor">
+            <a:schemeClr val="lt1"/>
+          </a:fontRef>
+        </p:style>
+        <p:txBody>
+          <a:bodyPr rtlCol="0" anchor="ctr"/>
+          <a:lstStyle/>
+          <a:p>
+            <a:pPr algn="ctr"/>
+            <a:endParaRPr lang="en-GB"/>
+          </a:p>
+        </p:txBody>
+      </p:sp>
+      <p:cxnSp>
+        <p:nvCxnSpPr>
+          <p:cNvPr id="4" name="Connecteur droit avec flèche 3"/>
+          <p:cNvCxnSpPr/>
+          <p:nvPr/>
+        </p:nvCxnSpPr>
+        <p:spPr>
+          <a:xfrm flipH="1">
+            <a:off x="7146925" y="314552"/>
+            <a:ext cx="197305" cy="761773"/>
+          </a:xfrm>
+          <a:prstGeom prst="straightConnector1">
+            <a:avLst/>
+          </a:prstGeom>
+          <a:ln>
+            <a:headEnd type="triangle"/>
+            <a:tailEnd type="triangle"/>
+          </a:ln>
+        </p:spPr>
+        <p:style>
+          <a:lnRef idx="1">
+            <a:schemeClr val="accent1"/>
+          </a:lnRef>
+          <a:fillRef idx="0">
+            <a:schemeClr val="accent1"/>
+          </a:fillRef>
+          <a:effectRef idx="0">
+            <a:schemeClr val="accent1"/>
+          </a:effectRef>
+          <a:fontRef idx="minor">
+            <a:schemeClr val="tx1"/>
+          </a:fontRef>
+        </p:style>
+      </p:cxnSp>
+      <p:cxnSp>
+        <p:nvCxnSpPr>
+          <p:cNvPr id="41" name="Connecteur droit avec flèche 40"/>
+          <p:cNvCxnSpPr/>
+          <p:nvPr/>
+        </p:nvCxnSpPr>
+        <p:spPr>
+          <a:xfrm flipH="1" flipV="1">
+            <a:off x="8166100" y="-358218"/>
+            <a:ext cx="727504" cy="180827"/>
+          </a:xfrm>
+          <a:prstGeom prst="straightConnector1">
+            <a:avLst/>
+          </a:prstGeom>
+          <a:ln>
+            <a:headEnd type="triangle"/>
+            <a:tailEnd type="triangle"/>
+          </a:ln>
+        </p:spPr>
+        <p:style>
+          <a:lnRef idx="1">
+            <a:schemeClr val="accent1"/>
+          </a:lnRef>
+          <a:fillRef idx="0">
+            <a:schemeClr val="accent1"/>
+          </a:fillRef>
+          <a:effectRef idx="0">
+            <a:schemeClr val="accent1"/>
+          </a:effectRef>
+          <a:fontRef idx="minor">
+            <a:schemeClr val="tx1"/>
+          </a:fontRef>
+        </p:style>
+      </p:cxnSp>
+    </p:spTree>
+    <p:extLst>
+      <p:ext uri="{BB962C8B-B14F-4D97-AF65-F5344CB8AC3E}">
+        <p14:creationId xmlns:p14="http://schemas.microsoft.com/office/powerpoint/2010/main" val="2588953172"/>
+      </p:ext>
+    </p:extLst>
+  </p:cSld>
+  <p:clrMapOvr>
+    <a:masterClrMapping/>
+  </p:clrMapOvr>
+</p:sld>
+</file>
+
+<file path=ppt/slides/slide13.xml><?xml version="1.0" encoding="utf-8"?>
+<p:sld xmlns:a="http://schemas.openxmlformats.org/drawingml/2006/main" xmlns:r="http://schemas.openxmlformats.org/officeDocument/2006/relationships" xmlns:p="http://schemas.openxmlformats.org/presentationml/2006/main">
+  <p:cSld>
+    <p:spTree>
+      <p:nvGrpSpPr>
+        <p:cNvPr id="1" name=""/>
+        <p:cNvGrpSpPr/>
+        <p:nvPr/>
+      </p:nvGrpSpPr>
+      <p:grpSpPr>
+        <a:xfrm>
+          <a:off x="0" y="0"/>
+          <a:ext cx="0" cy="0"/>
+          <a:chOff x="0" y="0"/>
+          <a:chExt cx="0" cy="0"/>
+        </a:xfrm>
+      </p:grpSpPr>
+      <p:grpSp>
+        <p:nvGrpSpPr>
+          <p:cNvPr id="7" name="Groupe 6"/>
+          <p:cNvGrpSpPr/>
+          <p:nvPr/>
+        </p:nvGrpSpPr>
+        <p:grpSpPr>
+          <a:xfrm>
+            <a:off x="2048950" y="16042"/>
+            <a:ext cx="5992586" cy="6858000"/>
+            <a:chOff x="3099707" y="0"/>
+            <a:chExt cx="5992586" cy="6858000"/>
+          </a:xfrm>
+        </p:grpSpPr>
+        <p:pic>
+          <p:nvPicPr>
+            <p:cNvPr id="4" name="Image 3"/>
+            <p:cNvPicPr>
+              <a:picLocks noChangeAspect="1"/>
+            </p:cNvPicPr>
+            <p:nvPr/>
+          </p:nvPicPr>
+          <p:blipFill>
+            <a:blip r:embed="rId2">
+              <a:extLst>
+                <a:ext uri="{28A0092B-C50C-407E-A947-70E740481C1C}">
+                  <a14:useLocalDpi xmlns:a14="http://schemas.microsoft.com/office/drawing/2010/main" val="0"/>
+                </a:ext>
+              </a:extLst>
+            </a:blip>
+            <a:stretch>
+              <a:fillRect/>
+            </a:stretch>
+          </p:blipFill>
+          <p:spPr>
+            <a:xfrm>
+              <a:off x="3099707" y="0"/>
+              <a:ext cx="5992586" cy="6858000"/>
+            </a:xfrm>
+            <a:prstGeom prst="rect">
+              <a:avLst/>
+            </a:prstGeom>
+          </p:spPr>
+        </p:pic>
+        <p:sp>
+          <p:nvSpPr>
+            <p:cNvPr id="6" name="Ellipse 5"/>
+            <p:cNvSpPr/>
+            <p:nvPr/>
+          </p:nvSpPr>
+          <p:spPr>
+            <a:xfrm rot="1161802">
+              <a:off x="7462838" y="3162300"/>
+              <a:ext cx="83343" cy="52388"/>
+            </a:xfrm>
+            <a:prstGeom prst="ellipse">
+              <a:avLst/>
+            </a:prstGeom>
+          </p:spPr>
+          <p:style>
+            <a:lnRef idx="2">
+              <a:schemeClr val="accent1">
+                <a:shade val="50000"/>
+              </a:schemeClr>
+            </a:lnRef>
+            <a:fillRef idx="1">
+              <a:schemeClr val="accent1"/>
+            </a:fillRef>
+            <a:effectRef idx="0">
+              <a:schemeClr val="accent1"/>
+            </a:effectRef>
+            <a:fontRef idx="minor">
+              <a:schemeClr val="lt1"/>
+            </a:fontRef>
+          </p:style>
+          <p:txBody>
+            <a:bodyPr rtlCol="0" anchor="ctr"/>
+            <a:lstStyle/>
+            <a:p>
+              <a:pPr algn="ctr"/>
+              <a:endParaRPr lang="en-GB"/>
+            </a:p>
+          </p:txBody>
+        </p:sp>
+      </p:grpSp>
+      <p:pic>
+        <p:nvPicPr>
+          <p:cNvPr id="5" name="Image 4"/>
+          <p:cNvPicPr>
+            <a:picLocks noChangeAspect="1"/>
+          </p:cNvPicPr>
+          <p:nvPr/>
+        </p:nvPicPr>
+        <p:blipFill>
+          <a:blip r:embed="rId3">
+            <a:clrChange>
+              <a:clrFrom>
+                <a:srgbClr val="FFFFFF"/>
+              </a:clrFrom>
+              <a:clrTo>
+                <a:srgbClr val="FFFFFF">
+                  <a:alpha val="0"/>
+                </a:srgbClr>
+              </a:clrTo>
+            </a:clrChange>
+          </a:blip>
+          <a:stretch>
+            <a:fillRect/>
+          </a:stretch>
+        </p:blipFill>
+        <p:spPr>
+          <a:xfrm rot="18204505">
+            <a:off x="4275474" y="437527"/>
+            <a:ext cx="2093244" cy="3175956"/>
+          </a:xfrm>
+          <a:prstGeom prst="rect">
+            <a:avLst/>
+          </a:prstGeom>
+        </p:spPr>
+      </p:pic>
+      <p:pic>
+        <p:nvPicPr>
+          <p:cNvPr id="8" name="Image 7"/>
+          <p:cNvPicPr>
+            <a:picLocks noChangeAspect="1"/>
+          </p:cNvPicPr>
+          <p:nvPr/>
+        </p:nvPicPr>
+        <p:blipFill>
+          <a:blip r:embed="rId3">
+            <a:clrChange>
+              <a:clrFrom>
+                <a:srgbClr val="FFFFFF"/>
+              </a:clrFrom>
+              <a:clrTo>
+                <a:srgbClr val="FFFFFF">
+                  <a:alpha val="0"/>
+                </a:srgbClr>
+              </a:clrTo>
+            </a:clrChange>
+          </a:blip>
+          <a:stretch>
+            <a:fillRect/>
+          </a:stretch>
+        </p:blipFill>
+        <p:spPr>
+          <a:xfrm rot="8873883">
+            <a:off x="5957841" y="3172709"/>
+            <a:ext cx="2093244" cy="3175956"/>
+          </a:xfrm>
+          <a:prstGeom prst="rect">
+            <a:avLst/>
+          </a:prstGeom>
+        </p:spPr>
+      </p:pic>
+      <p:pic>
+        <p:nvPicPr>
+          <p:cNvPr id="9" name="Image 8"/>
+          <p:cNvPicPr>
+            <a:picLocks noChangeAspect="1"/>
+          </p:cNvPicPr>
+          <p:nvPr/>
+        </p:nvPicPr>
+        <p:blipFill>
+          <a:blip r:embed="rId3">
+            <a:clrChange>
+              <a:clrFrom>
+                <a:srgbClr val="FFFFFF"/>
+              </a:clrFrom>
+              <a:clrTo>
+                <a:srgbClr val="FFFFFF">
+                  <a:alpha val="0"/>
+                </a:srgbClr>
+              </a:clrTo>
+            </a:clrChange>
+          </a:blip>
+          <a:stretch>
+            <a:fillRect/>
+          </a:stretch>
+        </p:blipFill>
+        <p:spPr>
+          <a:xfrm rot="3678122">
+            <a:off x="7002935" y="1191504"/>
+            <a:ext cx="2093244" cy="3175956"/>
+          </a:xfrm>
+          <a:prstGeom prst="rect">
+            <a:avLst/>
+          </a:prstGeom>
+        </p:spPr>
+      </p:pic>
+    </p:spTree>
+    <p:extLst>
+      <p:ext uri="{BB962C8B-B14F-4D97-AF65-F5344CB8AC3E}">
+        <p14:creationId xmlns:p14="http://schemas.microsoft.com/office/powerpoint/2010/main" val="3933185360"/>
       </p:ext>
     </p:extLst>
   </p:cSld>

--- a/20180518_AO_design_report/images/images_sketch.pptx
+++ b/20180518_AO_design_report/images/images_sketch.pptx
@@ -5,7 +5,7 @@
     <p:sldMasterId id="2147483648" r:id="rId1"/>
   </p:sldMasterIdLst>
   <p:notesMasterIdLst>
-    <p:notesMasterId r:id="rId15"/>
+    <p:notesMasterId r:id="rId16"/>
   </p:notesMasterIdLst>
   <p:sldIdLst>
     <p:sldId id="256" r:id="rId2"/>
@@ -15,12 +15,13 @@
     <p:sldId id="260" r:id="rId6"/>
     <p:sldId id="261" r:id="rId7"/>
     <p:sldId id="262" r:id="rId8"/>
-    <p:sldId id="263" r:id="rId9"/>
-    <p:sldId id="264" r:id="rId10"/>
-    <p:sldId id="265" r:id="rId11"/>
-    <p:sldId id="266" r:id="rId12"/>
-    <p:sldId id="267" r:id="rId13"/>
-    <p:sldId id="268" r:id="rId14"/>
+    <p:sldId id="269" r:id="rId9"/>
+    <p:sldId id="263" r:id="rId10"/>
+    <p:sldId id="264" r:id="rId11"/>
+    <p:sldId id="265" r:id="rId12"/>
+    <p:sldId id="266" r:id="rId13"/>
+    <p:sldId id="267" r:id="rId14"/>
+    <p:sldId id="268" r:id="rId15"/>
   </p:sldIdLst>
   <p:sldSz cx="12192000" cy="6858000"/>
   <p:notesSz cx="6858000" cy="9144000"/>
@@ -131,6 +132,7 @@
             <p14:sldId id="260"/>
             <p14:sldId id="261"/>
             <p14:sldId id="262"/>
+            <p14:sldId id="269"/>
             <p14:sldId id="263"/>
             <p14:sldId id="264"/>
             <p14:sldId id="265"/>
@@ -230,7 +232,7 @@
           <a:p>
             <a:fld id="{8EDEE2E2-4BE4-41CA-94FC-BC9DC2A64380}" type="datetimeFigureOut">
               <a:rPr lang="en-GB" smtClean="0"/>
-              <a:t>05/06/2018</a:t>
+              <a:t>07/06/2018</a:t>
             </a:fld>
             <a:endParaRPr lang="en-GB"/>
           </a:p>
@@ -629,7 +631,7 @@
           <a:p>
             <a:fld id="{24AF4860-EF53-429F-9816-8C3FCB6EDEF9}" type="datetimeFigureOut">
               <a:rPr lang="en-GB" smtClean="0"/>
-              <a:t>05/06/2018</a:t>
+              <a:t>07/06/2018</a:t>
             </a:fld>
             <a:endParaRPr lang="en-GB"/>
           </a:p>
@@ -799,7 +801,7 @@
           <a:p>
             <a:fld id="{24AF4860-EF53-429F-9816-8C3FCB6EDEF9}" type="datetimeFigureOut">
               <a:rPr lang="en-GB" smtClean="0"/>
-              <a:t>05/06/2018</a:t>
+              <a:t>07/06/2018</a:t>
             </a:fld>
             <a:endParaRPr lang="en-GB"/>
           </a:p>
@@ -979,7 +981,7 @@
           <a:p>
             <a:fld id="{24AF4860-EF53-429F-9816-8C3FCB6EDEF9}" type="datetimeFigureOut">
               <a:rPr lang="en-GB" smtClean="0"/>
-              <a:t>05/06/2018</a:t>
+              <a:t>07/06/2018</a:t>
             </a:fld>
             <a:endParaRPr lang="en-GB"/>
           </a:p>
@@ -1149,7 +1151,7 @@
           <a:p>
             <a:fld id="{24AF4860-EF53-429F-9816-8C3FCB6EDEF9}" type="datetimeFigureOut">
               <a:rPr lang="en-GB" smtClean="0"/>
-              <a:t>05/06/2018</a:t>
+              <a:t>07/06/2018</a:t>
             </a:fld>
             <a:endParaRPr lang="en-GB"/>
           </a:p>
@@ -1395,7 +1397,7 @@
           <a:p>
             <a:fld id="{24AF4860-EF53-429F-9816-8C3FCB6EDEF9}" type="datetimeFigureOut">
               <a:rPr lang="en-GB" smtClean="0"/>
-              <a:t>05/06/2018</a:t>
+              <a:t>07/06/2018</a:t>
             </a:fld>
             <a:endParaRPr lang="en-GB"/>
           </a:p>
@@ -1627,7 +1629,7 @@
           <a:p>
             <a:fld id="{24AF4860-EF53-429F-9816-8C3FCB6EDEF9}" type="datetimeFigureOut">
               <a:rPr lang="en-GB" smtClean="0"/>
-              <a:t>05/06/2018</a:t>
+              <a:t>07/06/2018</a:t>
             </a:fld>
             <a:endParaRPr lang="en-GB"/>
           </a:p>
@@ -1994,7 +1996,7 @@
           <a:p>
             <a:fld id="{24AF4860-EF53-429F-9816-8C3FCB6EDEF9}" type="datetimeFigureOut">
               <a:rPr lang="en-GB" smtClean="0"/>
-              <a:t>05/06/2018</a:t>
+              <a:t>07/06/2018</a:t>
             </a:fld>
             <a:endParaRPr lang="en-GB"/>
           </a:p>
@@ -2112,7 +2114,7 @@
           <a:p>
             <a:fld id="{24AF4860-EF53-429F-9816-8C3FCB6EDEF9}" type="datetimeFigureOut">
               <a:rPr lang="en-GB" smtClean="0"/>
-              <a:t>05/06/2018</a:t>
+              <a:t>07/06/2018</a:t>
             </a:fld>
             <a:endParaRPr lang="en-GB"/>
           </a:p>
@@ -2207,7 +2209,7 @@
           <a:p>
             <a:fld id="{24AF4860-EF53-429F-9816-8C3FCB6EDEF9}" type="datetimeFigureOut">
               <a:rPr lang="en-GB" smtClean="0"/>
-              <a:t>05/06/2018</a:t>
+              <a:t>07/06/2018</a:t>
             </a:fld>
             <a:endParaRPr lang="en-GB"/>
           </a:p>
@@ -2484,7 +2486,7 @@
           <a:p>
             <a:fld id="{24AF4860-EF53-429F-9816-8C3FCB6EDEF9}" type="datetimeFigureOut">
               <a:rPr lang="en-GB" smtClean="0"/>
-              <a:t>05/06/2018</a:t>
+              <a:t>07/06/2018</a:t>
             </a:fld>
             <a:endParaRPr lang="en-GB"/>
           </a:p>
@@ -2737,7 +2739,7 @@
           <a:p>
             <a:fld id="{24AF4860-EF53-429F-9816-8C3FCB6EDEF9}" type="datetimeFigureOut">
               <a:rPr lang="en-GB" smtClean="0"/>
-              <a:t>05/06/2018</a:t>
+              <a:t>07/06/2018</a:t>
             </a:fld>
             <a:endParaRPr lang="en-GB"/>
           </a:p>
@@ -2950,7 +2952,7 @@
           <a:p>
             <a:fld id="{24AF4860-EF53-429F-9816-8C3FCB6EDEF9}" type="datetimeFigureOut">
               <a:rPr lang="en-GB" smtClean="0"/>
-              <a:t>05/06/2018</a:t>
+              <a:t>07/06/2018</a:t>
             </a:fld>
             <a:endParaRPr lang="en-GB"/>
           </a:p>
@@ -4374,6 +4376,455 @@
       </p:grpSpPr>
       <p:pic>
         <p:nvPicPr>
+          <p:cNvPr id="3" name="Image 2"/>
+          <p:cNvPicPr>
+            <a:picLocks noChangeAspect="1"/>
+          </p:cNvPicPr>
+          <p:nvPr/>
+        </p:nvPicPr>
+        <p:blipFill>
+          <a:blip r:embed="rId2"/>
+          <a:stretch>
+            <a:fillRect/>
+          </a:stretch>
+        </p:blipFill>
+        <p:spPr>
+          <a:xfrm>
+            <a:off x="-762000" y="-307453"/>
+            <a:ext cx="14123039" cy="7365478"/>
+          </a:xfrm>
+          <a:prstGeom prst="rect">
+            <a:avLst/>
+          </a:prstGeom>
+        </p:spPr>
+      </p:pic>
+      <p:sp>
+        <p:nvSpPr>
+          <p:cNvPr id="20" name="ZoneTexte 19"/>
+          <p:cNvSpPr txBox="1"/>
+          <p:nvPr/>
+        </p:nvSpPr>
+        <p:spPr>
+          <a:xfrm>
+            <a:off x="928854" y="5085194"/>
+            <a:ext cx="883575" cy="646331"/>
+          </a:xfrm>
+          <a:prstGeom prst="rect">
+            <a:avLst/>
+          </a:prstGeom>
+          <a:noFill/>
+        </p:spPr>
+        <p:txBody>
+          <a:bodyPr wrap="none" rtlCol="0">
+            <a:spAutoFit/>
+          </a:bodyPr>
+          <a:lstStyle/>
+          <a:p>
+            <a:pPr algn="ctr"/>
+            <a:r>
+              <a:rPr lang="en-GB" sz="1200" b="1" dirty="0" smtClean="0"/>
+              <a:t>Telescope</a:t>
+            </a:r>
+          </a:p>
+          <a:p>
+            <a:pPr algn="ctr"/>
+            <a:r>
+              <a:rPr lang="en-GB" sz="1200" b="1" dirty="0"/>
+              <a:t>f</a:t>
+            </a:r>
+            <a:r>
+              <a:rPr lang="en-GB" sz="1200" b="1" dirty="0" smtClean="0"/>
+              <a:t>ocal plane</a:t>
+            </a:r>
+          </a:p>
+          <a:p>
+            <a:pPr algn="ctr"/>
+            <a:r>
+              <a:rPr lang="en-GB" sz="1200" b="1" dirty="0" smtClean="0"/>
+              <a:t>(FoV = 1’)</a:t>
+            </a:r>
+            <a:endParaRPr lang="en-GB" sz="1200" b="1" dirty="0"/>
+          </a:p>
+        </p:txBody>
+      </p:sp>
+      <p:sp>
+        <p:nvSpPr>
+          <p:cNvPr id="21" name="ZoneTexte 20"/>
+          <p:cNvSpPr txBox="1"/>
+          <p:nvPr/>
+        </p:nvSpPr>
+        <p:spPr>
+          <a:xfrm>
+            <a:off x="2082439" y="5281720"/>
+            <a:ext cx="1016496" cy="646331"/>
+          </a:xfrm>
+          <a:prstGeom prst="rect">
+            <a:avLst/>
+          </a:prstGeom>
+          <a:noFill/>
+        </p:spPr>
+        <p:txBody>
+          <a:bodyPr wrap="none" rtlCol="0">
+            <a:spAutoFit/>
+          </a:bodyPr>
+          <a:lstStyle/>
+          <a:p>
+            <a:pPr algn="ctr"/>
+            <a:r>
+              <a:rPr lang="en-GB" sz="1200" b="1" dirty="0" smtClean="0"/>
+              <a:t>Intermediate</a:t>
+            </a:r>
+          </a:p>
+          <a:p>
+            <a:pPr algn="ctr"/>
+            <a:r>
+              <a:rPr lang="en-GB" sz="1200" b="1" dirty="0"/>
+              <a:t>f</a:t>
+            </a:r>
+            <a:r>
+              <a:rPr lang="en-GB" sz="1200" b="1" dirty="0" smtClean="0"/>
+              <a:t>ocal plane</a:t>
+            </a:r>
+          </a:p>
+          <a:p>
+            <a:pPr algn="ctr"/>
+            <a:r>
+              <a:rPr lang="en-GB" sz="1200" b="1" dirty="0" smtClean="0"/>
+              <a:t>(FoV = 1’)</a:t>
+            </a:r>
+            <a:endParaRPr lang="en-GB" sz="1200" b="1" dirty="0"/>
+          </a:p>
+        </p:txBody>
+      </p:sp>
+      <p:sp>
+        <p:nvSpPr>
+          <p:cNvPr id="24" name="ZoneTexte 23"/>
+          <p:cNvSpPr txBox="1"/>
+          <p:nvPr/>
+        </p:nvSpPr>
+        <p:spPr>
+          <a:xfrm>
+            <a:off x="845082" y="4291247"/>
+            <a:ext cx="417102" cy="276999"/>
+          </a:xfrm>
+          <a:prstGeom prst="rect">
+            <a:avLst/>
+          </a:prstGeom>
+          <a:noFill/>
+        </p:spPr>
+        <p:txBody>
+          <a:bodyPr wrap="none" rtlCol="0">
+            <a:spAutoFit/>
+          </a:bodyPr>
+          <a:lstStyle/>
+          <a:p>
+            <a:r>
+              <a:rPr lang="en-GB" sz="1200" b="1" dirty="0" smtClean="0"/>
+              <a:t>DM</a:t>
+            </a:r>
+            <a:endParaRPr lang="en-GB" sz="1200" b="1" dirty="0"/>
+          </a:p>
+        </p:txBody>
+      </p:sp>
+      <p:sp>
+        <p:nvSpPr>
+          <p:cNvPr id="25" name="ZoneTexte 24"/>
+          <p:cNvSpPr txBox="1"/>
+          <p:nvPr/>
+        </p:nvSpPr>
+        <p:spPr>
+          <a:xfrm>
+            <a:off x="3576254" y="4946695"/>
+            <a:ext cx="540020" cy="276999"/>
+          </a:xfrm>
+          <a:prstGeom prst="rect">
+            <a:avLst/>
+          </a:prstGeom>
+          <a:noFill/>
+        </p:spPr>
+        <p:txBody>
+          <a:bodyPr wrap="none" rtlCol="0">
+            <a:spAutoFit/>
+          </a:bodyPr>
+          <a:lstStyle/>
+          <a:p>
+            <a:r>
+              <a:rPr lang="en-GB" sz="1200" b="1" dirty="0" smtClean="0"/>
+              <a:t>OAP0</a:t>
+            </a:r>
+            <a:endParaRPr lang="en-GB" sz="1200" b="1" dirty="0"/>
+          </a:p>
+        </p:txBody>
+      </p:sp>
+      <p:sp>
+        <p:nvSpPr>
+          <p:cNvPr id="26" name="ZoneTexte 25"/>
+          <p:cNvSpPr txBox="1"/>
+          <p:nvPr/>
+        </p:nvSpPr>
+        <p:spPr>
+          <a:xfrm>
+            <a:off x="1542419" y="3605258"/>
+            <a:ext cx="540020" cy="276999"/>
+          </a:xfrm>
+          <a:prstGeom prst="rect">
+            <a:avLst/>
+          </a:prstGeom>
+          <a:noFill/>
+        </p:spPr>
+        <p:txBody>
+          <a:bodyPr wrap="none" rtlCol="0">
+            <a:spAutoFit/>
+          </a:bodyPr>
+          <a:lstStyle/>
+          <a:p>
+            <a:r>
+              <a:rPr lang="en-GB" sz="1200" b="1" dirty="0" smtClean="0"/>
+              <a:t>OAP1</a:t>
+            </a:r>
+            <a:endParaRPr lang="en-GB" sz="1200" b="1" dirty="0"/>
+          </a:p>
+        </p:txBody>
+      </p:sp>
+      <p:sp>
+        <p:nvSpPr>
+          <p:cNvPr id="27" name="ZoneTexte 26"/>
+          <p:cNvSpPr txBox="1"/>
+          <p:nvPr/>
+        </p:nvSpPr>
+        <p:spPr>
+          <a:xfrm>
+            <a:off x="2869266" y="4256065"/>
+            <a:ext cx="706988" cy="461665"/>
+          </a:xfrm>
+          <a:prstGeom prst="rect">
+            <a:avLst/>
+          </a:prstGeom>
+          <a:noFill/>
+        </p:spPr>
+        <p:txBody>
+          <a:bodyPr wrap="none" rtlCol="0">
+            <a:spAutoFit/>
+          </a:bodyPr>
+          <a:lstStyle/>
+          <a:p>
+            <a:r>
+              <a:rPr lang="en-GB" sz="1200" b="1" dirty="0" smtClean="0"/>
+              <a:t>Folding </a:t>
+            </a:r>
+          </a:p>
+          <a:p>
+            <a:r>
+              <a:rPr lang="en-GB" sz="1200" b="1" dirty="0" smtClean="0"/>
+              <a:t>mirror 1</a:t>
+            </a:r>
+            <a:endParaRPr lang="en-GB" sz="1200" b="1" dirty="0"/>
+          </a:p>
+        </p:txBody>
+      </p:sp>
+      <p:sp>
+        <p:nvSpPr>
+          <p:cNvPr id="28" name="ZoneTexte 27"/>
+          <p:cNvSpPr txBox="1"/>
+          <p:nvPr/>
+        </p:nvSpPr>
+        <p:spPr>
+          <a:xfrm>
+            <a:off x="2744327" y="6111604"/>
+            <a:ext cx="990977" cy="276999"/>
+          </a:xfrm>
+          <a:prstGeom prst="rect">
+            <a:avLst/>
+          </a:prstGeom>
+          <a:noFill/>
+        </p:spPr>
+        <p:txBody>
+          <a:bodyPr wrap="none" rtlCol="0">
+            <a:spAutoFit/>
+          </a:bodyPr>
+          <a:lstStyle/>
+          <a:p>
+            <a:r>
+              <a:rPr lang="en-GB" sz="1200" b="1" dirty="0" smtClean="0"/>
+              <a:t>Imaging </a:t>
+            </a:r>
+            <a:r>
+              <a:rPr lang="en-GB" sz="1200" b="1" dirty="0" smtClean="0"/>
+              <a:t>lens</a:t>
+            </a:r>
+            <a:endParaRPr lang="en-GB" sz="1200" b="1" dirty="0"/>
+          </a:p>
+        </p:txBody>
+      </p:sp>
+      <p:sp>
+        <p:nvSpPr>
+          <p:cNvPr id="29" name="ZoneTexte 28"/>
+          <p:cNvSpPr txBox="1"/>
+          <p:nvPr/>
+        </p:nvSpPr>
+        <p:spPr>
+          <a:xfrm>
+            <a:off x="4226269" y="6627167"/>
+            <a:ext cx="1121269" cy="461665"/>
+          </a:xfrm>
+          <a:prstGeom prst="rect">
+            <a:avLst/>
+          </a:prstGeom>
+          <a:noFill/>
+        </p:spPr>
+        <p:txBody>
+          <a:bodyPr wrap="none" rtlCol="0">
+            <a:spAutoFit/>
+          </a:bodyPr>
+          <a:lstStyle/>
+          <a:p>
+            <a:pPr algn="ctr"/>
+            <a:r>
+              <a:rPr lang="en-GB" sz="1200" b="1" dirty="0" smtClean="0"/>
+              <a:t>TT modulation</a:t>
+            </a:r>
+          </a:p>
+          <a:p>
+            <a:pPr algn="ctr"/>
+            <a:r>
+              <a:rPr lang="en-GB" sz="1200" b="1" dirty="0" smtClean="0"/>
+              <a:t>mirror</a:t>
+            </a:r>
+            <a:endParaRPr lang="en-GB" sz="1200" b="1" dirty="0"/>
+          </a:p>
+        </p:txBody>
+      </p:sp>
+      <p:sp>
+        <p:nvSpPr>
+          <p:cNvPr id="30" name="ZoneTexte 29"/>
+          <p:cNvSpPr txBox="1"/>
+          <p:nvPr/>
+        </p:nvSpPr>
+        <p:spPr>
+          <a:xfrm>
+            <a:off x="3402197" y="2828416"/>
+            <a:ext cx="824072" cy="276999"/>
+          </a:xfrm>
+          <a:prstGeom prst="rect">
+            <a:avLst/>
+          </a:prstGeom>
+          <a:noFill/>
+        </p:spPr>
+        <p:txBody>
+          <a:bodyPr wrap="none" rtlCol="0">
+            <a:spAutoFit/>
+          </a:bodyPr>
+          <a:lstStyle/>
+          <a:p>
+            <a:r>
+              <a:rPr lang="en-GB" sz="1200" b="1" dirty="0" smtClean="0"/>
+              <a:t>Relay lens</a:t>
+            </a:r>
+            <a:endParaRPr lang="en-GB" sz="1200" b="1" dirty="0"/>
+          </a:p>
+        </p:txBody>
+      </p:sp>
+      <p:sp>
+        <p:nvSpPr>
+          <p:cNvPr id="31" name="ZoneTexte 30"/>
+          <p:cNvSpPr txBox="1"/>
+          <p:nvPr/>
+        </p:nvSpPr>
+        <p:spPr>
+          <a:xfrm>
+            <a:off x="4170066" y="2020449"/>
+            <a:ext cx="725327" cy="461665"/>
+          </a:xfrm>
+          <a:prstGeom prst="rect">
+            <a:avLst/>
+          </a:prstGeom>
+          <a:noFill/>
+        </p:spPr>
+        <p:txBody>
+          <a:bodyPr wrap="none" rtlCol="0">
+            <a:spAutoFit/>
+          </a:bodyPr>
+          <a:lstStyle/>
+          <a:p>
+            <a:pPr algn="ctr"/>
+            <a:r>
+              <a:rPr lang="en-GB" sz="1200" b="1" dirty="0" smtClean="0"/>
+              <a:t>CCD</a:t>
+            </a:r>
+          </a:p>
+          <a:p>
+            <a:pPr algn="ctr"/>
+            <a:r>
+              <a:rPr lang="en-GB" sz="1200" b="1" dirty="0" smtClean="0"/>
+              <a:t>detector</a:t>
+            </a:r>
+            <a:endParaRPr lang="en-GB" sz="1200" b="1" dirty="0"/>
+          </a:p>
+        </p:txBody>
+      </p:sp>
+      <p:sp>
+        <p:nvSpPr>
+          <p:cNvPr id="33" name="ZoneTexte 32"/>
+          <p:cNvSpPr txBox="1"/>
+          <p:nvPr/>
+        </p:nvSpPr>
+        <p:spPr>
+          <a:xfrm>
+            <a:off x="4420889" y="3882257"/>
+            <a:ext cx="1052018" cy="276999"/>
+          </a:xfrm>
+          <a:prstGeom prst="rect">
+            <a:avLst/>
+          </a:prstGeom>
+          <a:noFill/>
+        </p:spPr>
+        <p:txBody>
+          <a:bodyPr wrap="none" rtlCol="0">
+            <a:spAutoFit/>
+          </a:bodyPr>
+          <a:lstStyle/>
+          <a:p>
+            <a:pPr algn="ctr"/>
+            <a:r>
+              <a:rPr lang="en-GB" sz="1200" b="1" dirty="0" smtClean="0"/>
+              <a:t>Pyramid apex</a:t>
+            </a:r>
+            <a:endParaRPr lang="en-GB" sz="1200" b="1" dirty="0"/>
+          </a:p>
+        </p:txBody>
+      </p:sp>
+    </p:spTree>
+    <p:extLst>
+      <p:ext uri="{BB962C8B-B14F-4D97-AF65-F5344CB8AC3E}">
+        <p14:creationId xmlns:p14="http://schemas.microsoft.com/office/powerpoint/2010/main" val="2515465048"/>
+      </p:ext>
+    </p:extLst>
+  </p:cSld>
+  <p:clrMapOvr>
+    <a:masterClrMapping/>
+  </p:clrMapOvr>
+</p:sld>
+</file>
+
+<file path=ppt/slides/slide11.xml><?xml version="1.0" encoding="utf-8"?>
+<p:sld xmlns:a="http://schemas.openxmlformats.org/drawingml/2006/main" xmlns:r="http://schemas.openxmlformats.org/officeDocument/2006/relationships" xmlns:p="http://schemas.openxmlformats.org/presentationml/2006/main">
+  <p:cSld>
+    <p:spTree>
+      <p:nvGrpSpPr>
+        <p:cNvPr id="1" name=""/>
+        <p:cNvGrpSpPr/>
+        <p:nvPr/>
+      </p:nvGrpSpPr>
+      <p:grpSpPr>
+        <a:xfrm>
+          <a:off x="0" y="0"/>
+          <a:ext cx="0" cy="0"/>
+          <a:chOff x="0" y="0"/>
+          <a:chExt cx="0" cy="0"/>
+        </a:xfrm>
+      </p:grpSpPr>
+      <p:pic>
+        <p:nvPicPr>
           <p:cNvPr id="4" name="Image 3"/>
           <p:cNvPicPr>
             <a:picLocks noChangeAspect="1"/>
@@ -4909,7 +5360,7 @@
 </p:sld>
 </file>
 
-<file path=ppt/slides/slide11.xml><?xml version="1.0" encoding="utf-8"?>
+<file path=ppt/slides/slide12.xml><?xml version="1.0" encoding="utf-8"?>
 <p:sld xmlns:a="http://schemas.openxmlformats.org/drawingml/2006/main" xmlns:r="http://schemas.openxmlformats.org/officeDocument/2006/relationships" xmlns:p="http://schemas.openxmlformats.org/presentationml/2006/main">
   <p:cSld>
     <p:spTree>
@@ -6047,7 +6498,7 @@
 </p:sld>
 </file>
 
-<file path=ppt/slides/slide12.xml><?xml version="1.0" encoding="utf-8"?>
+<file path=ppt/slides/slide13.xml><?xml version="1.0" encoding="utf-8"?>
 <p:sld xmlns:a="http://schemas.openxmlformats.org/drawingml/2006/main" xmlns:r="http://schemas.openxmlformats.org/officeDocument/2006/relationships" xmlns:p="http://schemas.openxmlformats.org/presentationml/2006/main">
   <p:cSld>
     <p:spTree>
@@ -7299,7 +7750,7 @@
 </p:sld>
 </file>
 
-<file path=ppt/slides/slide13.xml><?xml version="1.0" encoding="utf-8"?>
+<file path=ppt/slides/slide14.xml><?xml version="1.0" encoding="utf-8"?>
 <p:sld xmlns:a="http://schemas.openxmlformats.org/drawingml/2006/main" xmlns:r="http://schemas.openxmlformats.org/officeDocument/2006/relationships" xmlns:p="http://schemas.openxmlformats.org/presentationml/2006/main">
   <p:cSld>
     <p:spTree>
@@ -8469,7 +8920,7 @@
       </p:grpSpPr>
       <p:pic>
         <p:nvPicPr>
-          <p:cNvPr id="4" name="Image 3"/>
+          <p:cNvPr id="2" name="Image 1"/>
           <p:cNvPicPr>
             <a:picLocks noChangeAspect="1"/>
           </p:cNvPicPr>
@@ -8483,8 +8934,8 @@
         </p:blipFill>
         <p:spPr>
           <a:xfrm>
-            <a:off x="660966" y="322334"/>
-            <a:ext cx="5766285" cy="3648722"/>
+            <a:off x="1051690" y="192656"/>
+            <a:ext cx="7344677" cy="4324100"/>
           </a:xfrm>
           <a:prstGeom prst="rect">
             <a:avLst/>
@@ -8493,63 +8944,13 @@
       </p:pic>
       <p:sp>
         <p:nvSpPr>
-          <p:cNvPr id="13" name="Rectangle 12"/>
-          <p:cNvSpPr/>
-          <p:nvPr/>
-        </p:nvSpPr>
-        <p:spPr>
-          <a:xfrm>
-            <a:off x="1281568" y="1701103"/>
-            <a:ext cx="1743259" cy="1710660"/>
-          </a:xfrm>
-          <a:prstGeom prst="rect">
-            <a:avLst/>
-          </a:prstGeom>
-          <a:solidFill>
-            <a:srgbClr val="5B9BD5">
-              <a:alpha val="21176"/>
-            </a:srgbClr>
-          </a:solidFill>
-          <a:ln>
-            <a:solidFill>
-              <a:schemeClr val="tx1"/>
-            </a:solidFill>
-          </a:ln>
-        </p:spPr>
-        <p:style>
-          <a:lnRef idx="2">
-            <a:schemeClr val="accent1">
-              <a:shade val="50000"/>
-            </a:schemeClr>
-          </a:lnRef>
-          <a:fillRef idx="1">
-            <a:schemeClr val="accent1"/>
-          </a:fillRef>
-          <a:effectRef idx="0">
-            <a:schemeClr val="accent1"/>
-          </a:effectRef>
-          <a:fontRef idx="minor">
-            <a:schemeClr val="lt1"/>
-          </a:fontRef>
-        </p:style>
-        <p:txBody>
-          <a:bodyPr rtlCol="0" anchor="ctr"/>
-          <a:lstStyle/>
-          <a:p>
-            <a:pPr algn="ctr"/>
-            <a:endParaRPr lang="en-GB" dirty="0"/>
-          </a:p>
-        </p:txBody>
-      </p:sp>
-      <p:sp>
-        <p:nvSpPr>
           <p:cNvPr id="5" name="ZoneTexte 4"/>
           <p:cNvSpPr txBox="1"/>
           <p:nvPr/>
         </p:nvSpPr>
         <p:spPr>
           <a:xfrm>
-            <a:off x="2268118" y="325679"/>
+            <a:off x="2179887" y="293595"/>
             <a:ext cx="1275990" cy="369332"/>
           </a:xfrm>
           <a:prstGeom prst="rect">
@@ -8587,7 +8988,7 @@
         </p:nvCxnSpPr>
         <p:spPr>
           <a:xfrm>
-            <a:off x="2247543" y="667170"/>
+            <a:off x="2159312" y="635086"/>
             <a:ext cx="0" cy="945411"/>
           </a:xfrm>
           <a:prstGeom prst="line">
@@ -8622,7 +9023,7 @@
         </p:nvSpPr>
         <p:spPr>
           <a:xfrm>
-            <a:off x="5903869" y="1821751"/>
+            <a:off x="7170821" y="1743588"/>
             <a:ext cx="703078" cy="369332"/>
           </a:xfrm>
           <a:prstGeom prst="rect">
@@ -8726,9 +9127,9 @@
           <p:nvPr/>
         </p:nvSpPr>
         <p:spPr>
-          <a:xfrm rot="4004274">
-            <a:off x="3593067" y="2557630"/>
-            <a:ext cx="630911" cy="663847"/>
+          <a:xfrm rot="4060880">
+            <a:off x="3566705" y="2334400"/>
+            <a:ext cx="765351" cy="688359"/>
           </a:xfrm>
           <a:prstGeom prst="arc">
             <a:avLst/>
@@ -8770,7 +9171,7 @@
         </p:nvSpPr>
         <p:spPr>
           <a:xfrm>
-            <a:off x="4233967" y="2804900"/>
+            <a:off x="4290114" y="2660522"/>
             <a:ext cx="788999" cy="369332"/>
           </a:xfrm>
           <a:prstGeom prst="rect">
@@ -8790,7 +9191,11 @@
             </a:r>
             <a:r>
               <a:rPr lang="fr-CH" dirty="0" smtClean="0"/>
-              <a:t>= 20°</a:t>
+              <a:t>= </a:t>
+            </a:r>
+            <a:r>
+              <a:rPr lang="fr-CH" dirty="0" smtClean="0"/>
+              <a:t>15°</a:t>
             </a:r>
             <a:endParaRPr lang="en-GB" dirty="0"/>
           </a:p>
@@ -8834,7 +9239,7 @@
         <p:spPr>
           <a:xfrm>
             <a:off x="2153197" y="2556433"/>
-            <a:ext cx="3632306" cy="1317737"/>
+            <a:ext cx="5017624" cy="1332144"/>
           </a:xfrm>
           <a:prstGeom prst="line">
             <a:avLst/>
@@ -8887,7 +9292,7 @@
       </p:grpSpPr>
       <p:pic>
         <p:nvPicPr>
-          <p:cNvPr id="4" name="Image 3"/>
+          <p:cNvPr id="2" name="Image 1"/>
           <p:cNvPicPr>
             <a:picLocks noChangeAspect="1"/>
           </p:cNvPicPr>
@@ -8901,8 +9306,8 @@
         </p:blipFill>
         <p:spPr>
           <a:xfrm>
-            <a:off x="829152" y="275495"/>
-            <a:ext cx="5759656" cy="3204567"/>
+            <a:off x="747478" y="185771"/>
+            <a:ext cx="6527106" cy="3506915"/>
           </a:xfrm>
           <a:prstGeom prst="rect">
             <a:avLst/>
@@ -8911,63 +9316,13 @@
       </p:pic>
       <p:sp>
         <p:nvSpPr>
-          <p:cNvPr id="5" name="Rectangle 4"/>
-          <p:cNvSpPr/>
-          <p:nvPr/>
-        </p:nvSpPr>
-        <p:spPr>
-          <a:xfrm>
-            <a:off x="1323249" y="1555824"/>
-            <a:ext cx="1743259" cy="1710660"/>
-          </a:xfrm>
-          <a:prstGeom prst="rect">
-            <a:avLst/>
-          </a:prstGeom>
-          <a:solidFill>
-            <a:srgbClr val="5B9BD5">
-              <a:alpha val="21176"/>
-            </a:srgbClr>
-          </a:solidFill>
-          <a:ln>
-            <a:solidFill>
-              <a:schemeClr val="tx1"/>
-            </a:solidFill>
-          </a:ln>
-        </p:spPr>
-        <p:style>
-          <a:lnRef idx="2">
-            <a:schemeClr val="accent1">
-              <a:shade val="50000"/>
-            </a:schemeClr>
-          </a:lnRef>
-          <a:fillRef idx="1">
-            <a:schemeClr val="accent1"/>
-          </a:fillRef>
-          <a:effectRef idx="0">
-            <a:schemeClr val="accent1"/>
-          </a:effectRef>
-          <a:fontRef idx="minor">
-            <a:schemeClr val="lt1"/>
-          </a:fontRef>
-        </p:style>
-        <p:txBody>
-          <a:bodyPr rtlCol="0" anchor="ctr"/>
-          <a:lstStyle/>
-          <a:p>
-            <a:pPr algn="ctr"/>
-            <a:endParaRPr lang="en-GB" dirty="0"/>
-          </a:p>
-        </p:txBody>
-      </p:sp>
-      <p:sp>
-        <p:nvSpPr>
           <p:cNvPr id="6" name="ZoneTexte 5"/>
           <p:cNvSpPr txBox="1"/>
           <p:nvPr/>
         </p:nvSpPr>
         <p:spPr>
           <a:xfrm>
-            <a:off x="6237269" y="1942912"/>
+            <a:off x="6714369" y="1754562"/>
             <a:ext cx="703078" cy="369332"/>
           </a:xfrm>
           <a:prstGeom prst="rect">
@@ -9072,7 +9427,7 @@
         </p:nvSpPr>
         <p:spPr>
           <a:xfrm rot="4004274">
-            <a:off x="3634748" y="2412351"/>
+            <a:off x="3592649" y="2230290"/>
             <a:ext cx="630911" cy="663847"/>
           </a:xfrm>
           <a:prstGeom prst="arc">
@@ -9115,7 +9470,7 @@
         </p:nvSpPr>
         <p:spPr>
           <a:xfrm>
-            <a:off x="4275648" y="2659621"/>
+            <a:off x="4238564" y="2522596"/>
             <a:ext cx="788999" cy="369332"/>
           </a:xfrm>
           <a:prstGeom prst="rect">
@@ -9135,38 +9490,13 @@
             </a:r>
             <a:r>
               <a:rPr lang="fr-CH" dirty="0" smtClean="0"/>
-              <a:t>= 20°</a:t>
+              <a:t>= </a:t>
+            </a:r>
+            <a:r>
+              <a:rPr lang="fr-CH" dirty="0" smtClean="0"/>
+              <a:t>15°</a:t>
             </a:r>
             <a:endParaRPr lang="en-GB" dirty="0"/>
-          </a:p>
-        </p:txBody>
-      </p:sp>
-      <p:sp>
-        <p:nvSpPr>
-          <p:cNvPr id="11" name="ZoneTexte 10"/>
-          <p:cNvSpPr txBox="1"/>
-          <p:nvPr/>
-        </p:nvSpPr>
-        <p:spPr>
-          <a:xfrm>
-            <a:off x="1323250" y="1573580"/>
-            <a:ext cx="569896" cy="369332"/>
-          </a:xfrm>
-          <a:prstGeom prst="rect">
-            <a:avLst/>
-          </a:prstGeom>
-          <a:noFill/>
-        </p:spPr>
-        <p:txBody>
-          <a:bodyPr wrap="square" rtlCol="0">
-            <a:spAutoFit/>
-          </a:bodyPr>
-          <a:lstStyle/>
-          <a:p>
-            <a:r>
-              <a:rPr lang="en-GB" dirty="0"/>
-              <a:t>FCL</a:t>
-            </a:r>
           </a:p>
         </p:txBody>
       </p:sp>
@@ -9179,7 +9509,7 @@
         <p:spPr>
           <a:xfrm>
             <a:off x="2194878" y="2411154"/>
-            <a:ext cx="3632306" cy="1317737"/>
+            <a:ext cx="4519491" cy="1164996"/>
           </a:xfrm>
           <a:prstGeom prst="line">
             <a:avLst/>
@@ -9208,7 +9538,7 @@
         </p:nvSpPr>
         <p:spPr>
           <a:xfrm>
-            <a:off x="1481938" y="686910"/>
+            <a:off x="1289433" y="807226"/>
             <a:ext cx="524503" cy="369332"/>
           </a:xfrm>
           <a:prstGeom prst="rect">
@@ -9238,7 +9568,7 @@
         </p:nvSpPr>
         <p:spPr>
           <a:xfrm rot="4004274">
-            <a:off x="3977685" y="984797"/>
+            <a:off x="4002551" y="830363"/>
             <a:ext cx="807045" cy="936199"/>
           </a:xfrm>
           <a:prstGeom prst="arc">
@@ -9281,7 +9611,7 @@
         </p:nvSpPr>
         <p:spPr>
           <a:xfrm>
-            <a:off x="4823215" y="1421056"/>
+            <a:off x="4848081" y="1266622"/>
             <a:ext cx="433132" cy="369332"/>
           </a:xfrm>
           <a:prstGeom prst="rect">
@@ -9339,7 +9669,7 @@
       </p:grpSpPr>
       <p:pic>
         <p:nvPicPr>
-          <p:cNvPr id="4" name="Image 3"/>
+          <p:cNvPr id="2" name="Image 1"/>
           <p:cNvPicPr>
             <a:picLocks noChangeAspect="1"/>
           </p:cNvPicPr>
@@ -9353,8 +9683,8 @@
         </p:blipFill>
         <p:spPr>
           <a:xfrm>
-            <a:off x="0" y="479394"/>
-            <a:ext cx="12191681" cy="5859262"/>
+            <a:off x="0" y="349443"/>
+            <a:ext cx="12192000" cy="6265438"/>
           </a:xfrm>
           <a:prstGeom prst="rect">
             <a:avLst/>
@@ -9369,7 +9699,7 @@
         </p:nvSpPr>
         <p:spPr>
           <a:xfrm>
-            <a:off x="718493" y="4299450"/>
+            <a:off x="413694" y="4103553"/>
             <a:ext cx="377026" cy="246221"/>
           </a:xfrm>
           <a:prstGeom prst="rect">
@@ -9399,7 +9729,7 @@
         </p:nvSpPr>
         <p:spPr>
           <a:xfrm>
-            <a:off x="140451" y="5706554"/>
+            <a:off x="116388" y="5112996"/>
             <a:ext cx="766555" cy="553998"/>
           </a:xfrm>
           <a:prstGeom prst="rect">
@@ -9448,7 +9778,7 @@
         </p:nvSpPr>
         <p:spPr>
           <a:xfrm>
-            <a:off x="2798415" y="5648312"/>
+            <a:off x="3095194" y="5174551"/>
             <a:ext cx="482824" cy="246221"/>
           </a:xfrm>
           <a:prstGeom prst="rect">
@@ -9478,7 +9808,7 @@
         </p:nvSpPr>
         <p:spPr>
           <a:xfrm>
-            <a:off x="3565152" y="4299450"/>
+            <a:off x="3509005" y="3857331"/>
             <a:ext cx="482824" cy="246221"/>
           </a:xfrm>
           <a:prstGeom prst="rect">
@@ -9508,7 +9838,7 @@
         </p:nvSpPr>
         <p:spPr>
           <a:xfrm>
-            <a:off x="1044062" y="5722518"/>
+            <a:off x="1019999" y="5128960"/>
             <a:ext cx="881972" cy="553998"/>
           </a:xfrm>
           <a:prstGeom prst="rect">
@@ -9549,8 +9879,8 @@
           </a:p>
         </p:txBody>
       </p:sp>
-      <mc:AlternateContent xmlns:mc="http://schemas.openxmlformats.org/markup-compatibility/2006" xmlns:a14="http://schemas.microsoft.com/office/drawing/2010/main">
-        <mc:Choice Requires="a14">
+      <mc:AlternateContent xmlns:mc="http://schemas.openxmlformats.org/markup-compatibility/2006">
+        <mc:Choice xmlns:a14="http://schemas.microsoft.com/office/drawing/2010/main" Requires="a14">
           <p:sp>
             <p:nvSpPr>
               <p:cNvPr id="10" name="ZoneTexte 9"/>
@@ -9559,7 +9889,7 @@
             </p:nvSpPr>
             <p:spPr>
               <a:xfrm>
-                <a:off x="718493" y="5875831"/>
+                <a:off x="694430" y="5282273"/>
                 <a:ext cx="497150" cy="276999"/>
               </a:xfrm>
               <a:prstGeom prst="rect">
@@ -9595,7 +9925,7 @@
             </p:txBody>
           </p:sp>
         </mc:Choice>
-        <mc:Fallback xmlns="">
+        <mc:Fallback>
           <p:sp>
             <p:nvSpPr>
               <p:cNvPr id="10" name="ZoneTexte 9"/>
@@ -9606,7 +9936,7 @@
             </p:nvSpPr>
             <p:spPr>
               <a:xfrm>
-                <a:off x="718493" y="5875831"/>
+                <a:off x="694430" y="5282273"/>
                 <a:ext cx="497150" cy="276999"/>
               </a:xfrm>
               <a:prstGeom prst="rect">
@@ -9634,85 +9964,6 @@
           </p:sp>
         </mc:Fallback>
       </mc:AlternateContent>
-      <p:sp>
-        <p:nvSpPr>
-          <p:cNvPr id="11" name="Rectangle 10"/>
-          <p:cNvSpPr/>
-          <p:nvPr/>
-        </p:nvSpPr>
-        <p:spPr>
-          <a:xfrm>
-            <a:off x="651255" y="4792982"/>
-            <a:ext cx="994190" cy="975712"/>
-          </a:xfrm>
-          <a:prstGeom prst="rect">
-            <a:avLst/>
-          </a:prstGeom>
-          <a:solidFill>
-            <a:srgbClr val="5B9BD5">
-              <a:alpha val="21176"/>
-            </a:srgbClr>
-          </a:solidFill>
-          <a:ln>
-            <a:solidFill>
-              <a:schemeClr val="tx1"/>
-            </a:solidFill>
-          </a:ln>
-        </p:spPr>
-        <p:style>
-          <a:lnRef idx="2">
-            <a:schemeClr val="accent1">
-              <a:shade val="50000"/>
-            </a:schemeClr>
-          </a:lnRef>
-          <a:fillRef idx="1">
-            <a:schemeClr val="accent1"/>
-          </a:fillRef>
-          <a:effectRef idx="0">
-            <a:schemeClr val="accent1"/>
-          </a:effectRef>
-          <a:fontRef idx="minor">
-            <a:schemeClr val="lt1"/>
-          </a:fontRef>
-        </p:style>
-        <p:txBody>
-          <a:bodyPr rtlCol="0" anchor="ctr"/>
-          <a:lstStyle/>
-          <a:p>
-            <a:pPr algn="ctr"/>
-            <a:endParaRPr lang="en-GB" dirty="0"/>
-          </a:p>
-        </p:txBody>
-      </p:sp>
-      <p:sp>
-        <p:nvSpPr>
-          <p:cNvPr id="13" name="ZoneTexte 12"/>
-          <p:cNvSpPr txBox="1"/>
-          <p:nvPr/>
-        </p:nvSpPr>
-        <p:spPr>
-          <a:xfrm>
-            <a:off x="651255" y="4810737"/>
-            <a:ext cx="444264" cy="246221"/>
-          </a:xfrm>
-          <a:prstGeom prst="rect">
-            <a:avLst/>
-          </a:prstGeom>
-          <a:noFill/>
-        </p:spPr>
-        <p:txBody>
-          <a:bodyPr wrap="square" rtlCol="0">
-            <a:spAutoFit/>
-          </a:bodyPr>
-          <a:lstStyle/>
-          <a:p>
-            <a:r>
-              <a:rPr lang="en-GB" sz="1000" b="1" dirty="0"/>
-              <a:t>FCL</a:t>
-            </a:r>
-          </a:p>
-        </p:txBody>
-      </p:sp>
     </p:spTree>
     <p:extLst>
       <p:ext uri="{BB962C8B-B14F-4D97-AF65-F5344CB8AC3E}">
@@ -9745,7 +9996,7 @@
       </p:grpSpPr>
       <p:pic>
         <p:nvPicPr>
-          <p:cNvPr id="5" name="Image 4"/>
+          <p:cNvPr id="2" name="Image 1"/>
           <p:cNvPicPr>
             <a:picLocks noChangeAspect="1"/>
           </p:cNvPicPr>
@@ -9759,8 +10010,8 @@
         </p:blipFill>
         <p:spPr>
           <a:xfrm>
-            <a:off x="-674703" y="78477"/>
-            <a:ext cx="13605134" cy="6171401"/>
+            <a:off x="-1321645" y="-416148"/>
+            <a:ext cx="14643805" cy="7375217"/>
           </a:xfrm>
           <a:prstGeom prst="rect">
             <a:avLst/>
@@ -9775,7 +10026,7 @@
         </p:nvSpPr>
         <p:spPr>
           <a:xfrm>
-            <a:off x="2760357" y="4290572"/>
+            <a:off x="2738618" y="5248369"/>
             <a:ext cx="377026" cy="246221"/>
           </a:xfrm>
           <a:prstGeom prst="rect">
@@ -9805,7 +10056,7 @@
         </p:nvSpPr>
         <p:spPr>
           <a:xfrm>
-            <a:off x="-384317" y="5358357"/>
+            <a:off x="-937278" y="6082257"/>
             <a:ext cx="766555" cy="553998"/>
           </a:xfrm>
           <a:prstGeom prst="rect">
@@ -9854,7 +10105,7 @@
         </p:nvSpPr>
         <p:spPr>
           <a:xfrm>
-            <a:off x="5364062" y="4933847"/>
+            <a:off x="5517433" y="5644890"/>
             <a:ext cx="482824" cy="246221"/>
           </a:xfrm>
           <a:prstGeom prst="rect">
@@ -9884,7 +10135,7 @@
         </p:nvSpPr>
         <p:spPr>
           <a:xfrm>
-            <a:off x="3716073" y="3678013"/>
+            <a:off x="3625603" y="4538844"/>
             <a:ext cx="482824" cy="246221"/>
           </a:xfrm>
           <a:prstGeom prst="rect">
@@ -9914,7 +10165,7 @@
         </p:nvSpPr>
         <p:spPr>
           <a:xfrm>
-            <a:off x="880125" y="5872445"/>
+            <a:off x="582596" y="6458058"/>
             <a:ext cx="881972" cy="553998"/>
           </a:xfrm>
           <a:prstGeom prst="rect">
@@ -9957,171 +10208,13 @@
       </p:sp>
       <p:sp>
         <p:nvSpPr>
-          <p:cNvPr id="11" name="Rectangle 10"/>
-          <p:cNvSpPr/>
-          <p:nvPr/>
-        </p:nvSpPr>
-        <p:spPr>
-          <a:xfrm>
-            <a:off x="2691747" y="4791647"/>
-            <a:ext cx="1024326" cy="975712"/>
-          </a:xfrm>
-          <a:prstGeom prst="rect">
-            <a:avLst/>
-          </a:prstGeom>
-          <a:solidFill>
-            <a:srgbClr val="5B9BD5">
-              <a:alpha val="21176"/>
-            </a:srgbClr>
-          </a:solidFill>
-          <a:ln>
-            <a:solidFill>
-              <a:schemeClr val="tx1"/>
-            </a:solidFill>
-          </a:ln>
-        </p:spPr>
-        <p:style>
-          <a:lnRef idx="2">
-            <a:schemeClr val="accent1">
-              <a:shade val="50000"/>
-            </a:schemeClr>
-          </a:lnRef>
-          <a:fillRef idx="1">
-            <a:schemeClr val="accent1"/>
-          </a:fillRef>
-          <a:effectRef idx="0">
-            <a:schemeClr val="accent1"/>
-          </a:effectRef>
-          <a:fontRef idx="minor">
-            <a:schemeClr val="lt1"/>
-          </a:fontRef>
-        </p:style>
-        <p:txBody>
-          <a:bodyPr rtlCol="0" anchor="ctr"/>
-          <a:lstStyle/>
-          <a:p>
-            <a:pPr algn="ctr"/>
-            <a:endParaRPr lang="en-GB" dirty="0"/>
-          </a:p>
-        </p:txBody>
-      </p:sp>
-      <p:sp>
-        <p:nvSpPr>
-          <p:cNvPr id="12" name="ZoneTexte 11"/>
-          <p:cNvSpPr txBox="1"/>
-          <p:nvPr/>
-        </p:nvSpPr>
-        <p:spPr>
-          <a:xfrm>
-            <a:off x="2691746" y="4809402"/>
-            <a:ext cx="457731" cy="246221"/>
-          </a:xfrm>
-          <a:prstGeom prst="rect">
-            <a:avLst/>
-          </a:prstGeom>
-          <a:noFill/>
-        </p:spPr>
-        <p:txBody>
-          <a:bodyPr wrap="square" rtlCol="0">
-            <a:spAutoFit/>
-          </a:bodyPr>
-          <a:lstStyle/>
-          <a:p>
-            <a:r>
-              <a:rPr lang="en-GB" sz="1000" b="1" dirty="0"/>
-              <a:t>FCL</a:t>
-            </a:r>
-          </a:p>
-        </p:txBody>
-      </p:sp>
-      <p:sp>
-        <p:nvSpPr>
-          <p:cNvPr id="13" name="Rectangle 12"/>
-          <p:cNvSpPr/>
-          <p:nvPr/>
-        </p:nvSpPr>
-        <p:spPr>
-          <a:xfrm>
-            <a:off x="-440240" y="4809402"/>
-            <a:ext cx="917706" cy="913116"/>
-          </a:xfrm>
-          <a:prstGeom prst="rect">
-            <a:avLst/>
-          </a:prstGeom>
-          <a:solidFill>
-            <a:srgbClr val="5B9BD5">
-              <a:alpha val="21176"/>
-            </a:srgbClr>
-          </a:solidFill>
-          <a:ln>
-            <a:solidFill>
-              <a:schemeClr val="tx1"/>
-            </a:solidFill>
-          </a:ln>
-        </p:spPr>
-        <p:style>
-          <a:lnRef idx="2">
-            <a:schemeClr val="accent1">
-              <a:shade val="50000"/>
-            </a:schemeClr>
-          </a:lnRef>
-          <a:fillRef idx="1">
-            <a:schemeClr val="accent1"/>
-          </a:fillRef>
-          <a:effectRef idx="0">
-            <a:schemeClr val="accent1"/>
-          </a:effectRef>
-          <a:fontRef idx="minor">
-            <a:schemeClr val="lt1"/>
-          </a:fontRef>
-        </p:style>
-        <p:txBody>
-          <a:bodyPr rtlCol="0" anchor="ctr"/>
-          <a:lstStyle/>
-          <a:p>
-            <a:pPr algn="ctr"/>
-            <a:endParaRPr lang="en-GB" dirty="0"/>
-          </a:p>
-        </p:txBody>
-      </p:sp>
-      <p:sp>
-        <p:nvSpPr>
-          <p:cNvPr id="14" name="ZoneTexte 13"/>
-          <p:cNvSpPr txBox="1"/>
-          <p:nvPr/>
-        </p:nvSpPr>
-        <p:spPr>
-          <a:xfrm>
-            <a:off x="-440241" y="4827157"/>
-            <a:ext cx="457731" cy="246221"/>
-          </a:xfrm>
-          <a:prstGeom prst="rect">
-            <a:avLst/>
-          </a:prstGeom>
-          <a:noFill/>
-        </p:spPr>
-        <p:txBody>
-          <a:bodyPr wrap="square" rtlCol="0">
-            <a:spAutoFit/>
-          </a:bodyPr>
-          <a:lstStyle/>
-          <a:p>
-            <a:r>
-              <a:rPr lang="en-GB" sz="1000" b="1" dirty="0"/>
-              <a:t>FCL</a:t>
-            </a:r>
-          </a:p>
-        </p:txBody>
-      </p:sp>
-      <p:sp>
-        <p:nvSpPr>
           <p:cNvPr id="15" name="ZoneTexte 14"/>
           <p:cNvSpPr txBox="1"/>
           <p:nvPr/>
         </p:nvSpPr>
         <p:spPr>
           <a:xfrm>
-            <a:off x="2807164" y="5351805"/>
+            <a:off x="2859048" y="6266205"/>
             <a:ext cx="766555" cy="553998"/>
           </a:xfrm>
           <a:prstGeom prst="rect">
@@ -10170,7 +10263,7 @@
         </p:nvSpPr>
         <p:spPr>
           <a:xfrm>
-            <a:off x="4198897" y="5872445"/>
+            <a:off x="4435115" y="6431565"/>
             <a:ext cx="881972" cy="553998"/>
           </a:xfrm>
           <a:prstGeom prst="rect">
@@ -10219,7 +10312,7 @@
         </p:nvSpPr>
         <p:spPr>
           <a:xfrm>
-            <a:off x="-394784" y="4360114"/>
+            <a:off x="-1104759" y="5248368"/>
             <a:ext cx="377026" cy="246221"/>
           </a:xfrm>
           <a:prstGeom prst="rect">
@@ -10249,7 +10342,7 @@
         </p:nvSpPr>
         <p:spPr>
           <a:xfrm>
-            <a:off x="1967510" y="4932512"/>
+            <a:off x="1686113" y="5689669"/>
             <a:ext cx="482824" cy="246221"/>
           </a:xfrm>
           <a:prstGeom prst="rect">
@@ -10279,7 +10372,7 @@
         </p:nvSpPr>
         <p:spPr>
           <a:xfrm>
-            <a:off x="560932" y="3747555"/>
+            <a:off x="612816" y="4661955"/>
             <a:ext cx="482824" cy="246221"/>
           </a:xfrm>
           <a:prstGeom prst="rect">
@@ -10309,7 +10402,7 @@
         </p:nvSpPr>
         <p:spPr>
           <a:xfrm>
-            <a:off x="4986394" y="4298175"/>
+            <a:off x="5038278" y="5212575"/>
             <a:ext cx="619080" cy="400110"/>
           </a:xfrm>
           <a:prstGeom prst="rect">
@@ -10345,7 +10438,7 @@
         </p:nvSpPr>
         <p:spPr>
           <a:xfrm>
-            <a:off x="1657970" y="4375262"/>
+            <a:off x="1194901" y="5183586"/>
             <a:ext cx="619080" cy="400110"/>
           </a:xfrm>
           <a:prstGeom prst="rect">
@@ -10403,9 +10496,57 @@
           <a:chExt cx="0" cy="0"/>
         </a:xfrm>
       </p:grpSpPr>
+      <p:sp>
+        <p:nvSpPr>
+          <p:cNvPr id="3" name="Rectangle 2"/>
+          <p:cNvSpPr/>
+          <p:nvPr/>
+        </p:nvSpPr>
+        <p:spPr>
+          <a:xfrm>
+            <a:off x="-952500" y="5942049"/>
+            <a:ext cx="13963650" cy="1525551"/>
+          </a:xfrm>
+          <a:prstGeom prst="rect">
+            <a:avLst/>
+          </a:prstGeom>
+          <a:solidFill>
+            <a:schemeClr val="bg1"/>
+          </a:solidFill>
+          <a:ln>
+            <a:solidFill>
+              <a:schemeClr val="bg1"/>
+            </a:solidFill>
+          </a:ln>
+        </p:spPr>
+        <p:style>
+          <a:lnRef idx="2">
+            <a:schemeClr val="accent1">
+              <a:shade val="50000"/>
+            </a:schemeClr>
+          </a:lnRef>
+          <a:fillRef idx="1">
+            <a:schemeClr val="accent1"/>
+          </a:fillRef>
+          <a:effectRef idx="0">
+            <a:schemeClr val="accent1"/>
+          </a:effectRef>
+          <a:fontRef idx="minor">
+            <a:schemeClr val="lt1"/>
+          </a:fontRef>
+        </p:style>
+        <p:txBody>
+          <a:bodyPr rtlCol="0" anchor="ctr"/>
+          <a:lstStyle/>
+          <a:p>
+            <a:pPr algn="ctr"/>
+            <a:endParaRPr lang="en-GB"/>
+          </a:p>
+        </p:txBody>
+      </p:sp>
       <p:pic>
         <p:nvPicPr>
-          <p:cNvPr id="13" name="Image 12"/>
+          <p:cNvPr id="2" name="Image 1"/>
           <p:cNvPicPr>
             <a:picLocks noChangeAspect="1"/>
           </p:cNvPicPr>
@@ -10419,8 +10560,8 @@
         </p:blipFill>
         <p:spPr>
           <a:xfrm>
-            <a:off x="-133350" y="-128588"/>
-            <a:ext cx="12458700" cy="7115175"/>
+            <a:off x="-737015" y="-200231"/>
+            <a:ext cx="13136775" cy="6772275"/>
           </a:xfrm>
           <a:prstGeom prst="rect">
             <a:avLst/>
@@ -10435,7 +10576,7 @@
         </p:nvSpPr>
         <p:spPr>
           <a:xfrm>
-            <a:off x="1462238" y="4577122"/>
+            <a:off x="-328629" y="5166897"/>
             <a:ext cx="766555" cy="553998"/>
           </a:xfrm>
           <a:prstGeom prst="rect">
@@ -10484,7 +10625,7 @@
         </p:nvSpPr>
         <p:spPr>
           <a:xfrm>
-            <a:off x="2726680" y="5091210"/>
+            <a:off x="560471" y="5393239"/>
             <a:ext cx="881972" cy="553998"/>
           </a:xfrm>
           <a:prstGeom prst="rect">
@@ -10527,26 +10668,218 @@
       </p:sp>
       <p:sp>
         <p:nvSpPr>
-          <p:cNvPr id="7" name="Rectangle 6"/>
+          <p:cNvPr id="9" name="ZoneTexte 8"/>
+          <p:cNvSpPr txBox="1"/>
+          <p:nvPr/>
+        </p:nvSpPr>
+        <p:spPr>
+          <a:xfrm>
+            <a:off x="-328629" y="4564076"/>
+            <a:ext cx="377026" cy="246221"/>
+          </a:xfrm>
+          <a:prstGeom prst="rect">
+            <a:avLst/>
+          </a:prstGeom>
+          <a:noFill/>
+        </p:spPr>
+        <p:txBody>
+          <a:bodyPr wrap="none" rtlCol="0">
+            <a:spAutoFit/>
+          </a:bodyPr>
+          <a:lstStyle/>
+          <a:p>
+            <a:r>
+              <a:rPr lang="en-GB" sz="1000" b="1" dirty="0" smtClean="0"/>
+              <a:t>DM</a:t>
+            </a:r>
+            <a:endParaRPr lang="en-GB" sz="1000" b="1" dirty="0"/>
+          </a:p>
+        </p:txBody>
+      </p:sp>
+      <p:sp>
+        <p:nvSpPr>
+          <p:cNvPr id="10" name="ZoneTexte 9"/>
+          <p:cNvSpPr txBox="1"/>
+          <p:nvPr/>
+        </p:nvSpPr>
+        <p:spPr>
+          <a:xfrm>
+            <a:off x="1691895" y="5006842"/>
+            <a:ext cx="482824" cy="246221"/>
+          </a:xfrm>
+          <a:prstGeom prst="rect">
+            <a:avLst/>
+          </a:prstGeom>
+          <a:noFill/>
+        </p:spPr>
+        <p:txBody>
+          <a:bodyPr wrap="none" rtlCol="0">
+            <a:spAutoFit/>
+          </a:bodyPr>
+          <a:lstStyle/>
+          <a:p>
+            <a:r>
+              <a:rPr lang="en-GB" sz="1000" b="1" dirty="0" smtClean="0"/>
+              <a:t>OAP0</a:t>
+            </a:r>
+            <a:endParaRPr lang="en-GB" sz="1000" b="1" dirty="0"/>
+          </a:p>
+        </p:txBody>
+      </p:sp>
+      <p:sp>
+        <p:nvSpPr>
+          <p:cNvPr id="11" name="ZoneTexte 10"/>
+          <p:cNvSpPr txBox="1"/>
+          <p:nvPr/>
+        </p:nvSpPr>
+        <p:spPr>
+          <a:xfrm>
+            <a:off x="143772" y="4092211"/>
+            <a:ext cx="482824" cy="246221"/>
+          </a:xfrm>
+          <a:prstGeom prst="rect">
+            <a:avLst/>
+          </a:prstGeom>
+          <a:noFill/>
+        </p:spPr>
+        <p:txBody>
+          <a:bodyPr wrap="none" rtlCol="0">
+            <a:spAutoFit/>
+          </a:bodyPr>
+          <a:lstStyle/>
+          <a:p>
+            <a:r>
+              <a:rPr lang="en-GB" sz="1000" b="1" dirty="0" smtClean="0"/>
+              <a:t>OAP1</a:t>
+            </a:r>
+            <a:endParaRPr lang="en-GB" sz="1000" b="1" dirty="0"/>
+          </a:p>
+        </p:txBody>
+      </p:sp>
+      <p:sp>
+        <p:nvSpPr>
+          <p:cNvPr id="12" name="ZoneTexte 11"/>
+          <p:cNvSpPr txBox="1"/>
+          <p:nvPr/>
+        </p:nvSpPr>
+        <p:spPr>
+          <a:xfrm>
+            <a:off x="1210834" y="4487132"/>
+            <a:ext cx="619080" cy="400110"/>
+          </a:xfrm>
+          <a:prstGeom prst="rect">
+            <a:avLst/>
+          </a:prstGeom>
+          <a:noFill/>
+        </p:spPr>
+        <p:txBody>
+          <a:bodyPr wrap="none" rtlCol="0">
+            <a:spAutoFit/>
+          </a:bodyPr>
+          <a:lstStyle/>
+          <a:p>
+            <a:r>
+              <a:rPr lang="en-GB" sz="1000" b="1" dirty="0" smtClean="0"/>
+              <a:t>Folding </a:t>
+            </a:r>
+          </a:p>
+          <a:p>
+            <a:r>
+              <a:rPr lang="en-GB" sz="1000" b="1" dirty="0" smtClean="0"/>
+              <a:t>mirror 1</a:t>
+            </a:r>
+            <a:endParaRPr lang="en-GB" sz="1000" b="1" dirty="0"/>
+          </a:p>
+        </p:txBody>
+      </p:sp>
+      <p:sp>
+        <p:nvSpPr>
+          <p:cNvPr id="14" name="ZoneTexte 13"/>
+          <p:cNvSpPr txBox="1"/>
+          <p:nvPr/>
+        </p:nvSpPr>
+        <p:spPr>
+          <a:xfrm>
+            <a:off x="1015383" y="5942049"/>
+            <a:ext cx="883575" cy="246221"/>
+          </a:xfrm>
+          <a:prstGeom prst="rect">
+            <a:avLst/>
+          </a:prstGeom>
+          <a:noFill/>
+        </p:spPr>
+        <p:txBody>
+          <a:bodyPr wrap="none" rtlCol="0">
+            <a:spAutoFit/>
+          </a:bodyPr>
+          <a:lstStyle/>
+          <a:p>
+            <a:r>
+              <a:rPr lang="en-GB" sz="1000" b="1" dirty="0" smtClean="0"/>
+              <a:t>Paraxial lens</a:t>
+            </a:r>
+            <a:endParaRPr lang="en-GB" sz="1000" b="1" dirty="0"/>
+          </a:p>
+        </p:txBody>
+      </p:sp>
+      <p:sp>
+        <p:nvSpPr>
+          <p:cNvPr id="15" name="ZoneTexte 14"/>
+          <p:cNvSpPr txBox="1"/>
+          <p:nvPr/>
+        </p:nvSpPr>
+        <p:spPr>
+          <a:xfrm>
+            <a:off x="1210834" y="6371989"/>
+            <a:ext cx="962123" cy="400110"/>
+          </a:xfrm>
+          <a:prstGeom prst="rect">
+            <a:avLst/>
+          </a:prstGeom>
+          <a:noFill/>
+        </p:spPr>
+        <p:txBody>
+          <a:bodyPr wrap="none" rtlCol="0">
+            <a:spAutoFit/>
+          </a:bodyPr>
+          <a:lstStyle/>
+          <a:p>
+            <a:pPr algn="ctr"/>
+            <a:r>
+              <a:rPr lang="en-GB" sz="1000" b="1" dirty="0" smtClean="0"/>
+              <a:t>TT modulation</a:t>
+            </a:r>
+          </a:p>
+          <a:p>
+            <a:pPr algn="ctr"/>
+            <a:r>
+              <a:rPr lang="en-GB" sz="1000" b="1" dirty="0" smtClean="0"/>
+              <a:t>mirror</a:t>
+            </a:r>
+            <a:endParaRPr lang="en-GB" sz="1000" b="1" dirty="0"/>
+          </a:p>
+        </p:txBody>
+      </p:sp>
+      <p:sp>
+        <p:nvSpPr>
+          <p:cNvPr id="4" name="Rectangle 3"/>
           <p:cNvSpPr/>
           <p:nvPr/>
         </p:nvSpPr>
         <p:spPr>
           <a:xfrm>
-            <a:off x="1406315" y="4028167"/>
-            <a:ext cx="1001172" cy="996594"/>
+            <a:off x="-952500" y="6292451"/>
+            <a:ext cx="1390426" cy="565549"/>
           </a:xfrm>
           <a:prstGeom prst="rect">
             <a:avLst/>
           </a:prstGeom>
           <a:solidFill>
-            <a:srgbClr val="5B9BD5">
-              <a:alpha val="21176"/>
-            </a:srgbClr>
+            <a:schemeClr val="bg1"/>
           </a:solidFill>
           <a:ln>
             <a:solidFill>
-              <a:schemeClr val="tx1"/>
+              <a:schemeClr val="bg1"/>
             </a:solidFill>
           </a:ln>
         </p:spPr>
@@ -10571,233 +10904,58 @@
           <a:lstStyle/>
           <a:p>
             <a:pPr algn="ctr"/>
-            <a:endParaRPr lang="en-GB" dirty="0"/>
-          </a:p>
-        </p:txBody>
-      </p:sp>
-      <p:sp>
-        <p:nvSpPr>
-          <p:cNvPr id="8" name="ZoneTexte 7"/>
-          <p:cNvSpPr txBox="1"/>
-          <p:nvPr/>
-        </p:nvSpPr>
-        <p:spPr>
-          <a:xfrm>
-            <a:off x="1406314" y="4045922"/>
-            <a:ext cx="457731" cy="246221"/>
-          </a:xfrm>
-          <a:prstGeom prst="rect">
-            <a:avLst/>
-          </a:prstGeom>
-          <a:noFill/>
-        </p:spPr>
-        <p:txBody>
-          <a:bodyPr wrap="square" rtlCol="0">
-            <a:spAutoFit/>
-          </a:bodyPr>
-          <a:lstStyle/>
-          <a:p>
-            <a:r>
-              <a:rPr lang="en-GB" sz="1000" b="1" dirty="0"/>
-              <a:t>FCL</a:t>
-            </a:r>
-          </a:p>
-        </p:txBody>
-      </p:sp>
-      <p:sp>
-        <p:nvSpPr>
-          <p:cNvPr id="9" name="ZoneTexte 8"/>
-          <p:cNvSpPr txBox="1"/>
-          <p:nvPr/>
-        </p:nvSpPr>
-        <p:spPr>
-          <a:xfrm>
-            <a:off x="1460385" y="3532758"/>
-            <a:ext cx="377026" cy="246221"/>
-          </a:xfrm>
-          <a:prstGeom prst="rect">
-            <a:avLst/>
-          </a:prstGeom>
-          <a:noFill/>
-        </p:spPr>
-        <p:txBody>
-          <a:bodyPr wrap="none" rtlCol="0">
-            <a:spAutoFit/>
-          </a:bodyPr>
-          <a:lstStyle/>
-          <a:p>
-            <a:r>
-              <a:rPr lang="en-GB" sz="1000" b="1" dirty="0" smtClean="0"/>
-              <a:t>DM</a:t>
-            </a:r>
-            <a:endParaRPr lang="en-GB" sz="1000" b="1" dirty="0"/>
-          </a:p>
-        </p:txBody>
-      </p:sp>
-      <p:sp>
-        <p:nvSpPr>
-          <p:cNvPr id="10" name="ZoneTexte 9"/>
-          <p:cNvSpPr txBox="1"/>
-          <p:nvPr/>
-        </p:nvSpPr>
-        <p:spPr>
-          <a:xfrm>
-            <a:off x="4296889" y="4454011"/>
-            <a:ext cx="482824" cy="246221"/>
-          </a:xfrm>
-          <a:prstGeom prst="rect">
-            <a:avLst/>
-          </a:prstGeom>
-          <a:noFill/>
-        </p:spPr>
-        <p:txBody>
-          <a:bodyPr wrap="none" rtlCol="0">
-            <a:spAutoFit/>
-          </a:bodyPr>
-          <a:lstStyle/>
-          <a:p>
-            <a:r>
-              <a:rPr lang="en-GB" sz="1000" b="1" dirty="0" smtClean="0"/>
-              <a:t>OAP0</a:t>
-            </a:r>
-            <a:endParaRPr lang="en-GB" sz="1000" b="1" dirty="0"/>
-          </a:p>
-        </p:txBody>
-      </p:sp>
-      <p:sp>
-        <p:nvSpPr>
-          <p:cNvPr id="11" name="ZoneTexte 10"/>
-          <p:cNvSpPr txBox="1"/>
-          <p:nvPr/>
-        </p:nvSpPr>
-        <p:spPr>
-          <a:xfrm>
-            <a:off x="2363097" y="2939686"/>
-            <a:ext cx="482824" cy="246221"/>
-          </a:xfrm>
-          <a:prstGeom prst="rect">
-            <a:avLst/>
-          </a:prstGeom>
-          <a:noFill/>
-        </p:spPr>
-        <p:txBody>
-          <a:bodyPr wrap="none" rtlCol="0">
-            <a:spAutoFit/>
-          </a:bodyPr>
-          <a:lstStyle/>
-          <a:p>
-            <a:r>
-              <a:rPr lang="en-GB" sz="1000" b="1" dirty="0" smtClean="0"/>
-              <a:t>OAP1</a:t>
-            </a:r>
-            <a:endParaRPr lang="en-GB" sz="1000" b="1" dirty="0"/>
-          </a:p>
-        </p:txBody>
-      </p:sp>
-      <p:sp>
-        <p:nvSpPr>
-          <p:cNvPr id="12" name="ZoneTexte 11"/>
-          <p:cNvSpPr txBox="1"/>
-          <p:nvPr/>
-        </p:nvSpPr>
-        <p:spPr>
-          <a:xfrm>
-            <a:off x="3677809" y="3620357"/>
-            <a:ext cx="619080" cy="400110"/>
-          </a:xfrm>
-          <a:prstGeom prst="rect">
-            <a:avLst/>
-          </a:prstGeom>
-          <a:noFill/>
-        </p:spPr>
-        <p:txBody>
-          <a:bodyPr wrap="none" rtlCol="0">
-            <a:spAutoFit/>
-          </a:bodyPr>
-          <a:lstStyle/>
-          <a:p>
-            <a:r>
-              <a:rPr lang="en-GB" sz="1000" b="1" dirty="0" smtClean="0"/>
-              <a:t>Folding </a:t>
-            </a:r>
-          </a:p>
-          <a:p>
-            <a:r>
-              <a:rPr lang="en-GB" sz="1000" b="1" dirty="0" smtClean="0"/>
-              <a:t>mirror 1</a:t>
-            </a:r>
-            <a:endParaRPr lang="en-GB" sz="1000" b="1" dirty="0"/>
-          </a:p>
-        </p:txBody>
-      </p:sp>
-      <p:sp>
-        <p:nvSpPr>
-          <p:cNvPr id="14" name="ZoneTexte 13"/>
-          <p:cNvSpPr txBox="1"/>
-          <p:nvPr/>
-        </p:nvSpPr>
-        <p:spPr>
-          <a:xfrm>
-            <a:off x="4296889" y="5817531"/>
-            <a:ext cx="883575" cy="246221"/>
-          </a:xfrm>
-          <a:prstGeom prst="rect">
-            <a:avLst/>
-          </a:prstGeom>
-          <a:noFill/>
-        </p:spPr>
-        <p:txBody>
-          <a:bodyPr wrap="none" rtlCol="0">
-            <a:spAutoFit/>
-          </a:bodyPr>
-          <a:lstStyle/>
-          <a:p>
-            <a:r>
-              <a:rPr lang="en-GB" sz="1000" b="1" dirty="0" smtClean="0"/>
-              <a:t>Paraxial lens</a:t>
-            </a:r>
-            <a:endParaRPr lang="en-GB" sz="1000" b="1" dirty="0"/>
-          </a:p>
-        </p:txBody>
-      </p:sp>
-      <p:sp>
-        <p:nvSpPr>
-          <p:cNvPr id="15" name="ZoneTexte 14"/>
-          <p:cNvSpPr txBox="1"/>
-          <p:nvPr/>
-        </p:nvSpPr>
-        <p:spPr>
-          <a:xfrm>
-            <a:off x="3428357" y="6457890"/>
-            <a:ext cx="962123" cy="400110"/>
-          </a:xfrm>
-          <a:prstGeom prst="rect">
-            <a:avLst/>
-          </a:prstGeom>
-          <a:noFill/>
-        </p:spPr>
-        <p:txBody>
-          <a:bodyPr wrap="none" rtlCol="0">
-            <a:spAutoFit/>
-          </a:bodyPr>
-          <a:lstStyle/>
-          <a:p>
-            <a:pPr algn="ctr"/>
-            <a:r>
-              <a:rPr lang="en-GB" sz="1000" b="1" dirty="0" smtClean="0"/>
-              <a:t>TT modulation</a:t>
-            </a:r>
-          </a:p>
-          <a:p>
-            <a:pPr algn="ctr"/>
-            <a:r>
-              <a:rPr lang="en-GB" sz="1000" b="1" dirty="0" smtClean="0"/>
-              <a:t>mirror</a:t>
-            </a:r>
-            <a:endParaRPr lang="en-GB" sz="1000" b="1" dirty="0"/>
-          </a:p>
-        </p:txBody>
-      </p:sp>
+            <a:endParaRPr lang="en-GB"/>
+          </a:p>
+        </p:txBody>
+      </p:sp>
+      <p:pic>
+        <p:nvPicPr>
+          <p:cNvPr id="16" name="Image 15"/>
+          <p:cNvPicPr>
+            <a:picLocks noChangeAspect="1"/>
+          </p:cNvPicPr>
+          <p:nvPr/>
+        </p:nvPicPr>
+        <p:blipFill>
+          <a:blip r:embed="rId3"/>
+          <a:stretch>
+            <a:fillRect/>
+          </a:stretch>
+        </p:blipFill>
+        <p:spPr>
+          <a:xfrm>
+            <a:off x="5840784" y="6065159"/>
+            <a:ext cx="2343150" cy="523829"/>
+          </a:xfrm>
+          <a:prstGeom prst="rect">
+            <a:avLst/>
+          </a:prstGeom>
+        </p:spPr>
+      </p:pic>
+      <p:pic>
+        <p:nvPicPr>
+          <p:cNvPr id="17" name="Image 16"/>
+          <p:cNvPicPr>
+            <a:picLocks noChangeAspect="1"/>
+          </p:cNvPicPr>
+          <p:nvPr/>
+        </p:nvPicPr>
+        <p:blipFill>
+          <a:blip r:embed="rId4"/>
+          <a:stretch>
+            <a:fillRect/>
+          </a:stretch>
+        </p:blipFill>
+        <p:spPr>
+          <a:xfrm>
+            <a:off x="2437150" y="6099685"/>
+            <a:ext cx="2197261" cy="457074"/>
+          </a:xfrm>
+          <a:prstGeom prst="rect">
+            <a:avLst/>
+          </a:prstGeom>
+        </p:spPr>
+      </p:pic>
     </p:spTree>
     <p:extLst>
       <p:ext uri="{BB962C8B-B14F-4D97-AF65-F5344CB8AC3E}">
@@ -10830,7 +10988,7 @@
       </p:grpSpPr>
       <p:pic>
         <p:nvPicPr>
-          <p:cNvPr id="4" name="Image 3"/>
+          <p:cNvPr id="17" name="Image 16"/>
           <p:cNvPicPr>
             <a:picLocks noChangeAspect="1"/>
           </p:cNvPicPr>
@@ -10844,66 +11002,405 @@
         </p:blipFill>
         <p:spPr>
           <a:xfrm>
-            <a:off x="-868680" y="-100584"/>
-            <a:ext cx="13952314" cy="6281928"/>
+            <a:off x="-968908" y="-552451"/>
+            <a:ext cx="14249400" cy="7924800"/>
           </a:xfrm>
           <a:prstGeom prst="rect">
             <a:avLst/>
           </a:prstGeom>
         </p:spPr>
       </p:pic>
-      <p:pic>
-        <p:nvPicPr>
-          <p:cNvPr id="5" name="Image 4"/>
-          <p:cNvPicPr>
-            <a:picLocks noChangeAspect="1"/>
-          </p:cNvPicPr>
-          <p:nvPr/>
-        </p:nvPicPr>
-        <p:blipFill>
-          <a:blip r:embed="rId3"/>
-          <a:stretch>
-            <a:fillRect/>
-          </a:stretch>
-        </p:blipFill>
-        <p:spPr>
-          <a:xfrm>
-            <a:off x="5141214" y="5840659"/>
-            <a:ext cx="3902202" cy="258389"/>
-          </a:xfrm>
-          <a:prstGeom prst="rect">
-            <a:avLst/>
-          </a:prstGeom>
-        </p:spPr>
-      </p:pic>
-      <p:pic>
-        <p:nvPicPr>
-          <p:cNvPr id="6" name="Image 5"/>
-          <p:cNvPicPr>
-            <a:picLocks noChangeAspect="1"/>
-          </p:cNvPicPr>
-          <p:nvPr/>
-        </p:nvPicPr>
-        <p:blipFill>
-          <a:blip r:embed="rId4"/>
-          <a:stretch>
-            <a:fillRect/>
-          </a:stretch>
-        </p:blipFill>
-        <p:spPr>
-          <a:xfrm>
-            <a:off x="9202033" y="5635288"/>
-            <a:ext cx="2575439" cy="518624"/>
-          </a:xfrm>
-          <a:prstGeom prst="rect">
-            <a:avLst/>
-          </a:prstGeom>
-        </p:spPr>
-      </p:pic>
+      <p:sp>
+        <p:nvSpPr>
+          <p:cNvPr id="5" name="ZoneTexte 4"/>
+          <p:cNvSpPr txBox="1"/>
+          <p:nvPr/>
+        </p:nvSpPr>
+        <p:spPr>
+          <a:xfrm>
+            <a:off x="475871" y="5595522"/>
+            <a:ext cx="996876" cy="738664"/>
+          </a:xfrm>
+          <a:prstGeom prst="rect">
+            <a:avLst/>
+          </a:prstGeom>
+          <a:noFill/>
+        </p:spPr>
+        <p:txBody>
+          <a:bodyPr wrap="none" rtlCol="0">
+            <a:spAutoFit/>
+          </a:bodyPr>
+          <a:lstStyle/>
+          <a:p>
+            <a:pPr algn="ctr"/>
+            <a:r>
+              <a:rPr lang="en-GB" sz="1400" b="1" dirty="0" smtClean="0"/>
+              <a:t>Telescope</a:t>
+            </a:r>
+          </a:p>
+          <a:p>
+            <a:pPr algn="ctr"/>
+            <a:r>
+              <a:rPr lang="en-GB" sz="1400" b="1" dirty="0"/>
+              <a:t>f</a:t>
+            </a:r>
+            <a:r>
+              <a:rPr lang="en-GB" sz="1400" b="1" dirty="0" smtClean="0"/>
+              <a:t>ocal plane</a:t>
+            </a:r>
+          </a:p>
+          <a:p>
+            <a:pPr algn="ctr"/>
+            <a:r>
+              <a:rPr lang="en-GB" sz="1400" b="1" dirty="0" smtClean="0"/>
+              <a:t>(FoV = 1’)</a:t>
+            </a:r>
+            <a:endParaRPr lang="en-GB" sz="1400" b="1" dirty="0"/>
+          </a:p>
+        </p:txBody>
+      </p:sp>
+      <p:sp>
+        <p:nvSpPr>
+          <p:cNvPr id="6" name="ZoneTexte 5"/>
+          <p:cNvSpPr txBox="1"/>
+          <p:nvPr/>
+        </p:nvSpPr>
+        <p:spPr>
+          <a:xfrm>
+            <a:off x="5578391" y="6324536"/>
+            <a:ext cx="1154803" cy="738664"/>
+          </a:xfrm>
+          <a:prstGeom prst="rect">
+            <a:avLst/>
+          </a:prstGeom>
+          <a:noFill/>
+        </p:spPr>
+        <p:txBody>
+          <a:bodyPr wrap="none" rtlCol="0">
+            <a:spAutoFit/>
+          </a:bodyPr>
+          <a:lstStyle/>
+          <a:p>
+            <a:pPr algn="ctr"/>
+            <a:r>
+              <a:rPr lang="en-GB" sz="1400" b="1" dirty="0" smtClean="0"/>
+              <a:t>Intermediate</a:t>
+            </a:r>
+          </a:p>
+          <a:p>
+            <a:pPr algn="ctr"/>
+            <a:r>
+              <a:rPr lang="en-GB" sz="1400" b="1" dirty="0"/>
+              <a:t>f</a:t>
+            </a:r>
+            <a:r>
+              <a:rPr lang="en-GB" sz="1400" b="1" dirty="0" smtClean="0"/>
+              <a:t>ocal plane</a:t>
+            </a:r>
+          </a:p>
+          <a:p>
+            <a:pPr algn="ctr"/>
+            <a:r>
+              <a:rPr lang="en-GB" sz="1400" b="1" dirty="0" smtClean="0"/>
+              <a:t>(FoV = 1’)</a:t>
+            </a:r>
+            <a:endParaRPr lang="en-GB" sz="1400" b="1" dirty="0"/>
+          </a:p>
+        </p:txBody>
+      </p:sp>
+      <p:sp>
+        <p:nvSpPr>
+          <p:cNvPr id="7" name="ZoneTexte 6"/>
+          <p:cNvSpPr txBox="1"/>
+          <p:nvPr/>
+        </p:nvSpPr>
+        <p:spPr>
+          <a:xfrm>
+            <a:off x="214005" y="4216244"/>
+            <a:ext cx="455574" cy="307777"/>
+          </a:xfrm>
+          <a:prstGeom prst="rect">
+            <a:avLst/>
+          </a:prstGeom>
+          <a:noFill/>
+        </p:spPr>
+        <p:txBody>
+          <a:bodyPr wrap="none" rtlCol="0">
+            <a:spAutoFit/>
+          </a:bodyPr>
+          <a:lstStyle/>
+          <a:p>
+            <a:r>
+              <a:rPr lang="en-GB" sz="1400" b="1" dirty="0" smtClean="0"/>
+              <a:t>DM</a:t>
+            </a:r>
+            <a:endParaRPr lang="en-GB" sz="1400" b="1" dirty="0"/>
+          </a:p>
+        </p:txBody>
+      </p:sp>
+      <p:sp>
+        <p:nvSpPr>
+          <p:cNvPr id="8" name="ZoneTexte 7"/>
+          <p:cNvSpPr txBox="1"/>
+          <p:nvPr/>
+        </p:nvSpPr>
+        <p:spPr>
+          <a:xfrm>
+            <a:off x="4725710" y="5287745"/>
+            <a:ext cx="600614" cy="307777"/>
+          </a:xfrm>
+          <a:prstGeom prst="rect">
+            <a:avLst/>
+          </a:prstGeom>
+          <a:noFill/>
+        </p:spPr>
+        <p:txBody>
+          <a:bodyPr wrap="none" rtlCol="0">
+            <a:spAutoFit/>
+          </a:bodyPr>
+          <a:lstStyle/>
+          <a:p>
+            <a:r>
+              <a:rPr lang="en-GB" sz="1400" b="1" dirty="0" smtClean="0"/>
+              <a:t>OAP0</a:t>
+            </a:r>
+            <a:endParaRPr lang="en-GB" sz="1400" b="1" dirty="0"/>
+          </a:p>
+        </p:txBody>
+      </p:sp>
+      <p:sp>
+        <p:nvSpPr>
+          <p:cNvPr id="9" name="ZoneTexte 8"/>
+          <p:cNvSpPr txBox="1"/>
+          <p:nvPr/>
+        </p:nvSpPr>
+        <p:spPr>
+          <a:xfrm>
+            <a:off x="1472747" y="3121222"/>
+            <a:ext cx="600614" cy="307777"/>
+          </a:xfrm>
+          <a:prstGeom prst="rect">
+            <a:avLst/>
+          </a:prstGeom>
+          <a:noFill/>
+        </p:spPr>
+        <p:txBody>
+          <a:bodyPr wrap="none" rtlCol="0">
+            <a:spAutoFit/>
+          </a:bodyPr>
+          <a:lstStyle/>
+          <a:p>
+            <a:r>
+              <a:rPr lang="en-GB" sz="1400" b="1" dirty="0" smtClean="0"/>
+              <a:t>OAP1</a:t>
+            </a:r>
+            <a:endParaRPr lang="en-GB" sz="1400" b="1" dirty="0"/>
+          </a:p>
+        </p:txBody>
+      </p:sp>
+      <p:sp>
+        <p:nvSpPr>
+          <p:cNvPr id="10" name="ZoneTexte 9"/>
+          <p:cNvSpPr txBox="1"/>
+          <p:nvPr/>
+        </p:nvSpPr>
+        <p:spPr>
+          <a:xfrm>
+            <a:off x="3601609" y="4310802"/>
+            <a:ext cx="793230" cy="523220"/>
+          </a:xfrm>
+          <a:prstGeom prst="rect">
+            <a:avLst/>
+          </a:prstGeom>
+          <a:noFill/>
+        </p:spPr>
+        <p:txBody>
+          <a:bodyPr wrap="none" rtlCol="0">
+            <a:spAutoFit/>
+          </a:bodyPr>
+          <a:lstStyle/>
+          <a:p>
+            <a:r>
+              <a:rPr lang="en-GB" sz="1400" b="1" dirty="0" smtClean="0"/>
+              <a:t>Folding </a:t>
+            </a:r>
+          </a:p>
+          <a:p>
+            <a:r>
+              <a:rPr lang="en-GB" sz="1400" b="1" dirty="0" smtClean="0"/>
+              <a:t>mirror 1</a:t>
+            </a:r>
+            <a:endParaRPr lang="en-GB" sz="1400" b="1" dirty="0"/>
+          </a:p>
+        </p:txBody>
+      </p:sp>
+      <p:sp>
+        <p:nvSpPr>
+          <p:cNvPr id="14" name="ZoneTexte 13"/>
+          <p:cNvSpPr txBox="1"/>
+          <p:nvPr/>
+        </p:nvSpPr>
+        <p:spPr>
+          <a:xfrm>
+            <a:off x="4499133" y="6353050"/>
+            <a:ext cx="996619" cy="523220"/>
+          </a:xfrm>
+          <a:prstGeom prst="rect">
+            <a:avLst/>
+          </a:prstGeom>
+          <a:noFill/>
+        </p:spPr>
+        <p:txBody>
+          <a:bodyPr wrap="none" rtlCol="0">
+            <a:spAutoFit/>
+          </a:bodyPr>
+          <a:lstStyle/>
+          <a:p>
+            <a:pPr algn="ctr"/>
+            <a:r>
+              <a:rPr lang="en-GB" sz="1400" b="1" dirty="0" smtClean="0"/>
+              <a:t>Dichroic</a:t>
+            </a:r>
+          </a:p>
+          <a:p>
+            <a:pPr algn="ctr"/>
+            <a:r>
+              <a:rPr lang="en-GB" sz="1400" b="1" dirty="0" smtClean="0"/>
+              <a:t>membrane</a:t>
+            </a:r>
+            <a:endParaRPr lang="en-GB" sz="1400" b="1" dirty="0"/>
+          </a:p>
+        </p:txBody>
+      </p:sp>
+      <mc:AlternateContent xmlns:mc="http://schemas.openxmlformats.org/markup-compatibility/2006">
+        <mc:Choice xmlns:a14="http://schemas.microsoft.com/office/drawing/2010/main" Requires="a14">
+          <p:sp>
+            <p:nvSpPr>
+              <p:cNvPr id="15" name="ZoneTexte 14"/>
+              <p:cNvSpPr txBox="1"/>
+              <p:nvPr/>
+            </p:nvSpPr>
+            <p:spPr>
+              <a:xfrm>
+                <a:off x="5288497" y="6476160"/>
+                <a:ext cx="497150" cy="276999"/>
+              </a:xfrm>
+              <a:prstGeom prst="rect">
+                <a:avLst/>
+              </a:prstGeom>
+              <a:noFill/>
+            </p:spPr>
+            <p:txBody>
+              <a:bodyPr wrap="square" lIns="0" tIns="0" rIns="0" bIns="0" rtlCol="0">
+                <a:spAutoFit/>
+              </a:bodyPr>
+              <a:lstStyle/>
+              <a:p>
+                <a:pPr/>
+                <a14:m>
+                  <m:oMathPara xmlns:m="http://schemas.openxmlformats.org/officeDocument/2006/math">
+                    <m:oMathParaPr>
+                      <m:jc m:val="centerGroup"/>
+                    </m:oMathParaPr>
+                    <m:oMath xmlns:m="http://schemas.openxmlformats.org/officeDocument/2006/math">
+                      <m:r>
+                        <a:rPr lang="en-GB" i="1" smtClean="0">
+                          <a:latin typeface="Cambria Math" panose="02040503050406030204" pitchFamily="18" charset="0"/>
+                          <a:ea typeface="Cambria Math" panose="02040503050406030204" pitchFamily="18" charset="0"/>
+                        </a:rPr>
+                        <m:t>≈</m:t>
+                      </m:r>
+                    </m:oMath>
+                  </m:oMathPara>
+                </a14:m>
+                <a:endParaRPr lang="en-GB" sz="3200" dirty="0"/>
+              </a:p>
+            </p:txBody>
+          </p:sp>
+        </mc:Choice>
+        <mc:Fallback>
+          <p:sp>
+            <p:nvSpPr>
+              <p:cNvPr id="15" name="ZoneTexte 14"/>
+              <p:cNvSpPr txBox="1">
+                <a:spLocks noRot="1" noChangeAspect="1" noMove="1" noResize="1" noEditPoints="1" noAdjustHandles="1" noChangeArrowheads="1" noChangeShapeType="1" noTextEdit="1"/>
+              </p:cNvSpPr>
+              <p:nvPr/>
+            </p:nvSpPr>
+            <p:spPr>
+              <a:xfrm>
+                <a:off x="5288497" y="6476160"/>
+                <a:ext cx="497150" cy="276999"/>
+              </a:xfrm>
+              <a:prstGeom prst="rect">
+                <a:avLst/>
+              </a:prstGeom>
+              <a:blipFill>
+                <a:blip r:embed="rId3"/>
+                <a:stretch>
+                  <a:fillRect/>
+                </a:stretch>
+              </a:blipFill>
+            </p:spPr>
+            <p:txBody>
+              <a:bodyPr/>
+              <a:lstStyle/>
+              <a:p>
+                <a:r>
+                  <a:rPr lang="en-GB">
+                    <a:noFill/>
+                  </a:rPr>
+                  <a:t> </a:t>
+                </a:r>
+              </a:p>
+            </p:txBody>
+          </p:sp>
+        </mc:Fallback>
+      </mc:AlternateContent>
+      <p:sp>
+        <p:nvSpPr>
+          <p:cNvPr id="16" name="ZoneTexte 15"/>
+          <p:cNvSpPr txBox="1"/>
+          <p:nvPr/>
+        </p:nvSpPr>
+        <p:spPr>
+          <a:xfrm>
+            <a:off x="1908127" y="5801316"/>
+            <a:ext cx="793230" cy="523220"/>
+          </a:xfrm>
+          <a:prstGeom prst="rect">
+            <a:avLst/>
+          </a:prstGeom>
+          <a:noFill/>
+        </p:spPr>
+        <p:txBody>
+          <a:bodyPr wrap="none" rtlCol="0">
+            <a:spAutoFit/>
+          </a:bodyPr>
+          <a:lstStyle/>
+          <a:p>
+            <a:r>
+              <a:rPr lang="en-GB" sz="1400" b="1" dirty="0" smtClean="0"/>
+              <a:t>Folding </a:t>
+            </a:r>
+          </a:p>
+          <a:p>
+            <a:r>
+              <a:rPr lang="en-GB" sz="1400" b="1" dirty="0" smtClean="0"/>
+              <a:t>mirror </a:t>
+            </a:r>
+            <a:r>
+              <a:rPr lang="en-GB" sz="1400" b="1" dirty="0" smtClean="0"/>
+              <a:t>2</a:t>
+            </a:r>
+            <a:endParaRPr lang="en-GB" sz="1400" b="1" dirty="0"/>
+          </a:p>
+        </p:txBody>
+      </p:sp>
     </p:spTree>
     <p:extLst>
       <p:ext uri="{BB962C8B-B14F-4D97-AF65-F5344CB8AC3E}">
-        <p14:creationId xmlns:p14="http://schemas.microsoft.com/office/powerpoint/2010/main" val="2562911443"/>
+        <p14:creationId xmlns:p14="http://schemas.microsoft.com/office/powerpoint/2010/main" val="2135644561"/>
       </p:ext>
     </p:extLst>
   </p:cSld>
@@ -10932,462 +11429,30 @@
       </p:grpSpPr>
       <p:pic>
         <p:nvPicPr>
-          <p:cNvPr id="19" name="Image 18"/>
+          <p:cNvPr id="8" name="Image 7"/>
           <p:cNvPicPr>
             <a:picLocks noChangeAspect="1"/>
           </p:cNvPicPr>
           <p:nvPr/>
         </p:nvPicPr>
-        <p:blipFill>
+        <p:blipFill rotWithShape="1">
           <a:blip r:embed="rId2"/>
-          <a:stretch>
-            <a:fillRect/>
-          </a:stretch>
+          <a:srcRect r="976"/>
+          <a:stretch/>
         </p:blipFill>
         <p:spPr>
           <a:xfrm>
-            <a:off x="-657313" y="0"/>
-            <a:ext cx="13628214" cy="6090082"/>
+            <a:off x="361951" y="2268391"/>
+            <a:ext cx="11215686" cy="5515478"/>
           </a:xfrm>
           <a:prstGeom prst="rect">
             <a:avLst/>
           </a:prstGeom>
         </p:spPr>
       </p:pic>
-      <p:sp>
-        <p:nvSpPr>
-          <p:cNvPr id="20" name="ZoneTexte 19"/>
-          <p:cNvSpPr txBox="1"/>
-          <p:nvPr/>
-        </p:nvSpPr>
-        <p:spPr>
-          <a:xfrm>
-            <a:off x="-435561" y="4132278"/>
-            <a:ext cx="766555" cy="553998"/>
-          </a:xfrm>
-          <a:prstGeom prst="rect">
-            <a:avLst/>
-          </a:prstGeom>
-          <a:noFill/>
-        </p:spPr>
-        <p:txBody>
-          <a:bodyPr wrap="none" rtlCol="0">
-            <a:spAutoFit/>
-          </a:bodyPr>
-          <a:lstStyle/>
-          <a:p>
-            <a:pPr algn="ctr"/>
-            <a:r>
-              <a:rPr lang="en-GB" sz="1000" b="1" dirty="0" smtClean="0"/>
-              <a:t>Telescope</a:t>
-            </a:r>
-          </a:p>
-          <a:p>
-            <a:pPr algn="ctr"/>
-            <a:r>
-              <a:rPr lang="en-GB" sz="1000" b="1" dirty="0"/>
-              <a:t>f</a:t>
-            </a:r>
-            <a:r>
-              <a:rPr lang="en-GB" sz="1000" b="1" dirty="0" smtClean="0"/>
-              <a:t>ocal plane</a:t>
-            </a:r>
-          </a:p>
-          <a:p>
-            <a:pPr algn="ctr"/>
-            <a:r>
-              <a:rPr lang="en-GB" sz="1000" b="1" dirty="0" smtClean="0"/>
-              <a:t>(FoV = 1’)</a:t>
-            </a:r>
-            <a:endParaRPr lang="en-GB" sz="1000" b="1" dirty="0"/>
-          </a:p>
-        </p:txBody>
-      </p:sp>
-      <p:sp>
-        <p:nvSpPr>
-          <p:cNvPr id="21" name="ZoneTexte 20"/>
-          <p:cNvSpPr txBox="1"/>
-          <p:nvPr/>
-        </p:nvSpPr>
-        <p:spPr>
-          <a:xfrm>
-            <a:off x="551086" y="4510088"/>
-            <a:ext cx="881972" cy="553998"/>
-          </a:xfrm>
-          <a:prstGeom prst="rect">
-            <a:avLst/>
-          </a:prstGeom>
-          <a:noFill/>
-        </p:spPr>
-        <p:txBody>
-          <a:bodyPr wrap="none" rtlCol="0">
-            <a:spAutoFit/>
-          </a:bodyPr>
-          <a:lstStyle/>
-          <a:p>
-            <a:pPr algn="ctr"/>
-            <a:r>
-              <a:rPr lang="en-GB" sz="1000" b="1" dirty="0" smtClean="0"/>
-              <a:t>Intermediate</a:t>
-            </a:r>
-          </a:p>
-          <a:p>
-            <a:pPr algn="ctr"/>
-            <a:r>
-              <a:rPr lang="en-GB" sz="1000" b="1" dirty="0"/>
-              <a:t>f</a:t>
-            </a:r>
-            <a:r>
-              <a:rPr lang="en-GB" sz="1000" b="1" dirty="0" smtClean="0"/>
-              <a:t>ocal plane</a:t>
-            </a:r>
-          </a:p>
-          <a:p>
-            <a:pPr algn="ctr"/>
-            <a:r>
-              <a:rPr lang="en-GB" sz="1000" b="1" dirty="0" smtClean="0"/>
-              <a:t>(FoV = 1’)</a:t>
-            </a:r>
-            <a:endParaRPr lang="en-GB" sz="1000" b="1" dirty="0"/>
-          </a:p>
-        </p:txBody>
-      </p:sp>
-      <p:sp>
-        <p:nvSpPr>
-          <p:cNvPr id="22" name="Rectangle 21"/>
-          <p:cNvSpPr/>
-          <p:nvPr/>
-        </p:nvSpPr>
-        <p:spPr>
-          <a:xfrm>
-            <a:off x="-467997" y="3702978"/>
-            <a:ext cx="798991" cy="807110"/>
-          </a:xfrm>
-          <a:prstGeom prst="rect">
-            <a:avLst/>
-          </a:prstGeom>
-          <a:solidFill>
-            <a:srgbClr val="5B9BD5">
-              <a:alpha val="21176"/>
-            </a:srgbClr>
-          </a:solidFill>
-          <a:ln>
-            <a:solidFill>
-              <a:schemeClr val="tx1"/>
-            </a:solidFill>
-          </a:ln>
-        </p:spPr>
-        <p:style>
-          <a:lnRef idx="2">
-            <a:schemeClr val="accent1">
-              <a:shade val="50000"/>
-            </a:schemeClr>
-          </a:lnRef>
-          <a:fillRef idx="1">
-            <a:schemeClr val="accent1"/>
-          </a:fillRef>
-          <a:effectRef idx="0">
-            <a:schemeClr val="accent1"/>
-          </a:effectRef>
-          <a:fontRef idx="minor">
-            <a:schemeClr val="lt1"/>
-          </a:fontRef>
-        </p:style>
-        <p:txBody>
-          <a:bodyPr rtlCol="0" anchor="ctr"/>
-          <a:lstStyle/>
-          <a:p>
-            <a:pPr algn="ctr"/>
-            <a:endParaRPr lang="en-GB" dirty="0"/>
-          </a:p>
-        </p:txBody>
-      </p:sp>
-      <p:sp>
-        <p:nvSpPr>
-          <p:cNvPr id="23" name="ZoneTexte 22"/>
-          <p:cNvSpPr txBox="1"/>
-          <p:nvPr/>
-        </p:nvSpPr>
-        <p:spPr>
-          <a:xfrm>
-            <a:off x="-467998" y="3720733"/>
-            <a:ext cx="457731" cy="246221"/>
-          </a:xfrm>
-          <a:prstGeom prst="rect">
-            <a:avLst/>
-          </a:prstGeom>
-          <a:noFill/>
-        </p:spPr>
-        <p:txBody>
-          <a:bodyPr wrap="square" rtlCol="0">
-            <a:spAutoFit/>
-          </a:bodyPr>
-          <a:lstStyle/>
-          <a:p>
-            <a:r>
-              <a:rPr lang="en-GB" sz="1000" b="1" dirty="0"/>
-              <a:t>FCL</a:t>
-            </a:r>
-          </a:p>
-        </p:txBody>
-      </p:sp>
-      <p:sp>
-        <p:nvSpPr>
-          <p:cNvPr id="24" name="ZoneTexte 23"/>
-          <p:cNvSpPr txBox="1"/>
-          <p:nvPr/>
-        </p:nvSpPr>
-        <p:spPr>
-          <a:xfrm>
-            <a:off x="-467998" y="3280569"/>
-            <a:ext cx="377026" cy="246221"/>
-          </a:xfrm>
-          <a:prstGeom prst="rect">
-            <a:avLst/>
-          </a:prstGeom>
-          <a:noFill/>
-        </p:spPr>
-        <p:txBody>
-          <a:bodyPr wrap="none" rtlCol="0">
-            <a:spAutoFit/>
-          </a:bodyPr>
-          <a:lstStyle/>
-          <a:p>
-            <a:r>
-              <a:rPr lang="en-GB" sz="1000" b="1" dirty="0" smtClean="0"/>
-              <a:t>DM</a:t>
-            </a:r>
-            <a:endParaRPr lang="en-GB" sz="1000" b="1" dirty="0"/>
-          </a:p>
-        </p:txBody>
-      </p:sp>
-      <p:sp>
-        <p:nvSpPr>
-          <p:cNvPr id="25" name="ZoneTexte 24"/>
-          <p:cNvSpPr txBox="1"/>
-          <p:nvPr/>
-        </p:nvSpPr>
-        <p:spPr>
-          <a:xfrm>
-            <a:off x="1653151" y="3817210"/>
-            <a:ext cx="482824" cy="246221"/>
-          </a:xfrm>
-          <a:prstGeom prst="rect">
-            <a:avLst/>
-          </a:prstGeom>
-          <a:noFill/>
-        </p:spPr>
-        <p:txBody>
-          <a:bodyPr wrap="none" rtlCol="0">
-            <a:spAutoFit/>
-          </a:bodyPr>
-          <a:lstStyle/>
-          <a:p>
-            <a:r>
-              <a:rPr lang="en-GB" sz="1000" b="1" dirty="0" smtClean="0"/>
-              <a:t>OAP0</a:t>
-            </a:r>
-            <a:endParaRPr lang="en-GB" sz="1000" b="1" dirty="0"/>
-          </a:p>
-        </p:txBody>
-      </p:sp>
-      <p:sp>
-        <p:nvSpPr>
-          <p:cNvPr id="26" name="ZoneTexte 25"/>
-          <p:cNvSpPr txBox="1"/>
-          <p:nvPr/>
-        </p:nvSpPr>
-        <p:spPr>
-          <a:xfrm>
-            <a:off x="211062" y="2728472"/>
-            <a:ext cx="482824" cy="246221"/>
-          </a:xfrm>
-          <a:prstGeom prst="rect">
-            <a:avLst/>
-          </a:prstGeom>
-          <a:noFill/>
-        </p:spPr>
-        <p:txBody>
-          <a:bodyPr wrap="none" rtlCol="0">
-            <a:spAutoFit/>
-          </a:bodyPr>
-          <a:lstStyle/>
-          <a:p>
-            <a:r>
-              <a:rPr lang="en-GB" sz="1000" b="1" dirty="0" smtClean="0"/>
-              <a:t>OAP1</a:t>
-            </a:r>
-            <a:endParaRPr lang="en-GB" sz="1000" b="1" dirty="0"/>
-          </a:p>
-        </p:txBody>
-      </p:sp>
-      <p:sp>
-        <p:nvSpPr>
-          <p:cNvPr id="27" name="ZoneTexte 26"/>
-          <p:cNvSpPr txBox="1"/>
-          <p:nvPr/>
-        </p:nvSpPr>
-        <p:spPr>
-          <a:xfrm>
-            <a:off x="1343611" y="3259960"/>
-            <a:ext cx="619080" cy="400110"/>
-          </a:xfrm>
-          <a:prstGeom prst="rect">
-            <a:avLst/>
-          </a:prstGeom>
-          <a:noFill/>
-        </p:spPr>
-        <p:txBody>
-          <a:bodyPr wrap="none" rtlCol="0">
-            <a:spAutoFit/>
-          </a:bodyPr>
-          <a:lstStyle/>
-          <a:p>
-            <a:r>
-              <a:rPr lang="en-GB" sz="1000" b="1" dirty="0" smtClean="0"/>
-              <a:t>Folding </a:t>
-            </a:r>
-          </a:p>
-          <a:p>
-            <a:r>
-              <a:rPr lang="en-GB" sz="1000" b="1" dirty="0" smtClean="0"/>
-              <a:t>mirror 1</a:t>
-            </a:r>
-            <a:endParaRPr lang="en-GB" sz="1000" b="1" dirty="0"/>
-          </a:p>
-        </p:txBody>
-      </p:sp>
-      <p:sp>
-        <p:nvSpPr>
-          <p:cNvPr id="28" name="ZoneTexte 27"/>
-          <p:cNvSpPr txBox="1"/>
-          <p:nvPr/>
-        </p:nvSpPr>
-        <p:spPr>
-          <a:xfrm>
-            <a:off x="901823" y="5330862"/>
-            <a:ext cx="883575" cy="246221"/>
-          </a:xfrm>
-          <a:prstGeom prst="rect">
-            <a:avLst/>
-          </a:prstGeom>
-          <a:noFill/>
-        </p:spPr>
-        <p:txBody>
-          <a:bodyPr wrap="none" rtlCol="0">
-            <a:spAutoFit/>
-          </a:bodyPr>
-          <a:lstStyle/>
-          <a:p>
-            <a:r>
-              <a:rPr lang="en-GB" sz="1000" b="1" dirty="0" smtClean="0"/>
-              <a:t>Paraxial lens</a:t>
-            </a:r>
-            <a:endParaRPr lang="en-GB" sz="1000" b="1" dirty="0"/>
-          </a:p>
-        </p:txBody>
-      </p:sp>
-      <p:sp>
-        <p:nvSpPr>
-          <p:cNvPr id="29" name="ZoneTexte 28"/>
-          <p:cNvSpPr txBox="1"/>
-          <p:nvPr/>
-        </p:nvSpPr>
-        <p:spPr>
-          <a:xfrm>
-            <a:off x="1962691" y="5704445"/>
-            <a:ext cx="962123" cy="400110"/>
-          </a:xfrm>
-          <a:prstGeom prst="rect">
-            <a:avLst/>
-          </a:prstGeom>
-          <a:noFill/>
-        </p:spPr>
-        <p:txBody>
-          <a:bodyPr wrap="none" rtlCol="0">
-            <a:spAutoFit/>
-          </a:bodyPr>
-          <a:lstStyle/>
-          <a:p>
-            <a:pPr algn="ctr"/>
-            <a:r>
-              <a:rPr lang="en-GB" sz="1000" b="1" dirty="0" smtClean="0"/>
-              <a:t>TT modulation</a:t>
-            </a:r>
-          </a:p>
-          <a:p>
-            <a:pPr algn="ctr"/>
-            <a:r>
-              <a:rPr lang="en-GB" sz="1000" b="1" dirty="0" smtClean="0"/>
-              <a:t>mirror</a:t>
-            </a:r>
-            <a:endParaRPr lang="en-GB" sz="1000" b="1" dirty="0"/>
-          </a:p>
-        </p:txBody>
-      </p:sp>
-      <p:sp>
-        <p:nvSpPr>
-          <p:cNvPr id="30" name="ZoneTexte 29"/>
-          <p:cNvSpPr txBox="1"/>
-          <p:nvPr/>
-        </p:nvSpPr>
-        <p:spPr>
-          <a:xfrm>
-            <a:off x="2041239" y="2623852"/>
-            <a:ext cx="721672" cy="246221"/>
-          </a:xfrm>
-          <a:prstGeom prst="rect">
-            <a:avLst/>
-          </a:prstGeom>
-          <a:noFill/>
-        </p:spPr>
-        <p:txBody>
-          <a:bodyPr wrap="none" rtlCol="0">
-            <a:spAutoFit/>
-          </a:bodyPr>
-          <a:lstStyle/>
-          <a:p>
-            <a:r>
-              <a:rPr lang="en-GB" sz="1000" b="1" dirty="0" smtClean="0"/>
-              <a:t>Relay lens</a:t>
-            </a:r>
-            <a:endParaRPr lang="en-GB" sz="1000" b="1" dirty="0"/>
-          </a:p>
-        </p:txBody>
-      </p:sp>
-      <p:sp>
-        <p:nvSpPr>
-          <p:cNvPr id="31" name="ZoneTexte 30"/>
-          <p:cNvSpPr txBox="1"/>
-          <p:nvPr/>
-        </p:nvSpPr>
-        <p:spPr>
-          <a:xfrm>
-            <a:off x="2041239" y="2303558"/>
-            <a:ext cx="881973" cy="246221"/>
-          </a:xfrm>
-          <a:prstGeom prst="rect">
-            <a:avLst/>
-          </a:prstGeom>
-          <a:noFill/>
-        </p:spPr>
-        <p:txBody>
-          <a:bodyPr wrap="none" rtlCol="0">
-            <a:spAutoFit/>
-          </a:bodyPr>
-          <a:lstStyle/>
-          <a:p>
-            <a:r>
-              <a:rPr lang="en-GB" sz="1000" b="1" dirty="0" smtClean="0"/>
-              <a:t>CCD detector</a:t>
-            </a:r>
-            <a:endParaRPr lang="en-GB" sz="1000" b="1" dirty="0"/>
-          </a:p>
-        </p:txBody>
-      </p:sp>
       <p:pic>
         <p:nvPicPr>
-          <p:cNvPr id="32" name="Image 31"/>
+          <p:cNvPr id="3" name="Image 2"/>
           <p:cNvPicPr>
             <a:picLocks noChangeAspect="1"/>
           </p:cNvPicPr>
@@ -11401,23 +11466,439 @@
         </p:blipFill>
         <p:spPr>
           <a:xfrm>
-            <a:off x="3506237" y="5330862"/>
-            <a:ext cx="4647060" cy="548730"/>
+            <a:off x="7810501" y="7362825"/>
+            <a:ext cx="3728458" cy="421044"/>
           </a:xfrm>
           <a:prstGeom prst="rect">
             <a:avLst/>
           </a:prstGeom>
         </p:spPr>
       </p:pic>
-      <p:sp>
-        <p:nvSpPr>
-          <p:cNvPr id="33" name="ZoneTexte 32"/>
-          <p:cNvSpPr txBox="1"/>
-          <p:nvPr/>
-        </p:nvSpPr>
-        <p:spPr>
-          <a:xfrm>
-            <a:off x="2513081" y="3539928"/>
+      <p:pic>
+        <p:nvPicPr>
+          <p:cNvPr id="7" name="Image 6"/>
+          <p:cNvPicPr>
+            <a:picLocks noChangeAspect="1"/>
+          </p:cNvPicPr>
+          <p:nvPr/>
+        </p:nvPicPr>
+        <p:blipFill>
+          <a:blip r:embed="rId4"/>
+          <a:stretch>
+            <a:fillRect/>
+          </a:stretch>
+        </p:blipFill>
+        <p:spPr>
+          <a:xfrm>
+            <a:off x="3790951" y="7238155"/>
+            <a:ext cx="2571750" cy="545713"/>
+          </a:xfrm>
+          <a:prstGeom prst="rect">
+            <a:avLst/>
+          </a:prstGeom>
+        </p:spPr>
+      </p:pic>
+      <p:pic>
+        <p:nvPicPr>
+          <p:cNvPr id="9" name="Image 8"/>
+          <p:cNvPicPr>
+            <a:picLocks noChangeAspect="1"/>
+          </p:cNvPicPr>
+          <p:nvPr/>
+        </p:nvPicPr>
+        <p:blipFill>
+          <a:blip r:embed="rId5"/>
+          <a:stretch>
+            <a:fillRect/>
+          </a:stretch>
+        </p:blipFill>
+        <p:spPr>
+          <a:xfrm>
+            <a:off x="361950" y="-392842"/>
+            <a:ext cx="11215687" cy="2661233"/>
+          </a:xfrm>
+          <a:prstGeom prst="rect">
+            <a:avLst/>
+          </a:prstGeom>
+        </p:spPr>
+      </p:pic>
+      <p:sp>
+        <p:nvSpPr>
+          <p:cNvPr id="10" name="ZoneTexte 9"/>
+          <p:cNvSpPr txBox="1"/>
+          <p:nvPr/>
+        </p:nvSpPr>
+        <p:spPr>
+          <a:xfrm>
+            <a:off x="519096" y="6090822"/>
+            <a:ext cx="766555" cy="553998"/>
+          </a:xfrm>
+          <a:prstGeom prst="rect">
+            <a:avLst/>
+          </a:prstGeom>
+          <a:noFill/>
+        </p:spPr>
+        <p:txBody>
+          <a:bodyPr wrap="none" rtlCol="0">
+            <a:spAutoFit/>
+          </a:bodyPr>
+          <a:lstStyle/>
+          <a:p>
+            <a:pPr algn="ctr"/>
+            <a:r>
+              <a:rPr lang="en-GB" sz="1000" b="1" dirty="0" smtClean="0"/>
+              <a:t>Telescope</a:t>
+            </a:r>
+          </a:p>
+          <a:p>
+            <a:pPr algn="ctr"/>
+            <a:r>
+              <a:rPr lang="en-GB" sz="1000" b="1" dirty="0"/>
+              <a:t>f</a:t>
+            </a:r>
+            <a:r>
+              <a:rPr lang="en-GB" sz="1000" b="1" dirty="0" smtClean="0"/>
+              <a:t>ocal plane</a:t>
+            </a:r>
+          </a:p>
+          <a:p>
+            <a:pPr algn="ctr"/>
+            <a:r>
+              <a:rPr lang="en-GB" sz="1000" b="1" dirty="0" smtClean="0"/>
+              <a:t>(FoV = 1’)</a:t>
+            </a:r>
+            <a:endParaRPr lang="en-GB" sz="1000" b="1" dirty="0"/>
+          </a:p>
+        </p:txBody>
+      </p:sp>
+      <p:sp>
+        <p:nvSpPr>
+          <p:cNvPr id="11" name="ZoneTexte 10"/>
+          <p:cNvSpPr txBox="1"/>
+          <p:nvPr/>
+        </p:nvSpPr>
+        <p:spPr>
+          <a:xfrm>
+            <a:off x="1408196" y="6317164"/>
+            <a:ext cx="881972" cy="553998"/>
+          </a:xfrm>
+          <a:prstGeom prst="rect">
+            <a:avLst/>
+          </a:prstGeom>
+          <a:noFill/>
+        </p:spPr>
+        <p:txBody>
+          <a:bodyPr wrap="none" rtlCol="0">
+            <a:spAutoFit/>
+          </a:bodyPr>
+          <a:lstStyle/>
+          <a:p>
+            <a:pPr algn="ctr"/>
+            <a:r>
+              <a:rPr lang="en-GB" sz="1000" b="1" dirty="0" smtClean="0"/>
+              <a:t>Intermediate</a:t>
+            </a:r>
+          </a:p>
+          <a:p>
+            <a:pPr algn="ctr"/>
+            <a:r>
+              <a:rPr lang="en-GB" sz="1000" b="1" dirty="0"/>
+              <a:t>f</a:t>
+            </a:r>
+            <a:r>
+              <a:rPr lang="en-GB" sz="1000" b="1" dirty="0" smtClean="0"/>
+              <a:t>ocal plane</a:t>
+            </a:r>
+          </a:p>
+          <a:p>
+            <a:pPr algn="ctr"/>
+            <a:r>
+              <a:rPr lang="en-GB" sz="1000" b="1" dirty="0" smtClean="0"/>
+              <a:t>(FoV = 1’)</a:t>
+            </a:r>
+            <a:endParaRPr lang="en-GB" sz="1000" b="1" dirty="0"/>
+          </a:p>
+        </p:txBody>
+      </p:sp>
+      <p:sp>
+        <p:nvSpPr>
+          <p:cNvPr id="12" name="ZoneTexte 11"/>
+          <p:cNvSpPr txBox="1"/>
+          <p:nvPr/>
+        </p:nvSpPr>
+        <p:spPr>
+          <a:xfrm>
+            <a:off x="519096" y="5488001"/>
+            <a:ext cx="377026" cy="246221"/>
+          </a:xfrm>
+          <a:prstGeom prst="rect">
+            <a:avLst/>
+          </a:prstGeom>
+          <a:noFill/>
+        </p:spPr>
+        <p:txBody>
+          <a:bodyPr wrap="none" rtlCol="0">
+            <a:spAutoFit/>
+          </a:bodyPr>
+          <a:lstStyle/>
+          <a:p>
+            <a:r>
+              <a:rPr lang="en-GB" sz="1000" b="1" dirty="0" smtClean="0"/>
+              <a:t>DM</a:t>
+            </a:r>
+            <a:endParaRPr lang="en-GB" sz="1000" b="1" dirty="0"/>
+          </a:p>
+        </p:txBody>
+      </p:sp>
+      <p:sp>
+        <p:nvSpPr>
+          <p:cNvPr id="13" name="ZoneTexte 12"/>
+          <p:cNvSpPr txBox="1"/>
+          <p:nvPr/>
+        </p:nvSpPr>
+        <p:spPr>
+          <a:xfrm>
+            <a:off x="2539620" y="5930767"/>
+            <a:ext cx="482824" cy="246221"/>
+          </a:xfrm>
+          <a:prstGeom prst="rect">
+            <a:avLst/>
+          </a:prstGeom>
+          <a:noFill/>
+        </p:spPr>
+        <p:txBody>
+          <a:bodyPr wrap="none" rtlCol="0">
+            <a:spAutoFit/>
+          </a:bodyPr>
+          <a:lstStyle/>
+          <a:p>
+            <a:r>
+              <a:rPr lang="en-GB" sz="1000" b="1" dirty="0" smtClean="0"/>
+              <a:t>OAP0</a:t>
+            </a:r>
+            <a:endParaRPr lang="en-GB" sz="1000" b="1" dirty="0"/>
+          </a:p>
+        </p:txBody>
+      </p:sp>
+      <p:sp>
+        <p:nvSpPr>
+          <p:cNvPr id="14" name="ZoneTexte 13"/>
+          <p:cNvSpPr txBox="1"/>
+          <p:nvPr/>
+        </p:nvSpPr>
+        <p:spPr>
+          <a:xfrm>
+            <a:off x="991497" y="5016136"/>
+            <a:ext cx="482824" cy="246221"/>
+          </a:xfrm>
+          <a:prstGeom prst="rect">
+            <a:avLst/>
+          </a:prstGeom>
+          <a:noFill/>
+        </p:spPr>
+        <p:txBody>
+          <a:bodyPr wrap="none" rtlCol="0">
+            <a:spAutoFit/>
+          </a:bodyPr>
+          <a:lstStyle/>
+          <a:p>
+            <a:r>
+              <a:rPr lang="en-GB" sz="1000" b="1" dirty="0" smtClean="0"/>
+              <a:t>OAP1</a:t>
+            </a:r>
+            <a:endParaRPr lang="en-GB" sz="1000" b="1" dirty="0"/>
+          </a:p>
+        </p:txBody>
+      </p:sp>
+      <p:sp>
+        <p:nvSpPr>
+          <p:cNvPr id="15" name="ZoneTexte 14"/>
+          <p:cNvSpPr txBox="1"/>
+          <p:nvPr/>
+        </p:nvSpPr>
+        <p:spPr>
+          <a:xfrm>
+            <a:off x="2058559" y="5411057"/>
+            <a:ext cx="619080" cy="400110"/>
+          </a:xfrm>
+          <a:prstGeom prst="rect">
+            <a:avLst/>
+          </a:prstGeom>
+          <a:noFill/>
+        </p:spPr>
+        <p:txBody>
+          <a:bodyPr wrap="none" rtlCol="0">
+            <a:spAutoFit/>
+          </a:bodyPr>
+          <a:lstStyle/>
+          <a:p>
+            <a:r>
+              <a:rPr lang="en-GB" sz="1000" b="1" dirty="0" smtClean="0"/>
+              <a:t>Folding </a:t>
+            </a:r>
+          </a:p>
+          <a:p>
+            <a:r>
+              <a:rPr lang="en-GB" sz="1000" b="1" dirty="0" smtClean="0"/>
+              <a:t>mirror 1</a:t>
+            </a:r>
+            <a:endParaRPr lang="en-GB" sz="1000" b="1" dirty="0"/>
+          </a:p>
+        </p:txBody>
+      </p:sp>
+      <p:sp>
+        <p:nvSpPr>
+          <p:cNvPr id="16" name="ZoneTexte 15"/>
+          <p:cNvSpPr txBox="1"/>
+          <p:nvPr/>
+        </p:nvSpPr>
+        <p:spPr>
+          <a:xfrm>
+            <a:off x="1863108" y="6865974"/>
+            <a:ext cx="883575" cy="246221"/>
+          </a:xfrm>
+          <a:prstGeom prst="rect">
+            <a:avLst/>
+          </a:prstGeom>
+          <a:noFill/>
+        </p:spPr>
+        <p:txBody>
+          <a:bodyPr wrap="none" rtlCol="0">
+            <a:spAutoFit/>
+          </a:bodyPr>
+          <a:lstStyle/>
+          <a:p>
+            <a:r>
+              <a:rPr lang="en-GB" sz="1000" b="1" dirty="0" smtClean="0"/>
+              <a:t>Paraxial lens</a:t>
+            </a:r>
+            <a:endParaRPr lang="en-GB" sz="1000" b="1" dirty="0"/>
+          </a:p>
+        </p:txBody>
+      </p:sp>
+      <p:sp>
+        <p:nvSpPr>
+          <p:cNvPr id="17" name="ZoneTexte 16"/>
+          <p:cNvSpPr txBox="1"/>
+          <p:nvPr/>
+        </p:nvSpPr>
+        <p:spPr>
+          <a:xfrm>
+            <a:off x="2058559" y="7295914"/>
+            <a:ext cx="962123" cy="400110"/>
+          </a:xfrm>
+          <a:prstGeom prst="rect">
+            <a:avLst/>
+          </a:prstGeom>
+          <a:noFill/>
+        </p:spPr>
+        <p:txBody>
+          <a:bodyPr wrap="none" rtlCol="0">
+            <a:spAutoFit/>
+          </a:bodyPr>
+          <a:lstStyle/>
+          <a:p>
+            <a:pPr algn="ctr"/>
+            <a:r>
+              <a:rPr lang="en-GB" sz="1000" b="1" dirty="0" smtClean="0"/>
+              <a:t>TT modulation</a:t>
+            </a:r>
+          </a:p>
+          <a:p>
+            <a:pPr algn="ctr"/>
+            <a:r>
+              <a:rPr lang="en-GB" sz="1000" b="1" dirty="0" smtClean="0"/>
+              <a:t>mirror</a:t>
+            </a:r>
+            <a:endParaRPr lang="en-GB" sz="1000" b="1" dirty="0"/>
+          </a:p>
+        </p:txBody>
+      </p:sp>
+      <p:sp>
+        <p:nvSpPr>
+          <p:cNvPr id="20" name="ZoneTexte 19"/>
+          <p:cNvSpPr txBox="1"/>
+          <p:nvPr/>
+        </p:nvSpPr>
+        <p:spPr>
+          <a:xfrm>
+            <a:off x="2072252" y="7034542"/>
+            <a:ext cx="784189" cy="338554"/>
+          </a:xfrm>
+          <a:prstGeom prst="rect">
+            <a:avLst/>
+          </a:prstGeom>
+          <a:noFill/>
+        </p:spPr>
+        <p:txBody>
+          <a:bodyPr wrap="none" rtlCol="0">
+            <a:spAutoFit/>
+          </a:bodyPr>
+          <a:lstStyle/>
+          <a:p>
+            <a:pPr algn="ctr"/>
+            <a:r>
+              <a:rPr lang="en-GB" sz="1000" b="1" dirty="0" smtClean="0"/>
+              <a:t>ADC</a:t>
+            </a:r>
+          </a:p>
+          <a:p>
+            <a:pPr algn="ctr"/>
+            <a:r>
+              <a:rPr lang="en-GB" sz="600" b="1" dirty="0" smtClean="0"/>
+              <a:t>compound prism 1</a:t>
+            </a:r>
+            <a:endParaRPr lang="en-GB" sz="600" b="1" dirty="0"/>
+          </a:p>
+        </p:txBody>
+      </p:sp>
+      <p:sp>
+        <p:nvSpPr>
+          <p:cNvPr id="21" name="ZoneTexte 20"/>
+          <p:cNvSpPr txBox="1"/>
+          <p:nvPr/>
+        </p:nvSpPr>
+        <p:spPr>
+          <a:xfrm>
+            <a:off x="2955827" y="6899601"/>
+            <a:ext cx="784189" cy="338554"/>
+          </a:xfrm>
+          <a:prstGeom prst="rect">
+            <a:avLst/>
+          </a:prstGeom>
+          <a:noFill/>
+        </p:spPr>
+        <p:txBody>
+          <a:bodyPr wrap="none" rtlCol="0">
+            <a:spAutoFit/>
+          </a:bodyPr>
+          <a:lstStyle/>
+          <a:p>
+            <a:pPr algn="ctr"/>
+            <a:r>
+              <a:rPr lang="en-GB" sz="1000" b="1" dirty="0" smtClean="0"/>
+              <a:t>ADC</a:t>
+            </a:r>
+          </a:p>
+          <a:p>
+            <a:pPr algn="ctr"/>
+            <a:r>
+              <a:rPr lang="en-GB" sz="600" b="1" dirty="0" smtClean="0"/>
+              <a:t>compound prism 2</a:t>
+            </a:r>
+            <a:endParaRPr lang="en-GB" sz="600" b="1" dirty="0"/>
+          </a:p>
+        </p:txBody>
+      </p:sp>
+      <p:sp>
+        <p:nvSpPr>
+          <p:cNvPr id="22" name="ZoneTexte 21"/>
+          <p:cNvSpPr txBox="1"/>
+          <p:nvPr/>
+        </p:nvSpPr>
+        <p:spPr>
+          <a:xfrm>
+            <a:off x="2310332" y="5076991"/>
             <a:ext cx="910827" cy="246221"/>
           </a:xfrm>
           <a:prstGeom prst="rect">
@@ -11431,7 +11912,6 @@
           </a:bodyPr>
           <a:lstStyle/>
           <a:p>
-            <a:pPr algn="ctr"/>
             <a:r>
               <a:rPr lang="en-GB" sz="1000" b="1" dirty="0" smtClean="0"/>
               <a:t>Pyramid apex</a:t>
@@ -11443,7 +11923,7 @@
     </p:spTree>
     <p:extLst>
       <p:ext uri="{BB962C8B-B14F-4D97-AF65-F5344CB8AC3E}">
-        <p14:creationId xmlns:p14="http://schemas.microsoft.com/office/powerpoint/2010/main" val="2515465048"/>
+        <p14:creationId xmlns:p14="http://schemas.microsoft.com/office/powerpoint/2010/main" val="2562911443"/>
       </p:ext>
     </p:extLst>
   </p:cSld>

--- a/20180518_AO_design_report/images/images_sketch.pptx
+++ b/20180518_AO_design_report/images/images_sketch.pptx
@@ -232,7 +232,7 @@
           <a:p>
             <a:fld id="{8EDEE2E2-4BE4-41CA-94FC-BC9DC2A64380}" type="datetimeFigureOut">
               <a:rPr lang="en-GB" smtClean="0"/>
-              <a:t>07/06/2018</a:t>
+              <a:t>08/06/2018</a:t>
             </a:fld>
             <a:endParaRPr lang="en-GB"/>
           </a:p>
@@ -631,7 +631,7 @@
           <a:p>
             <a:fld id="{24AF4860-EF53-429F-9816-8C3FCB6EDEF9}" type="datetimeFigureOut">
               <a:rPr lang="en-GB" smtClean="0"/>
-              <a:t>07/06/2018</a:t>
+              <a:t>08/06/2018</a:t>
             </a:fld>
             <a:endParaRPr lang="en-GB"/>
           </a:p>
@@ -801,7 +801,7 @@
           <a:p>
             <a:fld id="{24AF4860-EF53-429F-9816-8C3FCB6EDEF9}" type="datetimeFigureOut">
               <a:rPr lang="en-GB" smtClean="0"/>
-              <a:t>07/06/2018</a:t>
+              <a:t>08/06/2018</a:t>
             </a:fld>
             <a:endParaRPr lang="en-GB"/>
           </a:p>
@@ -981,7 +981,7 @@
           <a:p>
             <a:fld id="{24AF4860-EF53-429F-9816-8C3FCB6EDEF9}" type="datetimeFigureOut">
               <a:rPr lang="en-GB" smtClean="0"/>
-              <a:t>07/06/2018</a:t>
+              <a:t>08/06/2018</a:t>
             </a:fld>
             <a:endParaRPr lang="en-GB"/>
           </a:p>
@@ -1151,7 +1151,7 @@
           <a:p>
             <a:fld id="{24AF4860-EF53-429F-9816-8C3FCB6EDEF9}" type="datetimeFigureOut">
               <a:rPr lang="en-GB" smtClean="0"/>
-              <a:t>07/06/2018</a:t>
+              <a:t>08/06/2018</a:t>
             </a:fld>
             <a:endParaRPr lang="en-GB"/>
           </a:p>
@@ -1397,7 +1397,7 @@
           <a:p>
             <a:fld id="{24AF4860-EF53-429F-9816-8C3FCB6EDEF9}" type="datetimeFigureOut">
               <a:rPr lang="en-GB" smtClean="0"/>
-              <a:t>07/06/2018</a:t>
+              <a:t>08/06/2018</a:t>
             </a:fld>
             <a:endParaRPr lang="en-GB"/>
           </a:p>
@@ -1629,7 +1629,7 @@
           <a:p>
             <a:fld id="{24AF4860-EF53-429F-9816-8C3FCB6EDEF9}" type="datetimeFigureOut">
               <a:rPr lang="en-GB" smtClean="0"/>
-              <a:t>07/06/2018</a:t>
+              <a:t>08/06/2018</a:t>
             </a:fld>
             <a:endParaRPr lang="en-GB"/>
           </a:p>
@@ -1996,7 +1996,7 @@
           <a:p>
             <a:fld id="{24AF4860-EF53-429F-9816-8C3FCB6EDEF9}" type="datetimeFigureOut">
               <a:rPr lang="en-GB" smtClean="0"/>
-              <a:t>07/06/2018</a:t>
+              <a:t>08/06/2018</a:t>
             </a:fld>
             <a:endParaRPr lang="en-GB"/>
           </a:p>
@@ -2114,7 +2114,7 @@
           <a:p>
             <a:fld id="{24AF4860-EF53-429F-9816-8C3FCB6EDEF9}" type="datetimeFigureOut">
               <a:rPr lang="en-GB" smtClean="0"/>
-              <a:t>07/06/2018</a:t>
+              <a:t>08/06/2018</a:t>
             </a:fld>
             <a:endParaRPr lang="en-GB"/>
           </a:p>
@@ -2209,7 +2209,7 @@
           <a:p>
             <a:fld id="{24AF4860-EF53-429F-9816-8C3FCB6EDEF9}" type="datetimeFigureOut">
               <a:rPr lang="en-GB" smtClean="0"/>
-              <a:t>07/06/2018</a:t>
+              <a:t>08/06/2018</a:t>
             </a:fld>
             <a:endParaRPr lang="en-GB"/>
           </a:p>
@@ -2486,7 +2486,7 @@
           <a:p>
             <a:fld id="{24AF4860-EF53-429F-9816-8C3FCB6EDEF9}" type="datetimeFigureOut">
               <a:rPr lang="en-GB" smtClean="0"/>
-              <a:t>07/06/2018</a:t>
+              <a:t>08/06/2018</a:t>
             </a:fld>
             <a:endParaRPr lang="en-GB"/>
           </a:p>
@@ -2739,7 +2739,7 @@
           <a:p>
             <a:fld id="{24AF4860-EF53-429F-9816-8C3FCB6EDEF9}" type="datetimeFigureOut">
               <a:rPr lang="en-GB" smtClean="0"/>
-              <a:t>07/06/2018</a:t>
+              <a:t>08/06/2018</a:t>
             </a:fld>
             <a:endParaRPr lang="en-GB"/>
           </a:p>
@@ -2952,7 +2952,7 @@
           <a:p>
             <a:fld id="{24AF4860-EF53-429F-9816-8C3FCB6EDEF9}" type="datetimeFigureOut">
               <a:rPr lang="en-GB" smtClean="0"/>
-              <a:t>07/06/2018</a:t>
+              <a:t>08/06/2018</a:t>
             </a:fld>
             <a:endParaRPr lang="en-GB"/>
           </a:p>
@@ -4646,11 +4646,7 @@
           <a:p>
             <a:r>
               <a:rPr lang="en-GB" sz="1200" b="1" dirty="0" smtClean="0"/>
-              <a:t>Imaging </a:t>
-            </a:r>
-            <a:r>
-              <a:rPr lang="en-GB" sz="1200" b="1" dirty="0" smtClean="0"/>
-              <a:t>lens</a:t>
+              <a:t>Imaging lens</a:t>
             </a:r>
             <a:endParaRPr lang="en-GB" sz="1200" b="1" dirty="0"/>
           </a:p>
@@ -6523,8 +6519,8 @@
         </p:nvSpPr>
         <p:spPr>
           <a:xfrm>
-            <a:off x="6847654" y="-561958"/>
-            <a:ext cx="5362575" cy="1097520"/>
+            <a:off x="779102" y="-1348548"/>
+            <a:ext cx="10842341" cy="1097520"/>
           </a:xfrm>
           <a:prstGeom prst="rect">
             <a:avLst/>
@@ -6609,7 +6605,7 @@
       </p:sp>
       <p:pic>
         <p:nvPicPr>
-          <p:cNvPr id="39" name="Image 38"/>
+          <p:cNvPr id="44" name="Image 43"/>
           <p:cNvPicPr>
             <a:picLocks noChangeAspect="1"/>
           </p:cNvPicPr>
@@ -6623,8 +6619,8 @@
         </p:blipFill>
         <p:spPr>
           <a:xfrm>
-            <a:off x="2475816" y="-148570"/>
-            <a:ext cx="11026708" cy="7099086"/>
+            <a:off x="1317865" y="-691897"/>
+            <a:ext cx="10340981" cy="7688018"/>
           </a:xfrm>
           <a:prstGeom prst="rect">
             <a:avLst/>
@@ -6639,7 +6635,7 @@
         </p:nvSpPr>
         <p:spPr>
           <a:xfrm>
-            <a:off x="2841662" y="3866848"/>
+            <a:off x="1873068" y="4047744"/>
             <a:ext cx="996876" cy="738664"/>
           </a:xfrm>
           <a:prstGeom prst="rect">
@@ -6688,7 +6684,7 @@
         </p:nvSpPr>
         <p:spPr>
           <a:xfrm>
-            <a:off x="4621495" y="4838277"/>
+            <a:off x="4111126" y="4915753"/>
             <a:ext cx="1310423" cy="815608"/>
           </a:xfrm>
           <a:prstGeom prst="rect">
@@ -6744,7 +6740,7 @@
         </p:nvSpPr>
         <p:spPr>
           <a:xfrm>
-            <a:off x="2812250" y="2564857"/>
+            <a:off x="1800284" y="2970172"/>
             <a:ext cx="455574" cy="307777"/>
           </a:xfrm>
           <a:prstGeom prst="rect">
@@ -6774,7 +6770,7 @@
         </p:nvSpPr>
         <p:spPr>
           <a:xfrm>
-            <a:off x="6418490" y="3740979"/>
+            <a:off x="5681855" y="3881616"/>
             <a:ext cx="600614" cy="307777"/>
           </a:xfrm>
           <a:prstGeom prst="rect">
@@ -6804,7 +6800,7 @@
         </p:nvSpPr>
         <p:spPr>
           <a:xfrm>
-            <a:off x="3829594" y="1755873"/>
+            <a:off x="2869944" y="1975667"/>
             <a:ext cx="600614" cy="307777"/>
           </a:xfrm>
           <a:prstGeom prst="rect">
@@ -6834,7 +6830,7 @@
         </p:nvSpPr>
         <p:spPr>
           <a:xfrm>
-            <a:off x="5637330" y="2628780"/>
+            <a:off x="4766338" y="2929746"/>
             <a:ext cx="793230" cy="523220"/>
           </a:xfrm>
           <a:prstGeom prst="rect">
@@ -6870,7 +6866,7 @@
         </p:nvSpPr>
         <p:spPr>
           <a:xfrm>
-            <a:off x="5178574" y="5702632"/>
+            <a:off x="4820150" y="5797660"/>
             <a:ext cx="1120820" cy="307777"/>
           </a:xfrm>
           <a:prstGeom prst="rect">
@@ -6900,7 +6896,7 @@
         </p:nvSpPr>
         <p:spPr>
           <a:xfrm>
-            <a:off x="6775433" y="6337778"/>
+            <a:off x="6633177" y="6491498"/>
             <a:ext cx="1268809" cy="523220"/>
           </a:xfrm>
           <a:prstGeom prst="rect">
@@ -6938,7 +6934,7 @@
         </p:nvSpPr>
         <p:spPr>
           <a:xfrm>
-            <a:off x="7791055" y="2698856"/>
+            <a:off x="6998452" y="2060639"/>
             <a:ext cx="1337803" cy="307777"/>
           </a:xfrm>
           <a:prstGeom prst="rect">
@@ -6969,7 +6965,7 @@
         </p:nvSpPr>
         <p:spPr>
           <a:xfrm>
-            <a:off x="8308977" y="1531665"/>
+            <a:off x="7094374" y="1091869"/>
             <a:ext cx="930576" cy="307777"/>
           </a:xfrm>
           <a:prstGeom prst="rect">
@@ -7000,7 +6996,7 @@
         </p:nvSpPr>
         <p:spPr>
           <a:xfrm>
-            <a:off x="7855775" y="314552"/>
+            <a:off x="6670634" y="-279728"/>
             <a:ext cx="815929" cy="523220"/>
           </a:xfrm>
           <a:prstGeom prst="rect">
@@ -7038,7 +7034,7 @@
         </p:nvSpPr>
         <p:spPr>
           <a:xfrm>
-            <a:off x="3967736" y="4050642"/>
+            <a:off x="3381321" y="4348002"/>
             <a:ext cx="793230" cy="523220"/>
           </a:xfrm>
           <a:prstGeom prst="rect">
@@ -7074,7 +7070,7 @@
         </p:nvSpPr>
         <p:spPr>
           <a:xfrm>
-            <a:off x="5443880" y="6137723"/>
+            <a:off x="5329574" y="6172075"/>
             <a:ext cx="1180130" cy="461665"/>
           </a:xfrm>
           <a:prstGeom prst="rect">
@@ -7112,7 +7108,7 @@
         </p:nvSpPr>
         <p:spPr>
           <a:xfrm>
-            <a:off x="6918646" y="5838003"/>
+            <a:off x="6677516" y="5971200"/>
             <a:ext cx="1180130" cy="461665"/>
           </a:xfrm>
           <a:prstGeom prst="rect">
@@ -7149,8 +7145,8 @@
           <p:nvPr/>
         </p:nvGrpSpPr>
         <p:grpSpPr>
-          <a:xfrm>
-            <a:off x="7536986" y="2715526"/>
+          <a:xfrm rot="20909176">
+            <a:off x="6746544" y="2261821"/>
             <a:ext cx="290214" cy="191292"/>
             <a:chOff x="9574923" y="2683345"/>
             <a:chExt cx="290214" cy="191292"/>
@@ -7303,13 +7299,13 @@
         </p:nvCxnSpPr>
         <p:spPr>
           <a:xfrm>
-            <a:off x="6437703" y="6223581"/>
-            <a:ext cx="46440" cy="80849"/>
+            <a:off x="6236029" y="6280499"/>
+            <a:ext cx="46440" cy="101517"/>
           </a:xfrm>
           <a:prstGeom prst="line">
             <a:avLst/>
           </a:prstGeom>
-          <a:ln>
+          <a:ln w="12700">
             <a:solidFill>
               <a:schemeClr val="tx1"/>
             </a:solidFill>
@@ -7338,13 +7334,13 @@
         </p:nvCxnSpPr>
         <p:spPr>
           <a:xfrm>
-            <a:off x="6577570" y="6155788"/>
-            <a:ext cx="46440" cy="80849"/>
+            <a:off x="6361695" y="6193175"/>
+            <a:ext cx="56795" cy="87324"/>
           </a:xfrm>
           <a:prstGeom prst="line">
             <a:avLst/>
           </a:prstGeom>
-          <a:ln>
+          <a:ln w="12700">
             <a:solidFill>
               <a:schemeClr val="tx1"/>
             </a:solidFill>
@@ -7372,14 +7368,14 @@
           <p:nvPr/>
         </p:nvCxnSpPr>
         <p:spPr>
-          <a:xfrm flipH="1">
-            <a:off x="6858000" y="6124909"/>
-            <a:ext cx="28575" cy="102182"/>
+          <a:xfrm flipV="1">
+            <a:off x="6684734" y="6101254"/>
+            <a:ext cx="4949" cy="123837"/>
           </a:xfrm>
           <a:prstGeom prst="line">
             <a:avLst/>
           </a:prstGeom>
-          <a:ln>
+          <a:ln w="12700">
             <a:solidFill>
               <a:schemeClr val="tx1"/>
             </a:solidFill>
@@ -7408,13 +7404,13 @@
         </p:nvCxnSpPr>
         <p:spPr>
           <a:xfrm flipH="1">
-            <a:off x="6712429" y="6082013"/>
-            <a:ext cx="28575" cy="102182"/>
+            <a:off x="6523516" y="6095236"/>
+            <a:ext cx="8224" cy="106796"/>
           </a:xfrm>
           <a:prstGeom prst="line">
             <a:avLst/>
           </a:prstGeom>
-          <a:ln>
+          <a:ln w="12700">
             <a:solidFill>
               <a:schemeClr val="tx1"/>
             </a:solidFill>
@@ -7442,9 +7438,9 @@
           <p:nvPr/>
         </p:nvCxnSpPr>
         <p:spPr>
-          <a:xfrm flipV="1">
-            <a:off x="2475816" y="7475851"/>
-            <a:ext cx="6431296" cy="1442"/>
+          <a:xfrm>
+            <a:off x="1435134" y="7005160"/>
+            <a:ext cx="6950626" cy="31165"/>
           </a:xfrm>
           <a:prstGeom prst="straightConnector1">
             <a:avLst/>
@@ -7474,23 +7470,128 @@
       </p:cxnSp>
       <p:sp>
         <p:nvSpPr>
-          <p:cNvPr id="40" name="Rectangle 39"/>
+          <p:cNvPr id="43" name="ZoneTexte 42"/>
+          <p:cNvSpPr txBox="1"/>
+          <p:nvPr/>
+        </p:nvSpPr>
+        <p:spPr>
+          <a:xfrm>
+            <a:off x="4821076" y="6679343"/>
+            <a:ext cx="461986" cy="307777"/>
+          </a:xfrm>
+          <a:prstGeom prst="rect">
+            <a:avLst/>
+          </a:prstGeom>
+          <a:noFill/>
+        </p:spPr>
+        <p:txBody>
+          <a:bodyPr wrap="none" rtlCol="0">
+            <a:spAutoFit/>
+          </a:bodyPr>
+          <a:lstStyle/>
+          <a:p>
+            <a:r>
+              <a:rPr lang="en-GB" sz="1400" b="1" dirty="0" smtClean="0"/>
+              <a:t>1 m</a:t>
+            </a:r>
+            <a:endParaRPr lang="en-GB" sz="1400" b="1" dirty="0"/>
+          </a:p>
+        </p:txBody>
+      </p:sp>
+      <p:sp>
+        <p:nvSpPr>
+          <p:cNvPr id="48" name="ZoneTexte 47"/>
+          <p:cNvSpPr txBox="1"/>
+          <p:nvPr/>
+        </p:nvSpPr>
+        <p:spPr>
+          <a:xfrm>
+            <a:off x="7069769" y="4009681"/>
+            <a:ext cx="936988" cy="307777"/>
+          </a:xfrm>
+          <a:prstGeom prst="rect">
+            <a:avLst/>
+          </a:prstGeom>
+          <a:noFill/>
+        </p:spPr>
+        <p:txBody>
+          <a:bodyPr wrap="none" rtlCol="0">
+            <a:spAutoFit/>
+          </a:bodyPr>
+          <a:lstStyle/>
+          <a:p>
+            <a:pPr algn="ctr"/>
+            <a:r>
+              <a:rPr lang="en-GB" sz="1400" b="1" i="1" dirty="0" smtClean="0">
+                <a:solidFill>
+                  <a:srgbClr val="FF0000"/>
+                </a:solidFill>
+              </a:rPr>
+              <a:t>To science</a:t>
+            </a:r>
+            <a:endParaRPr lang="en-GB" sz="1400" b="1" i="1" dirty="0">
+              <a:solidFill>
+                <a:srgbClr val="FF0000"/>
+              </a:solidFill>
+            </a:endParaRPr>
+          </a:p>
+        </p:txBody>
+      </p:sp>
+      <p:cxnSp>
+        <p:nvCxnSpPr>
+          <p:cNvPr id="50" name="Connecteur droit avec flèche 49"/>
+          <p:cNvCxnSpPr/>
+          <p:nvPr/>
+        </p:nvCxnSpPr>
+        <p:spPr>
+          <a:xfrm>
+            <a:off x="7363384" y="4291091"/>
+            <a:ext cx="865119" cy="0"/>
+          </a:xfrm>
+          <a:prstGeom prst="straightConnector1">
+            <a:avLst/>
+          </a:prstGeom>
+          <a:ln>
+            <a:solidFill>
+              <a:srgbClr val="FF0000"/>
+            </a:solidFill>
+            <a:tailEnd type="triangle"/>
+          </a:ln>
+        </p:spPr>
+        <p:style>
+          <a:lnRef idx="1">
+            <a:schemeClr val="accent1"/>
+          </a:lnRef>
+          <a:fillRef idx="0">
+            <a:schemeClr val="accent1"/>
+          </a:fillRef>
+          <a:effectRef idx="0">
+            <a:schemeClr val="accent1"/>
+          </a:effectRef>
+          <a:fontRef idx="minor">
+            <a:schemeClr val="tx1"/>
+          </a:fontRef>
+        </p:style>
+      </p:cxnSp>
+      <p:sp>
+        <p:nvSpPr>
+          <p:cNvPr id="2" name="Rectangle 1"/>
           <p:cNvSpPr/>
           <p:nvPr/>
         </p:nvSpPr>
         <p:spPr>
-          <a:xfrm>
-            <a:off x="1981654" y="-706767"/>
-            <a:ext cx="5362575" cy="1097520"/>
-          </a:xfrm>
-          <a:prstGeom prst="rect">
-            <a:avLst/>
-          </a:prstGeom>
-          <a:solidFill>
-            <a:schemeClr val="bg1"/>
-          </a:solidFill>
+          <a:xfrm rot="263258">
+            <a:off x="6341874" y="-757495"/>
+            <a:ext cx="1345911" cy="3217555"/>
+          </a:xfrm>
+          <a:prstGeom prst="rect">
+            <a:avLst/>
+          </a:prstGeom>
+          <a:noFill/>
           <a:ln>
-            <a:noFill/>
+            <a:solidFill>
+              <a:schemeClr val="accent1"/>
+            </a:solidFill>
           </a:ln>
         </p:spPr>
         <p:style>
@@ -7518,157 +7619,6 @@
           </a:p>
         </p:txBody>
       </p:sp>
-      <p:sp>
-        <p:nvSpPr>
-          <p:cNvPr id="43" name="ZoneTexte 42"/>
-          <p:cNvSpPr txBox="1"/>
-          <p:nvPr/>
-        </p:nvSpPr>
-        <p:spPr>
-          <a:xfrm>
-            <a:off x="5282239" y="7194469"/>
-            <a:ext cx="461986" cy="307777"/>
-          </a:xfrm>
-          <a:prstGeom prst="rect">
-            <a:avLst/>
-          </a:prstGeom>
-          <a:noFill/>
-        </p:spPr>
-        <p:txBody>
-          <a:bodyPr wrap="none" rtlCol="0">
-            <a:spAutoFit/>
-          </a:bodyPr>
-          <a:lstStyle/>
-          <a:p>
-            <a:r>
-              <a:rPr lang="en-GB" sz="1400" b="1" dirty="0" smtClean="0"/>
-              <a:t>1 m</a:t>
-            </a:r>
-            <a:endParaRPr lang="en-GB" sz="1400" b="1" dirty="0"/>
-          </a:p>
-        </p:txBody>
-      </p:sp>
-      <p:sp>
-        <p:nvSpPr>
-          <p:cNvPr id="48" name="ZoneTexte 47"/>
-          <p:cNvSpPr txBox="1"/>
-          <p:nvPr/>
-        </p:nvSpPr>
-        <p:spPr>
-          <a:xfrm>
-            <a:off x="7970124" y="3751164"/>
-            <a:ext cx="936988" cy="307777"/>
-          </a:xfrm>
-          <a:prstGeom prst="rect">
-            <a:avLst/>
-          </a:prstGeom>
-          <a:noFill/>
-        </p:spPr>
-        <p:txBody>
-          <a:bodyPr wrap="none" rtlCol="0">
-            <a:spAutoFit/>
-          </a:bodyPr>
-          <a:lstStyle/>
-          <a:p>
-            <a:pPr algn="ctr"/>
-            <a:r>
-              <a:rPr lang="en-GB" sz="1400" b="1" i="1" dirty="0" smtClean="0">
-                <a:solidFill>
-                  <a:srgbClr val="FF0000"/>
-                </a:solidFill>
-              </a:rPr>
-              <a:t>To science</a:t>
-            </a:r>
-            <a:endParaRPr lang="en-GB" sz="1400" b="1" i="1" dirty="0">
-              <a:solidFill>
-                <a:srgbClr val="FF0000"/>
-              </a:solidFill>
-            </a:endParaRPr>
-          </a:p>
-        </p:txBody>
-      </p:sp>
-      <p:cxnSp>
-        <p:nvCxnSpPr>
-          <p:cNvPr id="50" name="Connecteur droit avec flèche 49"/>
-          <p:cNvCxnSpPr/>
-          <p:nvPr/>
-        </p:nvCxnSpPr>
-        <p:spPr>
-          <a:xfrm>
-            <a:off x="8263739" y="4032574"/>
-            <a:ext cx="865119" cy="0"/>
-          </a:xfrm>
-          <a:prstGeom prst="straightConnector1">
-            <a:avLst/>
-          </a:prstGeom>
-          <a:ln>
-            <a:solidFill>
-              <a:srgbClr val="FF0000"/>
-            </a:solidFill>
-            <a:tailEnd type="triangle"/>
-          </a:ln>
-        </p:spPr>
-        <p:style>
-          <a:lnRef idx="1">
-            <a:schemeClr val="accent1"/>
-          </a:lnRef>
-          <a:fillRef idx="0">
-            <a:schemeClr val="accent1"/>
-          </a:fillRef>
-          <a:effectRef idx="0">
-            <a:schemeClr val="accent1"/>
-          </a:effectRef>
-          <a:fontRef idx="minor">
-            <a:schemeClr val="tx1"/>
-          </a:fontRef>
-        </p:style>
-      </p:cxnSp>
-      <p:sp>
-        <p:nvSpPr>
-          <p:cNvPr id="2" name="Rectangle 1"/>
-          <p:cNvSpPr/>
-          <p:nvPr/>
-        </p:nvSpPr>
-        <p:spPr>
-          <a:xfrm rot="898269">
-            <a:off x="7320883" y="-147178"/>
-            <a:ext cx="1345911" cy="3217555"/>
-          </a:xfrm>
-          <a:prstGeom prst="rect">
-            <a:avLst/>
-          </a:prstGeom>
-          <a:noFill/>
-          <a:ln>
-            <a:solidFill>
-              <a:schemeClr val="accent1"/>
-            </a:solidFill>
-          </a:ln>
-        </p:spPr>
-        <p:style>
-          <a:lnRef idx="2">
-            <a:schemeClr val="accent1">
-              <a:shade val="50000"/>
-            </a:schemeClr>
-          </a:lnRef>
-          <a:fillRef idx="1">
-            <a:schemeClr val="accent1"/>
-          </a:fillRef>
-          <a:effectRef idx="0">
-            <a:schemeClr val="accent1"/>
-          </a:effectRef>
-          <a:fontRef idx="minor">
-            <a:schemeClr val="lt1"/>
-          </a:fontRef>
-        </p:style>
-        <p:txBody>
-          <a:bodyPr rtlCol="0" anchor="ctr"/>
-          <a:lstStyle/>
-          <a:p>
-            <a:pPr algn="ctr"/>
-            <a:endParaRPr lang="en-GB"/>
-          </a:p>
-        </p:txBody>
-      </p:sp>
       <p:cxnSp>
         <p:nvCxnSpPr>
           <p:cNvPr id="4" name="Connecteur droit avec flèche 3"/>
@@ -7677,8 +7627,8 @@
         </p:nvCxnSpPr>
         <p:spPr>
           <a:xfrm flipH="1">
-            <a:off x="7146925" y="314552"/>
-            <a:ext cx="197305" cy="761773"/>
+            <a:off x="6082703" y="195670"/>
+            <a:ext cx="73121" cy="1022988"/>
           </a:xfrm>
           <a:prstGeom prst="straightConnector1">
             <a:avLst/>
@@ -7711,8 +7661,8 @@
         </p:nvCxnSpPr>
         <p:spPr>
           <a:xfrm flipH="1" flipV="1">
-            <a:off x="8166100" y="-358218"/>
-            <a:ext cx="727504" cy="180827"/>
+            <a:off x="6753411" y="-954888"/>
+            <a:ext cx="849758" cy="62900"/>
           </a:xfrm>
           <a:prstGeom prst="straightConnector1">
             <a:avLst/>
@@ -9191,11 +9141,7 @@
             </a:r>
             <a:r>
               <a:rPr lang="fr-CH" dirty="0" smtClean="0"/>
-              <a:t>= </a:t>
-            </a:r>
-            <a:r>
-              <a:rPr lang="fr-CH" dirty="0" smtClean="0"/>
-              <a:t>15°</a:t>
+              <a:t>= 15°</a:t>
             </a:r>
             <a:endParaRPr lang="en-GB" dirty="0"/>
           </a:p>
@@ -9490,11 +9436,7 @@
             </a:r>
             <a:r>
               <a:rPr lang="fr-CH" dirty="0" smtClean="0"/>
-              <a:t>= </a:t>
-            </a:r>
-            <a:r>
-              <a:rPr lang="fr-CH" dirty="0" smtClean="0"/>
-              <a:t>15°</a:t>
+              <a:t>= 15°</a:t>
             </a:r>
             <a:endParaRPr lang="en-GB" dirty="0"/>
           </a:p>
@@ -9879,8 +9821,8 @@
           </a:p>
         </p:txBody>
       </p:sp>
-      <mc:AlternateContent xmlns:mc="http://schemas.openxmlformats.org/markup-compatibility/2006">
-        <mc:Choice xmlns:a14="http://schemas.microsoft.com/office/drawing/2010/main" Requires="a14">
+      <mc:AlternateContent xmlns:mc="http://schemas.openxmlformats.org/markup-compatibility/2006" xmlns:a14="http://schemas.microsoft.com/office/drawing/2010/main">
+        <mc:Choice Requires="a14">
           <p:sp>
             <p:nvSpPr>
               <p:cNvPr id="10" name="ZoneTexte 9"/>
@@ -9925,7 +9867,7 @@
             </p:txBody>
           </p:sp>
         </mc:Choice>
-        <mc:Fallback>
+        <mc:Fallback xmlns="">
           <p:sp>
             <p:nvSpPr>
               <p:cNvPr id="10" name="ZoneTexte 9"/>
@@ -11272,8 +11214,8 @@
           </a:p>
         </p:txBody>
       </p:sp>
-      <mc:AlternateContent xmlns:mc="http://schemas.openxmlformats.org/markup-compatibility/2006">
-        <mc:Choice xmlns:a14="http://schemas.microsoft.com/office/drawing/2010/main" Requires="a14">
+      <mc:AlternateContent xmlns:mc="http://schemas.openxmlformats.org/markup-compatibility/2006" xmlns:a14="http://schemas.microsoft.com/office/drawing/2010/main">
+        <mc:Choice Requires="a14">
           <p:sp>
             <p:nvSpPr>
               <p:cNvPr id="15" name="ZoneTexte 14"/>
@@ -11318,7 +11260,7 @@
             </p:txBody>
           </p:sp>
         </mc:Choice>
-        <mc:Fallback>
+        <mc:Fallback xmlns="">
           <p:sp>
             <p:nvSpPr>
               <p:cNvPr id="15" name="ZoneTexte 14"/>
@@ -11387,11 +11329,7 @@
           <a:p>
             <a:r>
               <a:rPr lang="en-GB" sz="1400" b="1" dirty="0" smtClean="0"/>
-              <a:t>mirror </a:t>
-            </a:r>
-            <a:r>
-              <a:rPr lang="en-GB" sz="1400" b="1" dirty="0" smtClean="0"/>
-              <a:t>2</a:t>
+              <a:t>mirror 2</a:t>
             </a:r>
             <a:endParaRPr lang="en-GB" sz="1400" b="1" dirty="0"/>
           </a:p>

--- a/20180518_AO_design_report/images/images_sketch.pptx
+++ b/20180518_AO_design_report/images/images_sketch.pptx
@@ -5,7 +5,7 @@
     <p:sldMasterId id="2147483648" r:id="rId1"/>
   </p:sldMasterIdLst>
   <p:notesMasterIdLst>
-    <p:notesMasterId r:id="rId16"/>
+    <p:notesMasterId r:id="rId17"/>
   </p:notesMasterIdLst>
   <p:sldIdLst>
     <p:sldId id="256" r:id="rId2"/>
@@ -22,6 +22,7 @@
     <p:sldId id="266" r:id="rId13"/>
     <p:sldId id="267" r:id="rId14"/>
     <p:sldId id="268" r:id="rId15"/>
+    <p:sldId id="270" r:id="rId16"/>
   </p:sldIdLst>
   <p:sldSz cx="12192000" cy="6858000"/>
   <p:notesSz cx="6858000" cy="9144000"/>
@@ -139,6 +140,7 @@
             <p14:sldId id="266"/>
             <p14:sldId id="267"/>
             <p14:sldId id="268"/>
+            <p14:sldId id="270"/>
           </p14:sldIdLst>
         </p14:section>
       </p14:sectionLst>
@@ -232,7 +234,7 @@
           <a:p>
             <a:fld id="{8EDEE2E2-4BE4-41CA-94FC-BC9DC2A64380}" type="datetimeFigureOut">
               <a:rPr lang="en-GB" smtClean="0"/>
-              <a:t>08/06/2018</a:t>
+              <a:t>19/06/2018</a:t>
             </a:fld>
             <a:endParaRPr lang="en-GB"/>
           </a:p>
@@ -631,7 +633,7 @@
           <a:p>
             <a:fld id="{24AF4860-EF53-429F-9816-8C3FCB6EDEF9}" type="datetimeFigureOut">
               <a:rPr lang="en-GB" smtClean="0"/>
-              <a:t>08/06/2018</a:t>
+              <a:t>19/06/2018</a:t>
             </a:fld>
             <a:endParaRPr lang="en-GB"/>
           </a:p>
@@ -801,7 +803,7 @@
           <a:p>
             <a:fld id="{24AF4860-EF53-429F-9816-8C3FCB6EDEF9}" type="datetimeFigureOut">
               <a:rPr lang="en-GB" smtClean="0"/>
-              <a:t>08/06/2018</a:t>
+              <a:t>19/06/2018</a:t>
             </a:fld>
             <a:endParaRPr lang="en-GB"/>
           </a:p>
@@ -981,7 +983,7 @@
           <a:p>
             <a:fld id="{24AF4860-EF53-429F-9816-8C3FCB6EDEF9}" type="datetimeFigureOut">
               <a:rPr lang="en-GB" smtClean="0"/>
-              <a:t>08/06/2018</a:t>
+              <a:t>19/06/2018</a:t>
             </a:fld>
             <a:endParaRPr lang="en-GB"/>
           </a:p>
@@ -1151,7 +1153,7 @@
           <a:p>
             <a:fld id="{24AF4860-EF53-429F-9816-8C3FCB6EDEF9}" type="datetimeFigureOut">
               <a:rPr lang="en-GB" smtClean="0"/>
-              <a:t>08/06/2018</a:t>
+              <a:t>19/06/2018</a:t>
             </a:fld>
             <a:endParaRPr lang="en-GB"/>
           </a:p>
@@ -1397,7 +1399,7 @@
           <a:p>
             <a:fld id="{24AF4860-EF53-429F-9816-8C3FCB6EDEF9}" type="datetimeFigureOut">
               <a:rPr lang="en-GB" smtClean="0"/>
-              <a:t>08/06/2018</a:t>
+              <a:t>19/06/2018</a:t>
             </a:fld>
             <a:endParaRPr lang="en-GB"/>
           </a:p>
@@ -1629,7 +1631,7 @@
           <a:p>
             <a:fld id="{24AF4860-EF53-429F-9816-8C3FCB6EDEF9}" type="datetimeFigureOut">
               <a:rPr lang="en-GB" smtClean="0"/>
-              <a:t>08/06/2018</a:t>
+              <a:t>19/06/2018</a:t>
             </a:fld>
             <a:endParaRPr lang="en-GB"/>
           </a:p>
@@ -1996,7 +1998,7 @@
           <a:p>
             <a:fld id="{24AF4860-EF53-429F-9816-8C3FCB6EDEF9}" type="datetimeFigureOut">
               <a:rPr lang="en-GB" smtClean="0"/>
-              <a:t>08/06/2018</a:t>
+              <a:t>19/06/2018</a:t>
             </a:fld>
             <a:endParaRPr lang="en-GB"/>
           </a:p>
@@ -2114,7 +2116,7 @@
           <a:p>
             <a:fld id="{24AF4860-EF53-429F-9816-8C3FCB6EDEF9}" type="datetimeFigureOut">
               <a:rPr lang="en-GB" smtClean="0"/>
-              <a:t>08/06/2018</a:t>
+              <a:t>19/06/2018</a:t>
             </a:fld>
             <a:endParaRPr lang="en-GB"/>
           </a:p>
@@ -2209,7 +2211,7 @@
           <a:p>
             <a:fld id="{24AF4860-EF53-429F-9816-8C3FCB6EDEF9}" type="datetimeFigureOut">
               <a:rPr lang="en-GB" smtClean="0"/>
-              <a:t>08/06/2018</a:t>
+              <a:t>19/06/2018</a:t>
             </a:fld>
             <a:endParaRPr lang="en-GB"/>
           </a:p>
@@ -2486,7 +2488,7 @@
           <a:p>
             <a:fld id="{24AF4860-EF53-429F-9816-8C3FCB6EDEF9}" type="datetimeFigureOut">
               <a:rPr lang="en-GB" smtClean="0"/>
-              <a:t>08/06/2018</a:t>
+              <a:t>19/06/2018</a:t>
             </a:fld>
             <a:endParaRPr lang="en-GB"/>
           </a:p>
@@ -2739,7 +2741,7 @@
           <a:p>
             <a:fld id="{24AF4860-EF53-429F-9816-8C3FCB6EDEF9}" type="datetimeFigureOut">
               <a:rPr lang="en-GB" smtClean="0"/>
-              <a:t>08/06/2018</a:t>
+              <a:t>19/06/2018</a:t>
             </a:fld>
             <a:endParaRPr lang="en-GB"/>
           </a:p>
@@ -2952,7 +2954,7 @@
           <a:p>
             <a:fld id="{24AF4860-EF53-429F-9816-8C3FCB6EDEF9}" type="datetimeFigureOut">
               <a:rPr lang="en-GB" smtClean="0"/>
-              <a:t>08/06/2018</a:t>
+              <a:t>19/06/2018</a:t>
             </a:fld>
             <a:endParaRPr lang="en-GB"/>
           </a:p>
@@ -7911,6 +7913,1577 @@
     <p:extLst>
       <p:ext uri="{BB962C8B-B14F-4D97-AF65-F5344CB8AC3E}">
         <p14:creationId xmlns:p14="http://schemas.microsoft.com/office/powerpoint/2010/main" val="3933185360"/>
+      </p:ext>
+    </p:extLst>
+  </p:cSld>
+  <p:clrMapOvr>
+    <a:masterClrMapping/>
+  </p:clrMapOvr>
+</p:sld>
+</file>
+
+<file path=ppt/slides/slide15.xml><?xml version="1.0" encoding="utf-8"?>
+<p:sld xmlns:a="http://schemas.openxmlformats.org/drawingml/2006/main" xmlns:r="http://schemas.openxmlformats.org/officeDocument/2006/relationships" xmlns:p="http://schemas.openxmlformats.org/presentationml/2006/main">
+  <p:cSld>
+    <p:spTree>
+      <p:nvGrpSpPr>
+        <p:cNvPr id="1" name=""/>
+        <p:cNvGrpSpPr/>
+        <p:nvPr/>
+      </p:nvGrpSpPr>
+      <p:grpSpPr>
+        <a:xfrm>
+          <a:off x="0" y="0"/>
+          <a:ext cx="0" cy="0"/>
+          <a:chOff x="0" y="0"/>
+          <a:chExt cx="0" cy="0"/>
+        </a:xfrm>
+      </p:grpSpPr>
+      <p:grpSp>
+        <p:nvGrpSpPr>
+          <p:cNvPr id="20" name="Groupe 19"/>
+          <p:cNvGrpSpPr/>
+          <p:nvPr/>
+        </p:nvGrpSpPr>
+        <p:grpSpPr>
+          <a:xfrm>
+            <a:off x="1565329" y="-2235200"/>
+            <a:ext cx="10337369" cy="7818469"/>
+            <a:chOff x="1565329" y="-2235200"/>
+            <a:chExt cx="10337369" cy="7818469"/>
+          </a:xfrm>
+        </p:grpSpPr>
+        <p:sp>
+          <p:nvSpPr>
+            <p:cNvPr id="8" name="Organigramme : Entrée manuelle 7"/>
+            <p:cNvSpPr/>
+            <p:nvPr/>
+          </p:nvSpPr>
+          <p:spPr>
+            <a:xfrm rot="5400000">
+              <a:off x="1026762" y="2297629"/>
+              <a:ext cx="3742841" cy="1658317"/>
+            </a:xfrm>
+            <a:prstGeom prst="flowChartManualInput">
+              <a:avLst/>
+            </a:prstGeom>
+            <a:solidFill>
+              <a:schemeClr val="accent3">
+                <a:lumMod val="20000"/>
+                <a:lumOff val="80000"/>
+              </a:schemeClr>
+            </a:solidFill>
+            <a:ln>
+              <a:solidFill>
+                <a:schemeClr val="tx1"/>
+              </a:solidFill>
+            </a:ln>
+          </p:spPr>
+          <p:style>
+            <a:lnRef idx="2">
+              <a:schemeClr val="accent1">
+                <a:shade val="50000"/>
+              </a:schemeClr>
+            </a:lnRef>
+            <a:fillRef idx="1">
+              <a:schemeClr val="accent1"/>
+            </a:fillRef>
+            <a:effectRef idx="0">
+              <a:schemeClr val="accent1"/>
+            </a:effectRef>
+            <a:fontRef idx="minor">
+              <a:schemeClr val="lt1"/>
+            </a:fontRef>
+          </p:style>
+          <p:txBody>
+            <a:bodyPr rtlCol="0" anchor="ctr"/>
+            <a:lstStyle/>
+            <a:p>
+              <a:pPr algn="ctr"/>
+              <a:endParaRPr lang="en-GB"/>
+            </a:p>
+          </p:txBody>
+        </p:sp>
+        <p:sp>
+          <p:nvSpPr>
+            <p:cNvPr id="14" name="Triangle rectangle 13"/>
+            <p:cNvSpPr/>
+            <p:nvPr/>
+          </p:nvSpPr>
+          <p:spPr>
+            <a:xfrm rot="20766719">
+              <a:off x="3047778" y="-1901285"/>
+              <a:ext cx="2091800" cy="7256602"/>
+            </a:xfrm>
+            <a:prstGeom prst="rtTriangle">
+              <a:avLst/>
+            </a:prstGeom>
+            <a:solidFill>
+              <a:schemeClr val="accent3">
+                <a:lumMod val="20000"/>
+                <a:lumOff val="80000"/>
+              </a:schemeClr>
+            </a:solidFill>
+            <a:ln>
+              <a:solidFill>
+                <a:schemeClr val="tx1"/>
+              </a:solidFill>
+            </a:ln>
+          </p:spPr>
+          <p:style>
+            <a:lnRef idx="2">
+              <a:schemeClr val="accent1">
+                <a:shade val="50000"/>
+              </a:schemeClr>
+            </a:lnRef>
+            <a:fillRef idx="1">
+              <a:schemeClr val="accent1"/>
+            </a:fillRef>
+            <a:effectRef idx="0">
+              <a:schemeClr val="accent1"/>
+            </a:effectRef>
+            <a:fontRef idx="minor">
+              <a:schemeClr val="lt1"/>
+            </a:fontRef>
+          </p:style>
+          <p:txBody>
+            <a:bodyPr rtlCol="0" anchor="ctr"/>
+            <a:lstStyle/>
+            <a:p>
+              <a:pPr algn="ctr"/>
+              <a:endParaRPr lang="en-GB" dirty="0"/>
+            </a:p>
+          </p:txBody>
+        </p:sp>
+        <p:sp>
+          <p:nvSpPr>
+            <p:cNvPr id="12" name="Rectangle 11"/>
+            <p:cNvSpPr/>
+            <p:nvPr/>
+          </p:nvSpPr>
+          <p:spPr>
+            <a:xfrm>
+              <a:off x="1565329" y="-2235200"/>
+              <a:ext cx="3138407" cy="3847024"/>
+            </a:xfrm>
+            <a:prstGeom prst="rect">
+              <a:avLst/>
+            </a:prstGeom>
+            <a:solidFill>
+              <a:schemeClr val="bg1"/>
+            </a:solidFill>
+            <a:ln>
+              <a:noFill/>
+            </a:ln>
+          </p:spPr>
+          <p:style>
+            <a:lnRef idx="2">
+              <a:schemeClr val="accent1">
+                <a:shade val="50000"/>
+              </a:schemeClr>
+            </a:lnRef>
+            <a:fillRef idx="1">
+              <a:schemeClr val="accent1"/>
+            </a:fillRef>
+            <a:effectRef idx="0">
+              <a:schemeClr val="accent1"/>
+            </a:effectRef>
+            <a:fontRef idx="minor">
+              <a:schemeClr val="lt1"/>
+            </a:fontRef>
+          </p:style>
+          <p:txBody>
+            <a:bodyPr rtlCol="0" anchor="ctr"/>
+            <a:lstStyle/>
+            <a:p>
+              <a:pPr algn="ctr"/>
+              <a:endParaRPr lang="en-GB"/>
+            </a:p>
+          </p:txBody>
+        </p:sp>
+        <p:sp>
+          <p:nvSpPr>
+            <p:cNvPr id="13" name="Rectangle 12"/>
+            <p:cNvSpPr/>
+            <p:nvPr/>
+          </p:nvSpPr>
+          <p:spPr>
+            <a:xfrm>
+              <a:off x="1786179" y="4413147"/>
+              <a:ext cx="10116519" cy="1170122"/>
+            </a:xfrm>
+            <a:prstGeom prst="rect">
+              <a:avLst/>
+            </a:prstGeom>
+            <a:solidFill>
+              <a:schemeClr val="bg1"/>
+            </a:solidFill>
+            <a:ln>
+              <a:noFill/>
+            </a:ln>
+          </p:spPr>
+          <p:style>
+            <a:lnRef idx="2">
+              <a:schemeClr val="accent1">
+                <a:shade val="50000"/>
+              </a:schemeClr>
+            </a:lnRef>
+            <a:fillRef idx="1">
+              <a:schemeClr val="accent1"/>
+            </a:fillRef>
+            <a:effectRef idx="0">
+              <a:schemeClr val="accent1"/>
+            </a:effectRef>
+            <a:fontRef idx="minor">
+              <a:schemeClr val="lt1"/>
+            </a:fontRef>
+          </p:style>
+          <p:txBody>
+            <a:bodyPr rtlCol="0" anchor="ctr"/>
+            <a:lstStyle/>
+            <a:p>
+              <a:pPr algn="ctr"/>
+              <a:endParaRPr lang="en-GB"/>
+            </a:p>
+          </p:txBody>
+        </p:sp>
+        <p:cxnSp>
+          <p:nvCxnSpPr>
+            <p:cNvPr id="16" name="Connecteur droit 15"/>
+            <p:cNvCxnSpPr/>
+            <p:nvPr/>
+          </p:nvCxnSpPr>
+          <p:spPr>
+            <a:xfrm>
+              <a:off x="2069024" y="1611824"/>
+              <a:ext cx="1977196" cy="0"/>
+            </a:xfrm>
+            <a:prstGeom prst="line">
+              <a:avLst/>
+            </a:prstGeom>
+            <a:ln w="12700">
+              <a:solidFill>
+                <a:schemeClr val="tx1"/>
+              </a:solidFill>
+            </a:ln>
+          </p:spPr>
+          <p:style>
+            <a:lnRef idx="1">
+              <a:schemeClr val="accent1"/>
+            </a:lnRef>
+            <a:fillRef idx="0">
+              <a:schemeClr val="accent1"/>
+            </a:fillRef>
+            <a:effectRef idx="0">
+              <a:schemeClr val="accent1"/>
+            </a:effectRef>
+            <a:fontRef idx="minor">
+              <a:schemeClr val="tx1"/>
+            </a:fontRef>
+          </p:style>
+        </p:cxnSp>
+        <p:cxnSp>
+          <p:nvCxnSpPr>
+            <p:cNvPr id="17" name="Connecteur droit 16"/>
+            <p:cNvCxnSpPr/>
+            <p:nvPr/>
+          </p:nvCxnSpPr>
+          <p:spPr>
+            <a:xfrm>
+              <a:off x="2069024" y="4394291"/>
+              <a:ext cx="3569776" cy="18856"/>
+            </a:xfrm>
+            <a:prstGeom prst="line">
+              <a:avLst/>
+            </a:prstGeom>
+            <a:ln w="12700">
+              <a:solidFill>
+                <a:schemeClr val="tx1"/>
+              </a:solidFill>
+            </a:ln>
+          </p:spPr>
+          <p:style>
+            <a:lnRef idx="1">
+              <a:schemeClr val="accent1"/>
+            </a:lnRef>
+            <a:fillRef idx="0">
+              <a:schemeClr val="accent1"/>
+            </a:fillRef>
+            <a:effectRef idx="0">
+              <a:schemeClr val="accent1"/>
+            </a:effectRef>
+            <a:fontRef idx="minor">
+              <a:schemeClr val="tx1"/>
+            </a:fontRef>
+          </p:style>
+        </p:cxnSp>
+        <p:pic>
+          <p:nvPicPr>
+            <p:cNvPr id="19" name="Image 18"/>
+            <p:cNvPicPr>
+              <a:picLocks noChangeAspect="1"/>
+            </p:cNvPicPr>
+            <p:nvPr/>
+          </p:nvPicPr>
+          <p:blipFill>
+            <a:blip r:embed="rId2"/>
+            <a:stretch>
+              <a:fillRect/>
+            </a:stretch>
+          </p:blipFill>
+          <p:spPr>
+            <a:xfrm flipH="1">
+              <a:off x="6936217" y="1596584"/>
+              <a:ext cx="3636451" cy="2868736"/>
+            </a:xfrm>
+            <a:prstGeom prst="rect">
+              <a:avLst/>
+            </a:prstGeom>
+          </p:spPr>
+        </p:pic>
+      </p:grpSp>
+      <p:grpSp>
+        <p:nvGrpSpPr>
+          <p:cNvPr id="99" name="Groupe 98"/>
+          <p:cNvGrpSpPr/>
+          <p:nvPr/>
+        </p:nvGrpSpPr>
+        <p:grpSpPr>
+          <a:xfrm>
+            <a:off x="1377950" y="1611824"/>
+            <a:ext cx="10742613" cy="1687612"/>
+            <a:chOff x="1377950" y="1611824"/>
+            <a:chExt cx="10742613" cy="1687612"/>
+          </a:xfrm>
+        </p:grpSpPr>
+        <p:cxnSp>
+          <p:nvCxnSpPr>
+            <p:cNvPr id="22" name="Connecteur droit 21"/>
+            <p:cNvCxnSpPr/>
+            <p:nvPr/>
+          </p:nvCxnSpPr>
+          <p:spPr>
+            <a:xfrm>
+              <a:off x="2971800" y="1611824"/>
+              <a:ext cx="12700" cy="890076"/>
+            </a:xfrm>
+            <a:prstGeom prst="line">
+              <a:avLst/>
+            </a:prstGeom>
+            <a:ln>
+              <a:solidFill>
+                <a:schemeClr val="tx1"/>
+              </a:solidFill>
+              <a:prstDash val="lgDash"/>
+            </a:ln>
+          </p:spPr>
+          <p:style>
+            <a:lnRef idx="1">
+              <a:schemeClr val="accent1"/>
+            </a:lnRef>
+            <a:fillRef idx="0">
+              <a:schemeClr val="accent1"/>
+            </a:fillRef>
+            <a:effectRef idx="0">
+              <a:schemeClr val="accent1"/>
+            </a:effectRef>
+            <a:fontRef idx="minor">
+              <a:schemeClr val="tx1"/>
+            </a:fontRef>
+          </p:style>
+        </p:cxnSp>
+        <p:cxnSp>
+          <p:nvCxnSpPr>
+            <p:cNvPr id="23" name="Connecteur droit 22"/>
+            <p:cNvCxnSpPr/>
+            <p:nvPr/>
+          </p:nvCxnSpPr>
+          <p:spPr>
+            <a:xfrm>
+              <a:off x="4031152" y="1611824"/>
+              <a:ext cx="12700" cy="890076"/>
+            </a:xfrm>
+            <a:prstGeom prst="line">
+              <a:avLst/>
+            </a:prstGeom>
+            <a:ln>
+              <a:solidFill>
+                <a:schemeClr val="tx1"/>
+              </a:solidFill>
+              <a:prstDash val="lgDash"/>
+            </a:ln>
+          </p:spPr>
+          <p:style>
+            <a:lnRef idx="1">
+              <a:schemeClr val="accent1"/>
+            </a:lnRef>
+            <a:fillRef idx="0">
+              <a:schemeClr val="accent1"/>
+            </a:fillRef>
+            <a:effectRef idx="0">
+              <a:schemeClr val="accent1"/>
+            </a:effectRef>
+            <a:fontRef idx="minor">
+              <a:schemeClr val="tx1"/>
+            </a:fontRef>
+          </p:style>
+        </p:cxnSp>
+        <p:cxnSp>
+          <p:nvCxnSpPr>
+            <p:cNvPr id="24" name="Connecteur droit 23"/>
+            <p:cNvCxnSpPr/>
+            <p:nvPr/>
+          </p:nvCxnSpPr>
+          <p:spPr>
+            <a:xfrm flipH="1">
+              <a:off x="8571402" y="1611824"/>
+              <a:ext cx="1" cy="508774"/>
+            </a:xfrm>
+            <a:prstGeom prst="line">
+              <a:avLst/>
+            </a:prstGeom>
+            <a:ln>
+              <a:solidFill>
+                <a:schemeClr val="tx1"/>
+              </a:solidFill>
+              <a:prstDash val="lgDash"/>
+            </a:ln>
+          </p:spPr>
+          <p:style>
+            <a:lnRef idx="1">
+              <a:schemeClr val="accent1"/>
+            </a:lnRef>
+            <a:fillRef idx="0">
+              <a:schemeClr val="accent1"/>
+            </a:fillRef>
+            <a:effectRef idx="0">
+              <a:schemeClr val="accent1"/>
+            </a:effectRef>
+            <a:fontRef idx="minor">
+              <a:schemeClr val="tx1"/>
+            </a:fontRef>
+          </p:style>
+        </p:cxnSp>
+        <p:cxnSp>
+          <p:nvCxnSpPr>
+            <p:cNvPr id="25" name="Connecteur droit 24"/>
+            <p:cNvCxnSpPr/>
+            <p:nvPr/>
+          </p:nvCxnSpPr>
+          <p:spPr>
+            <a:xfrm>
+              <a:off x="9619152" y="1623987"/>
+              <a:ext cx="0" cy="579463"/>
+            </a:xfrm>
+            <a:prstGeom prst="line">
+              <a:avLst/>
+            </a:prstGeom>
+            <a:ln>
+              <a:solidFill>
+                <a:schemeClr val="tx1"/>
+              </a:solidFill>
+              <a:prstDash val="lgDash"/>
+            </a:ln>
+          </p:spPr>
+          <p:style>
+            <a:lnRef idx="1">
+              <a:schemeClr val="accent1"/>
+            </a:lnRef>
+            <a:fillRef idx="0">
+              <a:schemeClr val="accent1"/>
+            </a:fillRef>
+            <a:effectRef idx="0">
+              <a:schemeClr val="accent1"/>
+            </a:effectRef>
+            <a:fontRef idx="minor">
+              <a:schemeClr val="tx1"/>
+            </a:fontRef>
+          </p:style>
+        </p:cxnSp>
+        <p:sp>
+          <p:nvSpPr>
+            <p:cNvPr id="26" name="ZoneTexte 25"/>
+            <p:cNvSpPr txBox="1"/>
+            <p:nvPr/>
+          </p:nvSpPr>
+          <p:spPr>
+            <a:xfrm>
+              <a:off x="2911956" y="2142521"/>
+              <a:ext cx="325730" cy="276999"/>
+            </a:xfrm>
+            <a:prstGeom prst="rect">
+              <a:avLst/>
+            </a:prstGeom>
+            <a:noFill/>
+          </p:spPr>
+          <p:txBody>
+            <a:bodyPr wrap="none" rtlCol="0">
+              <a:spAutoFit/>
+            </a:bodyPr>
+            <a:lstStyle/>
+            <a:p>
+              <a:r>
+                <a:rPr lang="el-GR" sz="1200" dirty="0" smtClean="0"/>
+                <a:t>θ</a:t>
+              </a:r>
+              <a:r>
+                <a:rPr lang="fr-CH" sz="1200" baseline="-25000" dirty="0" smtClean="0"/>
+                <a:t>A</a:t>
+              </a:r>
+              <a:endParaRPr lang="en-GB" sz="1200" baseline="-25000" dirty="0"/>
+            </a:p>
+          </p:txBody>
+        </p:sp>
+        <p:sp>
+          <p:nvSpPr>
+            <p:cNvPr id="27" name="ZoneTexte 26"/>
+            <p:cNvSpPr txBox="1"/>
+            <p:nvPr/>
+          </p:nvSpPr>
+          <p:spPr>
+            <a:xfrm>
+              <a:off x="4002016" y="1866892"/>
+              <a:ext cx="325730" cy="276999"/>
+            </a:xfrm>
+            <a:prstGeom prst="rect">
+              <a:avLst/>
+            </a:prstGeom>
+            <a:noFill/>
+          </p:spPr>
+          <p:txBody>
+            <a:bodyPr wrap="none" rtlCol="0">
+              <a:spAutoFit/>
+            </a:bodyPr>
+            <a:lstStyle/>
+            <a:p>
+              <a:r>
+                <a:rPr lang="el-GR" sz="1200" dirty="0" smtClean="0"/>
+                <a:t>θ</a:t>
+              </a:r>
+              <a:r>
+                <a:rPr lang="fr-CH" sz="1200" baseline="-25000" dirty="0" smtClean="0"/>
+                <a:t>B</a:t>
+              </a:r>
+              <a:endParaRPr lang="en-GB" sz="1200" baseline="-25000" dirty="0"/>
+            </a:p>
+          </p:txBody>
+        </p:sp>
+        <p:sp>
+          <p:nvSpPr>
+            <p:cNvPr id="28" name="ZoneTexte 27"/>
+            <p:cNvSpPr txBox="1"/>
+            <p:nvPr/>
+          </p:nvSpPr>
+          <p:spPr>
+            <a:xfrm>
+              <a:off x="8569274" y="1790338"/>
+              <a:ext cx="325730" cy="276999"/>
+            </a:xfrm>
+            <a:prstGeom prst="rect">
+              <a:avLst/>
+            </a:prstGeom>
+            <a:noFill/>
+          </p:spPr>
+          <p:txBody>
+            <a:bodyPr wrap="none" rtlCol="0">
+              <a:spAutoFit/>
+            </a:bodyPr>
+            <a:lstStyle/>
+            <a:p>
+              <a:r>
+                <a:rPr lang="el-GR" sz="1200" dirty="0" smtClean="0"/>
+                <a:t>θ</a:t>
+              </a:r>
+              <a:r>
+                <a:rPr lang="fr-CH" sz="1200" baseline="-25000" dirty="0" smtClean="0"/>
+                <a:t>B</a:t>
+              </a:r>
+              <a:endParaRPr lang="en-GB" sz="1200" baseline="-25000" dirty="0"/>
+            </a:p>
+          </p:txBody>
+        </p:sp>
+        <p:sp>
+          <p:nvSpPr>
+            <p:cNvPr id="29" name="ZoneTexte 28"/>
+            <p:cNvSpPr txBox="1"/>
+            <p:nvPr/>
+          </p:nvSpPr>
+          <p:spPr>
+            <a:xfrm>
+              <a:off x="9404952" y="2135752"/>
+              <a:ext cx="325730" cy="276999"/>
+            </a:xfrm>
+            <a:prstGeom prst="rect">
+              <a:avLst/>
+            </a:prstGeom>
+            <a:noFill/>
+          </p:spPr>
+          <p:txBody>
+            <a:bodyPr wrap="none" rtlCol="0">
+              <a:spAutoFit/>
+            </a:bodyPr>
+            <a:lstStyle/>
+            <a:p>
+              <a:r>
+                <a:rPr lang="el-GR" sz="1200" dirty="0" smtClean="0"/>
+                <a:t>θ</a:t>
+              </a:r>
+              <a:r>
+                <a:rPr lang="fr-CH" sz="1200" baseline="-25000" dirty="0" smtClean="0"/>
+                <a:t>A</a:t>
+              </a:r>
+              <a:endParaRPr lang="en-GB" sz="1200" baseline="-25000" dirty="0"/>
+            </a:p>
+          </p:txBody>
+        </p:sp>
+        <p:cxnSp>
+          <p:nvCxnSpPr>
+            <p:cNvPr id="31" name="Connecteur droit 30"/>
+            <p:cNvCxnSpPr/>
+            <p:nvPr/>
+          </p:nvCxnSpPr>
+          <p:spPr>
+            <a:xfrm>
+              <a:off x="1733550" y="2501900"/>
+              <a:ext cx="761823" cy="0"/>
+            </a:xfrm>
+            <a:prstGeom prst="line">
+              <a:avLst/>
+            </a:prstGeom>
+            <a:ln>
+              <a:solidFill>
+                <a:schemeClr val="tx1"/>
+              </a:solidFill>
+              <a:prstDash val="dashDot"/>
+            </a:ln>
+          </p:spPr>
+          <p:style>
+            <a:lnRef idx="1">
+              <a:schemeClr val="accent1"/>
+            </a:lnRef>
+            <a:fillRef idx="0">
+              <a:schemeClr val="accent1"/>
+            </a:fillRef>
+            <a:effectRef idx="0">
+              <a:schemeClr val="accent1"/>
+            </a:effectRef>
+            <a:fontRef idx="minor">
+              <a:schemeClr val="tx1"/>
+            </a:fontRef>
+          </p:style>
+        </p:cxnSp>
+        <p:cxnSp>
+          <p:nvCxnSpPr>
+            <p:cNvPr id="36" name="Connecteur droit 35"/>
+            <p:cNvCxnSpPr/>
+            <p:nvPr/>
+          </p:nvCxnSpPr>
+          <p:spPr>
+            <a:xfrm flipV="1">
+              <a:off x="3049757" y="2871969"/>
+              <a:ext cx="590550" cy="154437"/>
+            </a:xfrm>
+            <a:prstGeom prst="line">
+              <a:avLst/>
+            </a:prstGeom>
+            <a:ln>
+              <a:solidFill>
+                <a:schemeClr val="tx1"/>
+              </a:solidFill>
+              <a:prstDash val="dashDot"/>
+            </a:ln>
+          </p:spPr>
+          <p:style>
+            <a:lnRef idx="1">
+              <a:schemeClr val="accent1"/>
+            </a:lnRef>
+            <a:fillRef idx="0">
+              <a:schemeClr val="accent1"/>
+            </a:fillRef>
+            <a:effectRef idx="0">
+              <a:schemeClr val="accent1"/>
+            </a:effectRef>
+            <a:fontRef idx="minor">
+              <a:schemeClr val="tx1"/>
+            </a:fontRef>
+          </p:style>
+        </p:cxnSp>
+        <p:cxnSp>
+          <p:nvCxnSpPr>
+            <p:cNvPr id="38" name="Connecteur droit 37"/>
+            <p:cNvCxnSpPr/>
+            <p:nvPr/>
+          </p:nvCxnSpPr>
+          <p:spPr>
+            <a:xfrm>
+              <a:off x="1377950" y="2001618"/>
+              <a:ext cx="691074" cy="500282"/>
+            </a:xfrm>
+            <a:prstGeom prst="line">
+              <a:avLst/>
+            </a:prstGeom>
+            <a:ln w="28575">
+              <a:solidFill>
+                <a:schemeClr val="accent4"/>
+              </a:solidFill>
+            </a:ln>
+          </p:spPr>
+          <p:style>
+            <a:lnRef idx="1">
+              <a:schemeClr val="accent1"/>
+            </a:lnRef>
+            <a:fillRef idx="0">
+              <a:schemeClr val="accent1"/>
+            </a:fillRef>
+            <a:effectRef idx="0">
+              <a:schemeClr val="accent1"/>
+            </a:effectRef>
+            <a:fontRef idx="minor">
+              <a:schemeClr val="tx1"/>
+            </a:fontRef>
+          </p:style>
+        </p:cxnSp>
+        <p:cxnSp>
+          <p:nvCxnSpPr>
+            <p:cNvPr id="39" name="Connecteur droit 38"/>
+            <p:cNvCxnSpPr/>
+            <p:nvPr/>
+          </p:nvCxnSpPr>
+          <p:spPr>
+            <a:xfrm>
+              <a:off x="2079087" y="2502775"/>
+              <a:ext cx="1231776" cy="447441"/>
+            </a:xfrm>
+            <a:prstGeom prst="line">
+              <a:avLst/>
+            </a:prstGeom>
+            <a:ln w="28575">
+              <a:solidFill>
+                <a:schemeClr val="accent4"/>
+              </a:solidFill>
+            </a:ln>
+          </p:spPr>
+          <p:style>
+            <a:lnRef idx="1">
+              <a:schemeClr val="accent1"/>
+            </a:lnRef>
+            <a:fillRef idx="0">
+              <a:schemeClr val="accent1"/>
+            </a:fillRef>
+            <a:effectRef idx="0">
+              <a:schemeClr val="accent1"/>
+            </a:effectRef>
+            <a:fontRef idx="minor">
+              <a:schemeClr val="tx1"/>
+            </a:fontRef>
+          </p:style>
+        </p:cxnSp>
+        <p:cxnSp>
+          <p:nvCxnSpPr>
+            <p:cNvPr id="43" name="Connecteur droit 42"/>
+            <p:cNvCxnSpPr/>
+            <p:nvPr/>
+          </p:nvCxnSpPr>
+          <p:spPr>
+            <a:xfrm>
+              <a:off x="3315080" y="2949188"/>
+              <a:ext cx="1604672" cy="245456"/>
+            </a:xfrm>
+            <a:prstGeom prst="line">
+              <a:avLst/>
+            </a:prstGeom>
+            <a:ln w="28575">
+              <a:solidFill>
+                <a:schemeClr val="accent4"/>
+              </a:solidFill>
+            </a:ln>
+          </p:spPr>
+          <p:style>
+            <a:lnRef idx="1">
+              <a:schemeClr val="accent1"/>
+            </a:lnRef>
+            <a:fillRef idx="0">
+              <a:schemeClr val="accent1"/>
+            </a:fillRef>
+            <a:effectRef idx="0">
+              <a:schemeClr val="accent1"/>
+            </a:effectRef>
+            <a:fontRef idx="minor">
+              <a:schemeClr val="tx1"/>
+            </a:fontRef>
+          </p:style>
+        </p:cxnSp>
+        <p:cxnSp>
+          <p:nvCxnSpPr>
+            <p:cNvPr id="45" name="Connecteur droit 44"/>
+            <p:cNvCxnSpPr/>
+            <p:nvPr/>
+          </p:nvCxnSpPr>
+          <p:spPr>
+            <a:xfrm flipV="1">
+              <a:off x="4718008" y="3026406"/>
+              <a:ext cx="464480" cy="273030"/>
+            </a:xfrm>
+            <a:prstGeom prst="line">
+              <a:avLst/>
+            </a:prstGeom>
+            <a:ln>
+              <a:solidFill>
+                <a:schemeClr val="tx1"/>
+              </a:solidFill>
+              <a:prstDash val="dashDot"/>
+            </a:ln>
+          </p:spPr>
+          <p:style>
+            <a:lnRef idx="1">
+              <a:schemeClr val="accent1"/>
+            </a:lnRef>
+            <a:fillRef idx="0">
+              <a:schemeClr val="accent1"/>
+            </a:fillRef>
+            <a:effectRef idx="0">
+              <a:schemeClr val="accent1"/>
+            </a:effectRef>
+            <a:fontRef idx="minor">
+              <a:schemeClr val="tx1"/>
+            </a:fontRef>
+          </p:style>
+        </p:cxnSp>
+        <p:cxnSp>
+          <p:nvCxnSpPr>
+            <p:cNvPr id="47" name="Connecteur droit 46"/>
+            <p:cNvCxnSpPr/>
+            <p:nvPr/>
+          </p:nvCxnSpPr>
+          <p:spPr>
+            <a:xfrm flipV="1">
+              <a:off x="4924043" y="3022230"/>
+              <a:ext cx="2852220" cy="166930"/>
+            </a:xfrm>
+            <a:prstGeom prst="line">
+              <a:avLst/>
+            </a:prstGeom>
+            <a:ln w="28575">
+              <a:solidFill>
+                <a:schemeClr val="accent4"/>
+              </a:solidFill>
+            </a:ln>
+          </p:spPr>
+          <p:style>
+            <a:lnRef idx="1">
+              <a:schemeClr val="accent1"/>
+            </a:lnRef>
+            <a:fillRef idx="0">
+              <a:schemeClr val="accent1"/>
+            </a:fillRef>
+            <a:effectRef idx="0">
+              <a:schemeClr val="accent1"/>
+            </a:effectRef>
+            <a:fontRef idx="minor">
+              <a:schemeClr val="tx1"/>
+            </a:fontRef>
+          </p:style>
+        </p:cxnSp>
+        <p:cxnSp>
+          <p:nvCxnSpPr>
+            <p:cNvPr id="56" name="Connecteur droit 55"/>
+            <p:cNvCxnSpPr/>
+            <p:nvPr/>
+          </p:nvCxnSpPr>
+          <p:spPr>
+            <a:xfrm>
+              <a:off x="7541847" y="2911954"/>
+              <a:ext cx="468832" cy="234853"/>
+            </a:xfrm>
+            <a:prstGeom prst="line">
+              <a:avLst/>
+            </a:prstGeom>
+            <a:ln>
+              <a:solidFill>
+                <a:schemeClr val="tx1"/>
+              </a:solidFill>
+              <a:prstDash val="dashDot"/>
+            </a:ln>
+          </p:spPr>
+          <p:style>
+            <a:lnRef idx="1">
+              <a:schemeClr val="accent1"/>
+            </a:lnRef>
+            <a:fillRef idx="0">
+              <a:schemeClr val="accent1"/>
+            </a:fillRef>
+            <a:effectRef idx="0">
+              <a:schemeClr val="accent1"/>
+            </a:effectRef>
+            <a:fontRef idx="minor">
+              <a:schemeClr val="tx1"/>
+            </a:fontRef>
+          </p:style>
+        </p:cxnSp>
+        <p:cxnSp>
+          <p:nvCxnSpPr>
+            <p:cNvPr id="59" name="Connecteur droit 58"/>
+            <p:cNvCxnSpPr/>
+            <p:nvPr/>
+          </p:nvCxnSpPr>
+          <p:spPr>
+            <a:xfrm>
+              <a:off x="7776263" y="3030905"/>
+              <a:ext cx="1462987" cy="158255"/>
+            </a:xfrm>
+            <a:prstGeom prst="line">
+              <a:avLst/>
+            </a:prstGeom>
+            <a:ln w="28575">
+              <a:solidFill>
+                <a:schemeClr val="accent4"/>
+              </a:solidFill>
+            </a:ln>
+          </p:spPr>
+          <p:style>
+            <a:lnRef idx="1">
+              <a:schemeClr val="accent1"/>
+            </a:lnRef>
+            <a:fillRef idx="0">
+              <a:schemeClr val="accent1"/>
+            </a:fillRef>
+            <a:effectRef idx="0">
+              <a:schemeClr val="accent1"/>
+            </a:effectRef>
+            <a:fontRef idx="minor">
+              <a:schemeClr val="tx1"/>
+            </a:fontRef>
+          </p:style>
+        </p:cxnSp>
+        <p:cxnSp>
+          <p:nvCxnSpPr>
+            <p:cNvPr id="63" name="Connecteur droit 62"/>
+            <p:cNvCxnSpPr>
+              <a:endCxn id="19" idx="1"/>
+            </p:cNvCxnSpPr>
+            <p:nvPr/>
+          </p:nvCxnSpPr>
+          <p:spPr>
+            <a:xfrm flipV="1">
+              <a:off x="9234450" y="3030952"/>
+              <a:ext cx="1338218" cy="140119"/>
+            </a:xfrm>
+            <a:prstGeom prst="line">
+              <a:avLst/>
+            </a:prstGeom>
+            <a:ln w="28575">
+              <a:solidFill>
+                <a:schemeClr val="accent4"/>
+              </a:solidFill>
+            </a:ln>
+          </p:spPr>
+          <p:style>
+            <a:lnRef idx="1">
+              <a:schemeClr val="accent1"/>
+            </a:lnRef>
+            <a:fillRef idx="0">
+              <a:schemeClr val="accent1"/>
+            </a:fillRef>
+            <a:effectRef idx="0">
+              <a:schemeClr val="accent1"/>
+            </a:effectRef>
+            <a:fontRef idx="minor">
+              <a:schemeClr val="tx1"/>
+            </a:fontRef>
+          </p:style>
+        </p:cxnSp>
+        <p:cxnSp>
+          <p:nvCxnSpPr>
+            <p:cNvPr id="61" name="Connecteur droit 60"/>
+            <p:cNvCxnSpPr/>
+            <p:nvPr/>
+          </p:nvCxnSpPr>
+          <p:spPr>
+            <a:xfrm>
+              <a:off x="8718829" y="3060749"/>
+              <a:ext cx="998088" cy="221470"/>
+            </a:xfrm>
+            <a:prstGeom prst="line">
+              <a:avLst/>
+            </a:prstGeom>
+            <a:ln>
+              <a:solidFill>
+                <a:schemeClr val="tx1"/>
+              </a:solidFill>
+              <a:prstDash val="dashDot"/>
+            </a:ln>
+          </p:spPr>
+          <p:style>
+            <a:lnRef idx="1">
+              <a:schemeClr val="accent1"/>
+            </a:lnRef>
+            <a:fillRef idx="0">
+              <a:schemeClr val="accent1"/>
+            </a:fillRef>
+            <a:effectRef idx="0">
+              <a:schemeClr val="accent1"/>
+            </a:effectRef>
+            <a:fontRef idx="minor">
+              <a:schemeClr val="tx1"/>
+            </a:fontRef>
+          </p:style>
+        </p:cxnSp>
+        <p:cxnSp>
+          <p:nvCxnSpPr>
+            <p:cNvPr id="80" name="Connecteur droit 79"/>
+            <p:cNvCxnSpPr/>
+            <p:nvPr/>
+          </p:nvCxnSpPr>
+          <p:spPr>
+            <a:xfrm flipV="1">
+              <a:off x="10529887" y="2973793"/>
+              <a:ext cx="1590676" cy="61079"/>
+            </a:xfrm>
+            <a:prstGeom prst="line">
+              <a:avLst/>
+            </a:prstGeom>
+            <a:ln w="28575">
+              <a:solidFill>
+                <a:schemeClr val="accent4"/>
+              </a:solidFill>
+            </a:ln>
+          </p:spPr>
+          <p:style>
+            <a:lnRef idx="1">
+              <a:schemeClr val="accent1"/>
+            </a:lnRef>
+            <a:fillRef idx="0">
+              <a:schemeClr val="accent1"/>
+            </a:fillRef>
+            <a:effectRef idx="0">
+              <a:schemeClr val="accent1"/>
+            </a:effectRef>
+            <a:fontRef idx="minor">
+              <a:schemeClr val="tx1"/>
+            </a:fontRef>
+          </p:style>
+        </p:cxnSp>
+        <p:cxnSp>
+          <p:nvCxnSpPr>
+            <p:cNvPr id="70" name="Connecteur droit 69"/>
+            <p:cNvCxnSpPr/>
+            <p:nvPr/>
+          </p:nvCxnSpPr>
+          <p:spPr>
+            <a:xfrm>
+              <a:off x="9948863" y="3020715"/>
+              <a:ext cx="1056253" cy="0"/>
+            </a:xfrm>
+            <a:prstGeom prst="line">
+              <a:avLst/>
+            </a:prstGeom>
+            <a:ln>
+              <a:solidFill>
+                <a:schemeClr val="tx1"/>
+              </a:solidFill>
+              <a:prstDash val="dashDot"/>
+            </a:ln>
+          </p:spPr>
+          <p:style>
+            <a:lnRef idx="1">
+              <a:schemeClr val="accent1"/>
+            </a:lnRef>
+            <a:fillRef idx="0">
+              <a:schemeClr val="accent1"/>
+            </a:fillRef>
+            <a:effectRef idx="0">
+              <a:schemeClr val="accent1"/>
+            </a:effectRef>
+            <a:fontRef idx="minor">
+              <a:schemeClr val="tx1"/>
+            </a:fontRef>
+          </p:style>
+        </p:cxnSp>
+      </p:grpSp>
+      <p:sp>
+        <p:nvSpPr>
+          <p:cNvPr id="107" name="Arc 106"/>
+          <p:cNvSpPr/>
+          <p:nvPr/>
+        </p:nvSpPr>
+        <p:spPr>
+          <a:xfrm rot="4410126" flipH="1" flipV="1">
+            <a:off x="1726170" y="2291972"/>
+            <a:ext cx="346654" cy="351887"/>
+          </a:xfrm>
+          <a:prstGeom prst="arc">
+            <a:avLst>
+              <a:gd name="adj1" fmla="val 16663458"/>
+              <a:gd name="adj2" fmla="val 20671197"/>
+            </a:avLst>
+          </a:prstGeom>
+          <a:ln>
+            <a:solidFill>
+              <a:schemeClr val="tx1"/>
+            </a:solidFill>
+            <a:headEnd type="arrow" w="med" len="med"/>
+            <a:tailEnd type="none" w="med" len="med"/>
+          </a:ln>
+        </p:spPr>
+        <p:style>
+          <a:lnRef idx="1">
+            <a:schemeClr val="accent1"/>
+          </a:lnRef>
+          <a:fillRef idx="0">
+            <a:schemeClr val="accent1"/>
+          </a:fillRef>
+          <a:effectRef idx="0">
+            <a:schemeClr val="accent1"/>
+          </a:effectRef>
+          <a:fontRef idx="minor">
+            <a:schemeClr val="tx1"/>
+          </a:fontRef>
+        </p:style>
+        <p:txBody>
+          <a:bodyPr rtlCol="0" anchor="ctr"/>
+          <a:lstStyle/>
+          <a:p>
+            <a:pPr algn="ctr"/>
+            <a:endParaRPr lang="en-GB"/>
+          </a:p>
+        </p:txBody>
+      </p:sp>
+      <p:sp>
+        <p:nvSpPr>
+          <p:cNvPr id="108" name="Arc 107"/>
+          <p:cNvSpPr/>
+          <p:nvPr/>
+        </p:nvSpPr>
+        <p:spPr>
+          <a:xfrm rot="15517079" flipH="1" flipV="1">
+            <a:off x="2168313" y="2330813"/>
+            <a:ext cx="286229" cy="317649"/>
+          </a:xfrm>
+          <a:prstGeom prst="arc">
+            <a:avLst>
+              <a:gd name="adj1" fmla="val 16663458"/>
+              <a:gd name="adj2" fmla="val 20671197"/>
+            </a:avLst>
+          </a:prstGeom>
+          <a:ln>
+            <a:solidFill>
+              <a:schemeClr val="tx1"/>
+            </a:solidFill>
+            <a:headEnd type="arrow" w="med" len="med"/>
+            <a:tailEnd type="none" w="med" len="med"/>
+          </a:ln>
+        </p:spPr>
+        <p:style>
+          <a:lnRef idx="1">
+            <a:schemeClr val="accent1"/>
+          </a:lnRef>
+          <a:fillRef idx="0">
+            <a:schemeClr val="accent1"/>
+          </a:fillRef>
+          <a:effectRef idx="0">
+            <a:schemeClr val="accent1"/>
+          </a:effectRef>
+          <a:fontRef idx="minor">
+            <a:schemeClr val="tx1"/>
+          </a:fontRef>
+        </p:style>
+        <p:txBody>
+          <a:bodyPr rtlCol="0" anchor="ctr"/>
+          <a:lstStyle/>
+          <a:p>
+            <a:pPr algn="ctr"/>
+            <a:endParaRPr lang="en-GB"/>
+          </a:p>
+        </p:txBody>
+      </p:sp>
+      <p:sp>
+        <p:nvSpPr>
+          <p:cNvPr id="110" name="Arc 109"/>
+          <p:cNvSpPr/>
+          <p:nvPr/>
+        </p:nvSpPr>
+        <p:spPr>
+          <a:xfrm rot="1942193" flipH="1" flipV="1">
+            <a:off x="2979219" y="2717655"/>
+            <a:ext cx="346654" cy="351887"/>
+          </a:xfrm>
+          <a:prstGeom prst="arc">
+            <a:avLst>
+              <a:gd name="adj1" fmla="val 16663458"/>
+              <a:gd name="adj2" fmla="val 20671197"/>
+            </a:avLst>
+          </a:prstGeom>
+          <a:ln>
+            <a:solidFill>
+              <a:schemeClr val="tx1"/>
+            </a:solidFill>
+            <a:headEnd type="arrow" w="med" len="med"/>
+            <a:tailEnd type="none" w="med" len="med"/>
+          </a:ln>
+        </p:spPr>
+        <p:style>
+          <a:lnRef idx="1">
+            <a:schemeClr val="accent1"/>
+          </a:lnRef>
+          <a:fillRef idx="0">
+            <a:schemeClr val="accent1"/>
+          </a:fillRef>
+          <a:effectRef idx="0">
+            <a:schemeClr val="accent1"/>
+          </a:effectRef>
+          <a:fontRef idx="minor">
+            <a:schemeClr val="tx1"/>
+          </a:fontRef>
+        </p:style>
+        <p:txBody>
+          <a:bodyPr rtlCol="0" anchor="ctr"/>
+          <a:lstStyle/>
+          <a:p>
+            <a:pPr algn="ctr"/>
+            <a:endParaRPr lang="en-GB"/>
+          </a:p>
+        </p:txBody>
+      </p:sp>
+      <p:sp>
+        <p:nvSpPr>
+          <p:cNvPr id="111" name="Arc 110"/>
+          <p:cNvSpPr/>
+          <p:nvPr/>
+        </p:nvSpPr>
+        <p:spPr>
+          <a:xfrm rot="14151145" flipH="1" flipV="1">
+            <a:off x="3397278" y="2779137"/>
+            <a:ext cx="313468" cy="265635"/>
+          </a:xfrm>
+          <a:prstGeom prst="arc">
+            <a:avLst>
+              <a:gd name="adj1" fmla="val 16663458"/>
+              <a:gd name="adj2" fmla="val 20671197"/>
+            </a:avLst>
+          </a:prstGeom>
+          <a:ln>
+            <a:solidFill>
+              <a:schemeClr val="tx1"/>
+            </a:solidFill>
+            <a:headEnd type="arrow" w="med" len="med"/>
+            <a:tailEnd type="none" w="med" len="med"/>
+          </a:ln>
+        </p:spPr>
+        <p:style>
+          <a:lnRef idx="1">
+            <a:schemeClr val="accent1"/>
+          </a:lnRef>
+          <a:fillRef idx="0">
+            <a:schemeClr val="accent1"/>
+          </a:fillRef>
+          <a:effectRef idx="0">
+            <a:schemeClr val="accent1"/>
+          </a:effectRef>
+          <a:fontRef idx="minor">
+            <a:schemeClr val="tx1"/>
+          </a:fontRef>
+        </p:style>
+        <p:txBody>
+          <a:bodyPr rtlCol="0" anchor="ctr"/>
+          <a:lstStyle/>
+          <a:p>
+            <a:pPr algn="ctr"/>
+            <a:endParaRPr lang="en-GB"/>
+          </a:p>
+        </p:txBody>
+      </p:sp>
+      <p:sp>
+        <p:nvSpPr>
+          <p:cNvPr id="112" name="Arc 111"/>
+          <p:cNvSpPr/>
+          <p:nvPr/>
+        </p:nvSpPr>
+        <p:spPr>
+          <a:xfrm rot="12402128" flipH="1" flipV="1">
+            <a:off x="4952969" y="3002180"/>
+            <a:ext cx="313468" cy="265635"/>
+          </a:xfrm>
+          <a:prstGeom prst="arc">
+            <a:avLst>
+              <a:gd name="adj1" fmla="val 16663458"/>
+              <a:gd name="adj2" fmla="val 20671197"/>
+            </a:avLst>
+          </a:prstGeom>
+          <a:ln>
+            <a:solidFill>
+              <a:schemeClr val="tx1"/>
+            </a:solidFill>
+            <a:headEnd type="arrow" w="med" len="med"/>
+            <a:tailEnd type="none" w="med" len="med"/>
+          </a:ln>
+        </p:spPr>
+        <p:style>
+          <a:lnRef idx="1">
+            <a:schemeClr val="accent1"/>
+          </a:lnRef>
+          <a:fillRef idx="0">
+            <a:schemeClr val="accent1"/>
+          </a:fillRef>
+          <a:effectRef idx="0">
+            <a:schemeClr val="accent1"/>
+          </a:effectRef>
+          <a:fontRef idx="minor">
+            <a:schemeClr val="tx1"/>
+          </a:fontRef>
+        </p:style>
+        <p:txBody>
+          <a:bodyPr rtlCol="0" anchor="ctr"/>
+          <a:lstStyle/>
+          <a:p>
+            <a:pPr algn="ctr"/>
+            <a:endParaRPr lang="en-GB"/>
+          </a:p>
+        </p:txBody>
+      </p:sp>
+      <p:sp>
+        <p:nvSpPr>
+          <p:cNvPr id="113" name="Arc 112"/>
+          <p:cNvSpPr/>
+          <p:nvPr/>
+        </p:nvSpPr>
+        <p:spPr>
+          <a:xfrm rot="1111206" flipH="1" flipV="1">
+            <a:off x="4618239" y="3002090"/>
+            <a:ext cx="313388" cy="328482"/>
+          </a:xfrm>
+          <a:prstGeom prst="arc">
+            <a:avLst>
+              <a:gd name="adj1" fmla="val 16663458"/>
+              <a:gd name="adj2" fmla="val 21231125"/>
+            </a:avLst>
+          </a:prstGeom>
+          <a:ln>
+            <a:solidFill>
+              <a:schemeClr val="tx1"/>
+            </a:solidFill>
+            <a:headEnd type="arrow" w="med" len="med"/>
+            <a:tailEnd type="none" w="med" len="med"/>
+          </a:ln>
+        </p:spPr>
+        <p:style>
+          <a:lnRef idx="1">
+            <a:schemeClr val="accent1"/>
+          </a:lnRef>
+          <a:fillRef idx="0">
+            <a:schemeClr val="accent1"/>
+          </a:fillRef>
+          <a:effectRef idx="0">
+            <a:schemeClr val="accent1"/>
+          </a:effectRef>
+          <a:fontRef idx="minor">
+            <a:schemeClr val="tx1"/>
+          </a:fontRef>
+        </p:style>
+        <p:txBody>
+          <a:bodyPr rtlCol="0" anchor="ctr"/>
+          <a:lstStyle/>
+          <a:p>
+            <a:pPr algn="ctr"/>
+            <a:endParaRPr lang="en-GB"/>
+          </a:p>
+        </p:txBody>
+      </p:sp>
+      <p:sp>
+        <p:nvSpPr>
+          <p:cNvPr id="115" name="Arc 114"/>
+          <p:cNvSpPr/>
+          <p:nvPr/>
+        </p:nvSpPr>
+        <p:spPr>
+          <a:xfrm rot="4410126" flipH="1" flipV="1">
+            <a:off x="7446415" y="2859888"/>
+            <a:ext cx="314125" cy="338984"/>
+          </a:xfrm>
+          <a:prstGeom prst="arc">
+            <a:avLst>
+              <a:gd name="adj1" fmla="val 16663458"/>
+              <a:gd name="adj2" fmla="val 20671197"/>
+            </a:avLst>
+          </a:prstGeom>
+          <a:ln>
+            <a:solidFill>
+              <a:schemeClr val="tx1"/>
+            </a:solidFill>
+            <a:headEnd type="none" w="med" len="med"/>
+            <a:tailEnd type="arrow" w="med" len="med"/>
+          </a:ln>
+        </p:spPr>
+        <p:style>
+          <a:lnRef idx="1">
+            <a:schemeClr val="accent1"/>
+          </a:lnRef>
+          <a:fillRef idx="0">
+            <a:schemeClr val="accent1"/>
+          </a:fillRef>
+          <a:effectRef idx="0">
+            <a:schemeClr val="accent1"/>
+          </a:effectRef>
+          <a:fontRef idx="minor">
+            <a:schemeClr val="tx1"/>
+          </a:fontRef>
+        </p:style>
+        <p:txBody>
+          <a:bodyPr rtlCol="0" anchor="ctr"/>
+          <a:lstStyle/>
+          <a:p>
+            <a:pPr algn="ctr"/>
+            <a:endParaRPr lang="en-GB"/>
+          </a:p>
+        </p:txBody>
+      </p:sp>
+      <p:sp>
+        <p:nvSpPr>
+          <p:cNvPr id="116" name="Arc 115"/>
+          <p:cNvSpPr/>
+          <p:nvPr/>
+        </p:nvSpPr>
+        <p:spPr>
+          <a:xfrm rot="15517079" flipH="1" flipV="1">
+            <a:off x="7858863" y="2930050"/>
+            <a:ext cx="249580" cy="283734"/>
+          </a:xfrm>
+          <a:prstGeom prst="arc">
+            <a:avLst>
+              <a:gd name="adj1" fmla="val 16663458"/>
+              <a:gd name="adj2" fmla="val 20671197"/>
+            </a:avLst>
+          </a:prstGeom>
+          <a:ln>
+            <a:solidFill>
+              <a:schemeClr val="tx1"/>
+            </a:solidFill>
+            <a:headEnd type="none" w="med" len="med"/>
+            <a:tailEnd type="arrow" w="med" len="med"/>
+          </a:ln>
+        </p:spPr>
+        <p:style>
+          <a:lnRef idx="1">
+            <a:schemeClr val="accent1"/>
+          </a:lnRef>
+          <a:fillRef idx="0">
+            <a:schemeClr val="accent1"/>
+          </a:fillRef>
+          <a:effectRef idx="0">
+            <a:schemeClr val="accent1"/>
+          </a:effectRef>
+          <a:fontRef idx="minor">
+            <a:schemeClr val="tx1"/>
+          </a:fontRef>
+        </p:style>
+        <p:txBody>
+          <a:bodyPr rtlCol="0" anchor="ctr"/>
+          <a:lstStyle/>
+          <a:p>
+            <a:pPr algn="ctr"/>
+            <a:endParaRPr lang="en-GB"/>
+          </a:p>
+        </p:txBody>
+      </p:sp>
+      <p:sp>
+        <p:nvSpPr>
+          <p:cNvPr id="137" name="Arc 136"/>
+          <p:cNvSpPr/>
+          <p:nvPr/>
+        </p:nvSpPr>
+        <p:spPr>
+          <a:xfrm rot="2789593" flipH="1" flipV="1">
+            <a:off x="8685324" y="2931787"/>
+            <a:ext cx="203728" cy="283326"/>
+          </a:xfrm>
+          <a:prstGeom prst="arc">
+            <a:avLst>
+              <a:gd name="adj1" fmla="val 16663458"/>
+              <a:gd name="adj2" fmla="val 20671197"/>
+            </a:avLst>
+          </a:prstGeom>
+          <a:ln>
+            <a:solidFill>
+              <a:schemeClr val="tx1"/>
+            </a:solidFill>
+            <a:headEnd type="none" w="med" len="med"/>
+            <a:tailEnd type="arrow" w="med" len="med"/>
+          </a:ln>
+        </p:spPr>
+        <p:style>
+          <a:lnRef idx="1">
+            <a:schemeClr val="accent1"/>
+          </a:lnRef>
+          <a:fillRef idx="0">
+            <a:schemeClr val="accent1"/>
+          </a:fillRef>
+          <a:effectRef idx="0">
+            <a:schemeClr val="accent1"/>
+          </a:effectRef>
+          <a:fontRef idx="minor">
+            <a:schemeClr val="tx1"/>
+          </a:fontRef>
+        </p:style>
+        <p:txBody>
+          <a:bodyPr rtlCol="0" anchor="ctr"/>
+          <a:lstStyle/>
+          <a:p>
+            <a:pPr algn="ctr"/>
+            <a:endParaRPr lang="en-GB" sz="1000"/>
+          </a:p>
+        </p:txBody>
+      </p:sp>
+      <p:sp>
+        <p:nvSpPr>
+          <p:cNvPr id="138" name="Arc 137"/>
+          <p:cNvSpPr/>
+          <p:nvPr/>
+        </p:nvSpPr>
+        <p:spPr>
+          <a:xfrm rot="13905692" flipH="1" flipV="1">
+            <a:off x="9429039" y="3014710"/>
+            <a:ext cx="224095" cy="390984"/>
+          </a:xfrm>
+          <a:prstGeom prst="arc">
+            <a:avLst>
+              <a:gd name="adj1" fmla="val 16663458"/>
+              <a:gd name="adj2" fmla="val 20671197"/>
+            </a:avLst>
+          </a:prstGeom>
+          <a:ln>
+            <a:solidFill>
+              <a:schemeClr val="tx1"/>
+            </a:solidFill>
+            <a:headEnd type="none" w="med" len="med"/>
+            <a:tailEnd type="arrow" w="med" len="med"/>
+          </a:ln>
+        </p:spPr>
+        <p:style>
+          <a:lnRef idx="1">
+            <a:schemeClr val="accent1"/>
+          </a:lnRef>
+          <a:fillRef idx="0">
+            <a:schemeClr val="accent1"/>
+          </a:fillRef>
+          <a:effectRef idx="0">
+            <a:schemeClr val="accent1"/>
+          </a:effectRef>
+          <a:fontRef idx="minor">
+            <a:schemeClr val="tx1"/>
+          </a:fontRef>
+        </p:style>
+        <p:txBody>
+          <a:bodyPr rtlCol="0" anchor="ctr"/>
+          <a:lstStyle/>
+          <a:p>
+            <a:pPr algn="ctr"/>
+            <a:endParaRPr lang="en-GB"/>
+          </a:p>
+        </p:txBody>
+      </p:sp>
+    </p:spTree>
+    <p:extLst>
+      <p:ext uri="{BB962C8B-B14F-4D97-AF65-F5344CB8AC3E}">
+        <p14:creationId xmlns:p14="http://schemas.microsoft.com/office/powerpoint/2010/main" val="4264108340"/>
       </p:ext>
     </p:extLst>
   </p:cSld>

--- a/20180518_AO_design_report/images/images_sketch.pptx
+++ b/20180518_AO_design_report/images/images_sketch.pptx
@@ -234,7 +234,7 @@
           <a:p>
             <a:fld id="{8EDEE2E2-4BE4-41CA-94FC-BC9DC2A64380}" type="datetimeFigureOut">
               <a:rPr lang="en-GB" smtClean="0"/>
-              <a:t>19/06/2018</a:t>
+              <a:t>20/06/2018</a:t>
             </a:fld>
             <a:endParaRPr lang="en-GB"/>
           </a:p>
@@ -633,7 +633,7 @@
           <a:p>
             <a:fld id="{24AF4860-EF53-429F-9816-8C3FCB6EDEF9}" type="datetimeFigureOut">
               <a:rPr lang="en-GB" smtClean="0"/>
-              <a:t>19/06/2018</a:t>
+              <a:t>20/06/2018</a:t>
             </a:fld>
             <a:endParaRPr lang="en-GB"/>
           </a:p>
@@ -803,7 +803,7 @@
           <a:p>
             <a:fld id="{24AF4860-EF53-429F-9816-8C3FCB6EDEF9}" type="datetimeFigureOut">
               <a:rPr lang="en-GB" smtClean="0"/>
-              <a:t>19/06/2018</a:t>
+              <a:t>20/06/2018</a:t>
             </a:fld>
             <a:endParaRPr lang="en-GB"/>
           </a:p>
@@ -983,7 +983,7 @@
           <a:p>
             <a:fld id="{24AF4860-EF53-429F-9816-8C3FCB6EDEF9}" type="datetimeFigureOut">
               <a:rPr lang="en-GB" smtClean="0"/>
-              <a:t>19/06/2018</a:t>
+              <a:t>20/06/2018</a:t>
             </a:fld>
             <a:endParaRPr lang="en-GB"/>
           </a:p>
@@ -1153,7 +1153,7 @@
           <a:p>
             <a:fld id="{24AF4860-EF53-429F-9816-8C3FCB6EDEF9}" type="datetimeFigureOut">
               <a:rPr lang="en-GB" smtClean="0"/>
-              <a:t>19/06/2018</a:t>
+              <a:t>20/06/2018</a:t>
             </a:fld>
             <a:endParaRPr lang="en-GB"/>
           </a:p>
@@ -1399,7 +1399,7 @@
           <a:p>
             <a:fld id="{24AF4860-EF53-429F-9816-8C3FCB6EDEF9}" type="datetimeFigureOut">
               <a:rPr lang="en-GB" smtClean="0"/>
-              <a:t>19/06/2018</a:t>
+              <a:t>20/06/2018</a:t>
             </a:fld>
             <a:endParaRPr lang="en-GB"/>
           </a:p>
@@ -1631,7 +1631,7 @@
           <a:p>
             <a:fld id="{24AF4860-EF53-429F-9816-8C3FCB6EDEF9}" type="datetimeFigureOut">
               <a:rPr lang="en-GB" smtClean="0"/>
-              <a:t>19/06/2018</a:t>
+              <a:t>20/06/2018</a:t>
             </a:fld>
             <a:endParaRPr lang="en-GB"/>
           </a:p>
@@ -1998,7 +1998,7 @@
           <a:p>
             <a:fld id="{24AF4860-EF53-429F-9816-8C3FCB6EDEF9}" type="datetimeFigureOut">
               <a:rPr lang="en-GB" smtClean="0"/>
-              <a:t>19/06/2018</a:t>
+              <a:t>20/06/2018</a:t>
             </a:fld>
             <a:endParaRPr lang="en-GB"/>
           </a:p>
@@ -2116,7 +2116,7 @@
           <a:p>
             <a:fld id="{24AF4860-EF53-429F-9816-8C3FCB6EDEF9}" type="datetimeFigureOut">
               <a:rPr lang="en-GB" smtClean="0"/>
-              <a:t>19/06/2018</a:t>
+              <a:t>20/06/2018</a:t>
             </a:fld>
             <a:endParaRPr lang="en-GB"/>
           </a:p>
@@ -2211,7 +2211,7 @@
           <a:p>
             <a:fld id="{24AF4860-EF53-429F-9816-8C3FCB6EDEF9}" type="datetimeFigureOut">
               <a:rPr lang="en-GB" smtClean="0"/>
-              <a:t>19/06/2018</a:t>
+              <a:t>20/06/2018</a:t>
             </a:fld>
             <a:endParaRPr lang="en-GB"/>
           </a:p>
@@ -2488,7 +2488,7 @@
           <a:p>
             <a:fld id="{24AF4860-EF53-429F-9816-8C3FCB6EDEF9}" type="datetimeFigureOut">
               <a:rPr lang="en-GB" smtClean="0"/>
-              <a:t>19/06/2018</a:t>
+              <a:t>20/06/2018</a:t>
             </a:fld>
             <a:endParaRPr lang="en-GB"/>
           </a:p>
@@ -2741,7 +2741,7 @@
           <a:p>
             <a:fld id="{24AF4860-EF53-429F-9816-8C3FCB6EDEF9}" type="datetimeFigureOut">
               <a:rPr lang="en-GB" smtClean="0"/>
-              <a:t>19/06/2018</a:t>
+              <a:t>20/06/2018</a:t>
             </a:fld>
             <a:endParaRPr lang="en-GB"/>
           </a:p>
@@ -2954,7 +2954,7 @@
           <a:p>
             <a:fld id="{24AF4860-EF53-429F-9816-8C3FCB6EDEF9}" type="datetimeFigureOut">
               <a:rPr lang="en-GB" smtClean="0"/>
-              <a:t>19/06/2018</a:t>
+              <a:t>20/06/2018</a:t>
             </a:fld>
             <a:endParaRPr lang="en-GB"/>
           </a:p>
@@ -7941,58 +7941,1116 @@
       </p:grpSpPr>
       <p:grpSp>
         <p:nvGrpSpPr>
-          <p:cNvPr id="20" name="Groupe 19"/>
+          <p:cNvPr id="2" name="Groupe 1"/>
           <p:cNvGrpSpPr/>
           <p:nvPr/>
         </p:nvGrpSpPr>
         <p:grpSpPr>
           <a:xfrm>
-            <a:off x="1565329" y="-2235200"/>
-            <a:ext cx="10337369" cy="7818469"/>
-            <a:chOff x="1565329" y="-2235200"/>
-            <a:chExt cx="10337369" cy="7818469"/>
+            <a:off x="1377950" y="-2235200"/>
+            <a:ext cx="10742613" cy="7818469"/>
+            <a:chOff x="1377950" y="-2235200"/>
+            <a:chExt cx="10742613" cy="7818469"/>
           </a:xfrm>
         </p:grpSpPr>
+        <p:grpSp>
+          <p:nvGrpSpPr>
+            <p:cNvPr id="20" name="Groupe 19"/>
+            <p:cNvGrpSpPr/>
+            <p:nvPr/>
+          </p:nvGrpSpPr>
+          <p:grpSpPr>
+            <a:xfrm>
+              <a:off x="1565329" y="-2235200"/>
+              <a:ext cx="10337369" cy="7818469"/>
+              <a:chOff x="1565329" y="-2235200"/>
+              <a:chExt cx="10337369" cy="7818469"/>
+            </a:xfrm>
+          </p:grpSpPr>
+          <p:sp>
+            <p:nvSpPr>
+              <p:cNvPr id="8" name="Organigramme : Entrée manuelle 7"/>
+              <p:cNvSpPr/>
+              <p:nvPr/>
+            </p:nvSpPr>
+            <p:spPr>
+              <a:xfrm rot="5400000">
+                <a:off x="1026762" y="2297629"/>
+                <a:ext cx="3742841" cy="1658317"/>
+              </a:xfrm>
+              <a:prstGeom prst="flowChartManualInput">
+                <a:avLst/>
+              </a:prstGeom>
+              <a:solidFill>
+                <a:schemeClr val="accent3">
+                  <a:lumMod val="20000"/>
+                  <a:lumOff val="80000"/>
+                </a:schemeClr>
+              </a:solidFill>
+              <a:ln>
+                <a:solidFill>
+                  <a:schemeClr val="tx1"/>
+                </a:solidFill>
+              </a:ln>
+            </p:spPr>
+            <p:style>
+              <a:lnRef idx="2">
+                <a:schemeClr val="accent1">
+                  <a:shade val="50000"/>
+                </a:schemeClr>
+              </a:lnRef>
+              <a:fillRef idx="1">
+                <a:schemeClr val="accent1"/>
+              </a:fillRef>
+              <a:effectRef idx="0">
+                <a:schemeClr val="accent1"/>
+              </a:effectRef>
+              <a:fontRef idx="minor">
+                <a:schemeClr val="lt1"/>
+              </a:fontRef>
+            </p:style>
+            <p:txBody>
+              <a:bodyPr rtlCol="0" anchor="ctr"/>
+              <a:lstStyle/>
+              <a:p>
+                <a:pPr algn="ctr"/>
+                <a:endParaRPr lang="en-GB" dirty="0"/>
+              </a:p>
+            </p:txBody>
+          </p:sp>
+          <p:sp>
+            <p:nvSpPr>
+              <p:cNvPr id="14" name="Triangle rectangle 13"/>
+              <p:cNvSpPr/>
+              <p:nvPr/>
+            </p:nvSpPr>
+            <p:spPr>
+              <a:xfrm rot="20766719">
+                <a:off x="3047778" y="-1901285"/>
+                <a:ext cx="2091800" cy="7256602"/>
+              </a:xfrm>
+              <a:prstGeom prst="rtTriangle">
+                <a:avLst/>
+              </a:prstGeom>
+              <a:solidFill>
+                <a:schemeClr val="accent3">
+                  <a:lumMod val="20000"/>
+                  <a:lumOff val="80000"/>
+                </a:schemeClr>
+              </a:solidFill>
+              <a:ln>
+                <a:solidFill>
+                  <a:schemeClr val="tx1"/>
+                </a:solidFill>
+              </a:ln>
+            </p:spPr>
+            <p:style>
+              <a:lnRef idx="2">
+                <a:schemeClr val="accent1">
+                  <a:shade val="50000"/>
+                </a:schemeClr>
+              </a:lnRef>
+              <a:fillRef idx="1">
+                <a:schemeClr val="accent1"/>
+              </a:fillRef>
+              <a:effectRef idx="0">
+                <a:schemeClr val="accent1"/>
+              </a:effectRef>
+              <a:fontRef idx="minor">
+                <a:schemeClr val="lt1"/>
+              </a:fontRef>
+            </p:style>
+            <p:txBody>
+              <a:bodyPr rtlCol="0" anchor="ctr"/>
+              <a:lstStyle/>
+              <a:p>
+                <a:pPr algn="ctr"/>
+                <a:endParaRPr lang="en-GB" dirty="0"/>
+              </a:p>
+            </p:txBody>
+          </p:sp>
+          <p:sp>
+            <p:nvSpPr>
+              <p:cNvPr id="12" name="Rectangle 11"/>
+              <p:cNvSpPr/>
+              <p:nvPr/>
+            </p:nvSpPr>
+            <p:spPr>
+              <a:xfrm>
+                <a:off x="1565329" y="-2235200"/>
+                <a:ext cx="3138407" cy="3847024"/>
+              </a:xfrm>
+              <a:prstGeom prst="rect">
+                <a:avLst/>
+              </a:prstGeom>
+              <a:solidFill>
+                <a:schemeClr val="bg1"/>
+              </a:solidFill>
+              <a:ln>
+                <a:noFill/>
+              </a:ln>
+            </p:spPr>
+            <p:style>
+              <a:lnRef idx="2">
+                <a:schemeClr val="accent1">
+                  <a:shade val="50000"/>
+                </a:schemeClr>
+              </a:lnRef>
+              <a:fillRef idx="1">
+                <a:schemeClr val="accent1"/>
+              </a:fillRef>
+              <a:effectRef idx="0">
+                <a:schemeClr val="accent1"/>
+              </a:effectRef>
+              <a:fontRef idx="minor">
+                <a:schemeClr val="lt1"/>
+              </a:fontRef>
+            </p:style>
+            <p:txBody>
+              <a:bodyPr rtlCol="0" anchor="ctr"/>
+              <a:lstStyle/>
+              <a:p>
+                <a:pPr algn="ctr"/>
+                <a:endParaRPr lang="en-GB" dirty="0"/>
+              </a:p>
+            </p:txBody>
+          </p:sp>
+          <p:sp>
+            <p:nvSpPr>
+              <p:cNvPr id="13" name="Rectangle 12"/>
+              <p:cNvSpPr/>
+              <p:nvPr/>
+            </p:nvSpPr>
+            <p:spPr>
+              <a:xfrm>
+                <a:off x="1786179" y="4413147"/>
+                <a:ext cx="10116519" cy="1170122"/>
+              </a:xfrm>
+              <a:prstGeom prst="rect">
+                <a:avLst/>
+              </a:prstGeom>
+              <a:solidFill>
+                <a:schemeClr val="bg1"/>
+              </a:solidFill>
+              <a:ln>
+                <a:noFill/>
+              </a:ln>
+            </p:spPr>
+            <p:style>
+              <a:lnRef idx="2">
+                <a:schemeClr val="accent1">
+                  <a:shade val="50000"/>
+                </a:schemeClr>
+              </a:lnRef>
+              <a:fillRef idx="1">
+                <a:schemeClr val="accent1"/>
+              </a:fillRef>
+              <a:effectRef idx="0">
+                <a:schemeClr val="accent1"/>
+              </a:effectRef>
+              <a:fontRef idx="minor">
+                <a:schemeClr val="lt1"/>
+              </a:fontRef>
+            </p:style>
+            <p:txBody>
+              <a:bodyPr rtlCol="0" anchor="ctr"/>
+              <a:lstStyle/>
+              <a:p>
+                <a:pPr algn="ctr"/>
+                <a:endParaRPr lang="en-GB" dirty="0"/>
+              </a:p>
+            </p:txBody>
+          </p:sp>
+          <p:cxnSp>
+            <p:nvCxnSpPr>
+              <p:cNvPr id="16" name="Connecteur droit 15"/>
+              <p:cNvCxnSpPr/>
+              <p:nvPr/>
+            </p:nvCxnSpPr>
+            <p:spPr>
+              <a:xfrm>
+                <a:off x="2069024" y="1611824"/>
+                <a:ext cx="1977196" cy="0"/>
+              </a:xfrm>
+              <a:prstGeom prst="line">
+                <a:avLst/>
+              </a:prstGeom>
+              <a:ln w="12700">
+                <a:solidFill>
+                  <a:schemeClr val="tx1"/>
+                </a:solidFill>
+              </a:ln>
+            </p:spPr>
+            <p:style>
+              <a:lnRef idx="1">
+                <a:schemeClr val="accent1"/>
+              </a:lnRef>
+              <a:fillRef idx="0">
+                <a:schemeClr val="accent1"/>
+              </a:fillRef>
+              <a:effectRef idx="0">
+                <a:schemeClr val="accent1"/>
+              </a:effectRef>
+              <a:fontRef idx="minor">
+                <a:schemeClr val="tx1"/>
+              </a:fontRef>
+            </p:style>
+          </p:cxnSp>
+          <p:cxnSp>
+            <p:nvCxnSpPr>
+              <p:cNvPr id="17" name="Connecteur droit 16"/>
+              <p:cNvCxnSpPr/>
+              <p:nvPr/>
+            </p:nvCxnSpPr>
+            <p:spPr>
+              <a:xfrm>
+                <a:off x="2069024" y="4394291"/>
+                <a:ext cx="3569776" cy="18856"/>
+              </a:xfrm>
+              <a:prstGeom prst="line">
+                <a:avLst/>
+              </a:prstGeom>
+              <a:ln w="12700">
+                <a:solidFill>
+                  <a:schemeClr val="tx1"/>
+                </a:solidFill>
+              </a:ln>
+            </p:spPr>
+            <p:style>
+              <a:lnRef idx="1">
+                <a:schemeClr val="accent1"/>
+              </a:lnRef>
+              <a:fillRef idx="0">
+                <a:schemeClr val="accent1"/>
+              </a:fillRef>
+              <a:effectRef idx="0">
+                <a:schemeClr val="accent1"/>
+              </a:effectRef>
+              <a:fontRef idx="minor">
+                <a:schemeClr val="tx1"/>
+              </a:fontRef>
+            </p:style>
+          </p:cxnSp>
+          <p:pic>
+            <p:nvPicPr>
+              <p:cNvPr id="19" name="Image 18"/>
+              <p:cNvPicPr>
+                <a:picLocks noChangeAspect="1"/>
+              </p:cNvPicPr>
+              <p:nvPr/>
+            </p:nvPicPr>
+            <p:blipFill>
+              <a:blip r:embed="rId2"/>
+              <a:stretch>
+                <a:fillRect/>
+              </a:stretch>
+            </p:blipFill>
+            <p:spPr>
+              <a:xfrm flipH="1">
+                <a:off x="6936217" y="1596584"/>
+                <a:ext cx="3636451" cy="2868736"/>
+              </a:xfrm>
+              <a:prstGeom prst="rect">
+                <a:avLst/>
+              </a:prstGeom>
+            </p:spPr>
+          </p:pic>
+        </p:grpSp>
+        <p:grpSp>
+          <p:nvGrpSpPr>
+            <p:cNvPr id="99" name="Groupe 98"/>
+            <p:cNvGrpSpPr/>
+            <p:nvPr/>
+          </p:nvGrpSpPr>
+          <p:grpSpPr>
+            <a:xfrm>
+              <a:off x="1377950" y="1611824"/>
+              <a:ext cx="10742613" cy="1687612"/>
+              <a:chOff x="1377950" y="1611824"/>
+              <a:chExt cx="10742613" cy="1687612"/>
+            </a:xfrm>
+          </p:grpSpPr>
+          <p:cxnSp>
+            <p:nvCxnSpPr>
+              <p:cNvPr id="22" name="Connecteur droit 21"/>
+              <p:cNvCxnSpPr/>
+              <p:nvPr/>
+            </p:nvCxnSpPr>
+            <p:spPr>
+              <a:xfrm>
+                <a:off x="2971800" y="1611824"/>
+                <a:ext cx="12700" cy="890076"/>
+              </a:xfrm>
+              <a:prstGeom prst="line">
+                <a:avLst/>
+              </a:prstGeom>
+              <a:ln>
+                <a:solidFill>
+                  <a:schemeClr val="tx1"/>
+                </a:solidFill>
+                <a:prstDash val="lgDash"/>
+              </a:ln>
+            </p:spPr>
+            <p:style>
+              <a:lnRef idx="1">
+                <a:schemeClr val="accent1"/>
+              </a:lnRef>
+              <a:fillRef idx="0">
+                <a:schemeClr val="accent1"/>
+              </a:fillRef>
+              <a:effectRef idx="0">
+                <a:schemeClr val="accent1"/>
+              </a:effectRef>
+              <a:fontRef idx="minor">
+                <a:schemeClr val="tx1"/>
+              </a:fontRef>
+            </p:style>
+          </p:cxnSp>
+          <p:cxnSp>
+            <p:nvCxnSpPr>
+              <p:cNvPr id="23" name="Connecteur droit 22"/>
+              <p:cNvCxnSpPr/>
+              <p:nvPr/>
+            </p:nvCxnSpPr>
+            <p:spPr>
+              <a:xfrm>
+                <a:off x="4031152" y="1611824"/>
+                <a:ext cx="12700" cy="890076"/>
+              </a:xfrm>
+              <a:prstGeom prst="line">
+                <a:avLst/>
+              </a:prstGeom>
+              <a:ln>
+                <a:solidFill>
+                  <a:schemeClr val="tx1"/>
+                </a:solidFill>
+                <a:prstDash val="lgDash"/>
+              </a:ln>
+            </p:spPr>
+            <p:style>
+              <a:lnRef idx="1">
+                <a:schemeClr val="accent1"/>
+              </a:lnRef>
+              <a:fillRef idx="0">
+                <a:schemeClr val="accent1"/>
+              </a:fillRef>
+              <a:effectRef idx="0">
+                <a:schemeClr val="accent1"/>
+              </a:effectRef>
+              <a:fontRef idx="minor">
+                <a:schemeClr val="tx1"/>
+              </a:fontRef>
+            </p:style>
+          </p:cxnSp>
+          <p:cxnSp>
+            <p:nvCxnSpPr>
+              <p:cNvPr id="24" name="Connecteur droit 23"/>
+              <p:cNvCxnSpPr/>
+              <p:nvPr/>
+            </p:nvCxnSpPr>
+            <p:spPr>
+              <a:xfrm flipH="1">
+                <a:off x="8571402" y="1611824"/>
+                <a:ext cx="1" cy="508774"/>
+              </a:xfrm>
+              <a:prstGeom prst="line">
+                <a:avLst/>
+              </a:prstGeom>
+              <a:ln>
+                <a:solidFill>
+                  <a:schemeClr val="tx1"/>
+                </a:solidFill>
+                <a:prstDash val="lgDash"/>
+              </a:ln>
+            </p:spPr>
+            <p:style>
+              <a:lnRef idx="1">
+                <a:schemeClr val="accent1"/>
+              </a:lnRef>
+              <a:fillRef idx="0">
+                <a:schemeClr val="accent1"/>
+              </a:fillRef>
+              <a:effectRef idx="0">
+                <a:schemeClr val="accent1"/>
+              </a:effectRef>
+              <a:fontRef idx="minor">
+                <a:schemeClr val="tx1"/>
+              </a:fontRef>
+            </p:style>
+          </p:cxnSp>
+          <p:cxnSp>
+            <p:nvCxnSpPr>
+              <p:cNvPr id="25" name="Connecteur droit 24"/>
+              <p:cNvCxnSpPr/>
+              <p:nvPr/>
+            </p:nvCxnSpPr>
+            <p:spPr>
+              <a:xfrm>
+                <a:off x="9619152" y="1623987"/>
+                <a:ext cx="0" cy="579463"/>
+              </a:xfrm>
+              <a:prstGeom prst="line">
+                <a:avLst/>
+              </a:prstGeom>
+              <a:ln>
+                <a:solidFill>
+                  <a:schemeClr val="tx1"/>
+                </a:solidFill>
+                <a:prstDash val="lgDash"/>
+              </a:ln>
+            </p:spPr>
+            <p:style>
+              <a:lnRef idx="1">
+                <a:schemeClr val="accent1"/>
+              </a:lnRef>
+              <a:fillRef idx="0">
+                <a:schemeClr val="accent1"/>
+              </a:fillRef>
+              <a:effectRef idx="0">
+                <a:schemeClr val="accent1"/>
+              </a:effectRef>
+              <a:fontRef idx="minor">
+                <a:schemeClr val="tx1"/>
+              </a:fontRef>
+            </p:style>
+          </p:cxnSp>
+          <p:sp>
+            <p:nvSpPr>
+              <p:cNvPr id="26" name="ZoneTexte 25"/>
+              <p:cNvSpPr txBox="1"/>
+              <p:nvPr/>
+            </p:nvSpPr>
+            <p:spPr>
+              <a:xfrm>
+                <a:off x="2911956" y="2142521"/>
+                <a:ext cx="325730" cy="276999"/>
+              </a:xfrm>
+              <a:prstGeom prst="rect">
+                <a:avLst/>
+              </a:prstGeom>
+              <a:noFill/>
+            </p:spPr>
+            <p:txBody>
+              <a:bodyPr wrap="none" rtlCol="0">
+                <a:spAutoFit/>
+              </a:bodyPr>
+              <a:lstStyle/>
+              <a:p>
+                <a:r>
+                  <a:rPr lang="el-GR" sz="1200" dirty="0" smtClean="0"/>
+                  <a:t>θ</a:t>
+                </a:r>
+                <a:r>
+                  <a:rPr lang="fr-CH" sz="1200" baseline="-25000" dirty="0" smtClean="0"/>
+                  <a:t>A</a:t>
+                </a:r>
+                <a:endParaRPr lang="en-GB" sz="1200" baseline="-25000" dirty="0"/>
+              </a:p>
+            </p:txBody>
+          </p:sp>
+          <p:sp>
+            <p:nvSpPr>
+              <p:cNvPr id="27" name="ZoneTexte 26"/>
+              <p:cNvSpPr txBox="1"/>
+              <p:nvPr/>
+            </p:nvSpPr>
+            <p:spPr>
+              <a:xfrm>
+                <a:off x="4002016" y="1866892"/>
+                <a:ext cx="325730" cy="276999"/>
+              </a:xfrm>
+              <a:prstGeom prst="rect">
+                <a:avLst/>
+              </a:prstGeom>
+              <a:noFill/>
+            </p:spPr>
+            <p:txBody>
+              <a:bodyPr wrap="none" rtlCol="0">
+                <a:spAutoFit/>
+              </a:bodyPr>
+              <a:lstStyle/>
+              <a:p>
+                <a:r>
+                  <a:rPr lang="el-GR" sz="1200" dirty="0" smtClean="0"/>
+                  <a:t>θ</a:t>
+                </a:r>
+                <a:r>
+                  <a:rPr lang="fr-CH" sz="1200" baseline="-25000" dirty="0" smtClean="0"/>
+                  <a:t>B</a:t>
+                </a:r>
+                <a:endParaRPr lang="en-GB" sz="1200" baseline="-25000" dirty="0"/>
+              </a:p>
+            </p:txBody>
+          </p:sp>
+          <p:sp>
+            <p:nvSpPr>
+              <p:cNvPr id="28" name="ZoneTexte 27"/>
+              <p:cNvSpPr txBox="1"/>
+              <p:nvPr/>
+            </p:nvSpPr>
+            <p:spPr>
+              <a:xfrm>
+                <a:off x="8569274" y="1790338"/>
+                <a:ext cx="325730" cy="276999"/>
+              </a:xfrm>
+              <a:prstGeom prst="rect">
+                <a:avLst/>
+              </a:prstGeom>
+              <a:noFill/>
+            </p:spPr>
+            <p:txBody>
+              <a:bodyPr wrap="none" rtlCol="0">
+                <a:spAutoFit/>
+              </a:bodyPr>
+              <a:lstStyle/>
+              <a:p>
+                <a:r>
+                  <a:rPr lang="el-GR" sz="1200" dirty="0" smtClean="0"/>
+                  <a:t>θ</a:t>
+                </a:r>
+                <a:r>
+                  <a:rPr lang="fr-CH" sz="1200" baseline="-25000" dirty="0" smtClean="0"/>
+                  <a:t>B</a:t>
+                </a:r>
+                <a:endParaRPr lang="en-GB" sz="1200" baseline="-25000" dirty="0"/>
+              </a:p>
+            </p:txBody>
+          </p:sp>
+          <p:sp>
+            <p:nvSpPr>
+              <p:cNvPr id="29" name="ZoneTexte 28"/>
+              <p:cNvSpPr txBox="1"/>
+              <p:nvPr/>
+            </p:nvSpPr>
+            <p:spPr>
+              <a:xfrm>
+                <a:off x="9404952" y="2135752"/>
+                <a:ext cx="325730" cy="276999"/>
+              </a:xfrm>
+              <a:prstGeom prst="rect">
+                <a:avLst/>
+              </a:prstGeom>
+              <a:noFill/>
+            </p:spPr>
+            <p:txBody>
+              <a:bodyPr wrap="none" rtlCol="0">
+                <a:spAutoFit/>
+              </a:bodyPr>
+              <a:lstStyle/>
+              <a:p>
+                <a:r>
+                  <a:rPr lang="el-GR" sz="1200" dirty="0" smtClean="0"/>
+                  <a:t>θ</a:t>
+                </a:r>
+                <a:r>
+                  <a:rPr lang="fr-CH" sz="1200" baseline="-25000" dirty="0" smtClean="0"/>
+                  <a:t>A</a:t>
+                </a:r>
+                <a:endParaRPr lang="en-GB" sz="1200" baseline="-25000" dirty="0"/>
+              </a:p>
+            </p:txBody>
+          </p:sp>
+          <p:cxnSp>
+            <p:nvCxnSpPr>
+              <p:cNvPr id="31" name="Connecteur droit 30"/>
+              <p:cNvCxnSpPr/>
+              <p:nvPr/>
+            </p:nvCxnSpPr>
+            <p:spPr>
+              <a:xfrm>
+                <a:off x="1733550" y="2501900"/>
+                <a:ext cx="761823" cy="0"/>
+              </a:xfrm>
+              <a:prstGeom prst="line">
+                <a:avLst/>
+              </a:prstGeom>
+              <a:ln>
+                <a:solidFill>
+                  <a:schemeClr val="tx1"/>
+                </a:solidFill>
+                <a:prstDash val="dashDot"/>
+              </a:ln>
+            </p:spPr>
+            <p:style>
+              <a:lnRef idx="1">
+                <a:schemeClr val="accent1"/>
+              </a:lnRef>
+              <a:fillRef idx="0">
+                <a:schemeClr val="accent1"/>
+              </a:fillRef>
+              <a:effectRef idx="0">
+                <a:schemeClr val="accent1"/>
+              </a:effectRef>
+              <a:fontRef idx="minor">
+                <a:schemeClr val="tx1"/>
+              </a:fontRef>
+            </p:style>
+          </p:cxnSp>
+          <p:cxnSp>
+            <p:nvCxnSpPr>
+              <p:cNvPr id="36" name="Connecteur droit 35"/>
+              <p:cNvCxnSpPr/>
+              <p:nvPr/>
+            </p:nvCxnSpPr>
+            <p:spPr>
+              <a:xfrm flipV="1">
+                <a:off x="3049757" y="2871969"/>
+                <a:ext cx="590550" cy="154437"/>
+              </a:xfrm>
+              <a:prstGeom prst="line">
+                <a:avLst/>
+              </a:prstGeom>
+              <a:ln>
+                <a:solidFill>
+                  <a:schemeClr val="tx1"/>
+                </a:solidFill>
+                <a:prstDash val="dashDot"/>
+              </a:ln>
+            </p:spPr>
+            <p:style>
+              <a:lnRef idx="1">
+                <a:schemeClr val="accent1"/>
+              </a:lnRef>
+              <a:fillRef idx="0">
+                <a:schemeClr val="accent1"/>
+              </a:fillRef>
+              <a:effectRef idx="0">
+                <a:schemeClr val="accent1"/>
+              </a:effectRef>
+              <a:fontRef idx="minor">
+                <a:schemeClr val="tx1"/>
+              </a:fontRef>
+            </p:style>
+          </p:cxnSp>
+          <p:cxnSp>
+            <p:nvCxnSpPr>
+              <p:cNvPr id="38" name="Connecteur droit 37"/>
+              <p:cNvCxnSpPr/>
+              <p:nvPr/>
+            </p:nvCxnSpPr>
+            <p:spPr>
+              <a:xfrm>
+                <a:off x="1377950" y="2001618"/>
+                <a:ext cx="691074" cy="500282"/>
+              </a:xfrm>
+              <a:prstGeom prst="line">
+                <a:avLst/>
+              </a:prstGeom>
+              <a:ln w="28575">
+                <a:solidFill>
+                  <a:schemeClr val="accent4"/>
+                </a:solidFill>
+              </a:ln>
+            </p:spPr>
+            <p:style>
+              <a:lnRef idx="1">
+                <a:schemeClr val="accent1"/>
+              </a:lnRef>
+              <a:fillRef idx="0">
+                <a:schemeClr val="accent1"/>
+              </a:fillRef>
+              <a:effectRef idx="0">
+                <a:schemeClr val="accent1"/>
+              </a:effectRef>
+              <a:fontRef idx="minor">
+                <a:schemeClr val="tx1"/>
+              </a:fontRef>
+            </p:style>
+          </p:cxnSp>
+          <p:cxnSp>
+            <p:nvCxnSpPr>
+              <p:cNvPr id="39" name="Connecteur droit 38"/>
+              <p:cNvCxnSpPr/>
+              <p:nvPr/>
+            </p:nvCxnSpPr>
+            <p:spPr>
+              <a:xfrm>
+                <a:off x="2079087" y="2502775"/>
+                <a:ext cx="1231776" cy="447441"/>
+              </a:xfrm>
+              <a:prstGeom prst="line">
+                <a:avLst/>
+              </a:prstGeom>
+              <a:ln w="28575">
+                <a:solidFill>
+                  <a:schemeClr val="accent4"/>
+                </a:solidFill>
+              </a:ln>
+            </p:spPr>
+            <p:style>
+              <a:lnRef idx="1">
+                <a:schemeClr val="accent1"/>
+              </a:lnRef>
+              <a:fillRef idx="0">
+                <a:schemeClr val="accent1"/>
+              </a:fillRef>
+              <a:effectRef idx="0">
+                <a:schemeClr val="accent1"/>
+              </a:effectRef>
+              <a:fontRef idx="minor">
+                <a:schemeClr val="tx1"/>
+              </a:fontRef>
+            </p:style>
+          </p:cxnSp>
+          <p:cxnSp>
+            <p:nvCxnSpPr>
+              <p:cNvPr id="43" name="Connecteur droit 42"/>
+              <p:cNvCxnSpPr/>
+              <p:nvPr/>
+            </p:nvCxnSpPr>
+            <p:spPr>
+              <a:xfrm>
+                <a:off x="3315080" y="2949188"/>
+                <a:ext cx="1604672" cy="245456"/>
+              </a:xfrm>
+              <a:prstGeom prst="line">
+                <a:avLst/>
+              </a:prstGeom>
+              <a:ln w="28575">
+                <a:solidFill>
+                  <a:schemeClr val="accent4"/>
+                </a:solidFill>
+              </a:ln>
+            </p:spPr>
+            <p:style>
+              <a:lnRef idx="1">
+                <a:schemeClr val="accent1"/>
+              </a:lnRef>
+              <a:fillRef idx="0">
+                <a:schemeClr val="accent1"/>
+              </a:fillRef>
+              <a:effectRef idx="0">
+                <a:schemeClr val="accent1"/>
+              </a:effectRef>
+              <a:fontRef idx="minor">
+                <a:schemeClr val="tx1"/>
+              </a:fontRef>
+            </p:style>
+          </p:cxnSp>
+          <p:cxnSp>
+            <p:nvCxnSpPr>
+              <p:cNvPr id="45" name="Connecteur droit 44"/>
+              <p:cNvCxnSpPr/>
+              <p:nvPr/>
+            </p:nvCxnSpPr>
+            <p:spPr>
+              <a:xfrm flipV="1">
+                <a:off x="4718008" y="3026406"/>
+                <a:ext cx="464480" cy="273030"/>
+              </a:xfrm>
+              <a:prstGeom prst="line">
+                <a:avLst/>
+              </a:prstGeom>
+              <a:ln>
+                <a:solidFill>
+                  <a:schemeClr val="tx1"/>
+                </a:solidFill>
+                <a:prstDash val="dashDot"/>
+              </a:ln>
+            </p:spPr>
+            <p:style>
+              <a:lnRef idx="1">
+                <a:schemeClr val="accent1"/>
+              </a:lnRef>
+              <a:fillRef idx="0">
+                <a:schemeClr val="accent1"/>
+              </a:fillRef>
+              <a:effectRef idx="0">
+                <a:schemeClr val="accent1"/>
+              </a:effectRef>
+              <a:fontRef idx="minor">
+                <a:schemeClr val="tx1"/>
+              </a:fontRef>
+            </p:style>
+          </p:cxnSp>
+          <p:cxnSp>
+            <p:nvCxnSpPr>
+              <p:cNvPr id="47" name="Connecteur droit 46"/>
+              <p:cNvCxnSpPr/>
+              <p:nvPr/>
+            </p:nvCxnSpPr>
+            <p:spPr>
+              <a:xfrm flipV="1">
+                <a:off x="4924043" y="3022230"/>
+                <a:ext cx="2852220" cy="166930"/>
+              </a:xfrm>
+              <a:prstGeom prst="line">
+                <a:avLst/>
+              </a:prstGeom>
+              <a:ln w="28575">
+                <a:solidFill>
+                  <a:schemeClr val="accent4"/>
+                </a:solidFill>
+              </a:ln>
+            </p:spPr>
+            <p:style>
+              <a:lnRef idx="1">
+                <a:schemeClr val="accent1"/>
+              </a:lnRef>
+              <a:fillRef idx="0">
+                <a:schemeClr val="accent1"/>
+              </a:fillRef>
+              <a:effectRef idx="0">
+                <a:schemeClr val="accent1"/>
+              </a:effectRef>
+              <a:fontRef idx="minor">
+                <a:schemeClr val="tx1"/>
+              </a:fontRef>
+            </p:style>
+          </p:cxnSp>
+          <p:cxnSp>
+            <p:nvCxnSpPr>
+              <p:cNvPr id="56" name="Connecteur droit 55"/>
+              <p:cNvCxnSpPr/>
+              <p:nvPr/>
+            </p:nvCxnSpPr>
+            <p:spPr>
+              <a:xfrm>
+                <a:off x="7541847" y="2911954"/>
+                <a:ext cx="468832" cy="234853"/>
+              </a:xfrm>
+              <a:prstGeom prst="line">
+                <a:avLst/>
+              </a:prstGeom>
+              <a:ln>
+                <a:solidFill>
+                  <a:schemeClr val="tx1"/>
+                </a:solidFill>
+                <a:prstDash val="dashDot"/>
+              </a:ln>
+            </p:spPr>
+            <p:style>
+              <a:lnRef idx="1">
+                <a:schemeClr val="accent1"/>
+              </a:lnRef>
+              <a:fillRef idx="0">
+                <a:schemeClr val="accent1"/>
+              </a:fillRef>
+              <a:effectRef idx="0">
+                <a:schemeClr val="accent1"/>
+              </a:effectRef>
+              <a:fontRef idx="minor">
+                <a:schemeClr val="tx1"/>
+              </a:fontRef>
+            </p:style>
+          </p:cxnSp>
+          <p:cxnSp>
+            <p:nvCxnSpPr>
+              <p:cNvPr id="59" name="Connecteur droit 58"/>
+              <p:cNvCxnSpPr/>
+              <p:nvPr/>
+            </p:nvCxnSpPr>
+            <p:spPr>
+              <a:xfrm>
+                <a:off x="7776263" y="3030905"/>
+                <a:ext cx="1462987" cy="158255"/>
+              </a:xfrm>
+              <a:prstGeom prst="line">
+                <a:avLst/>
+              </a:prstGeom>
+              <a:ln w="28575">
+                <a:solidFill>
+                  <a:schemeClr val="accent4"/>
+                </a:solidFill>
+              </a:ln>
+            </p:spPr>
+            <p:style>
+              <a:lnRef idx="1">
+                <a:schemeClr val="accent1"/>
+              </a:lnRef>
+              <a:fillRef idx="0">
+                <a:schemeClr val="accent1"/>
+              </a:fillRef>
+              <a:effectRef idx="0">
+                <a:schemeClr val="accent1"/>
+              </a:effectRef>
+              <a:fontRef idx="minor">
+                <a:schemeClr val="tx1"/>
+              </a:fontRef>
+            </p:style>
+          </p:cxnSp>
+          <p:cxnSp>
+            <p:nvCxnSpPr>
+              <p:cNvPr id="63" name="Connecteur droit 62"/>
+              <p:cNvCxnSpPr>
+                <a:endCxn id="19" idx="1"/>
+              </p:cNvCxnSpPr>
+              <p:nvPr/>
+            </p:nvCxnSpPr>
+            <p:spPr>
+              <a:xfrm flipV="1">
+                <a:off x="9234450" y="3030952"/>
+                <a:ext cx="1338218" cy="140119"/>
+              </a:xfrm>
+              <a:prstGeom prst="line">
+                <a:avLst/>
+              </a:prstGeom>
+              <a:ln w="28575">
+                <a:solidFill>
+                  <a:schemeClr val="accent4"/>
+                </a:solidFill>
+              </a:ln>
+            </p:spPr>
+            <p:style>
+              <a:lnRef idx="1">
+                <a:schemeClr val="accent1"/>
+              </a:lnRef>
+              <a:fillRef idx="0">
+                <a:schemeClr val="accent1"/>
+              </a:fillRef>
+              <a:effectRef idx="0">
+                <a:schemeClr val="accent1"/>
+              </a:effectRef>
+              <a:fontRef idx="minor">
+                <a:schemeClr val="tx1"/>
+              </a:fontRef>
+            </p:style>
+          </p:cxnSp>
+          <p:cxnSp>
+            <p:nvCxnSpPr>
+              <p:cNvPr id="61" name="Connecteur droit 60"/>
+              <p:cNvCxnSpPr/>
+              <p:nvPr/>
+            </p:nvCxnSpPr>
+            <p:spPr>
+              <a:xfrm>
+                <a:off x="8718829" y="3060749"/>
+                <a:ext cx="998088" cy="221470"/>
+              </a:xfrm>
+              <a:prstGeom prst="line">
+                <a:avLst/>
+              </a:prstGeom>
+              <a:ln>
+                <a:solidFill>
+                  <a:schemeClr val="tx1"/>
+                </a:solidFill>
+                <a:prstDash val="dashDot"/>
+              </a:ln>
+            </p:spPr>
+            <p:style>
+              <a:lnRef idx="1">
+                <a:schemeClr val="accent1"/>
+              </a:lnRef>
+              <a:fillRef idx="0">
+                <a:schemeClr val="accent1"/>
+              </a:fillRef>
+              <a:effectRef idx="0">
+                <a:schemeClr val="accent1"/>
+              </a:effectRef>
+              <a:fontRef idx="minor">
+                <a:schemeClr val="tx1"/>
+              </a:fontRef>
+            </p:style>
+          </p:cxnSp>
+          <p:cxnSp>
+            <p:nvCxnSpPr>
+              <p:cNvPr id="80" name="Connecteur droit 79"/>
+              <p:cNvCxnSpPr/>
+              <p:nvPr/>
+            </p:nvCxnSpPr>
+            <p:spPr>
+              <a:xfrm flipV="1">
+                <a:off x="10529887" y="2973793"/>
+                <a:ext cx="1590676" cy="61079"/>
+              </a:xfrm>
+              <a:prstGeom prst="line">
+                <a:avLst/>
+              </a:prstGeom>
+              <a:ln w="28575">
+                <a:solidFill>
+                  <a:schemeClr val="accent4"/>
+                </a:solidFill>
+              </a:ln>
+            </p:spPr>
+            <p:style>
+              <a:lnRef idx="1">
+                <a:schemeClr val="accent1"/>
+              </a:lnRef>
+              <a:fillRef idx="0">
+                <a:schemeClr val="accent1"/>
+              </a:fillRef>
+              <a:effectRef idx="0">
+                <a:schemeClr val="accent1"/>
+              </a:effectRef>
+              <a:fontRef idx="minor">
+                <a:schemeClr val="tx1"/>
+              </a:fontRef>
+            </p:style>
+          </p:cxnSp>
+          <p:cxnSp>
+            <p:nvCxnSpPr>
+              <p:cNvPr id="70" name="Connecteur droit 69"/>
+              <p:cNvCxnSpPr/>
+              <p:nvPr/>
+            </p:nvCxnSpPr>
+            <p:spPr>
+              <a:xfrm>
+                <a:off x="9948863" y="3020715"/>
+                <a:ext cx="2135981" cy="1515"/>
+              </a:xfrm>
+              <a:prstGeom prst="line">
+                <a:avLst/>
+              </a:prstGeom>
+              <a:ln>
+                <a:solidFill>
+                  <a:schemeClr val="tx1"/>
+                </a:solidFill>
+                <a:prstDash val="dashDot"/>
+              </a:ln>
+            </p:spPr>
+            <p:style>
+              <a:lnRef idx="1">
+                <a:schemeClr val="accent1"/>
+              </a:lnRef>
+              <a:fillRef idx="0">
+                <a:schemeClr val="accent1"/>
+              </a:fillRef>
+              <a:effectRef idx="0">
+                <a:schemeClr val="accent1"/>
+              </a:effectRef>
+              <a:fontRef idx="minor">
+                <a:schemeClr val="tx1"/>
+              </a:fontRef>
+            </p:style>
+          </p:cxnSp>
+        </p:grpSp>
         <p:sp>
           <p:nvSpPr>
-            <p:cNvPr id="8" name="Organigramme : Entrée manuelle 7"/>
+            <p:cNvPr id="107" name="Arc 106"/>
             <p:cNvSpPr/>
             <p:nvPr/>
           </p:nvSpPr>
           <p:spPr>
-            <a:xfrm rot="5400000">
-              <a:off x="1026762" y="2297629"/>
-              <a:ext cx="3742841" cy="1658317"/>
+            <a:xfrm rot="4410126" flipH="1" flipV="1">
+              <a:off x="1726170" y="2291972"/>
+              <a:ext cx="346654" cy="351887"/>
             </a:xfrm>
-            <a:prstGeom prst="flowChartManualInput">
-              <a:avLst/>
+            <a:prstGeom prst="arc">
+              <a:avLst>
+                <a:gd name="adj1" fmla="val 16663458"/>
+                <a:gd name="adj2" fmla="val 20671197"/>
+              </a:avLst>
             </a:prstGeom>
-            <a:solidFill>
-              <a:schemeClr val="accent3">
-                <a:lumMod val="20000"/>
-                <a:lumOff val="80000"/>
-              </a:schemeClr>
-            </a:solidFill>
             <a:ln>
               <a:solidFill>
                 <a:schemeClr val="tx1"/>
               </a:solidFill>
+              <a:headEnd type="arrow" w="med" len="med"/>
+              <a:tailEnd type="none" w="med" len="med"/>
             </a:ln>
           </p:spPr>
           <p:style>
-            <a:lnRef idx="2">
-              <a:schemeClr val="accent1">
-                <a:shade val="50000"/>
-              </a:schemeClr>
+            <a:lnRef idx="1">
+              <a:schemeClr val="accent1"/>
             </a:lnRef>
-            <a:fillRef idx="1">
+            <a:fillRef idx="0">
               <a:schemeClr val="accent1"/>
             </a:fillRef>
             <a:effectRef idx="0">
               <a:schemeClr val="accent1"/>
             </a:effectRef>
             <a:fontRef idx="minor">
-              <a:schemeClr val="lt1"/>
+              <a:schemeClr val="tx1"/>
             </a:fontRef>
           </p:style>
           <p:txBody>
@@ -8006,90 +9064,41 @@
         </p:sp>
         <p:sp>
           <p:nvSpPr>
-            <p:cNvPr id="14" name="Triangle rectangle 13"/>
+            <p:cNvPr id="108" name="Arc 107"/>
             <p:cNvSpPr/>
             <p:nvPr/>
           </p:nvSpPr>
           <p:spPr>
-            <a:xfrm rot="20766719">
-              <a:off x="3047778" y="-1901285"/>
-              <a:ext cx="2091800" cy="7256602"/>
+            <a:xfrm rot="15517079" flipH="1" flipV="1">
+              <a:off x="2168313" y="2330813"/>
+              <a:ext cx="286229" cy="317649"/>
             </a:xfrm>
-            <a:prstGeom prst="rtTriangle">
-              <a:avLst/>
+            <a:prstGeom prst="arc">
+              <a:avLst>
+                <a:gd name="adj1" fmla="val 16663458"/>
+                <a:gd name="adj2" fmla="val 20671197"/>
+              </a:avLst>
             </a:prstGeom>
-            <a:solidFill>
-              <a:schemeClr val="accent3">
-                <a:lumMod val="20000"/>
-                <a:lumOff val="80000"/>
-              </a:schemeClr>
-            </a:solidFill>
             <a:ln>
               <a:solidFill>
                 <a:schemeClr val="tx1"/>
               </a:solidFill>
+              <a:headEnd type="arrow" w="med" len="med"/>
+              <a:tailEnd type="none" w="med" len="med"/>
             </a:ln>
           </p:spPr>
           <p:style>
-            <a:lnRef idx="2">
-              <a:schemeClr val="accent1">
-                <a:shade val="50000"/>
-              </a:schemeClr>
+            <a:lnRef idx="1">
+              <a:schemeClr val="accent1"/>
             </a:lnRef>
-            <a:fillRef idx="1">
+            <a:fillRef idx="0">
               <a:schemeClr val="accent1"/>
             </a:fillRef>
             <a:effectRef idx="0">
               <a:schemeClr val="accent1"/>
             </a:effectRef>
             <a:fontRef idx="minor">
-              <a:schemeClr val="lt1"/>
-            </a:fontRef>
-          </p:style>
-          <p:txBody>
-            <a:bodyPr rtlCol="0" anchor="ctr"/>
-            <a:lstStyle/>
-            <a:p>
-              <a:pPr algn="ctr"/>
-              <a:endParaRPr lang="en-GB" dirty="0"/>
-            </a:p>
-          </p:txBody>
-        </p:sp>
-        <p:sp>
-          <p:nvSpPr>
-            <p:cNvPr id="12" name="Rectangle 11"/>
-            <p:cNvSpPr/>
-            <p:nvPr/>
-          </p:nvSpPr>
-          <p:spPr>
-            <a:xfrm>
-              <a:off x="1565329" y="-2235200"/>
-              <a:ext cx="3138407" cy="3847024"/>
-            </a:xfrm>
-            <a:prstGeom prst="rect">
-              <a:avLst/>
-            </a:prstGeom>
-            <a:solidFill>
-              <a:schemeClr val="bg1"/>
-            </a:solidFill>
-            <a:ln>
-              <a:noFill/>
-            </a:ln>
-          </p:spPr>
-          <p:style>
-            <a:lnRef idx="2">
-              <a:schemeClr val="accent1">
-                <a:shade val="50000"/>
-              </a:schemeClr>
-            </a:lnRef>
-            <a:fillRef idx="1">
-              <a:schemeClr val="accent1"/>
-            </a:fillRef>
-            <a:effectRef idx="0">
-              <a:schemeClr val="accent1"/>
-            </a:effectRef>
-            <a:fontRef idx="minor">
-              <a:schemeClr val="lt1"/>
+              <a:schemeClr val="tx1"/>
             </a:fontRef>
           </p:style>
           <p:txBody>
@@ -8103,39 +9112,41 @@
         </p:sp>
         <p:sp>
           <p:nvSpPr>
-            <p:cNvPr id="13" name="Rectangle 12"/>
+            <p:cNvPr id="110" name="Arc 109"/>
             <p:cNvSpPr/>
             <p:nvPr/>
           </p:nvSpPr>
           <p:spPr>
-            <a:xfrm>
-              <a:off x="1786179" y="4413147"/>
-              <a:ext cx="10116519" cy="1170122"/>
+            <a:xfrm rot="1942193" flipH="1" flipV="1">
+              <a:off x="2979219" y="2717655"/>
+              <a:ext cx="346654" cy="351887"/>
             </a:xfrm>
-            <a:prstGeom prst="rect">
-              <a:avLst/>
+            <a:prstGeom prst="arc">
+              <a:avLst>
+                <a:gd name="adj1" fmla="val 16663458"/>
+                <a:gd name="adj2" fmla="val 20671197"/>
+              </a:avLst>
             </a:prstGeom>
-            <a:solidFill>
-              <a:schemeClr val="bg1"/>
-            </a:solidFill>
             <a:ln>
-              <a:noFill/>
+              <a:solidFill>
+                <a:schemeClr val="tx1"/>
+              </a:solidFill>
+              <a:headEnd type="arrow" w="med" len="med"/>
+              <a:tailEnd type="none" w="med" len="med"/>
             </a:ln>
           </p:spPr>
           <p:style>
-            <a:lnRef idx="2">
-              <a:schemeClr val="accent1">
-                <a:shade val="50000"/>
-              </a:schemeClr>
+            <a:lnRef idx="1">
+              <a:schemeClr val="accent1"/>
             </a:lnRef>
-            <a:fillRef idx="1">
+            <a:fillRef idx="0">
               <a:schemeClr val="accent1"/>
             </a:fillRef>
             <a:effectRef idx="0">
               <a:schemeClr val="accent1"/>
             </a:effectRef>
             <a:fontRef idx="minor">
-              <a:schemeClr val="lt1"/>
+              <a:schemeClr val="tx1"/>
             </a:fontRef>
           </p:style>
           <p:txBody>
@@ -8147,24 +9158,1111 @@
             </a:p>
           </p:txBody>
         </p:sp>
+        <p:sp>
+          <p:nvSpPr>
+            <p:cNvPr id="111" name="Arc 110"/>
+            <p:cNvSpPr/>
+            <p:nvPr/>
+          </p:nvSpPr>
+          <p:spPr>
+            <a:xfrm rot="14151145" flipH="1" flipV="1">
+              <a:off x="3397278" y="2779137"/>
+              <a:ext cx="313468" cy="265635"/>
+            </a:xfrm>
+            <a:prstGeom prst="arc">
+              <a:avLst>
+                <a:gd name="adj1" fmla="val 16663458"/>
+                <a:gd name="adj2" fmla="val 20671197"/>
+              </a:avLst>
+            </a:prstGeom>
+            <a:ln>
+              <a:solidFill>
+                <a:schemeClr val="tx1"/>
+              </a:solidFill>
+              <a:headEnd type="arrow" w="med" len="med"/>
+              <a:tailEnd type="none" w="med" len="med"/>
+            </a:ln>
+          </p:spPr>
+          <p:style>
+            <a:lnRef idx="1">
+              <a:schemeClr val="accent1"/>
+            </a:lnRef>
+            <a:fillRef idx="0">
+              <a:schemeClr val="accent1"/>
+            </a:fillRef>
+            <a:effectRef idx="0">
+              <a:schemeClr val="accent1"/>
+            </a:effectRef>
+            <a:fontRef idx="minor">
+              <a:schemeClr val="tx1"/>
+            </a:fontRef>
+          </p:style>
+          <p:txBody>
+            <a:bodyPr rtlCol="0" anchor="ctr"/>
+            <a:lstStyle/>
+            <a:p>
+              <a:pPr algn="ctr"/>
+              <a:endParaRPr lang="en-GB"/>
+            </a:p>
+          </p:txBody>
+        </p:sp>
+        <p:sp>
+          <p:nvSpPr>
+            <p:cNvPr id="112" name="Arc 111"/>
+            <p:cNvSpPr/>
+            <p:nvPr/>
+          </p:nvSpPr>
+          <p:spPr>
+            <a:xfrm rot="12402128" flipH="1" flipV="1">
+              <a:off x="4952969" y="3002180"/>
+              <a:ext cx="313468" cy="265635"/>
+            </a:xfrm>
+            <a:prstGeom prst="arc">
+              <a:avLst>
+                <a:gd name="adj1" fmla="val 16663458"/>
+                <a:gd name="adj2" fmla="val 20671197"/>
+              </a:avLst>
+            </a:prstGeom>
+            <a:ln>
+              <a:solidFill>
+                <a:schemeClr val="tx1"/>
+              </a:solidFill>
+              <a:headEnd type="arrow" w="med" len="med"/>
+              <a:tailEnd type="none" w="med" len="med"/>
+            </a:ln>
+          </p:spPr>
+          <p:style>
+            <a:lnRef idx="1">
+              <a:schemeClr val="accent1"/>
+            </a:lnRef>
+            <a:fillRef idx="0">
+              <a:schemeClr val="accent1"/>
+            </a:fillRef>
+            <a:effectRef idx="0">
+              <a:schemeClr val="accent1"/>
+            </a:effectRef>
+            <a:fontRef idx="minor">
+              <a:schemeClr val="tx1"/>
+            </a:fontRef>
+          </p:style>
+          <p:txBody>
+            <a:bodyPr rtlCol="0" anchor="ctr"/>
+            <a:lstStyle/>
+            <a:p>
+              <a:pPr algn="ctr"/>
+              <a:endParaRPr lang="en-GB"/>
+            </a:p>
+          </p:txBody>
+        </p:sp>
+        <p:sp>
+          <p:nvSpPr>
+            <p:cNvPr id="113" name="Arc 112"/>
+            <p:cNvSpPr/>
+            <p:nvPr/>
+          </p:nvSpPr>
+          <p:spPr>
+            <a:xfrm rot="1111206" flipH="1" flipV="1">
+              <a:off x="4618239" y="3002090"/>
+              <a:ext cx="313388" cy="328482"/>
+            </a:xfrm>
+            <a:prstGeom prst="arc">
+              <a:avLst>
+                <a:gd name="adj1" fmla="val 16663458"/>
+                <a:gd name="adj2" fmla="val 21231125"/>
+              </a:avLst>
+            </a:prstGeom>
+            <a:ln>
+              <a:solidFill>
+                <a:schemeClr val="tx1"/>
+              </a:solidFill>
+              <a:headEnd type="arrow" w="med" len="med"/>
+              <a:tailEnd type="none" w="med" len="med"/>
+            </a:ln>
+          </p:spPr>
+          <p:style>
+            <a:lnRef idx="1">
+              <a:schemeClr val="accent1"/>
+            </a:lnRef>
+            <a:fillRef idx="0">
+              <a:schemeClr val="accent1"/>
+            </a:fillRef>
+            <a:effectRef idx="0">
+              <a:schemeClr val="accent1"/>
+            </a:effectRef>
+            <a:fontRef idx="minor">
+              <a:schemeClr val="tx1"/>
+            </a:fontRef>
+          </p:style>
+          <p:txBody>
+            <a:bodyPr rtlCol="0" anchor="ctr"/>
+            <a:lstStyle/>
+            <a:p>
+              <a:pPr algn="ctr"/>
+              <a:endParaRPr lang="en-GB"/>
+            </a:p>
+          </p:txBody>
+        </p:sp>
+        <p:sp>
+          <p:nvSpPr>
+            <p:cNvPr id="115" name="Arc 114"/>
+            <p:cNvSpPr/>
+            <p:nvPr/>
+          </p:nvSpPr>
+          <p:spPr>
+            <a:xfrm rot="4410126" flipH="1" flipV="1">
+              <a:off x="7446415" y="2859888"/>
+              <a:ext cx="314125" cy="338984"/>
+            </a:xfrm>
+            <a:prstGeom prst="arc">
+              <a:avLst>
+                <a:gd name="adj1" fmla="val 16663458"/>
+                <a:gd name="adj2" fmla="val 20671197"/>
+              </a:avLst>
+            </a:prstGeom>
+            <a:ln>
+              <a:solidFill>
+                <a:schemeClr val="tx1"/>
+              </a:solidFill>
+              <a:headEnd type="none" w="med" len="med"/>
+              <a:tailEnd type="arrow" w="med" len="med"/>
+            </a:ln>
+          </p:spPr>
+          <p:style>
+            <a:lnRef idx="1">
+              <a:schemeClr val="accent1"/>
+            </a:lnRef>
+            <a:fillRef idx="0">
+              <a:schemeClr val="accent1"/>
+            </a:fillRef>
+            <a:effectRef idx="0">
+              <a:schemeClr val="accent1"/>
+            </a:effectRef>
+            <a:fontRef idx="minor">
+              <a:schemeClr val="tx1"/>
+            </a:fontRef>
+          </p:style>
+          <p:txBody>
+            <a:bodyPr rtlCol="0" anchor="ctr"/>
+            <a:lstStyle/>
+            <a:p>
+              <a:pPr algn="ctr"/>
+              <a:endParaRPr lang="en-GB"/>
+            </a:p>
+          </p:txBody>
+        </p:sp>
+        <p:sp>
+          <p:nvSpPr>
+            <p:cNvPr id="116" name="Arc 115"/>
+            <p:cNvSpPr/>
+            <p:nvPr/>
+          </p:nvSpPr>
+          <p:spPr>
+            <a:xfrm rot="15517079" flipH="1" flipV="1">
+              <a:off x="7858863" y="2930050"/>
+              <a:ext cx="249580" cy="283734"/>
+            </a:xfrm>
+            <a:prstGeom prst="arc">
+              <a:avLst>
+                <a:gd name="adj1" fmla="val 16663458"/>
+                <a:gd name="adj2" fmla="val 20671197"/>
+              </a:avLst>
+            </a:prstGeom>
+            <a:ln>
+              <a:solidFill>
+                <a:schemeClr val="tx1"/>
+              </a:solidFill>
+              <a:headEnd type="none" w="med" len="med"/>
+              <a:tailEnd type="arrow" w="med" len="med"/>
+            </a:ln>
+          </p:spPr>
+          <p:style>
+            <a:lnRef idx="1">
+              <a:schemeClr val="accent1"/>
+            </a:lnRef>
+            <a:fillRef idx="0">
+              <a:schemeClr val="accent1"/>
+            </a:fillRef>
+            <a:effectRef idx="0">
+              <a:schemeClr val="accent1"/>
+            </a:effectRef>
+            <a:fontRef idx="minor">
+              <a:schemeClr val="tx1"/>
+            </a:fontRef>
+          </p:style>
+          <p:txBody>
+            <a:bodyPr rtlCol="0" anchor="ctr"/>
+            <a:lstStyle/>
+            <a:p>
+              <a:pPr algn="ctr"/>
+              <a:endParaRPr lang="en-GB"/>
+            </a:p>
+          </p:txBody>
+        </p:sp>
+        <p:sp>
+          <p:nvSpPr>
+            <p:cNvPr id="137" name="Arc 136"/>
+            <p:cNvSpPr/>
+            <p:nvPr/>
+          </p:nvSpPr>
+          <p:spPr>
+            <a:xfrm rot="2789593" flipH="1" flipV="1">
+              <a:off x="8685324" y="2931787"/>
+              <a:ext cx="203728" cy="283326"/>
+            </a:xfrm>
+            <a:prstGeom prst="arc">
+              <a:avLst>
+                <a:gd name="adj1" fmla="val 16663458"/>
+                <a:gd name="adj2" fmla="val 20671197"/>
+              </a:avLst>
+            </a:prstGeom>
+            <a:ln>
+              <a:solidFill>
+                <a:schemeClr val="tx1"/>
+              </a:solidFill>
+              <a:headEnd type="none" w="med" len="med"/>
+              <a:tailEnd type="arrow" w="med" len="med"/>
+            </a:ln>
+          </p:spPr>
+          <p:style>
+            <a:lnRef idx="1">
+              <a:schemeClr val="accent1"/>
+            </a:lnRef>
+            <a:fillRef idx="0">
+              <a:schemeClr val="accent1"/>
+            </a:fillRef>
+            <a:effectRef idx="0">
+              <a:schemeClr val="accent1"/>
+            </a:effectRef>
+            <a:fontRef idx="minor">
+              <a:schemeClr val="tx1"/>
+            </a:fontRef>
+          </p:style>
+          <p:txBody>
+            <a:bodyPr rtlCol="0" anchor="ctr"/>
+            <a:lstStyle/>
+            <a:p>
+              <a:pPr algn="ctr"/>
+              <a:endParaRPr lang="en-GB" sz="1000"/>
+            </a:p>
+          </p:txBody>
+        </p:sp>
+        <p:sp>
+          <p:nvSpPr>
+            <p:cNvPr id="138" name="Arc 137"/>
+            <p:cNvSpPr/>
+            <p:nvPr/>
+          </p:nvSpPr>
+          <p:spPr>
+            <a:xfrm rot="13905692" flipH="1" flipV="1">
+              <a:off x="9429039" y="3014710"/>
+              <a:ext cx="224095" cy="390984"/>
+            </a:xfrm>
+            <a:prstGeom prst="arc">
+              <a:avLst>
+                <a:gd name="adj1" fmla="val 16663458"/>
+                <a:gd name="adj2" fmla="val 20671197"/>
+              </a:avLst>
+            </a:prstGeom>
+            <a:ln>
+              <a:solidFill>
+                <a:schemeClr val="tx1"/>
+              </a:solidFill>
+              <a:headEnd type="none" w="med" len="med"/>
+              <a:tailEnd type="arrow" w="med" len="med"/>
+            </a:ln>
+          </p:spPr>
+          <p:style>
+            <a:lnRef idx="1">
+              <a:schemeClr val="accent1"/>
+            </a:lnRef>
+            <a:fillRef idx="0">
+              <a:schemeClr val="accent1"/>
+            </a:fillRef>
+            <a:effectRef idx="0">
+              <a:schemeClr val="accent1"/>
+            </a:effectRef>
+            <a:fontRef idx="minor">
+              <a:schemeClr val="tx1"/>
+            </a:fontRef>
+          </p:style>
+          <p:txBody>
+            <a:bodyPr rtlCol="0" anchor="ctr"/>
+            <a:lstStyle/>
+            <a:p>
+              <a:pPr algn="ctr"/>
+              <a:endParaRPr lang="en-GB"/>
+            </a:p>
+          </p:txBody>
+        </p:sp>
+        <p:sp>
+          <p:nvSpPr>
+            <p:cNvPr id="44" name="Arc 43"/>
+            <p:cNvSpPr/>
+            <p:nvPr/>
+          </p:nvSpPr>
+          <p:spPr>
+            <a:xfrm rot="11735101" flipH="1" flipV="1">
+              <a:off x="11077671" y="2767307"/>
+              <a:ext cx="188711" cy="457033"/>
+            </a:xfrm>
+            <a:prstGeom prst="arc">
+              <a:avLst>
+                <a:gd name="adj1" fmla="val 16663458"/>
+                <a:gd name="adj2" fmla="val 20671197"/>
+              </a:avLst>
+            </a:prstGeom>
+            <a:ln>
+              <a:solidFill>
+                <a:schemeClr val="tx1"/>
+              </a:solidFill>
+              <a:headEnd type="none" w="med" len="med"/>
+              <a:tailEnd type="arrow" w="med" len="med"/>
+            </a:ln>
+          </p:spPr>
+          <p:style>
+            <a:lnRef idx="1">
+              <a:schemeClr val="accent1"/>
+            </a:lnRef>
+            <a:fillRef idx="0">
+              <a:schemeClr val="accent1"/>
+            </a:fillRef>
+            <a:effectRef idx="0">
+              <a:schemeClr val="accent1"/>
+            </a:effectRef>
+            <a:fontRef idx="minor">
+              <a:schemeClr val="tx1"/>
+            </a:fontRef>
+          </p:style>
+          <p:txBody>
+            <a:bodyPr rtlCol="0" anchor="ctr"/>
+            <a:lstStyle/>
+            <a:p>
+              <a:pPr algn="ctr"/>
+              <a:endParaRPr lang="en-GB"/>
+            </a:p>
+          </p:txBody>
+        </p:sp>
+        <p:sp>
+          <p:nvSpPr>
+            <p:cNvPr id="3" name="ZoneTexte 2"/>
+            <p:cNvSpPr txBox="1"/>
+            <p:nvPr/>
+          </p:nvSpPr>
+          <p:spPr>
+            <a:xfrm>
+              <a:off x="1383838" y="2181860"/>
+              <a:ext cx="344966" cy="307777"/>
+            </a:xfrm>
+            <a:prstGeom prst="rect">
+              <a:avLst/>
+            </a:prstGeom>
+            <a:noFill/>
+          </p:spPr>
+          <p:txBody>
+            <a:bodyPr wrap="none" rtlCol="0">
+              <a:spAutoFit/>
+            </a:bodyPr>
+            <a:lstStyle/>
+            <a:p>
+              <a:r>
+                <a:rPr lang="el-GR" sz="1400" dirty="0" smtClean="0"/>
+                <a:t>α</a:t>
+              </a:r>
+              <a:r>
+                <a:rPr lang="en-GB" sz="1400" baseline="-25000" dirty="0" smtClean="0"/>
+                <a:t>E</a:t>
+              </a:r>
+              <a:endParaRPr lang="en-GB" sz="1400" baseline="-25000" dirty="0"/>
+            </a:p>
+          </p:txBody>
+        </p:sp>
+        <p:sp>
+          <p:nvSpPr>
+            <p:cNvPr id="46" name="ZoneTexte 45"/>
+            <p:cNvSpPr txBox="1"/>
+            <p:nvPr/>
+          </p:nvSpPr>
+          <p:spPr>
+            <a:xfrm>
+              <a:off x="2449320" y="2426585"/>
+              <a:ext cx="344966" cy="307777"/>
+            </a:xfrm>
+            <a:prstGeom prst="rect">
+              <a:avLst/>
+            </a:prstGeom>
+            <a:noFill/>
+          </p:spPr>
+          <p:txBody>
+            <a:bodyPr wrap="none" rtlCol="0">
+              <a:spAutoFit/>
+            </a:bodyPr>
+            <a:lstStyle/>
+            <a:p>
+              <a:r>
+                <a:rPr lang="el-GR" sz="1400" dirty="0" smtClean="0"/>
+                <a:t>α</a:t>
+              </a:r>
+              <a:r>
+                <a:rPr lang="en-GB" sz="1400" baseline="-25000" dirty="0" smtClean="0"/>
+                <a:t>1</a:t>
+              </a:r>
+              <a:endParaRPr lang="en-GB" sz="1400" baseline="-25000" dirty="0"/>
+            </a:p>
+          </p:txBody>
+        </p:sp>
+        <p:sp>
+          <p:nvSpPr>
+            <p:cNvPr id="48" name="ZoneTexte 47"/>
+            <p:cNvSpPr txBox="1"/>
+            <p:nvPr/>
+          </p:nvSpPr>
+          <p:spPr>
+            <a:xfrm>
+              <a:off x="2660105" y="2780113"/>
+              <a:ext cx="344966" cy="307777"/>
+            </a:xfrm>
+            <a:prstGeom prst="rect">
+              <a:avLst/>
+            </a:prstGeom>
+            <a:noFill/>
+          </p:spPr>
+          <p:txBody>
+            <a:bodyPr wrap="none" rtlCol="0">
+              <a:spAutoFit/>
+            </a:bodyPr>
+            <a:lstStyle/>
+            <a:p>
+              <a:r>
+                <a:rPr lang="el-GR" sz="1400" dirty="0" smtClean="0"/>
+                <a:t>α</a:t>
+              </a:r>
+              <a:r>
+                <a:rPr lang="en-GB" sz="1400" baseline="-25000" dirty="0" smtClean="0"/>
+                <a:t>2</a:t>
+              </a:r>
+              <a:endParaRPr lang="en-GB" sz="1400" baseline="-25000" dirty="0"/>
+            </a:p>
+          </p:txBody>
+        </p:sp>
+        <p:sp>
+          <p:nvSpPr>
+            <p:cNvPr id="49" name="ZoneTexte 48"/>
+            <p:cNvSpPr txBox="1"/>
+            <p:nvPr/>
+          </p:nvSpPr>
+          <p:spPr>
+            <a:xfrm>
+              <a:off x="3726143" y="2742752"/>
+              <a:ext cx="344966" cy="307777"/>
+            </a:xfrm>
+            <a:prstGeom prst="rect">
+              <a:avLst/>
+            </a:prstGeom>
+            <a:noFill/>
+          </p:spPr>
+          <p:txBody>
+            <a:bodyPr wrap="none" rtlCol="0">
+              <a:spAutoFit/>
+            </a:bodyPr>
+            <a:lstStyle/>
+            <a:p>
+              <a:r>
+                <a:rPr lang="el-GR" sz="1400" dirty="0" smtClean="0"/>
+                <a:t>α</a:t>
+              </a:r>
+              <a:r>
+                <a:rPr lang="en-GB" sz="1400" baseline="-25000" dirty="0" smtClean="0"/>
+                <a:t>3</a:t>
+              </a:r>
+              <a:endParaRPr lang="en-GB" sz="1400" baseline="-25000" dirty="0"/>
+            </a:p>
+          </p:txBody>
+        </p:sp>
+        <p:sp>
+          <p:nvSpPr>
+            <p:cNvPr id="50" name="ZoneTexte 49"/>
+            <p:cNvSpPr txBox="1"/>
+            <p:nvPr/>
+          </p:nvSpPr>
+          <p:spPr>
+            <a:xfrm>
+              <a:off x="4280009" y="3085719"/>
+              <a:ext cx="344966" cy="307777"/>
+            </a:xfrm>
+            <a:prstGeom prst="rect">
+              <a:avLst/>
+            </a:prstGeom>
+            <a:noFill/>
+          </p:spPr>
+          <p:txBody>
+            <a:bodyPr wrap="none" rtlCol="0">
+              <a:spAutoFit/>
+            </a:bodyPr>
+            <a:lstStyle/>
+            <a:p>
+              <a:r>
+                <a:rPr lang="el-GR" sz="1400" dirty="0" smtClean="0"/>
+                <a:t>α</a:t>
+              </a:r>
+              <a:r>
+                <a:rPr lang="en-GB" sz="1400" baseline="-25000" dirty="0" smtClean="0"/>
+                <a:t>4</a:t>
+              </a:r>
+              <a:endParaRPr lang="en-GB" sz="1400" baseline="-25000" dirty="0"/>
+            </a:p>
+          </p:txBody>
+        </p:sp>
+        <p:sp>
+          <p:nvSpPr>
+            <p:cNvPr id="51" name="ZoneTexte 50"/>
+            <p:cNvSpPr txBox="1"/>
+            <p:nvPr/>
+          </p:nvSpPr>
+          <p:spPr>
+            <a:xfrm>
+              <a:off x="7117173" y="2748153"/>
+              <a:ext cx="344966" cy="307777"/>
+            </a:xfrm>
+            <a:prstGeom prst="rect">
+              <a:avLst/>
+            </a:prstGeom>
+            <a:noFill/>
+          </p:spPr>
+          <p:txBody>
+            <a:bodyPr wrap="none" rtlCol="0">
+              <a:spAutoFit/>
+            </a:bodyPr>
+            <a:lstStyle/>
+            <a:p>
+              <a:r>
+                <a:rPr lang="el-GR" sz="1400" dirty="0" smtClean="0"/>
+                <a:t>α</a:t>
+              </a:r>
+              <a:r>
+                <a:rPr lang="en-GB" sz="1400" baseline="-25000" dirty="0" smtClean="0"/>
+                <a:t>6</a:t>
+              </a:r>
+              <a:endParaRPr lang="en-GB" sz="1400" baseline="-25000" dirty="0"/>
+            </a:p>
+          </p:txBody>
+        </p:sp>
+        <p:sp>
+          <p:nvSpPr>
+            <p:cNvPr id="52" name="ZoneTexte 51"/>
+            <p:cNvSpPr txBox="1"/>
+            <p:nvPr/>
+          </p:nvSpPr>
+          <p:spPr>
+            <a:xfrm>
+              <a:off x="5243482" y="2884362"/>
+              <a:ext cx="344966" cy="307777"/>
+            </a:xfrm>
+            <a:prstGeom prst="rect">
+              <a:avLst/>
+            </a:prstGeom>
+            <a:noFill/>
+          </p:spPr>
+          <p:txBody>
+            <a:bodyPr wrap="none" rtlCol="0">
+              <a:spAutoFit/>
+            </a:bodyPr>
+            <a:lstStyle/>
+            <a:p>
+              <a:r>
+                <a:rPr lang="el-GR" sz="1400" dirty="0" smtClean="0"/>
+                <a:t>α</a:t>
+              </a:r>
+              <a:r>
+                <a:rPr lang="en-GB" sz="1400" baseline="-25000" dirty="0" smtClean="0"/>
+                <a:t>5</a:t>
+              </a:r>
+              <a:endParaRPr lang="en-GB" sz="1400" baseline="-25000" dirty="0"/>
+            </a:p>
+          </p:txBody>
+        </p:sp>
+        <p:sp>
+          <p:nvSpPr>
+            <p:cNvPr id="53" name="ZoneTexte 52"/>
+            <p:cNvSpPr txBox="1"/>
+            <p:nvPr/>
+          </p:nvSpPr>
+          <p:spPr>
+            <a:xfrm>
+              <a:off x="8081943" y="3035271"/>
+              <a:ext cx="344966" cy="307777"/>
+            </a:xfrm>
+            <a:prstGeom prst="rect">
+              <a:avLst/>
+            </a:prstGeom>
+            <a:noFill/>
+          </p:spPr>
+          <p:txBody>
+            <a:bodyPr wrap="none" rtlCol="0">
+              <a:spAutoFit/>
+            </a:bodyPr>
+            <a:lstStyle/>
+            <a:p>
+              <a:r>
+                <a:rPr lang="el-GR" sz="1400" dirty="0" smtClean="0"/>
+                <a:t>α</a:t>
+              </a:r>
+              <a:r>
+                <a:rPr lang="en-GB" sz="1400" baseline="-25000" dirty="0" smtClean="0"/>
+                <a:t>7</a:t>
+              </a:r>
+              <a:endParaRPr lang="en-GB" sz="1400" baseline="-25000" dirty="0"/>
+            </a:p>
+          </p:txBody>
+        </p:sp>
+        <p:sp>
+          <p:nvSpPr>
+            <p:cNvPr id="54" name="ZoneTexte 53"/>
+            <p:cNvSpPr txBox="1"/>
+            <p:nvPr/>
+          </p:nvSpPr>
+          <p:spPr>
+            <a:xfrm>
+              <a:off x="8354778" y="2825218"/>
+              <a:ext cx="344966" cy="307777"/>
+            </a:xfrm>
+            <a:prstGeom prst="rect">
+              <a:avLst/>
+            </a:prstGeom>
+            <a:noFill/>
+          </p:spPr>
+          <p:txBody>
+            <a:bodyPr wrap="none" rtlCol="0">
+              <a:spAutoFit/>
+            </a:bodyPr>
+            <a:lstStyle/>
+            <a:p>
+              <a:r>
+                <a:rPr lang="el-GR" sz="1400" dirty="0" smtClean="0"/>
+                <a:t>α</a:t>
+              </a:r>
+              <a:r>
+                <a:rPr lang="en-GB" sz="1400" baseline="-25000" dirty="0" smtClean="0"/>
+                <a:t>8</a:t>
+              </a:r>
+              <a:endParaRPr lang="en-GB" sz="1400" baseline="-25000" dirty="0"/>
+            </a:p>
+          </p:txBody>
+        </p:sp>
+        <p:sp>
+          <p:nvSpPr>
+            <p:cNvPr id="55" name="ZoneTexte 54"/>
+            <p:cNvSpPr txBox="1"/>
+            <p:nvPr/>
+          </p:nvSpPr>
+          <p:spPr>
+            <a:xfrm>
+              <a:off x="9657415" y="3064153"/>
+              <a:ext cx="344966" cy="307777"/>
+            </a:xfrm>
+            <a:prstGeom prst="rect">
+              <a:avLst/>
+            </a:prstGeom>
+            <a:noFill/>
+          </p:spPr>
+          <p:txBody>
+            <a:bodyPr wrap="none" rtlCol="0">
+              <a:spAutoFit/>
+            </a:bodyPr>
+            <a:lstStyle/>
+            <a:p>
+              <a:r>
+                <a:rPr lang="el-GR" sz="1400" dirty="0" smtClean="0"/>
+                <a:t>α</a:t>
+              </a:r>
+              <a:r>
+                <a:rPr lang="en-GB" sz="1400" baseline="-25000" dirty="0" smtClean="0"/>
+                <a:t>9</a:t>
+              </a:r>
+              <a:endParaRPr lang="en-GB" sz="1400" baseline="-25000" dirty="0"/>
+            </a:p>
+          </p:txBody>
+        </p:sp>
+        <p:sp>
+          <p:nvSpPr>
+            <p:cNvPr id="57" name="ZoneTexte 56"/>
+            <p:cNvSpPr txBox="1"/>
+            <p:nvPr/>
+          </p:nvSpPr>
+          <p:spPr>
+            <a:xfrm>
+              <a:off x="9942374" y="2634248"/>
+              <a:ext cx="409086" cy="307777"/>
+            </a:xfrm>
+            <a:prstGeom prst="rect">
+              <a:avLst/>
+            </a:prstGeom>
+            <a:noFill/>
+          </p:spPr>
+          <p:txBody>
+            <a:bodyPr wrap="none" rtlCol="0">
+              <a:spAutoFit/>
+            </a:bodyPr>
+            <a:lstStyle/>
+            <a:p>
+              <a:r>
+                <a:rPr lang="el-GR" sz="1400" dirty="0" smtClean="0"/>
+                <a:t>α</a:t>
+              </a:r>
+              <a:r>
+                <a:rPr lang="en-GB" sz="1400" baseline="-25000" dirty="0" smtClean="0"/>
+                <a:t>10</a:t>
+              </a:r>
+              <a:endParaRPr lang="en-GB" sz="1400" baseline="-25000" dirty="0"/>
+            </a:p>
+          </p:txBody>
+        </p:sp>
+        <p:sp>
+          <p:nvSpPr>
+            <p:cNvPr id="58" name="Arc 57"/>
+            <p:cNvSpPr/>
+            <p:nvPr/>
+          </p:nvSpPr>
+          <p:spPr>
+            <a:xfrm rot="13981476" flipH="1" flipV="1">
+              <a:off x="10983746" y="2916488"/>
+              <a:ext cx="188711" cy="457033"/>
+            </a:xfrm>
+            <a:prstGeom prst="arc">
+              <a:avLst>
+                <a:gd name="adj1" fmla="val 16663458"/>
+                <a:gd name="adj2" fmla="val 20671197"/>
+              </a:avLst>
+            </a:prstGeom>
+            <a:ln>
+              <a:solidFill>
+                <a:schemeClr val="tx1"/>
+              </a:solidFill>
+              <a:headEnd type="arrow" w="med" len="med"/>
+              <a:tailEnd type="none" w="med" len="med"/>
+            </a:ln>
+          </p:spPr>
+          <p:style>
+            <a:lnRef idx="1">
+              <a:schemeClr val="accent1"/>
+            </a:lnRef>
+            <a:fillRef idx="0">
+              <a:schemeClr val="accent1"/>
+            </a:fillRef>
+            <a:effectRef idx="0">
+              <a:schemeClr val="accent1"/>
+            </a:effectRef>
+            <a:fontRef idx="minor">
+              <a:schemeClr val="tx1"/>
+            </a:fontRef>
+          </p:style>
+          <p:txBody>
+            <a:bodyPr rtlCol="0" anchor="ctr"/>
+            <a:lstStyle/>
+            <a:p>
+              <a:pPr algn="ctr"/>
+              <a:endParaRPr lang="en-GB"/>
+            </a:p>
+          </p:txBody>
+        </p:sp>
+        <p:sp>
+          <p:nvSpPr>
+            <p:cNvPr id="60" name="ZoneTexte 59"/>
+            <p:cNvSpPr txBox="1"/>
+            <p:nvPr/>
+          </p:nvSpPr>
+          <p:spPr>
+            <a:xfrm>
+              <a:off x="10922138" y="2652288"/>
+              <a:ext cx="344966" cy="307777"/>
+            </a:xfrm>
+            <a:prstGeom prst="rect">
+              <a:avLst/>
+            </a:prstGeom>
+            <a:noFill/>
+          </p:spPr>
+          <p:txBody>
+            <a:bodyPr wrap="none" rtlCol="0">
+              <a:spAutoFit/>
+            </a:bodyPr>
+            <a:lstStyle/>
+            <a:p>
+              <a:r>
+                <a:rPr lang="el-GR" sz="1400" dirty="0" smtClean="0"/>
+                <a:t>α</a:t>
+              </a:r>
+              <a:r>
+                <a:rPr lang="en-GB" sz="1400" baseline="-25000" dirty="0" smtClean="0"/>
+                <a:t>6</a:t>
+              </a:r>
+              <a:endParaRPr lang="en-GB" sz="1400" baseline="-25000" dirty="0"/>
+            </a:p>
+          </p:txBody>
+        </p:sp>
+        <p:sp>
+          <p:nvSpPr>
+            <p:cNvPr id="62" name="Arc 61"/>
+            <p:cNvSpPr/>
+            <p:nvPr/>
+          </p:nvSpPr>
+          <p:spPr>
+            <a:xfrm rot="11735101" flipV="1">
+              <a:off x="10214908" y="2809733"/>
+              <a:ext cx="85226" cy="457033"/>
+            </a:xfrm>
+            <a:prstGeom prst="arc">
+              <a:avLst>
+                <a:gd name="adj1" fmla="val 16663458"/>
+                <a:gd name="adj2" fmla="val 20671197"/>
+              </a:avLst>
+            </a:prstGeom>
+            <a:ln>
+              <a:solidFill>
+                <a:schemeClr val="tx1"/>
+              </a:solidFill>
+              <a:headEnd type="none" w="med" len="med"/>
+              <a:tailEnd type="arrow" w="med" len="med"/>
+            </a:ln>
+          </p:spPr>
+          <p:style>
+            <a:lnRef idx="1">
+              <a:schemeClr val="accent1"/>
+            </a:lnRef>
+            <a:fillRef idx="0">
+              <a:schemeClr val="accent1"/>
+            </a:fillRef>
+            <a:effectRef idx="0">
+              <a:schemeClr val="accent1"/>
+            </a:effectRef>
+            <a:fontRef idx="minor">
+              <a:schemeClr val="tx1"/>
+            </a:fontRef>
+          </p:style>
+          <p:txBody>
+            <a:bodyPr rtlCol="0" anchor="ctr"/>
+            <a:lstStyle/>
+            <a:p>
+              <a:pPr algn="ctr"/>
+              <a:endParaRPr lang="en-GB"/>
+            </a:p>
+          </p:txBody>
+        </p:sp>
+        <p:sp>
+          <p:nvSpPr>
+            <p:cNvPr id="64" name="Arc 63"/>
+            <p:cNvSpPr/>
+            <p:nvPr/>
+          </p:nvSpPr>
+          <p:spPr>
+            <a:xfrm rot="8554652" flipV="1">
+              <a:off x="10300241" y="2992816"/>
+              <a:ext cx="144902" cy="457033"/>
+            </a:xfrm>
+            <a:prstGeom prst="arc">
+              <a:avLst>
+                <a:gd name="adj1" fmla="val 16663458"/>
+                <a:gd name="adj2" fmla="val 20671197"/>
+              </a:avLst>
+            </a:prstGeom>
+            <a:ln>
+              <a:solidFill>
+                <a:schemeClr val="tx1"/>
+              </a:solidFill>
+              <a:headEnd type="arrow" w="med" len="med"/>
+              <a:tailEnd type="none" w="med" len="med"/>
+            </a:ln>
+          </p:spPr>
+          <p:style>
+            <a:lnRef idx="1">
+              <a:schemeClr val="accent1"/>
+            </a:lnRef>
+            <a:fillRef idx="0">
+              <a:schemeClr val="accent1"/>
+            </a:fillRef>
+            <a:effectRef idx="0">
+              <a:schemeClr val="accent1"/>
+            </a:effectRef>
+            <a:fontRef idx="minor">
+              <a:schemeClr val="tx1"/>
+            </a:fontRef>
+          </p:style>
+          <p:txBody>
+            <a:bodyPr rtlCol="0" anchor="ctr"/>
+            <a:lstStyle/>
+            <a:p>
+              <a:pPr algn="ctr"/>
+              <a:endParaRPr lang="en-GB"/>
+            </a:p>
+          </p:txBody>
+        </p:sp>
+      </p:grpSp>
+      <p:sp>
+        <p:nvSpPr>
+          <p:cNvPr id="4" name="ZoneTexte 3"/>
+          <p:cNvSpPr txBox="1"/>
+          <p:nvPr/>
+        </p:nvSpPr>
+        <p:spPr>
+          <a:xfrm>
+            <a:off x="2137341" y="4020714"/>
+            <a:ext cx="348172" cy="307777"/>
+          </a:xfrm>
+          <a:prstGeom prst="rect">
+            <a:avLst/>
+          </a:prstGeom>
+          <a:noFill/>
+        </p:spPr>
+        <p:txBody>
+          <a:bodyPr wrap="none" rtlCol="0">
+            <a:spAutoFit/>
+          </a:bodyPr>
+          <a:lstStyle/>
+          <a:p>
+            <a:r>
+              <a:rPr lang="en-GB" sz="1400" dirty="0"/>
+              <a:t>n</a:t>
+            </a:r>
+            <a:r>
+              <a:rPr lang="en-GB" sz="1400" baseline="-25000" dirty="0" smtClean="0"/>
+              <a:t>A</a:t>
+            </a:r>
+            <a:endParaRPr lang="en-GB" sz="1400" baseline="-25000" dirty="0"/>
+          </a:p>
+        </p:txBody>
+      </p:sp>
+      <p:sp>
+        <p:nvSpPr>
+          <p:cNvPr id="65" name="ZoneTexte 64"/>
+          <p:cNvSpPr txBox="1"/>
+          <p:nvPr/>
+        </p:nvSpPr>
+        <p:spPr>
+          <a:xfrm>
+            <a:off x="3718458" y="4008091"/>
+            <a:ext cx="344966" cy="307777"/>
+          </a:xfrm>
+          <a:prstGeom prst="rect">
+            <a:avLst/>
+          </a:prstGeom>
+          <a:noFill/>
+        </p:spPr>
+        <p:txBody>
+          <a:bodyPr wrap="none" rtlCol="0">
+            <a:spAutoFit/>
+          </a:bodyPr>
+          <a:lstStyle/>
+          <a:p>
+            <a:r>
+              <a:rPr lang="en-GB" sz="1400" dirty="0" smtClean="0"/>
+              <a:t>n</a:t>
+            </a:r>
+            <a:r>
+              <a:rPr lang="en-GB" sz="1400" baseline="-25000" dirty="0"/>
+              <a:t>B</a:t>
+            </a:r>
+          </a:p>
+        </p:txBody>
+      </p:sp>
+      <p:sp>
+        <p:nvSpPr>
+          <p:cNvPr id="66" name="ZoneTexte 65"/>
+          <p:cNvSpPr txBox="1"/>
+          <p:nvPr/>
+        </p:nvSpPr>
+        <p:spPr>
+          <a:xfrm>
+            <a:off x="8525658" y="4044541"/>
+            <a:ext cx="348172" cy="307777"/>
+          </a:xfrm>
+          <a:prstGeom prst="rect">
+            <a:avLst/>
+          </a:prstGeom>
+          <a:noFill/>
+        </p:spPr>
+        <p:txBody>
+          <a:bodyPr wrap="none" rtlCol="0">
+            <a:spAutoFit/>
+          </a:bodyPr>
+          <a:lstStyle/>
+          <a:p>
+            <a:r>
+              <a:rPr lang="en-GB" sz="1400" dirty="0" smtClean="0"/>
+              <a:t>n</a:t>
+            </a:r>
+            <a:r>
+              <a:rPr lang="en-GB" sz="1400" baseline="-25000" dirty="0" smtClean="0"/>
+              <a:t>B</a:t>
+            </a:r>
+            <a:endParaRPr lang="en-GB" sz="1400" baseline="-25000" dirty="0"/>
+          </a:p>
+        </p:txBody>
+      </p:sp>
+      <p:sp>
+        <p:nvSpPr>
+          <p:cNvPr id="67" name="ZoneTexte 66"/>
+          <p:cNvSpPr txBox="1"/>
+          <p:nvPr/>
+        </p:nvSpPr>
+        <p:spPr>
+          <a:xfrm>
+            <a:off x="10155180" y="4040199"/>
+            <a:ext cx="348172" cy="307777"/>
+          </a:xfrm>
+          <a:prstGeom prst="rect">
+            <a:avLst/>
+          </a:prstGeom>
+          <a:noFill/>
+        </p:spPr>
+        <p:txBody>
+          <a:bodyPr wrap="none" rtlCol="0">
+            <a:spAutoFit/>
+          </a:bodyPr>
+          <a:lstStyle/>
+          <a:p>
+            <a:r>
+              <a:rPr lang="en-GB" sz="1400" dirty="0"/>
+              <a:t>n</a:t>
+            </a:r>
+            <a:r>
+              <a:rPr lang="en-GB" sz="1400" baseline="-25000" dirty="0" smtClean="0"/>
+              <a:t>A</a:t>
+            </a:r>
+            <a:endParaRPr lang="en-GB" sz="1400" baseline="-25000" dirty="0"/>
+          </a:p>
+        </p:txBody>
+      </p:sp>
+      <p:grpSp>
+        <p:nvGrpSpPr>
+          <p:cNvPr id="11" name="Groupe 10"/>
+          <p:cNvGrpSpPr/>
+          <p:nvPr/>
+        </p:nvGrpSpPr>
+        <p:grpSpPr>
+          <a:xfrm>
+            <a:off x="1541194" y="2894981"/>
+            <a:ext cx="303391" cy="333128"/>
+            <a:chOff x="1337365" y="4267200"/>
+            <a:chExt cx="303391" cy="333128"/>
+          </a:xfrm>
+        </p:grpSpPr>
         <p:cxnSp>
           <p:nvCxnSpPr>
-            <p:cNvPr id="16" name="Connecteur droit 15"/>
+            <p:cNvPr id="6" name="Connecteur droit avec flèche 5"/>
             <p:cNvCxnSpPr/>
             <p:nvPr/>
           </p:nvCxnSpPr>
           <p:spPr>
-            <a:xfrm>
-              <a:off x="2069024" y="1611824"/>
-              <a:ext cx="1977196" cy="0"/>
+            <a:xfrm flipH="1" flipV="1">
+              <a:off x="1337365" y="4267200"/>
+              <a:ext cx="3175" cy="333128"/>
             </a:xfrm>
-            <a:prstGeom prst="line">
+            <a:prstGeom prst="straightConnector1">
               <a:avLst/>
             </a:prstGeom>
-            <a:ln w="12700">
+            <a:ln>
               <a:solidFill>
                 <a:schemeClr val="tx1"/>
               </a:solidFill>
+              <a:tailEnd type="triangle"/>
             </a:ln>
           </p:spPr>
           <p:style>
@@ -8184,804 +10282,23 @@
         </p:cxnSp>
         <p:cxnSp>
           <p:nvCxnSpPr>
-            <p:cNvPr id="17" name="Connecteur droit 16"/>
+            <p:cNvPr id="68" name="Connecteur droit avec flèche 67"/>
             <p:cNvCxnSpPr/>
             <p:nvPr/>
           </p:nvCxnSpPr>
           <p:spPr>
             <a:xfrm>
-              <a:off x="2069024" y="4394291"/>
-              <a:ext cx="3569776" cy="18856"/>
+              <a:off x="1337365" y="4600328"/>
+              <a:ext cx="303391" cy="0"/>
             </a:xfrm>
-            <a:prstGeom prst="line">
-              <a:avLst/>
-            </a:prstGeom>
-            <a:ln w="12700">
-              <a:solidFill>
-                <a:schemeClr val="tx1"/>
-              </a:solidFill>
-            </a:ln>
-          </p:spPr>
-          <p:style>
-            <a:lnRef idx="1">
-              <a:schemeClr val="accent1"/>
-            </a:lnRef>
-            <a:fillRef idx="0">
-              <a:schemeClr val="accent1"/>
-            </a:fillRef>
-            <a:effectRef idx="0">
-              <a:schemeClr val="accent1"/>
-            </a:effectRef>
-            <a:fontRef idx="minor">
-              <a:schemeClr val="tx1"/>
-            </a:fontRef>
-          </p:style>
-        </p:cxnSp>
-        <p:pic>
-          <p:nvPicPr>
-            <p:cNvPr id="19" name="Image 18"/>
-            <p:cNvPicPr>
-              <a:picLocks noChangeAspect="1"/>
-            </p:cNvPicPr>
-            <p:nvPr/>
-          </p:nvPicPr>
-          <p:blipFill>
-            <a:blip r:embed="rId2"/>
-            <a:stretch>
-              <a:fillRect/>
-            </a:stretch>
-          </p:blipFill>
-          <p:spPr>
-            <a:xfrm flipH="1">
-              <a:off x="6936217" y="1596584"/>
-              <a:ext cx="3636451" cy="2868736"/>
-            </a:xfrm>
-            <a:prstGeom prst="rect">
-              <a:avLst/>
-            </a:prstGeom>
-          </p:spPr>
-        </p:pic>
-      </p:grpSp>
-      <p:grpSp>
-        <p:nvGrpSpPr>
-          <p:cNvPr id="99" name="Groupe 98"/>
-          <p:cNvGrpSpPr/>
-          <p:nvPr/>
-        </p:nvGrpSpPr>
-        <p:grpSpPr>
-          <a:xfrm>
-            <a:off x="1377950" y="1611824"/>
-            <a:ext cx="10742613" cy="1687612"/>
-            <a:chOff x="1377950" y="1611824"/>
-            <a:chExt cx="10742613" cy="1687612"/>
-          </a:xfrm>
-        </p:grpSpPr>
-        <p:cxnSp>
-          <p:nvCxnSpPr>
-            <p:cNvPr id="22" name="Connecteur droit 21"/>
-            <p:cNvCxnSpPr/>
-            <p:nvPr/>
-          </p:nvCxnSpPr>
-          <p:spPr>
-            <a:xfrm>
-              <a:off x="2971800" y="1611824"/>
-              <a:ext cx="12700" cy="890076"/>
-            </a:xfrm>
-            <a:prstGeom prst="line">
+            <a:prstGeom prst="straightConnector1">
               <a:avLst/>
             </a:prstGeom>
             <a:ln>
               <a:solidFill>
                 <a:schemeClr val="tx1"/>
               </a:solidFill>
-              <a:prstDash val="lgDash"/>
-            </a:ln>
-          </p:spPr>
-          <p:style>
-            <a:lnRef idx="1">
-              <a:schemeClr val="accent1"/>
-            </a:lnRef>
-            <a:fillRef idx="0">
-              <a:schemeClr val="accent1"/>
-            </a:fillRef>
-            <a:effectRef idx="0">
-              <a:schemeClr val="accent1"/>
-            </a:effectRef>
-            <a:fontRef idx="minor">
-              <a:schemeClr val="tx1"/>
-            </a:fontRef>
-          </p:style>
-        </p:cxnSp>
-        <p:cxnSp>
-          <p:nvCxnSpPr>
-            <p:cNvPr id="23" name="Connecteur droit 22"/>
-            <p:cNvCxnSpPr/>
-            <p:nvPr/>
-          </p:nvCxnSpPr>
-          <p:spPr>
-            <a:xfrm>
-              <a:off x="4031152" y="1611824"/>
-              <a:ext cx="12700" cy="890076"/>
-            </a:xfrm>
-            <a:prstGeom prst="line">
-              <a:avLst/>
-            </a:prstGeom>
-            <a:ln>
-              <a:solidFill>
-                <a:schemeClr val="tx1"/>
-              </a:solidFill>
-              <a:prstDash val="lgDash"/>
-            </a:ln>
-          </p:spPr>
-          <p:style>
-            <a:lnRef idx="1">
-              <a:schemeClr val="accent1"/>
-            </a:lnRef>
-            <a:fillRef idx="0">
-              <a:schemeClr val="accent1"/>
-            </a:fillRef>
-            <a:effectRef idx="0">
-              <a:schemeClr val="accent1"/>
-            </a:effectRef>
-            <a:fontRef idx="minor">
-              <a:schemeClr val="tx1"/>
-            </a:fontRef>
-          </p:style>
-        </p:cxnSp>
-        <p:cxnSp>
-          <p:nvCxnSpPr>
-            <p:cNvPr id="24" name="Connecteur droit 23"/>
-            <p:cNvCxnSpPr/>
-            <p:nvPr/>
-          </p:nvCxnSpPr>
-          <p:spPr>
-            <a:xfrm flipH="1">
-              <a:off x="8571402" y="1611824"/>
-              <a:ext cx="1" cy="508774"/>
-            </a:xfrm>
-            <a:prstGeom prst="line">
-              <a:avLst/>
-            </a:prstGeom>
-            <a:ln>
-              <a:solidFill>
-                <a:schemeClr val="tx1"/>
-              </a:solidFill>
-              <a:prstDash val="lgDash"/>
-            </a:ln>
-          </p:spPr>
-          <p:style>
-            <a:lnRef idx="1">
-              <a:schemeClr val="accent1"/>
-            </a:lnRef>
-            <a:fillRef idx="0">
-              <a:schemeClr val="accent1"/>
-            </a:fillRef>
-            <a:effectRef idx="0">
-              <a:schemeClr val="accent1"/>
-            </a:effectRef>
-            <a:fontRef idx="minor">
-              <a:schemeClr val="tx1"/>
-            </a:fontRef>
-          </p:style>
-        </p:cxnSp>
-        <p:cxnSp>
-          <p:nvCxnSpPr>
-            <p:cNvPr id="25" name="Connecteur droit 24"/>
-            <p:cNvCxnSpPr/>
-            <p:nvPr/>
-          </p:nvCxnSpPr>
-          <p:spPr>
-            <a:xfrm>
-              <a:off x="9619152" y="1623987"/>
-              <a:ext cx="0" cy="579463"/>
-            </a:xfrm>
-            <a:prstGeom prst="line">
-              <a:avLst/>
-            </a:prstGeom>
-            <a:ln>
-              <a:solidFill>
-                <a:schemeClr val="tx1"/>
-              </a:solidFill>
-              <a:prstDash val="lgDash"/>
-            </a:ln>
-          </p:spPr>
-          <p:style>
-            <a:lnRef idx="1">
-              <a:schemeClr val="accent1"/>
-            </a:lnRef>
-            <a:fillRef idx="0">
-              <a:schemeClr val="accent1"/>
-            </a:fillRef>
-            <a:effectRef idx="0">
-              <a:schemeClr val="accent1"/>
-            </a:effectRef>
-            <a:fontRef idx="minor">
-              <a:schemeClr val="tx1"/>
-            </a:fontRef>
-          </p:style>
-        </p:cxnSp>
-        <p:sp>
-          <p:nvSpPr>
-            <p:cNvPr id="26" name="ZoneTexte 25"/>
-            <p:cNvSpPr txBox="1"/>
-            <p:nvPr/>
-          </p:nvSpPr>
-          <p:spPr>
-            <a:xfrm>
-              <a:off x="2911956" y="2142521"/>
-              <a:ext cx="325730" cy="276999"/>
-            </a:xfrm>
-            <a:prstGeom prst="rect">
-              <a:avLst/>
-            </a:prstGeom>
-            <a:noFill/>
-          </p:spPr>
-          <p:txBody>
-            <a:bodyPr wrap="none" rtlCol="0">
-              <a:spAutoFit/>
-            </a:bodyPr>
-            <a:lstStyle/>
-            <a:p>
-              <a:r>
-                <a:rPr lang="el-GR" sz="1200" dirty="0" smtClean="0"/>
-                <a:t>θ</a:t>
-              </a:r>
-              <a:r>
-                <a:rPr lang="fr-CH" sz="1200" baseline="-25000" dirty="0" smtClean="0"/>
-                <a:t>A</a:t>
-              </a:r>
-              <a:endParaRPr lang="en-GB" sz="1200" baseline="-25000" dirty="0"/>
-            </a:p>
-          </p:txBody>
-        </p:sp>
-        <p:sp>
-          <p:nvSpPr>
-            <p:cNvPr id="27" name="ZoneTexte 26"/>
-            <p:cNvSpPr txBox="1"/>
-            <p:nvPr/>
-          </p:nvSpPr>
-          <p:spPr>
-            <a:xfrm>
-              <a:off x="4002016" y="1866892"/>
-              <a:ext cx="325730" cy="276999"/>
-            </a:xfrm>
-            <a:prstGeom prst="rect">
-              <a:avLst/>
-            </a:prstGeom>
-            <a:noFill/>
-          </p:spPr>
-          <p:txBody>
-            <a:bodyPr wrap="none" rtlCol="0">
-              <a:spAutoFit/>
-            </a:bodyPr>
-            <a:lstStyle/>
-            <a:p>
-              <a:r>
-                <a:rPr lang="el-GR" sz="1200" dirty="0" smtClean="0"/>
-                <a:t>θ</a:t>
-              </a:r>
-              <a:r>
-                <a:rPr lang="fr-CH" sz="1200" baseline="-25000" dirty="0" smtClean="0"/>
-                <a:t>B</a:t>
-              </a:r>
-              <a:endParaRPr lang="en-GB" sz="1200" baseline="-25000" dirty="0"/>
-            </a:p>
-          </p:txBody>
-        </p:sp>
-        <p:sp>
-          <p:nvSpPr>
-            <p:cNvPr id="28" name="ZoneTexte 27"/>
-            <p:cNvSpPr txBox="1"/>
-            <p:nvPr/>
-          </p:nvSpPr>
-          <p:spPr>
-            <a:xfrm>
-              <a:off x="8569274" y="1790338"/>
-              <a:ext cx="325730" cy="276999"/>
-            </a:xfrm>
-            <a:prstGeom prst="rect">
-              <a:avLst/>
-            </a:prstGeom>
-            <a:noFill/>
-          </p:spPr>
-          <p:txBody>
-            <a:bodyPr wrap="none" rtlCol="0">
-              <a:spAutoFit/>
-            </a:bodyPr>
-            <a:lstStyle/>
-            <a:p>
-              <a:r>
-                <a:rPr lang="el-GR" sz="1200" dirty="0" smtClean="0"/>
-                <a:t>θ</a:t>
-              </a:r>
-              <a:r>
-                <a:rPr lang="fr-CH" sz="1200" baseline="-25000" dirty="0" smtClean="0"/>
-                <a:t>B</a:t>
-              </a:r>
-              <a:endParaRPr lang="en-GB" sz="1200" baseline="-25000" dirty="0"/>
-            </a:p>
-          </p:txBody>
-        </p:sp>
-        <p:sp>
-          <p:nvSpPr>
-            <p:cNvPr id="29" name="ZoneTexte 28"/>
-            <p:cNvSpPr txBox="1"/>
-            <p:nvPr/>
-          </p:nvSpPr>
-          <p:spPr>
-            <a:xfrm>
-              <a:off x="9404952" y="2135752"/>
-              <a:ext cx="325730" cy="276999"/>
-            </a:xfrm>
-            <a:prstGeom prst="rect">
-              <a:avLst/>
-            </a:prstGeom>
-            <a:noFill/>
-          </p:spPr>
-          <p:txBody>
-            <a:bodyPr wrap="none" rtlCol="0">
-              <a:spAutoFit/>
-            </a:bodyPr>
-            <a:lstStyle/>
-            <a:p>
-              <a:r>
-                <a:rPr lang="el-GR" sz="1200" dirty="0" smtClean="0"/>
-                <a:t>θ</a:t>
-              </a:r>
-              <a:r>
-                <a:rPr lang="fr-CH" sz="1200" baseline="-25000" dirty="0" smtClean="0"/>
-                <a:t>A</a:t>
-              </a:r>
-              <a:endParaRPr lang="en-GB" sz="1200" baseline="-25000" dirty="0"/>
-            </a:p>
-          </p:txBody>
-        </p:sp>
-        <p:cxnSp>
-          <p:nvCxnSpPr>
-            <p:cNvPr id="31" name="Connecteur droit 30"/>
-            <p:cNvCxnSpPr/>
-            <p:nvPr/>
-          </p:nvCxnSpPr>
-          <p:spPr>
-            <a:xfrm>
-              <a:off x="1733550" y="2501900"/>
-              <a:ext cx="761823" cy="0"/>
-            </a:xfrm>
-            <a:prstGeom prst="line">
-              <a:avLst/>
-            </a:prstGeom>
-            <a:ln>
-              <a:solidFill>
-                <a:schemeClr val="tx1"/>
-              </a:solidFill>
-              <a:prstDash val="dashDot"/>
-            </a:ln>
-          </p:spPr>
-          <p:style>
-            <a:lnRef idx="1">
-              <a:schemeClr val="accent1"/>
-            </a:lnRef>
-            <a:fillRef idx="0">
-              <a:schemeClr val="accent1"/>
-            </a:fillRef>
-            <a:effectRef idx="0">
-              <a:schemeClr val="accent1"/>
-            </a:effectRef>
-            <a:fontRef idx="minor">
-              <a:schemeClr val="tx1"/>
-            </a:fontRef>
-          </p:style>
-        </p:cxnSp>
-        <p:cxnSp>
-          <p:nvCxnSpPr>
-            <p:cNvPr id="36" name="Connecteur droit 35"/>
-            <p:cNvCxnSpPr/>
-            <p:nvPr/>
-          </p:nvCxnSpPr>
-          <p:spPr>
-            <a:xfrm flipV="1">
-              <a:off x="3049757" y="2871969"/>
-              <a:ext cx="590550" cy="154437"/>
-            </a:xfrm>
-            <a:prstGeom prst="line">
-              <a:avLst/>
-            </a:prstGeom>
-            <a:ln>
-              <a:solidFill>
-                <a:schemeClr val="tx1"/>
-              </a:solidFill>
-              <a:prstDash val="dashDot"/>
-            </a:ln>
-          </p:spPr>
-          <p:style>
-            <a:lnRef idx="1">
-              <a:schemeClr val="accent1"/>
-            </a:lnRef>
-            <a:fillRef idx="0">
-              <a:schemeClr val="accent1"/>
-            </a:fillRef>
-            <a:effectRef idx="0">
-              <a:schemeClr val="accent1"/>
-            </a:effectRef>
-            <a:fontRef idx="minor">
-              <a:schemeClr val="tx1"/>
-            </a:fontRef>
-          </p:style>
-        </p:cxnSp>
-        <p:cxnSp>
-          <p:nvCxnSpPr>
-            <p:cNvPr id="38" name="Connecteur droit 37"/>
-            <p:cNvCxnSpPr/>
-            <p:nvPr/>
-          </p:nvCxnSpPr>
-          <p:spPr>
-            <a:xfrm>
-              <a:off x="1377950" y="2001618"/>
-              <a:ext cx="691074" cy="500282"/>
-            </a:xfrm>
-            <a:prstGeom prst="line">
-              <a:avLst/>
-            </a:prstGeom>
-            <a:ln w="28575">
-              <a:solidFill>
-                <a:schemeClr val="accent4"/>
-              </a:solidFill>
-            </a:ln>
-          </p:spPr>
-          <p:style>
-            <a:lnRef idx="1">
-              <a:schemeClr val="accent1"/>
-            </a:lnRef>
-            <a:fillRef idx="0">
-              <a:schemeClr val="accent1"/>
-            </a:fillRef>
-            <a:effectRef idx="0">
-              <a:schemeClr val="accent1"/>
-            </a:effectRef>
-            <a:fontRef idx="minor">
-              <a:schemeClr val="tx1"/>
-            </a:fontRef>
-          </p:style>
-        </p:cxnSp>
-        <p:cxnSp>
-          <p:nvCxnSpPr>
-            <p:cNvPr id="39" name="Connecteur droit 38"/>
-            <p:cNvCxnSpPr/>
-            <p:nvPr/>
-          </p:nvCxnSpPr>
-          <p:spPr>
-            <a:xfrm>
-              <a:off x="2079087" y="2502775"/>
-              <a:ext cx="1231776" cy="447441"/>
-            </a:xfrm>
-            <a:prstGeom prst="line">
-              <a:avLst/>
-            </a:prstGeom>
-            <a:ln w="28575">
-              <a:solidFill>
-                <a:schemeClr val="accent4"/>
-              </a:solidFill>
-            </a:ln>
-          </p:spPr>
-          <p:style>
-            <a:lnRef idx="1">
-              <a:schemeClr val="accent1"/>
-            </a:lnRef>
-            <a:fillRef idx="0">
-              <a:schemeClr val="accent1"/>
-            </a:fillRef>
-            <a:effectRef idx="0">
-              <a:schemeClr val="accent1"/>
-            </a:effectRef>
-            <a:fontRef idx="minor">
-              <a:schemeClr val="tx1"/>
-            </a:fontRef>
-          </p:style>
-        </p:cxnSp>
-        <p:cxnSp>
-          <p:nvCxnSpPr>
-            <p:cNvPr id="43" name="Connecteur droit 42"/>
-            <p:cNvCxnSpPr/>
-            <p:nvPr/>
-          </p:nvCxnSpPr>
-          <p:spPr>
-            <a:xfrm>
-              <a:off x="3315080" y="2949188"/>
-              <a:ext cx="1604672" cy="245456"/>
-            </a:xfrm>
-            <a:prstGeom prst="line">
-              <a:avLst/>
-            </a:prstGeom>
-            <a:ln w="28575">
-              <a:solidFill>
-                <a:schemeClr val="accent4"/>
-              </a:solidFill>
-            </a:ln>
-          </p:spPr>
-          <p:style>
-            <a:lnRef idx="1">
-              <a:schemeClr val="accent1"/>
-            </a:lnRef>
-            <a:fillRef idx="0">
-              <a:schemeClr val="accent1"/>
-            </a:fillRef>
-            <a:effectRef idx="0">
-              <a:schemeClr val="accent1"/>
-            </a:effectRef>
-            <a:fontRef idx="minor">
-              <a:schemeClr val="tx1"/>
-            </a:fontRef>
-          </p:style>
-        </p:cxnSp>
-        <p:cxnSp>
-          <p:nvCxnSpPr>
-            <p:cNvPr id="45" name="Connecteur droit 44"/>
-            <p:cNvCxnSpPr/>
-            <p:nvPr/>
-          </p:nvCxnSpPr>
-          <p:spPr>
-            <a:xfrm flipV="1">
-              <a:off x="4718008" y="3026406"/>
-              <a:ext cx="464480" cy="273030"/>
-            </a:xfrm>
-            <a:prstGeom prst="line">
-              <a:avLst/>
-            </a:prstGeom>
-            <a:ln>
-              <a:solidFill>
-                <a:schemeClr val="tx1"/>
-              </a:solidFill>
-              <a:prstDash val="dashDot"/>
-            </a:ln>
-          </p:spPr>
-          <p:style>
-            <a:lnRef idx="1">
-              <a:schemeClr val="accent1"/>
-            </a:lnRef>
-            <a:fillRef idx="0">
-              <a:schemeClr val="accent1"/>
-            </a:fillRef>
-            <a:effectRef idx="0">
-              <a:schemeClr val="accent1"/>
-            </a:effectRef>
-            <a:fontRef idx="minor">
-              <a:schemeClr val="tx1"/>
-            </a:fontRef>
-          </p:style>
-        </p:cxnSp>
-        <p:cxnSp>
-          <p:nvCxnSpPr>
-            <p:cNvPr id="47" name="Connecteur droit 46"/>
-            <p:cNvCxnSpPr/>
-            <p:nvPr/>
-          </p:nvCxnSpPr>
-          <p:spPr>
-            <a:xfrm flipV="1">
-              <a:off x="4924043" y="3022230"/>
-              <a:ext cx="2852220" cy="166930"/>
-            </a:xfrm>
-            <a:prstGeom prst="line">
-              <a:avLst/>
-            </a:prstGeom>
-            <a:ln w="28575">
-              <a:solidFill>
-                <a:schemeClr val="accent4"/>
-              </a:solidFill>
-            </a:ln>
-          </p:spPr>
-          <p:style>
-            <a:lnRef idx="1">
-              <a:schemeClr val="accent1"/>
-            </a:lnRef>
-            <a:fillRef idx="0">
-              <a:schemeClr val="accent1"/>
-            </a:fillRef>
-            <a:effectRef idx="0">
-              <a:schemeClr val="accent1"/>
-            </a:effectRef>
-            <a:fontRef idx="minor">
-              <a:schemeClr val="tx1"/>
-            </a:fontRef>
-          </p:style>
-        </p:cxnSp>
-        <p:cxnSp>
-          <p:nvCxnSpPr>
-            <p:cNvPr id="56" name="Connecteur droit 55"/>
-            <p:cNvCxnSpPr/>
-            <p:nvPr/>
-          </p:nvCxnSpPr>
-          <p:spPr>
-            <a:xfrm>
-              <a:off x="7541847" y="2911954"/>
-              <a:ext cx="468832" cy="234853"/>
-            </a:xfrm>
-            <a:prstGeom prst="line">
-              <a:avLst/>
-            </a:prstGeom>
-            <a:ln>
-              <a:solidFill>
-                <a:schemeClr val="tx1"/>
-              </a:solidFill>
-              <a:prstDash val="dashDot"/>
-            </a:ln>
-          </p:spPr>
-          <p:style>
-            <a:lnRef idx="1">
-              <a:schemeClr val="accent1"/>
-            </a:lnRef>
-            <a:fillRef idx="0">
-              <a:schemeClr val="accent1"/>
-            </a:fillRef>
-            <a:effectRef idx="0">
-              <a:schemeClr val="accent1"/>
-            </a:effectRef>
-            <a:fontRef idx="minor">
-              <a:schemeClr val="tx1"/>
-            </a:fontRef>
-          </p:style>
-        </p:cxnSp>
-        <p:cxnSp>
-          <p:nvCxnSpPr>
-            <p:cNvPr id="59" name="Connecteur droit 58"/>
-            <p:cNvCxnSpPr/>
-            <p:nvPr/>
-          </p:nvCxnSpPr>
-          <p:spPr>
-            <a:xfrm>
-              <a:off x="7776263" y="3030905"/>
-              <a:ext cx="1462987" cy="158255"/>
-            </a:xfrm>
-            <a:prstGeom prst="line">
-              <a:avLst/>
-            </a:prstGeom>
-            <a:ln w="28575">
-              <a:solidFill>
-                <a:schemeClr val="accent4"/>
-              </a:solidFill>
-            </a:ln>
-          </p:spPr>
-          <p:style>
-            <a:lnRef idx="1">
-              <a:schemeClr val="accent1"/>
-            </a:lnRef>
-            <a:fillRef idx="0">
-              <a:schemeClr val="accent1"/>
-            </a:fillRef>
-            <a:effectRef idx="0">
-              <a:schemeClr val="accent1"/>
-            </a:effectRef>
-            <a:fontRef idx="minor">
-              <a:schemeClr val="tx1"/>
-            </a:fontRef>
-          </p:style>
-        </p:cxnSp>
-        <p:cxnSp>
-          <p:nvCxnSpPr>
-            <p:cNvPr id="63" name="Connecteur droit 62"/>
-            <p:cNvCxnSpPr>
-              <a:endCxn id="19" idx="1"/>
-            </p:cNvCxnSpPr>
-            <p:nvPr/>
-          </p:nvCxnSpPr>
-          <p:spPr>
-            <a:xfrm flipV="1">
-              <a:off x="9234450" y="3030952"/>
-              <a:ext cx="1338218" cy="140119"/>
-            </a:xfrm>
-            <a:prstGeom prst="line">
-              <a:avLst/>
-            </a:prstGeom>
-            <a:ln w="28575">
-              <a:solidFill>
-                <a:schemeClr val="accent4"/>
-              </a:solidFill>
-            </a:ln>
-          </p:spPr>
-          <p:style>
-            <a:lnRef idx="1">
-              <a:schemeClr val="accent1"/>
-            </a:lnRef>
-            <a:fillRef idx="0">
-              <a:schemeClr val="accent1"/>
-            </a:fillRef>
-            <a:effectRef idx="0">
-              <a:schemeClr val="accent1"/>
-            </a:effectRef>
-            <a:fontRef idx="minor">
-              <a:schemeClr val="tx1"/>
-            </a:fontRef>
-          </p:style>
-        </p:cxnSp>
-        <p:cxnSp>
-          <p:nvCxnSpPr>
-            <p:cNvPr id="61" name="Connecteur droit 60"/>
-            <p:cNvCxnSpPr/>
-            <p:nvPr/>
-          </p:nvCxnSpPr>
-          <p:spPr>
-            <a:xfrm>
-              <a:off x="8718829" y="3060749"/>
-              <a:ext cx="998088" cy="221470"/>
-            </a:xfrm>
-            <a:prstGeom prst="line">
-              <a:avLst/>
-            </a:prstGeom>
-            <a:ln>
-              <a:solidFill>
-                <a:schemeClr val="tx1"/>
-              </a:solidFill>
-              <a:prstDash val="dashDot"/>
-            </a:ln>
-          </p:spPr>
-          <p:style>
-            <a:lnRef idx="1">
-              <a:schemeClr val="accent1"/>
-            </a:lnRef>
-            <a:fillRef idx="0">
-              <a:schemeClr val="accent1"/>
-            </a:fillRef>
-            <a:effectRef idx="0">
-              <a:schemeClr val="accent1"/>
-            </a:effectRef>
-            <a:fontRef idx="minor">
-              <a:schemeClr val="tx1"/>
-            </a:fontRef>
-          </p:style>
-        </p:cxnSp>
-        <p:cxnSp>
-          <p:nvCxnSpPr>
-            <p:cNvPr id="80" name="Connecteur droit 79"/>
-            <p:cNvCxnSpPr/>
-            <p:nvPr/>
-          </p:nvCxnSpPr>
-          <p:spPr>
-            <a:xfrm flipV="1">
-              <a:off x="10529887" y="2973793"/>
-              <a:ext cx="1590676" cy="61079"/>
-            </a:xfrm>
-            <a:prstGeom prst="line">
-              <a:avLst/>
-            </a:prstGeom>
-            <a:ln w="28575">
-              <a:solidFill>
-                <a:schemeClr val="accent4"/>
-              </a:solidFill>
-            </a:ln>
-          </p:spPr>
-          <p:style>
-            <a:lnRef idx="1">
-              <a:schemeClr val="accent1"/>
-            </a:lnRef>
-            <a:fillRef idx="0">
-              <a:schemeClr val="accent1"/>
-            </a:fillRef>
-            <a:effectRef idx="0">
-              <a:schemeClr val="accent1"/>
-            </a:effectRef>
-            <a:fontRef idx="minor">
-              <a:schemeClr val="tx1"/>
-            </a:fontRef>
-          </p:style>
-        </p:cxnSp>
-        <p:cxnSp>
-          <p:nvCxnSpPr>
-            <p:cNvPr id="70" name="Connecteur droit 69"/>
-            <p:cNvCxnSpPr/>
-            <p:nvPr/>
-          </p:nvCxnSpPr>
-          <p:spPr>
-            <a:xfrm>
-              <a:off x="9948863" y="3020715"/>
-              <a:ext cx="1056253" cy="0"/>
-            </a:xfrm>
-            <a:prstGeom prst="line">
-              <a:avLst/>
-            </a:prstGeom>
-            <a:ln>
-              <a:solidFill>
-                <a:schemeClr val="tx1"/>
-              </a:solidFill>
-              <a:prstDash val="dashDot"/>
+              <a:tailEnd type="triangle"/>
             </a:ln>
           </p:spPr>
           <p:style>
@@ -9002,481 +10319,61 @@
       </p:grpSp>
       <p:sp>
         <p:nvSpPr>
-          <p:cNvPr id="107" name="Arc 106"/>
-          <p:cNvSpPr/>
-          <p:nvPr/>
-        </p:nvSpPr>
-        <p:spPr>
-          <a:xfrm rot="4410126" flipH="1" flipV="1">
-            <a:off x="1726170" y="2291972"/>
-            <a:ext cx="346654" cy="351887"/>
-          </a:xfrm>
-          <a:prstGeom prst="arc">
-            <a:avLst>
-              <a:gd name="adj1" fmla="val 16663458"/>
-              <a:gd name="adj2" fmla="val 20671197"/>
-            </a:avLst>
-          </a:prstGeom>
-          <a:ln>
-            <a:solidFill>
-              <a:schemeClr val="tx1"/>
-            </a:solidFill>
-            <a:headEnd type="arrow" w="med" len="med"/>
-            <a:tailEnd type="none" w="med" len="med"/>
-          </a:ln>
-        </p:spPr>
-        <p:style>
-          <a:lnRef idx="1">
-            <a:schemeClr val="accent1"/>
-          </a:lnRef>
-          <a:fillRef idx="0">
-            <a:schemeClr val="accent1"/>
-          </a:fillRef>
-          <a:effectRef idx="0">
-            <a:schemeClr val="accent1"/>
-          </a:effectRef>
-          <a:fontRef idx="minor">
-            <a:schemeClr val="tx1"/>
-          </a:fontRef>
-        </p:style>
-        <p:txBody>
-          <a:bodyPr rtlCol="0" anchor="ctr"/>
-          <a:lstStyle/>
-          <a:p>
-            <a:pPr algn="ctr"/>
-            <a:endParaRPr lang="en-GB"/>
-          </a:p>
-        </p:txBody>
-      </p:sp>
-      <p:sp>
-        <p:nvSpPr>
-          <p:cNvPr id="108" name="Arc 107"/>
-          <p:cNvSpPr/>
-          <p:nvPr/>
-        </p:nvSpPr>
-        <p:spPr>
-          <a:xfrm rot="15517079" flipH="1" flipV="1">
-            <a:off x="2168313" y="2330813"/>
-            <a:ext cx="286229" cy="317649"/>
-          </a:xfrm>
-          <a:prstGeom prst="arc">
-            <a:avLst>
-              <a:gd name="adj1" fmla="val 16663458"/>
-              <a:gd name="adj2" fmla="val 20671197"/>
-            </a:avLst>
-          </a:prstGeom>
-          <a:ln>
-            <a:solidFill>
-              <a:schemeClr val="tx1"/>
-            </a:solidFill>
-            <a:headEnd type="arrow" w="med" len="med"/>
-            <a:tailEnd type="none" w="med" len="med"/>
-          </a:ln>
-        </p:spPr>
-        <p:style>
-          <a:lnRef idx="1">
-            <a:schemeClr val="accent1"/>
-          </a:lnRef>
-          <a:fillRef idx="0">
-            <a:schemeClr val="accent1"/>
-          </a:fillRef>
-          <a:effectRef idx="0">
-            <a:schemeClr val="accent1"/>
-          </a:effectRef>
-          <a:fontRef idx="minor">
-            <a:schemeClr val="tx1"/>
-          </a:fontRef>
-        </p:style>
-        <p:txBody>
-          <a:bodyPr rtlCol="0" anchor="ctr"/>
-          <a:lstStyle/>
-          <a:p>
-            <a:pPr algn="ctr"/>
-            <a:endParaRPr lang="en-GB"/>
-          </a:p>
-        </p:txBody>
-      </p:sp>
-      <p:sp>
-        <p:nvSpPr>
-          <p:cNvPr id="110" name="Arc 109"/>
-          <p:cNvSpPr/>
-          <p:nvPr/>
-        </p:nvSpPr>
-        <p:spPr>
-          <a:xfrm rot="1942193" flipH="1" flipV="1">
-            <a:off x="2979219" y="2717655"/>
-            <a:ext cx="346654" cy="351887"/>
-          </a:xfrm>
-          <a:prstGeom prst="arc">
-            <a:avLst>
-              <a:gd name="adj1" fmla="val 16663458"/>
-              <a:gd name="adj2" fmla="val 20671197"/>
-            </a:avLst>
-          </a:prstGeom>
-          <a:ln>
-            <a:solidFill>
-              <a:schemeClr val="tx1"/>
-            </a:solidFill>
-            <a:headEnd type="arrow" w="med" len="med"/>
-            <a:tailEnd type="none" w="med" len="med"/>
-          </a:ln>
-        </p:spPr>
-        <p:style>
-          <a:lnRef idx="1">
-            <a:schemeClr val="accent1"/>
-          </a:lnRef>
-          <a:fillRef idx="0">
-            <a:schemeClr val="accent1"/>
-          </a:fillRef>
-          <a:effectRef idx="0">
-            <a:schemeClr val="accent1"/>
-          </a:effectRef>
-          <a:fontRef idx="minor">
-            <a:schemeClr val="tx1"/>
-          </a:fontRef>
-        </p:style>
-        <p:txBody>
-          <a:bodyPr rtlCol="0" anchor="ctr"/>
-          <a:lstStyle/>
-          <a:p>
-            <a:pPr algn="ctr"/>
-            <a:endParaRPr lang="en-GB"/>
-          </a:p>
-        </p:txBody>
-      </p:sp>
-      <p:sp>
-        <p:nvSpPr>
-          <p:cNvPr id="111" name="Arc 110"/>
-          <p:cNvSpPr/>
-          <p:nvPr/>
-        </p:nvSpPr>
-        <p:spPr>
-          <a:xfrm rot="14151145" flipH="1" flipV="1">
-            <a:off x="3397278" y="2779137"/>
-            <a:ext cx="313468" cy="265635"/>
-          </a:xfrm>
-          <a:prstGeom prst="arc">
-            <a:avLst>
-              <a:gd name="adj1" fmla="val 16663458"/>
-              <a:gd name="adj2" fmla="val 20671197"/>
-            </a:avLst>
-          </a:prstGeom>
-          <a:ln>
-            <a:solidFill>
-              <a:schemeClr val="tx1"/>
-            </a:solidFill>
-            <a:headEnd type="arrow" w="med" len="med"/>
-            <a:tailEnd type="none" w="med" len="med"/>
-          </a:ln>
-        </p:spPr>
-        <p:style>
-          <a:lnRef idx="1">
-            <a:schemeClr val="accent1"/>
-          </a:lnRef>
-          <a:fillRef idx="0">
-            <a:schemeClr val="accent1"/>
-          </a:fillRef>
-          <a:effectRef idx="0">
-            <a:schemeClr val="accent1"/>
-          </a:effectRef>
-          <a:fontRef idx="minor">
-            <a:schemeClr val="tx1"/>
-          </a:fontRef>
-        </p:style>
-        <p:txBody>
-          <a:bodyPr rtlCol="0" anchor="ctr"/>
-          <a:lstStyle/>
-          <a:p>
-            <a:pPr algn="ctr"/>
-            <a:endParaRPr lang="en-GB"/>
-          </a:p>
-        </p:txBody>
-      </p:sp>
-      <p:sp>
-        <p:nvSpPr>
-          <p:cNvPr id="112" name="Arc 111"/>
-          <p:cNvSpPr/>
-          <p:nvPr/>
-        </p:nvSpPr>
-        <p:spPr>
-          <a:xfrm rot="12402128" flipH="1" flipV="1">
-            <a:off x="4952969" y="3002180"/>
-            <a:ext cx="313468" cy="265635"/>
-          </a:xfrm>
-          <a:prstGeom prst="arc">
-            <a:avLst>
-              <a:gd name="adj1" fmla="val 16663458"/>
-              <a:gd name="adj2" fmla="val 20671197"/>
-            </a:avLst>
-          </a:prstGeom>
-          <a:ln>
-            <a:solidFill>
-              <a:schemeClr val="tx1"/>
-            </a:solidFill>
-            <a:headEnd type="arrow" w="med" len="med"/>
-            <a:tailEnd type="none" w="med" len="med"/>
-          </a:ln>
-        </p:spPr>
-        <p:style>
-          <a:lnRef idx="1">
-            <a:schemeClr val="accent1"/>
-          </a:lnRef>
-          <a:fillRef idx="0">
-            <a:schemeClr val="accent1"/>
-          </a:fillRef>
-          <a:effectRef idx="0">
-            <a:schemeClr val="accent1"/>
-          </a:effectRef>
-          <a:fontRef idx="minor">
-            <a:schemeClr val="tx1"/>
-          </a:fontRef>
-        </p:style>
-        <p:txBody>
-          <a:bodyPr rtlCol="0" anchor="ctr"/>
-          <a:lstStyle/>
-          <a:p>
-            <a:pPr algn="ctr"/>
-            <a:endParaRPr lang="en-GB"/>
-          </a:p>
-        </p:txBody>
-      </p:sp>
-      <p:sp>
-        <p:nvSpPr>
-          <p:cNvPr id="113" name="Arc 112"/>
-          <p:cNvSpPr/>
-          <p:nvPr/>
-        </p:nvSpPr>
-        <p:spPr>
-          <a:xfrm rot="1111206" flipH="1" flipV="1">
-            <a:off x="4618239" y="3002090"/>
-            <a:ext cx="313388" cy="328482"/>
-          </a:xfrm>
-          <a:prstGeom prst="arc">
-            <a:avLst>
-              <a:gd name="adj1" fmla="val 16663458"/>
-              <a:gd name="adj2" fmla="val 21231125"/>
-            </a:avLst>
-          </a:prstGeom>
-          <a:ln>
-            <a:solidFill>
-              <a:schemeClr val="tx1"/>
-            </a:solidFill>
-            <a:headEnd type="arrow" w="med" len="med"/>
-            <a:tailEnd type="none" w="med" len="med"/>
-          </a:ln>
-        </p:spPr>
-        <p:style>
-          <a:lnRef idx="1">
-            <a:schemeClr val="accent1"/>
-          </a:lnRef>
-          <a:fillRef idx="0">
-            <a:schemeClr val="accent1"/>
-          </a:fillRef>
-          <a:effectRef idx="0">
-            <a:schemeClr val="accent1"/>
-          </a:effectRef>
-          <a:fontRef idx="minor">
-            <a:schemeClr val="tx1"/>
-          </a:fontRef>
-        </p:style>
-        <p:txBody>
-          <a:bodyPr rtlCol="0" anchor="ctr"/>
-          <a:lstStyle/>
-          <a:p>
-            <a:pPr algn="ctr"/>
-            <a:endParaRPr lang="en-GB"/>
-          </a:p>
-        </p:txBody>
-      </p:sp>
-      <p:sp>
-        <p:nvSpPr>
-          <p:cNvPr id="115" name="Arc 114"/>
-          <p:cNvSpPr/>
-          <p:nvPr/>
-        </p:nvSpPr>
-        <p:spPr>
-          <a:xfrm rot="4410126" flipH="1" flipV="1">
-            <a:off x="7446415" y="2859888"/>
-            <a:ext cx="314125" cy="338984"/>
-          </a:xfrm>
-          <a:prstGeom prst="arc">
-            <a:avLst>
-              <a:gd name="adj1" fmla="val 16663458"/>
-              <a:gd name="adj2" fmla="val 20671197"/>
-            </a:avLst>
-          </a:prstGeom>
-          <a:ln>
-            <a:solidFill>
-              <a:schemeClr val="tx1"/>
-            </a:solidFill>
-            <a:headEnd type="none" w="med" len="med"/>
-            <a:tailEnd type="arrow" w="med" len="med"/>
-          </a:ln>
-        </p:spPr>
-        <p:style>
-          <a:lnRef idx="1">
-            <a:schemeClr val="accent1"/>
-          </a:lnRef>
-          <a:fillRef idx="0">
-            <a:schemeClr val="accent1"/>
-          </a:fillRef>
-          <a:effectRef idx="0">
-            <a:schemeClr val="accent1"/>
-          </a:effectRef>
-          <a:fontRef idx="minor">
-            <a:schemeClr val="tx1"/>
-          </a:fontRef>
-        </p:style>
-        <p:txBody>
-          <a:bodyPr rtlCol="0" anchor="ctr"/>
-          <a:lstStyle/>
-          <a:p>
-            <a:pPr algn="ctr"/>
-            <a:endParaRPr lang="en-GB"/>
-          </a:p>
-        </p:txBody>
-      </p:sp>
-      <p:sp>
-        <p:nvSpPr>
-          <p:cNvPr id="116" name="Arc 115"/>
-          <p:cNvSpPr/>
-          <p:nvPr/>
-        </p:nvSpPr>
-        <p:spPr>
-          <a:xfrm rot="15517079" flipH="1" flipV="1">
-            <a:off x="7858863" y="2930050"/>
-            <a:ext cx="249580" cy="283734"/>
-          </a:xfrm>
-          <a:prstGeom prst="arc">
-            <a:avLst>
-              <a:gd name="adj1" fmla="val 16663458"/>
-              <a:gd name="adj2" fmla="val 20671197"/>
-            </a:avLst>
-          </a:prstGeom>
-          <a:ln>
-            <a:solidFill>
-              <a:schemeClr val="tx1"/>
-            </a:solidFill>
-            <a:headEnd type="none" w="med" len="med"/>
-            <a:tailEnd type="arrow" w="med" len="med"/>
-          </a:ln>
-        </p:spPr>
-        <p:style>
-          <a:lnRef idx="1">
-            <a:schemeClr val="accent1"/>
-          </a:lnRef>
-          <a:fillRef idx="0">
-            <a:schemeClr val="accent1"/>
-          </a:fillRef>
-          <a:effectRef idx="0">
-            <a:schemeClr val="accent1"/>
-          </a:effectRef>
-          <a:fontRef idx="minor">
-            <a:schemeClr val="tx1"/>
-          </a:fontRef>
-        </p:style>
-        <p:txBody>
-          <a:bodyPr rtlCol="0" anchor="ctr"/>
-          <a:lstStyle/>
-          <a:p>
-            <a:pPr algn="ctr"/>
-            <a:endParaRPr lang="en-GB"/>
-          </a:p>
-        </p:txBody>
-      </p:sp>
-      <p:sp>
-        <p:nvSpPr>
-          <p:cNvPr id="137" name="Arc 136"/>
-          <p:cNvSpPr/>
-          <p:nvPr/>
-        </p:nvSpPr>
-        <p:spPr>
-          <a:xfrm rot="2789593" flipH="1" flipV="1">
-            <a:off x="8685324" y="2931787"/>
-            <a:ext cx="203728" cy="283326"/>
-          </a:xfrm>
-          <a:prstGeom prst="arc">
-            <a:avLst>
-              <a:gd name="adj1" fmla="val 16663458"/>
-              <a:gd name="adj2" fmla="val 20671197"/>
-            </a:avLst>
-          </a:prstGeom>
-          <a:ln>
-            <a:solidFill>
-              <a:schemeClr val="tx1"/>
-            </a:solidFill>
-            <a:headEnd type="none" w="med" len="med"/>
-            <a:tailEnd type="arrow" w="med" len="med"/>
-          </a:ln>
-        </p:spPr>
-        <p:style>
-          <a:lnRef idx="1">
-            <a:schemeClr val="accent1"/>
-          </a:lnRef>
-          <a:fillRef idx="0">
-            <a:schemeClr val="accent1"/>
-          </a:fillRef>
-          <a:effectRef idx="0">
-            <a:schemeClr val="accent1"/>
-          </a:effectRef>
-          <a:fontRef idx="minor">
-            <a:schemeClr val="tx1"/>
-          </a:fontRef>
-        </p:style>
-        <p:txBody>
-          <a:bodyPr rtlCol="0" anchor="ctr"/>
-          <a:lstStyle/>
-          <a:p>
-            <a:pPr algn="ctr"/>
-            <a:endParaRPr lang="en-GB" sz="1000"/>
-          </a:p>
-        </p:txBody>
-      </p:sp>
-      <p:sp>
-        <p:nvSpPr>
-          <p:cNvPr id="138" name="Arc 137"/>
-          <p:cNvSpPr/>
-          <p:nvPr/>
-        </p:nvSpPr>
-        <p:spPr>
-          <a:xfrm rot="13905692" flipH="1" flipV="1">
-            <a:off x="9429039" y="3014710"/>
-            <a:ext cx="224095" cy="390984"/>
-          </a:xfrm>
-          <a:prstGeom prst="arc">
-            <a:avLst>
-              <a:gd name="adj1" fmla="val 16663458"/>
-              <a:gd name="adj2" fmla="val 20671197"/>
-            </a:avLst>
-          </a:prstGeom>
-          <a:ln>
-            <a:solidFill>
-              <a:schemeClr val="tx1"/>
-            </a:solidFill>
-            <a:headEnd type="none" w="med" len="med"/>
-            <a:tailEnd type="arrow" w="med" len="med"/>
-          </a:ln>
-        </p:spPr>
-        <p:style>
-          <a:lnRef idx="1">
-            <a:schemeClr val="accent1"/>
-          </a:lnRef>
-          <a:fillRef idx="0">
-            <a:schemeClr val="accent1"/>
-          </a:fillRef>
-          <a:effectRef idx="0">
-            <a:schemeClr val="accent1"/>
-          </a:effectRef>
-          <a:fontRef idx="minor">
-            <a:schemeClr val="tx1"/>
-          </a:fontRef>
-        </p:style>
-        <p:txBody>
-          <a:bodyPr rtlCol="0" anchor="ctr"/>
-          <a:lstStyle/>
-          <a:p>
-            <a:pPr algn="ctr"/>
-            <a:endParaRPr lang="en-GB"/>
+          <p:cNvPr id="15" name="ZoneTexte 14"/>
+          <p:cNvSpPr txBox="1"/>
+          <p:nvPr/>
+        </p:nvSpPr>
+        <p:spPr>
+          <a:xfrm>
+            <a:off x="1288425" y="2781149"/>
+            <a:ext cx="245580" cy="261610"/>
+          </a:xfrm>
+          <a:prstGeom prst="rect">
+            <a:avLst/>
+          </a:prstGeom>
+          <a:noFill/>
+        </p:spPr>
+        <p:txBody>
+          <a:bodyPr wrap="none" rtlCol="0">
+            <a:spAutoFit/>
+          </a:bodyPr>
+          <a:lstStyle/>
+          <a:p>
+            <a:r>
+              <a:rPr lang="en-GB" sz="1100" dirty="0" smtClean="0"/>
+              <a:t>x</a:t>
+            </a:r>
+            <a:endParaRPr lang="en-GB" sz="1100" dirty="0"/>
+          </a:p>
+        </p:txBody>
+      </p:sp>
+      <p:sp>
+        <p:nvSpPr>
+          <p:cNvPr id="71" name="ZoneTexte 70"/>
+          <p:cNvSpPr txBox="1"/>
+          <p:nvPr/>
+        </p:nvSpPr>
+        <p:spPr>
+          <a:xfrm>
+            <a:off x="1705243" y="3182273"/>
+            <a:ext cx="248786" cy="261610"/>
+          </a:xfrm>
+          <a:prstGeom prst="rect">
+            <a:avLst/>
+          </a:prstGeom>
+          <a:noFill/>
+        </p:spPr>
+        <p:txBody>
+          <a:bodyPr wrap="none" rtlCol="0">
+            <a:spAutoFit/>
+          </a:bodyPr>
+          <a:lstStyle/>
+          <a:p>
+            <a:r>
+              <a:rPr lang="en-GB" sz="1100" dirty="0" smtClean="0"/>
+              <a:t>y</a:t>
+            </a:r>
+            <a:endParaRPr lang="en-GB" sz="1100" dirty="0"/>
           </a:p>
         </p:txBody>
       </p:sp>
